--- a/website-design/FRAMES-DESIGN.pptx
+++ b/website-design/FRAMES-DESIGN.pptx
@@ -6,13 +6,14 @@
   </p:sldMasterIdLst>
   <p:sldIdLst>
     <p:sldId id="256" r:id="rId2"/>
-    <p:sldId id="259" r:id="rId3"/>
-    <p:sldId id="263" r:id="rId4"/>
-    <p:sldId id="261" r:id="rId5"/>
-    <p:sldId id="264" r:id="rId6"/>
-    <p:sldId id="266" r:id="rId7"/>
-    <p:sldId id="265" r:id="rId8"/>
-    <p:sldId id="267" r:id="rId9"/>
+    <p:sldId id="268" r:id="rId3"/>
+    <p:sldId id="259" r:id="rId4"/>
+    <p:sldId id="263" r:id="rId5"/>
+    <p:sldId id="261" r:id="rId6"/>
+    <p:sldId id="264" r:id="rId7"/>
+    <p:sldId id="266" r:id="rId8"/>
+    <p:sldId id="265" r:id="rId9"/>
+    <p:sldId id="267" r:id="rId10"/>
   </p:sldIdLst>
   <p:sldSz cx="12192000" cy="6858000"/>
   <p:notesSz cx="6858000" cy="9144000"/>
@@ -117,6 +118,7 @@
         <p14:section name="LOGIN" id="{CF208E9C-CBC1-467E-A98A-9E9FCFB2CDA2}">
           <p14:sldIdLst>
             <p14:sldId id="256"/>
+            <p14:sldId id="268"/>
           </p14:sldIdLst>
         </p14:section>
         <p14:section name="CLASS" id="{B0FACCDC-953A-41B6-853C-D00BDC100083}">
@@ -339,7 +341,7 @@
           <a:p>
             <a:fld id="{9283CBB4-DE95-4D71-9384-DF81DA445E12}" type="datetimeFigureOut">
               <a:rPr lang="en-PH" smtClean="0"/>
-              <a:t>01/03/2023</a:t>
+              <a:t>03/27/2023</a:t>
             </a:fld>
             <a:endParaRPr lang="en-PH"/>
           </a:p>
@@ -539,7 +541,7 @@
           <a:p>
             <a:fld id="{9283CBB4-DE95-4D71-9384-DF81DA445E12}" type="datetimeFigureOut">
               <a:rPr lang="en-PH" smtClean="0"/>
-              <a:t>01/03/2023</a:t>
+              <a:t>03/27/2023</a:t>
             </a:fld>
             <a:endParaRPr lang="en-PH"/>
           </a:p>
@@ -749,7 +751,7 @@
           <a:p>
             <a:fld id="{9283CBB4-DE95-4D71-9384-DF81DA445E12}" type="datetimeFigureOut">
               <a:rPr lang="en-PH" smtClean="0"/>
-              <a:t>01/03/2023</a:t>
+              <a:t>03/27/2023</a:t>
             </a:fld>
             <a:endParaRPr lang="en-PH"/>
           </a:p>
@@ -949,7 +951,7 @@
           <a:p>
             <a:fld id="{9283CBB4-DE95-4D71-9384-DF81DA445E12}" type="datetimeFigureOut">
               <a:rPr lang="en-PH" smtClean="0"/>
-              <a:t>01/03/2023</a:t>
+              <a:t>03/27/2023</a:t>
             </a:fld>
             <a:endParaRPr lang="en-PH"/>
           </a:p>
@@ -1225,7 +1227,7 @@
           <a:p>
             <a:fld id="{9283CBB4-DE95-4D71-9384-DF81DA445E12}" type="datetimeFigureOut">
               <a:rPr lang="en-PH" smtClean="0"/>
-              <a:t>01/03/2023</a:t>
+              <a:t>03/27/2023</a:t>
             </a:fld>
             <a:endParaRPr lang="en-PH"/>
           </a:p>
@@ -1493,7 +1495,7 @@
           <a:p>
             <a:fld id="{9283CBB4-DE95-4D71-9384-DF81DA445E12}" type="datetimeFigureOut">
               <a:rPr lang="en-PH" smtClean="0"/>
-              <a:t>01/03/2023</a:t>
+              <a:t>03/27/2023</a:t>
             </a:fld>
             <a:endParaRPr lang="en-PH"/>
           </a:p>
@@ -1908,7 +1910,7 @@
           <a:p>
             <a:fld id="{9283CBB4-DE95-4D71-9384-DF81DA445E12}" type="datetimeFigureOut">
               <a:rPr lang="en-PH" smtClean="0"/>
-              <a:t>01/03/2023</a:t>
+              <a:t>03/27/2023</a:t>
             </a:fld>
             <a:endParaRPr lang="en-PH"/>
           </a:p>
@@ -2050,7 +2052,7 @@
           <a:p>
             <a:fld id="{9283CBB4-DE95-4D71-9384-DF81DA445E12}" type="datetimeFigureOut">
               <a:rPr lang="en-PH" smtClean="0"/>
-              <a:t>01/03/2023</a:t>
+              <a:t>03/27/2023</a:t>
             </a:fld>
             <a:endParaRPr lang="en-PH"/>
           </a:p>
@@ -2163,7 +2165,7 @@
           <a:p>
             <a:fld id="{9283CBB4-DE95-4D71-9384-DF81DA445E12}" type="datetimeFigureOut">
               <a:rPr lang="en-PH" smtClean="0"/>
-              <a:t>01/03/2023</a:t>
+              <a:t>03/27/2023</a:t>
             </a:fld>
             <a:endParaRPr lang="en-PH"/>
           </a:p>
@@ -2476,7 +2478,7 @@
           <a:p>
             <a:fld id="{9283CBB4-DE95-4D71-9384-DF81DA445E12}" type="datetimeFigureOut">
               <a:rPr lang="en-PH" smtClean="0"/>
-              <a:t>01/03/2023</a:t>
+              <a:t>03/27/2023</a:t>
             </a:fld>
             <a:endParaRPr lang="en-PH"/>
           </a:p>
@@ -2765,7 +2767,7 @@
           <a:p>
             <a:fld id="{9283CBB4-DE95-4D71-9384-DF81DA445E12}" type="datetimeFigureOut">
               <a:rPr lang="en-PH" smtClean="0"/>
-              <a:t>01/03/2023</a:t>
+              <a:t>03/27/2023</a:t>
             </a:fld>
             <a:endParaRPr lang="en-PH"/>
           </a:p>
@@ -3008,7 +3010,7 @@
           <a:p>
             <a:fld id="{9283CBB4-DE95-4D71-9384-DF81DA445E12}" type="datetimeFigureOut">
               <a:rPr lang="en-PH" smtClean="0"/>
-              <a:t>01/03/2023</a:t>
+              <a:t>03/27/2023</a:t>
             </a:fld>
             <a:endParaRPr lang="en-PH"/>
           </a:p>
@@ -5107,1545 +5109,915 @@
           <a:chExt cx="0" cy="0"/>
         </a:xfrm>
       </p:grpSpPr>
-      <p:sp>
-        <p:nvSpPr>
-          <p:cNvPr id="6" name="Rectangle 5">
-            <a:extLst>
-              <a:ext uri="{FF2B5EF4-FFF2-40B4-BE49-F238E27FC236}">
-                <a16:creationId xmlns:a16="http://schemas.microsoft.com/office/drawing/2014/main" id="{3F08A171-B639-2D30-BA43-7C13347043A3}"/>
-              </a:ext>
-            </a:extLst>
-          </p:cNvPr>
-          <p:cNvSpPr/>
-          <p:nvPr/>
-        </p:nvSpPr>
-        <p:spPr>
-          <a:xfrm>
-            <a:off x="0" y="0"/>
-            <a:ext cx="1046480" cy="6858000"/>
-          </a:xfrm>
-          <a:prstGeom prst="rect">
-            <a:avLst/>
-          </a:prstGeom>
-          <a:solidFill>
-            <a:srgbClr val="11101D"/>
-          </a:solidFill>
-          <a:ln>
-            <a:noFill/>
-          </a:ln>
-        </p:spPr>
-        <p:style>
-          <a:lnRef idx="2">
-            <a:schemeClr val="accent1">
-              <a:shade val="50000"/>
-            </a:schemeClr>
-          </a:lnRef>
-          <a:fillRef idx="1">
-            <a:schemeClr val="accent1"/>
-          </a:fillRef>
-          <a:effectRef idx="0">
-            <a:schemeClr val="accent1"/>
-          </a:effectRef>
-          <a:fontRef idx="minor">
-            <a:schemeClr val="lt1"/>
-          </a:fontRef>
-        </p:style>
-        <p:txBody>
-          <a:bodyPr rtlCol="0" anchor="ctr"/>
-          <a:lstStyle/>
-          <a:p>
-            <a:pPr algn="ctr"/>
-            <a:endParaRPr lang="en-PH"/>
-          </a:p>
-        </p:txBody>
-      </p:sp>
-      <p:pic>
-        <p:nvPicPr>
-          <p:cNvPr id="8" name="Graphic 7" descr="Hamburger Menu Icon with solid fill">
-            <a:extLst>
-              <a:ext uri="{FF2B5EF4-FFF2-40B4-BE49-F238E27FC236}">
-                <a16:creationId xmlns:a16="http://schemas.microsoft.com/office/drawing/2014/main" id="{125D96E9-7513-36C2-75F8-9CCA050F58B1}"/>
-              </a:ext>
-            </a:extLst>
-          </p:cNvPr>
-          <p:cNvPicPr>
-            <a:picLocks noChangeAspect="1"/>
-          </p:cNvPicPr>
-          <p:nvPr/>
-        </p:nvPicPr>
-        <p:blipFill>
-          <a:blip r:embed="rId2">
-            <a:extLst>
-              <a:ext uri="{28A0092B-C50C-407E-A947-70E740481C1C}">
-                <a14:useLocalDpi xmlns:a14="http://schemas.microsoft.com/office/drawing/2010/main" val="0"/>
-              </a:ext>
-              <a:ext uri="{96DAC541-7B7A-43D3-8B79-37D633B846F1}">
-                <asvg:svgBlip xmlns:asvg="http://schemas.microsoft.com/office/drawing/2016/SVG/main" r:embed="rId3"/>
-              </a:ext>
-            </a:extLst>
-          </a:blip>
-          <a:stretch>
-            <a:fillRect/>
-          </a:stretch>
-        </p:blipFill>
-        <p:spPr>
-          <a:xfrm>
-            <a:off x="307240" y="147484"/>
-            <a:ext cx="432000" cy="432000"/>
-          </a:xfrm>
-          <a:prstGeom prst="rect">
-            <a:avLst/>
-          </a:prstGeom>
-        </p:spPr>
-      </p:pic>
-      <p:pic>
-        <p:nvPicPr>
-          <p:cNvPr id="10" name="Graphic 9" descr="Bar chart with solid fill">
-            <a:extLst>
-              <a:ext uri="{FF2B5EF4-FFF2-40B4-BE49-F238E27FC236}">
-                <a16:creationId xmlns:a16="http://schemas.microsoft.com/office/drawing/2014/main" id="{8F364BD9-4D34-9378-2539-4FECD2456419}"/>
-              </a:ext>
-            </a:extLst>
-          </p:cNvPr>
-          <p:cNvPicPr>
-            <a:picLocks noChangeAspect="1"/>
-          </p:cNvPicPr>
-          <p:nvPr/>
-        </p:nvPicPr>
-        <p:blipFill>
-          <a:blip r:embed="rId4">
-            <a:extLst>
-              <a:ext uri="{28A0092B-C50C-407E-A947-70E740481C1C}">
-                <a14:useLocalDpi xmlns:a14="http://schemas.microsoft.com/office/drawing/2010/main" val="0"/>
-              </a:ext>
-              <a:ext uri="{96DAC541-7B7A-43D3-8B79-37D633B846F1}">
-                <asvg:svgBlip xmlns:asvg="http://schemas.microsoft.com/office/drawing/2016/SVG/main" r:embed="rId5"/>
-              </a:ext>
-            </a:extLst>
-          </a:blip>
-          <a:stretch>
-            <a:fillRect/>
-          </a:stretch>
-        </p:blipFill>
-        <p:spPr>
-          <a:xfrm>
-            <a:off x="307240" y="4372897"/>
-            <a:ext cx="432000" cy="432000"/>
-          </a:xfrm>
-          <a:prstGeom prst="rect">
-            <a:avLst/>
-          </a:prstGeom>
-        </p:spPr>
-      </p:pic>
-      <p:pic>
-        <p:nvPicPr>
-          <p:cNvPr id="14" name="Graphic 13" descr="Books on shelf with solid fill">
-            <a:extLst>
-              <a:ext uri="{FF2B5EF4-FFF2-40B4-BE49-F238E27FC236}">
-                <a16:creationId xmlns:a16="http://schemas.microsoft.com/office/drawing/2014/main" id="{93FB210C-BE5C-3640-8913-9A79263F8F24}"/>
-              </a:ext>
-            </a:extLst>
-          </p:cNvPr>
-          <p:cNvPicPr>
-            <a:picLocks noChangeAspect="1"/>
-          </p:cNvPicPr>
-          <p:nvPr/>
-        </p:nvPicPr>
-        <p:blipFill>
-          <a:blip r:embed="rId6">
-            <a:extLst>
-              <a:ext uri="{28A0092B-C50C-407E-A947-70E740481C1C}">
-                <a14:useLocalDpi xmlns:a14="http://schemas.microsoft.com/office/drawing/2010/main" val="0"/>
-              </a:ext>
-              <a:ext uri="{96DAC541-7B7A-43D3-8B79-37D633B846F1}">
-                <asvg:svgBlip xmlns:asvg="http://schemas.microsoft.com/office/drawing/2016/SVG/main" r:embed="rId7"/>
-              </a:ext>
-            </a:extLst>
-          </a:blip>
-          <a:stretch>
-            <a:fillRect/>
-          </a:stretch>
-        </p:blipFill>
-        <p:spPr>
-          <a:xfrm>
-            <a:off x="307240" y="2964426"/>
-            <a:ext cx="432000" cy="432000"/>
-          </a:xfrm>
-          <a:prstGeom prst="rect">
-            <a:avLst/>
-          </a:prstGeom>
-        </p:spPr>
-      </p:pic>
-      <p:pic>
-        <p:nvPicPr>
-          <p:cNvPr id="16" name="Picture 15" descr="Icon&#10;&#10;Description automatically generated">
-            <a:extLst>
-              <a:ext uri="{FF2B5EF4-FFF2-40B4-BE49-F238E27FC236}">
-                <a16:creationId xmlns:a16="http://schemas.microsoft.com/office/drawing/2014/main" id="{92BAA0B8-9AA3-0757-889B-A6548E1244FC}"/>
-              </a:ext>
-            </a:extLst>
-          </p:cNvPr>
-          <p:cNvPicPr>
-            <a:picLocks noChangeAspect="1"/>
-          </p:cNvPicPr>
-          <p:nvPr/>
-        </p:nvPicPr>
-        <p:blipFill>
-          <a:blip r:embed="rId8">
-            <a:extLst>
-              <a:ext uri="{28A0092B-C50C-407E-A947-70E740481C1C}">
-                <a14:useLocalDpi xmlns:a14="http://schemas.microsoft.com/office/drawing/2010/main" val="0"/>
-              </a:ext>
-            </a:extLst>
-          </a:blip>
-          <a:stretch>
-            <a:fillRect/>
-          </a:stretch>
-        </p:blipFill>
-        <p:spPr>
-          <a:xfrm>
-            <a:off x="307240" y="6066504"/>
-            <a:ext cx="432000" cy="432000"/>
-          </a:xfrm>
-          <a:prstGeom prst="rect">
-            <a:avLst/>
-          </a:prstGeom>
-        </p:spPr>
-      </p:pic>
-      <p:sp>
-        <p:nvSpPr>
-          <p:cNvPr id="22" name="Rectangle: Rounded Corners 21">
-            <a:extLst>
-              <a:ext uri="{FF2B5EF4-FFF2-40B4-BE49-F238E27FC236}">
-                <a16:creationId xmlns:a16="http://schemas.microsoft.com/office/drawing/2014/main" id="{E80E028C-9018-A074-769F-05777C1DCF3F}"/>
-              </a:ext>
-            </a:extLst>
-          </p:cNvPr>
-          <p:cNvSpPr/>
-          <p:nvPr/>
-        </p:nvSpPr>
-        <p:spPr>
-          <a:xfrm>
-            <a:off x="227686" y="1377080"/>
-            <a:ext cx="576000" cy="576000"/>
-          </a:xfrm>
-          <a:prstGeom prst="roundRect">
-            <a:avLst/>
-          </a:prstGeom>
-          <a:solidFill>
-            <a:srgbClr val="2D2A4C"/>
-          </a:solidFill>
-          <a:ln>
-            <a:noFill/>
-          </a:ln>
-        </p:spPr>
-        <p:style>
-          <a:lnRef idx="2">
-            <a:schemeClr val="accent1">
-              <a:shade val="50000"/>
-            </a:schemeClr>
-          </a:lnRef>
-          <a:fillRef idx="1">
-            <a:schemeClr val="accent1"/>
-          </a:fillRef>
-          <a:effectRef idx="0">
-            <a:schemeClr val="accent1"/>
-          </a:effectRef>
-          <a:fontRef idx="minor">
-            <a:schemeClr val="lt1"/>
-          </a:fontRef>
-        </p:style>
-        <p:txBody>
-          <a:bodyPr rtlCol="0" anchor="ctr"/>
-          <a:lstStyle/>
-          <a:p>
-            <a:pPr algn="ctr"/>
-            <a:endParaRPr lang="en-PH"/>
-          </a:p>
-        </p:txBody>
-      </p:sp>
-      <p:pic>
-        <p:nvPicPr>
-          <p:cNvPr id="21" name="Picture 20" descr="A picture containing icon&#10;&#10;Description automatically generated">
-            <a:extLst>
-              <a:ext uri="{FF2B5EF4-FFF2-40B4-BE49-F238E27FC236}">
-                <a16:creationId xmlns:a16="http://schemas.microsoft.com/office/drawing/2014/main" id="{47805D52-E03C-78B5-A65B-7C69A177FAE8}"/>
-              </a:ext>
-            </a:extLst>
-          </p:cNvPr>
-          <p:cNvPicPr>
-            <a:picLocks noChangeAspect="1"/>
-          </p:cNvPicPr>
-          <p:nvPr/>
-        </p:nvPicPr>
-        <p:blipFill>
-          <a:blip r:embed="rId9">
-            <a:extLst>
-              <a:ext uri="{28A0092B-C50C-407E-A947-70E740481C1C}">
-                <a14:useLocalDpi xmlns:a14="http://schemas.microsoft.com/office/drawing/2010/main" val="0"/>
-              </a:ext>
-            </a:extLst>
-          </a:blip>
-          <a:stretch>
-            <a:fillRect/>
-          </a:stretch>
-        </p:blipFill>
-        <p:spPr>
-          <a:xfrm>
-            <a:off x="306190" y="1440912"/>
-            <a:ext cx="432000" cy="432000"/>
-          </a:xfrm>
-          <a:prstGeom prst="rect">
-            <a:avLst/>
-          </a:prstGeom>
-        </p:spPr>
-      </p:pic>
-      <p:sp>
-        <p:nvSpPr>
-          <p:cNvPr id="23" name="Rectangle 22">
-            <a:extLst>
-              <a:ext uri="{FF2B5EF4-FFF2-40B4-BE49-F238E27FC236}">
-                <a16:creationId xmlns:a16="http://schemas.microsoft.com/office/drawing/2014/main" id="{7E6939E1-CCBC-342B-4708-136846DD11F9}"/>
-              </a:ext>
-            </a:extLst>
-          </p:cNvPr>
-          <p:cNvSpPr/>
-          <p:nvPr/>
-        </p:nvSpPr>
-        <p:spPr>
-          <a:xfrm>
-            <a:off x="1763527" y="572441"/>
-            <a:ext cx="3583445" cy="1797132"/>
-          </a:xfrm>
-          <a:prstGeom prst="rect">
-            <a:avLst/>
-          </a:prstGeom>
-          <a:solidFill>
-            <a:schemeClr val="bg1"/>
-          </a:solidFill>
-          <a:ln>
+      <p:grpSp>
+        <p:nvGrpSpPr>
+          <p:cNvPr id="34" name="Group 33">
+            <a:extLst>
+              <a:ext uri="{FF2B5EF4-FFF2-40B4-BE49-F238E27FC236}">
+                <a16:creationId xmlns:a16="http://schemas.microsoft.com/office/drawing/2014/main" id="{D51B5912-3DEC-4061-E602-AF43A7CF3737}"/>
+              </a:ext>
+            </a:extLst>
+          </p:cNvPr>
+          <p:cNvGrpSpPr/>
+          <p:nvPr/>
+        </p:nvGrpSpPr>
+        <p:grpSpPr>
+          <a:xfrm>
+            <a:off x="-857511" y="-508172"/>
+            <a:ext cx="14030302" cy="8473026"/>
+            <a:chOff x="-857511" y="-508172"/>
+            <a:chExt cx="14030302" cy="8473026"/>
+          </a:xfrm>
+        </p:grpSpPr>
+        <p:sp>
+          <p:nvSpPr>
+            <p:cNvPr id="5" name="Oval 4">
+              <a:extLst>
+                <a:ext uri="{FF2B5EF4-FFF2-40B4-BE49-F238E27FC236}">
+                  <a16:creationId xmlns:a16="http://schemas.microsoft.com/office/drawing/2014/main" id="{86789E47-917F-78F9-0485-E32A81E1412E}"/>
+                </a:ext>
+              </a:extLst>
+            </p:cNvPr>
+            <p:cNvSpPr/>
+            <p:nvPr/>
+          </p:nvSpPr>
+          <p:spPr>
+            <a:xfrm>
+              <a:off x="6559513" y="5272576"/>
+              <a:ext cx="731520" cy="731520"/>
+            </a:xfrm>
+            <a:prstGeom prst="ellipse">
+              <a:avLst/>
+            </a:prstGeom>
             <a:solidFill>
-              <a:schemeClr val="tx1">
-                <a:lumMod val="50000"/>
-                <a:lumOff val="50000"/>
+              <a:schemeClr val="accent4"/>
+            </a:solidFill>
+            <a:ln>
+              <a:noFill/>
+            </a:ln>
+          </p:spPr>
+          <p:style>
+            <a:lnRef idx="2">
+              <a:schemeClr val="accent1">
+                <a:shade val="50000"/>
               </a:schemeClr>
+            </a:lnRef>
+            <a:fillRef idx="1">
+              <a:schemeClr val="accent1"/>
+            </a:fillRef>
+            <a:effectRef idx="0">
+              <a:schemeClr val="accent1"/>
+            </a:effectRef>
+            <a:fontRef idx="minor">
+              <a:schemeClr val="lt1"/>
+            </a:fontRef>
+          </p:style>
+          <p:txBody>
+            <a:bodyPr rtlCol="0" anchor="ctr"/>
+            <a:lstStyle/>
+            <a:p>
+              <a:pPr algn="ctr"/>
+              <a:endParaRPr lang="en-PH"/>
+            </a:p>
+          </p:txBody>
+        </p:sp>
+        <p:sp>
+          <p:nvSpPr>
+            <p:cNvPr id="7" name="Oval 6">
+              <a:extLst>
+                <a:ext uri="{FF2B5EF4-FFF2-40B4-BE49-F238E27FC236}">
+                  <a16:creationId xmlns:a16="http://schemas.microsoft.com/office/drawing/2014/main" id="{A5001367-A030-F36C-5B79-2AD3FC391492}"/>
+                </a:ext>
+              </a:extLst>
+            </p:cNvPr>
+            <p:cNvSpPr/>
+            <p:nvPr/>
+          </p:nvSpPr>
+          <p:spPr>
+            <a:xfrm>
+              <a:off x="10480953" y="544400"/>
+              <a:ext cx="731520" cy="731520"/>
+            </a:xfrm>
+            <a:prstGeom prst="ellipse">
+              <a:avLst/>
+            </a:prstGeom>
+            <a:solidFill>
+              <a:srgbClr val="002060"/>
             </a:solidFill>
-          </a:ln>
-          <a:effectLst>
-            <a:outerShdw blurRad="63500" sx="102000" sy="102000" algn="ctr" rotWithShape="0">
-              <a:prstClr val="black">
-                <a:alpha val="40000"/>
-              </a:prstClr>
-            </a:outerShdw>
-          </a:effectLst>
-        </p:spPr>
-        <p:style>
-          <a:lnRef idx="2">
-            <a:schemeClr val="accent1">
-              <a:shade val="50000"/>
-            </a:schemeClr>
-          </a:lnRef>
-          <a:fillRef idx="1">
-            <a:schemeClr val="accent1"/>
-          </a:fillRef>
-          <a:effectRef idx="0">
-            <a:schemeClr val="accent1"/>
-          </a:effectRef>
-          <a:fontRef idx="minor">
-            <a:schemeClr val="lt1"/>
-          </a:fontRef>
-        </p:style>
-        <p:txBody>
-          <a:bodyPr rtlCol="0" anchor="ctr"/>
-          <a:lstStyle/>
-          <a:p>
-            <a:pPr algn="ctr"/>
-            <a:endParaRPr lang="en-PH"/>
-          </a:p>
-        </p:txBody>
-      </p:sp>
-      <p:sp>
-        <p:nvSpPr>
-          <p:cNvPr id="25" name="Rectangle 24">
-            <a:extLst>
-              <a:ext uri="{FF2B5EF4-FFF2-40B4-BE49-F238E27FC236}">
-                <a16:creationId xmlns:a16="http://schemas.microsoft.com/office/drawing/2014/main" id="{C8AFC46D-A9FF-D2C1-C119-14585B31B9E9}"/>
-              </a:ext>
-            </a:extLst>
-          </p:cNvPr>
-          <p:cNvSpPr/>
-          <p:nvPr/>
-        </p:nvSpPr>
-        <p:spPr>
-          <a:xfrm>
-            <a:off x="1763527" y="4151074"/>
-            <a:ext cx="3583444" cy="1797131"/>
-          </a:xfrm>
-          <a:prstGeom prst="rect">
-            <a:avLst/>
-          </a:prstGeom>
-          <a:solidFill>
-            <a:schemeClr val="bg1"/>
-          </a:solidFill>
-          <a:ln>
+            <a:ln>
+              <a:noFill/>
+            </a:ln>
+          </p:spPr>
+          <p:style>
+            <a:lnRef idx="2">
+              <a:schemeClr val="accent1">
+                <a:shade val="50000"/>
+              </a:schemeClr>
+            </a:lnRef>
+            <a:fillRef idx="1">
+              <a:schemeClr val="accent1"/>
+            </a:fillRef>
+            <a:effectRef idx="0">
+              <a:schemeClr val="accent1"/>
+            </a:effectRef>
+            <a:fontRef idx="minor">
+              <a:schemeClr val="lt1"/>
+            </a:fontRef>
+          </p:style>
+          <p:txBody>
+            <a:bodyPr rtlCol="0" anchor="ctr"/>
+            <a:lstStyle/>
+            <a:p>
+              <a:pPr algn="ctr"/>
+              <a:endParaRPr lang="en-PH"/>
+            </a:p>
+          </p:txBody>
+        </p:sp>
+        <p:sp>
+          <p:nvSpPr>
+            <p:cNvPr id="8" name="Oval 7">
+              <a:extLst>
+                <a:ext uri="{FF2B5EF4-FFF2-40B4-BE49-F238E27FC236}">
+                  <a16:creationId xmlns:a16="http://schemas.microsoft.com/office/drawing/2014/main" id="{712E5855-2BD6-3AE5-344E-6C5EB4618A0F}"/>
+                </a:ext>
+              </a:extLst>
+            </p:cNvPr>
+            <p:cNvSpPr/>
+            <p:nvPr/>
+          </p:nvSpPr>
+          <p:spPr>
+            <a:xfrm>
+              <a:off x="6096000" y="426096"/>
+              <a:ext cx="731520" cy="731520"/>
+            </a:xfrm>
+            <a:prstGeom prst="ellipse">
+              <a:avLst/>
+            </a:prstGeom>
             <a:solidFill>
-              <a:schemeClr val="tx1">
-                <a:lumMod val="50000"/>
-                <a:lumOff val="50000"/>
+              <a:srgbClr val="002060"/>
+            </a:solidFill>
+            <a:ln>
+              <a:noFill/>
+            </a:ln>
+          </p:spPr>
+          <p:style>
+            <a:lnRef idx="2">
+              <a:schemeClr val="accent1">
+                <a:shade val="50000"/>
               </a:schemeClr>
+            </a:lnRef>
+            <a:fillRef idx="1">
+              <a:schemeClr val="accent1"/>
+            </a:fillRef>
+            <a:effectRef idx="0">
+              <a:schemeClr val="accent1"/>
+            </a:effectRef>
+            <a:fontRef idx="minor">
+              <a:schemeClr val="lt1"/>
+            </a:fontRef>
+          </p:style>
+          <p:txBody>
+            <a:bodyPr rtlCol="0" anchor="ctr"/>
+            <a:lstStyle/>
+            <a:p>
+              <a:pPr algn="ctr"/>
+              <a:endParaRPr lang="en-PH"/>
+            </a:p>
+          </p:txBody>
+        </p:sp>
+        <p:sp>
+          <p:nvSpPr>
+            <p:cNvPr id="9" name="Oval 8">
+              <a:extLst>
+                <a:ext uri="{FF2B5EF4-FFF2-40B4-BE49-F238E27FC236}">
+                  <a16:creationId xmlns:a16="http://schemas.microsoft.com/office/drawing/2014/main" id="{AA162DAC-730C-5F6A-4A3B-6669B888BFB1}"/>
+                </a:ext>
+              </a:extLst>
+            </p:cNvPr>
+            <p:cNvSpPr/>
+            <p:nvPr/>
+          </p:nvSpPr>
+          <p:spPr>
+            <a:xfrm>
+              <a:off x="10538059" y="5330122"/>
+              <a:ext cx="2634732" cy="2634732"/>
+            </a:xfrm>
+            <a:prstGeom prst="ellipse">
+              <a:avLst/>
+            </a:prstGeom>
+            <a:solidFill>
+              <a:schemeClr val="accent4"/>
             </a:solidFill>
-          </a:ln>
-          <a:effectLst>
-            <a:outerShdw blurRad="63500" sx="102000" sy="102000" algn="ctr" rotWithShape="0">
-              <a:prstClr val="black">
-                <a:alpha val="40000"/>
-              </a:prstClr>
-            </a:outerShdw>
-          </a:effectLst>
-        </p:spPr>
-        <p:style>
-          <a:lnRef idx="2">
-            <a:schemeClr val="accent1">
-              <a:shade val="50000"/>
-            </a:schemeClr>
-          </a:lnRef>
-          <a:fillRef idx="1">
-            <a:schemeClr val="accent1"/>
-          </a:fillRef>
-          <a:effectRef idx="0">
-            <a:schemeClr val="accent1"/>
-          </a:effectRef>
-          <a:fontRef idx="minor">
-            <a:schemeClr val="lt1"/>
-          </a:fontRef>
-        </p:style>
-        <p:txBody>
-          <a:bodyPr rtlCol="0" anchor="ctr"/>
-          <a:lstStyle/>
-          <a:p>
-            <a:pPr algn="ctr"/>
-            <a:endParaRPr lang="en-PH"/>
-          </a:p>
-        </p:txBody>
-      </p:sp>
-      <p:sp>
-        <p:nvSpPr>
-          <p:cNvPr id="26" name="Rectangle 25">
-            <a:extLst>
-              <a:ext uri="{FF2B5EF4-FFF2-40B4-BE49-F238E27FC236}">
-                <a16:creationId xmlns:a16="http://schemas.microsoft.com/office/drawing/2014/main" id="{796C9850-71D7-2FBF-C4F6-A7A19AB0648C}"/>
-              </a:ext>
-            </a:extLst>
-          </p:cNvPr>
-          <p:cNvSpPr/>
-          <p:nvPr/>
-        </p:nvSpPr>
-        <p:spPr>
-          <a:xfrm>
-            <a:off x="7552951" y="4151073"/>
-            <a:ext cx="3583444" cy="1797132"/>
-          </a:xfrm>
-          <a:prstGeom prst="rect">
-            <a:avLst/>
-          </a:prstGeom>
-          <a:solidFill>
-            <a:schemeClr val="bg1"/>
-          </a:solidFill>
-          <a:ln>
+            <a:ln>
+              <a:noFill/>
+            </a:ln>
+          </p:spPr>
+          <p:style>
+            <a:lnRef idx="2">
+              <a:schemeClr val="accent1">
+                <a:shade val="50000"/>
+              </a:schemeClr>
+            </a:lnRef>
+            <a:fillRef idx="1">
+              <a:schemeClr val="accent1"/>
+            </a:fillRef>
+            <a:effectRef idx="0">
+              <a:schemeClr val="accent1"/>
+            </a:effectRef>
+            <a:fontRef idx="minor">
+              <a:schemeClr val="lt1"/>
+            </a:fontRef>
+          </p:style>
+          <p:txBody>
+            <a:bodyPr rtlCol="0" anchor="ctr"/>
+            <a:lstStyle/>
+            <a:p>
+              <a:pPr algn="ctr"/>
+              <a:endParaRPr lang="en-PH"/>
+            </a:p>
+          </p:txBody>
+        </p:sp>
+        <p:sp>
+          <p:nvSpPr>
+            <p:cNvPr id="10" name="Oval 9">
+              <a:extLst>
+                <a:ext uri="{FF2B5EF4-FFF2-40B4-BE49-F238E27FC236}">
+                  <a16:creationId xmlns:a16="http://schemas.microsoft.com/office/drawing/2014/main" id="{D9F1E33F-1173-0D36-D107-EC82D74705AE}"/>
+                </a:ext>
+              </a:extLst>
+            </p:cNvPr>
+            <p:cNvSpPr/>
+            <p:nvPr/>
+          </p:nvSpPr>
+          <p:spPr>
+            <a:xfrm>
+              <a:off x="4108902" y="2759423"/>
+              <a:ext cx="1339153" cy="1339153"/>
+            </a:xfrm>
+            <a:prstGeom prst="ellipse">
+              <a:avLst/>
+            </a:prstGeom>
             <a:solidFill>
-              <a:schemeClr val="tx1">
-                <a:lumMod val="50000"/>
-                <a:lumOff val="50000"/>
+              <a:schemeClr val="accent4"/>
+            </a:solidFill>
+            <a:ln>
+              <a:noFill/>
+            </a:ln>
+          </p:spPr>
+          <p:style>
+            <a:lnRef idx="2">
+              <a:schemeClr val="accent1">
+                <a:shade val="50000"/>
               </a:schemeClr>
+            </a:lnRef>
+            <a:fillRef idx="1">
+              <a:schemeClr val="accent1"/>
+            </a:fillRef>
+            <a:effectRef idx="0">
+              <a:schemeClr val="accent1"/>
+            </a:effectRef>
+            <a:fontRef idx="minor">
+              <a:schemeClr val="lt1"/>
+            </a:fontRef>
+          </p:style>
+          <p:txBody>
+            <a:bodyPr rtlCol="0" anchor="ctr"/>
+            <a:lstStyle/>
+            <a:p>
+              <a:pPr algn="ctr"/>
+              <a:endParaRPr lang="en-PH"/>
+            </a:p>
+          </p:txBody>
+        </p:sp>
+        <p:sp>
+          <p:nvSpPr>
+            <p:cNvPr id="11" name="Oval 10">
+              <a:extLst>
+                <a:ext uri="{FF2B5EF4-FFF2-40B4-BE49-F238E27FC236}">
+                  <a16:creationId xmlns:a16="http://schemas.microsoft.com/office/drawing/2014/main" id="{D3FC266F-8BAA-8DEC-3637-40B3FF08D943}"/>
+                </a:ext>
+              </a:extLst>
+            </p:cNvPr>
+            <p:cNvSpPr/>
+            <p:nvPr/>
+          </p:nvSpPr>
+          <p:spPr>
+            <a:xfrm>
+              <a:off x="7922834" y="1832008"/>
+              <a:ext cx="2017424" cy="2017424"/>
+            </a:xfrm>
+            <a:prstGeom prst="ellipse">
+              <a:avLst/>
+            </a:prstGeom>
+            <a:solidFill>
+              <a:srgbClr val="002060"/>
             </a:solidFill>
-          </a:ln>
-          <a:effectLst>
-            <a:outerShdw blurRad="63500" sx="102000" sy="102000" algn="ctr" rotWithShape="0">
-              <a:prstClr val="black">
-                <a:alpha val="40000"/>
-              </a:prstClr>
-            </a:outerShdw>
-          </a:effectLst>
-        </p:spPr>
-        <p:style>
-          <a:lnRef idx="2">
-            <a:schemeClr val="accent1">
-              <a:shade val="50000"/>
-            </a:schemeClr>
-          </a:lnRef>
-          <a:fillRef idx="1">
-            <a:schemeClr val="accent1"/>
-          </a:fillRef>
-          <a:effectRef idx="0">
-            <a:schemeClr val="accent1"/>
-          </a:effectRef>
-          <a:fontRef idx="minor">
-            <a:schemeClr val="lt1"/>
-          </a:fontRef>
-        </p:style>
-        <p:txBody>
-          <a:bodyPr rtlCol="0" anchor="ctr"/>
-          <a:lstStyle/>
-          <a:p>
-            <a:pPr algn="ctr"/>
-            <a:endParaRPr lang="en-PH"/>
-          </a:p>
-        </p:txBody>
-      </p:sp>
-      <p:sp>
-        <p:nvSpPr>
-          <p:cNvPr id="27" name="Rectangle: Top Corners Rounded 26">
-            <a:extLst>
-              <a:ext uri="{FF2B5EF4-FFF2-40B4-BE49-F238E27FC236}">
-                <a16:creationId xmlns:a16="http://schemas.microsoft.com/office/drawing/2014/main" id="{440A0633-84A9-1361-534D-9B874E9C122C}"/>
-              </a:ext>
-            </a:extLst>
-          </p:cNvPr>
-          <p:cNvSpPr/>
-          <p:nvPr/>
-        </p:nvSpPr>
-        <p:spPr>
-          <a:xfrm flipV="1">
-            <a:off x="1763527" y="2369573"/>
-            <a:ext cx="3583445" cy="1059424"/>
-          </a:xfrm>
-          <a:prstGeom prst="round2SameRect">
-            <a:avLst/>
-          </a:prstGeom>
-          <a:solidFill>
-            <a:schemeClr val="bg1"/>
-          </a:solidFill>
-          <a:ln>
+            <a:ln>
+              <a:noFill/>
+            </a:ln>
+          </p:spPr>
+          <p:style>
+            <a:lnRef idx="2">
+              <a:schemeClr val="accent1">
+                <a:shade val="50000"/>
+              </a:schemeClr>
+            </a:lnRef>
+            <a:fillRef idx="1">
+              <a:schemeClr val="accent1"/>
+            </a:fillRef>
+            <a:effectRef idx="0">
+              <a:schemeClr val="accent1"/>
+            </a:effectRef>
+            <a:fontRef idx="minor">
+              <a:schemeClr val="lt1"/>
+            </a:fontRef>
+          </p:style>
+          <p:txBody>
+            <a:bodyPr rtlCol="0" anchor="ctr"/>
+            <a:lstStyle/>
+            <a:p>
+              <a:pPr algn="ctr"/>
+              <a:endParaRPr lang="en-PH"/>
+            </a:p>
+          </p:txBody>
+        </p:sp>
+        <p:sp>
+          <p:nvSpPr>
+            <p:cNvPr id="6" name="Oval 5">
+              <a:extLst>
+                <a:ext uri="{FF2B5EF4-FFF2-40B4-BE49-F238E27FC236}">
+                  <a16:creationId xmlns:a16="http://schemas.microsoft.com/office/drawing/2014/main" id="{A5E24744-832E-1750-241A-E352C80C0976}"/>
+                </a:ext>
+              </a:extLst>
+            </p:cNvPr>
+            <p:cNvSpPr/>
+            <p:nvPr/>
+          </p:nvSpPr>
+          <p:spPr>
+            <a:xfrm>
+              <a:off x="7557074" y="3087690"/>
+              <a:ext cx="731520" cy="731520"/>
+            </a:xfrm>
+            <a:prstGeom prst="ellipse">
+              <a:avLst/>
+            </a:prstGeom>
             <a:solidFill>
-              <a:schemeClr val="tx1">
-                <a:lumMod val="50000"/>
-                <a:lumOff val="50000"/>
+              <a:schemeClr val="accent4"/>
+            </a:solidFill>
+            <a:ln>
+              <a:noFill/>
+            </a:ln>
+          </p:spPr>
+          <p:style>
+            <a:lnRef idx="2">
+              <a:schemeClr val="accent1">
+                <a:shade val="50000"/>
               </a:schemeClr>
+            </a:lnRef>
+            <a:fillRef idx="1">
+              <a:schemeClr val="accent1"/>
+            </a:fillRef>
+            <a:effectRef idx="0">
+              <a:schemeClr val="accent1"/>
+            </a:effectRef>
+            <a:fontRef idx="minor">
+              <a:schemeClr val="lt1"/>
+            </a:fontRef>
+          </p:style>
+          <p:txBody>
+            <a:bodyPr rtlCol="0" anchor="ctr"/>
+            <a:lstStyle/>
+            <a:p>
+              <a:pPr algn="ctr"/>
+              <a:endParaRPr lang="en-PH"/>
+            </a:p>
+          </p:txBody>
+        </p:sp>
+        <p:sp>
+          <p:nvSpPr>
+            <p:cNvPr id="12" name="Oval 11">
+              <a:extLst>
+                <a:ext uri="{FF2B5EF4-FFF2-40B4-BE49-F238E27FC236}">
+                  <a16:creationId xmlns:a16="http://schemas.microsoft.com/office/drawing/2014/main" id="{4C521A9E-A7A0-200F-BEEC-3D2BE611C111}"/>
+                </a:ext>
+              </a:extLst>
+            </p:cNvPr>
+            <p:cNvSpPr/>
+            <p:nvPr/>
+          </p:nvSpPr>
+          <p:spPr>
+            <a:xfrm>
+              <a:off x="1862117" y="5578412"/>
+              <a:ext cx="731520" cy="731520"/>
+            </a:xfrm>
+            <a:prstGeom prst="ellipse">
+              <a:avLst/>
+            </a:prstGeom>
+            <a:solidFill>
+              <a:srgbClr val="002060"/>
             </a:solidFill>
-          </a:ln>
-          <a:effectLst>
-            <a:outerShdw blurRad="63500" sx="102000" sy="102000" algn="ctr" rotWithShape="0">
-              <a:prstClr val="black">
-                <a:alpha val="40000"/>
-              </a:prstClr>
-            </a:outerShdw>
-          </a:effectLst>
-        </p:spPr>
-        <p:style>
-          <a:lnRef idx="2">
-            <a:schemeClr val="accent1">
-              <a:shade val="50000"/>
-            </a:schemeClr>
-          </a:lnRef>
-          <a:fillRef idx="1">
-            <a:schemeClr val="accent1"/>
-          </a:fillRef>
-          <a:effectRef idx="0">
-            <a:schemeClr val="accent1"/>
-          </a:effectRef>
-          <a:fontRef idx="minor">
-            <a:schemeClr val="lt1"/>
-          </a:fontRef>
-        </p:style>
-        <p:txBody>
-          <a:bodyPr rtlCol="0" anchor="ctr"/>
-          <a:lstStyle/>
-          <a:p>
-            <a:pPr algn="ctr"/>
-            <a:endParaRPr lang="en-PH"/>
-          </a:p>
-        </p:txBody>
-      </p:sp>
-      <p:sp>
-        <p:nvSpPr>
-          <p:cNvPr id="30" name="Rectangle 29">
-            <a:extLst>
-              <a:ext uri="{FF2B5EF4-FFF2-40B4-BE49-F238E27FC236}">
-                <a16:creationId xmlns:a16="http://schemas.microsoft.com/office/drawing/2014/main" id="{944C3DC4-A81E-C5EB-BB74-876DDB253D4E}"/>
-              </a:ext>
-            </a:extLst>
-          </p:cNvPr>
-          <p:cNvSpPr/>
-          <p:nvPr/>
-        </p:nvSpPr>
-        <p:spPr>
-          <a:xfrm>
-            <a:off x="7552950" y="584267"/>
-            <a:ext cx="3583445" cy="1797132"/>
-          </a:xfrm>
-          <a:prstGeom prst="rect">
-            <a:avLst/>
-          </a:prstGeom>
-          <a:solidFill>
-            <a:schemeClr val="bg1"/>
-          </a:solidFill>
-          <a:ln>
+            <a:ln>
+              <a:noFill/>
+            </a:ln>
+          </p:spPr>
+          <p:style>
+            <a:lnRef idx="2">
+              <a:schemeClr val="accent1">
+                <a:shade val="50000"/>
+              </a:schemeClr>
+            </a:lnRef>
+            <a:fillRef idx="1">
+              <a:schemeClr val="accent1"/>
+            </a:fillRef>
+            <a:effectRef idx="0">
+              <a:schemeClr val="accent1"/>
+            </a:effectRef>
+            <a:fontRef idx="minor">
+              <a:schemeClr val="lt1"/>
+            </a:fontRef>
+          </p:style>
+          <p:txBody>
+            <a:bodyPr rtlCol="0" anchor="ctr"/>
+            <a:lstStyle/>
+            <a:p>
+              <a:pPr algn="ctr"/>
+              <a:endParaRPr lang="en-PH"/>
+            </a:p>
+          </p:txBody>
+        </p:sp>
+        <p:sp>
+          <p:nvSpPr>
+            <p:cNvPr id="13" name="Oval 12">
+              <a:extLst>
+                <a:ext uri="{FF2B5EF4-FFF2-40B4-BE49-F238E27FC236}">
+                  <a16:creationId xmlns:a16="http://schemas.microsoft.com/office/drawing/2014/main" id="{61FAFA08-60CC-08A9-8EEA-AF8D4CC4B33D}"/>
+                </a:ext>
+              </a:extLst>
+            </p:cNvPr>
+            <p:cNvSpPr/>
+            <p:nvPr/>
+          </p:nvSpPr>
+          <p:spPr>
+            <a:xfrm>
+              <a:off x="2387159" y="5446400"/>
+              <a:ext cx="412955" cy="412955"/>
+            </a:xfrm>
+            <a:prstGeom prst="ellipse">
+              <a:avLst/>
+            </a:prstGeom>
             <a:solidFill>
-              <a:schemeClr val="tx1">
-                <a:lumMod val="50000"/>
-                <a:lumOff val="50000"/>
+              <a:schemeClr val="accent4"/>
+            </a:solidFill>
+            <a:ln>
+              <a:noFill/>
+            </a:ln>
+          </p:spPr>
+          <p:style>
+            <a:lnRef idx="2">
+              <a:schemeClr val="accent1">
+                <a:shade val="50000"/>
               </a:schemeClr>
+            </a:lnRef>
+            <a:fillRef idx="1">
+              <a:schemeClr val="accent1"/>
+            </a:fillRef>
+            <a:effectRef idx="0">
+              <a:schemeClr val="accent1"/>
+            </a:effectRef>
+            <a:fontRef idx="minor">
+              <a:schemeClr val="lt1"/>
+            </a:fontRef>
+          </p:style>
+          <p:txBody>
+            <a:bodyPr rtlCol="0" anchor="ctr"/>
+            <a:lstStyle/>
+            <a:p>
+              <a:pPr algn="ctr"/>
+              <a:endParaRPr lang="en-PH"/>
+            </a:p>
+          </p:txBody>
+        </p:sp>
+        <p:sp>
+          <p:nvSpPr>
+            <p:cNvPr id="14" name="Oval 13">
+              <a:extLst>
+                <a:ext uri="{FF2B5EF4-FFF2-40B4-BE49-F238E27FC236}">
+                  <a16:creationId xmlns:a16="http://schemas.microsoft.com/office/drawing/2014/main" id="{86E53AA7-7629-FE5E-B2F2-C6126B94558C}"/>
+                </a:ext>
+              </a:extLst>
+            </p:cNvPr>
+            <p:cNvSpPr/>
+            <p:nvPr/>
+          </p:nvSpPr>
+          <p:spPr>
+            <a:xfrm>
+              <a:off x="3730133" y="1489691"/>
+              <a:ext cx="412955" cy="412955"/>
+            </a:xfrm>
+            <a:prstGeom prst="ellipse">
+              <a:avLst/>
+            </a:prstGeom>
+            <a:solidFill>
+              <a:schemeClr val="accent4"/>
             </a:solidFill>
-          </a:ln>
-          <a:effectLst>
-            <a:outerShdw blurRad="63500" sx="102000" sy="102000" algn="ctr" rotWithShape="0">
-              <a:prstClr val="black">
-                <a:alpha val="40000"/>
-              </a:prstClr>
-            </a:outerShdw>
-          </a:effectLst>
-        </p:spPr>
-        <p:style>
-          <a:lnRef idx="2">
-            <a:schemeClr val="accent1">
-              <a:shade val="50000"/>
-            </a:schemeClr>
-          </a:lnRef>
-          <a:fillRef idx="1">
-            <a:schemeClr val="accent1"/>
-          </a:fillRef>
-          <a:effectRef idx="0">
-            <a:schemeClr val="accent1"/>
-          </a:effectRef>
-          <a:fontRef idx="minor">
-            <a:schemeClr val="lt1"/>
-          </a:fontRef>
-        </p:style>
-        <p:txBody>
-          <a:bodyPr rtlCol="0" anchor="ctr"/>
-          <a:lstStyle/>
-          <a:p>
-            <a:pPr algn="ctr"/>
-            <a:endParaRPr lang="en-PH"/>
-          </a:p>
-        </p:txBody>
-      </p:sp>
-      <p:sp>
-        <p:nvSpPr>
-          <p:cNvPr id="31" name="Rectangle: Top Corners Rounded 30">
-            <a:extLst>
-              <a:ext uri="{FF2B5EF4-FFF2-40B4-BE49-F238E27FC236}">
-                <a16:creationId xmlns:a16="http://schemas.microsoft.com/office/drawing/2014/main" id="{8D77310F-BE34-89CF-3776-40453162FEC9}"/>
-              </a:ext>
-            </a:extLst>
-          </p:cNvPr>
-          <p:cNvSpPr/>
-          <p:nvPr/>
-        </p:nvSpPr>
-        <p:spPr>
-          <a:xfrm flipV="1">
-            <a:off x="7552950" y="2381399"/>
-            <a:ext cx="3583445" cy="1059424"/>
-          </a:xfrm>
-          <a:prstGeom prst="round2SameRect">
-            <a:avLst/>
-          </a:prstGeom>
-          <a:solidFill>
-            <a:schemeClr val="bg1"/>
-          </a:solidFill>
-          <a:ln>
+            <a:ln>
+              <a:noFill/>
+            </a:ln>
+          </p:spPr>
+          <p:style>
+            <a:lnRef idx="2">
+              <a:schemeClr val="accent1">
+                <a:shade val="50000"/>
+              </a:schemeClr>
+            </a:lnRef>
+            <a:fillRef idx="1">
+              <a:schemeClr val="accent1"/>
+            </a:fillRef>
+            <a:effectRef idx="0">
+              <a:schemeClr val="accent1"/>
+            </a:effectRef>
+            <a:fontRef idx="minor">
+              <a:schemeClr val="lt1"/>
+            </a:fontRef>
+          </p:style>
+          <p:txBody>
+            <a:bodyPr rtlCol="0" anchor="ctr"/>
+            <a:lstStyle/>
+            <a:p>
+              <a:pPr algn="ctr"/>
+              <a:endParaRPr lang="en-PH"/>
+            </a:p>
+          </p:txBody>
+        </p:sp>
+        <p:sp>
+          <p:nvSpPr>
+            <p:cNvPr id="15" name="Oval 14">
+              <a:extLst>
+                <a:ext uri="{FF2B5EF4-FFF2-40B4-BE49-F238E27FC236}">
+                  <a16:creationId xmlns:a16="http://schemas.microsoft.com/office/drawing/2014/main" id="{635FB5F5-3979-8CA7-659D-BA88CAB5F824}"/>
+                </a:ext>
+              </a:extLst>
+            </p:cNvPr>
+            <p:cNvSpPr/>
+            <p:nvPr/>
+          </p:nvSpPr>
+          <p:spPr>
+            <a:xfrm>
+              <a:off x="1130597" y="3104895"/>
+              <a:ext cx="731520" cy="731520"/>
+            </a:xfrm>
+            <a:prstGeom prst="ellipse">
+              <a:avLst/>
+            </a:prstGeom>
             <a:solidFill>
-              <a:schemeClr val="tx1">
-                <a:lumMod val="50000"/>
-                <a:lumOff val="50000"/>
+              <a:srgbClr val="002060"/>
+            </a:solidFill>
+            <a:ln>
+              <a:noFill/>
+            </a:ln>
+          </p:spPr>
+          <p:style>
+            <a:lnRef idx="2">
+              <a:schemeClr val="accent1">
+                <a:shade val="50000"/>
               </a:schemeClr>
+            </a:lnRef>
+            <a:fillRef idx="1">
+              <a:schemeClr val="accent1"/>
+            </a:fillRef>
+            <a:effectRef idx="0">
+              <a:schemeClr val="accent1"/>
+            </a:effectRef>
+            <a:fontRef idx="minor">
+              <a:schemeClr val="lt1"/>
+            </a:fontRef>
+          </p:style>
+          <p:txBody>
+            <a:bodyPr rtlCol="0" anchor="ctr"/>
+            <a:lstStyle/>
+            <a:p>
+              <a:pPr algn="ctr"/>
+              <a:endParaRPr lang="en-PH"/>
+            </a:p>
+          </p:txBody>
+        </p:sp>
+        <p:sp>
+          <p:nvSpPr>
+            <p:cNvPr id="18" name="Oval 17">
+              <a:extLst>
+                <a:ext uri="{FF2B5EF4-FFF2-40B4-BE49-F238E27FC236}">
+                  <a16:creationId xmlns:a16="http://schemas.microsoft.com/office/drawing/2014/main" id="{83EA8BB8-5CF0-647F-392D-8B882A03863B}"/>
+                </a:ext>
+              </a:extLst>
+            </p:cNvPr>
+            <p:cNvSpPr/>
+            <p:nvPr/>
+          </p:nvSpPr>
+          <p:spPr>
+            <a:xfrm>
+              <a:off x="10846713" y="5652878"/>
+              <a:ext cx="2017424" cy="2017424"/>
+            </a:xfrm>
+            <a:prstGeom prst="ellipse">
+              <a:avLst/>
+            </a:prstGeom>
+            <a:solidFill>
+              <a:srgbClr val="002060"/>
             </a:solidFill>
-          </a:ln>
-          <a:effectLst>
-            <a:outerShdw blurRad="63500" sx="102000" sy="102000" algn="ctr" rotWithShape="0">
-              <a:prstClr val="black">
-                <a:alpha val="40000"/>
-              </a:prstClr>
-            </a:outerShdw>
-          </a:effectLst>
-        </p:spPr>
-        <p:style>
-          <a:lnRef idx="2">
-            <a:schemeClr val="accent1">
-              <a:shade val="50000"/>
-            </a:schemeClr>
-          </a:lnRef>
-          <a:fillRef idx="1">
-            <a:schemeClr val="accent1"/>
-          </a:fillRef>
-          <a:effectRef idx="0">
-            <a:schemeClr val="accent1"/>
-          </a:effectRef>
-          <a:fontRef idx="minor">
-            <a:schemeClr val="lt1"/>
-          </a:fontRef>
-        </p:style>
-        <p:txBody>
-          <a:bodyPr rtlCol="0" anchor="ctr"/>
-          <a:lstStyle/>
-          <a:p>
-            <a:pPr algn="ctr"/>
-            <a:endParaRPr lang="en-PH"/>
-          </a:p>
-        </p:txBody>
-      </p:sp>
-      <p:sp>
-        <p:nvSpPr>
-          <p:cNvPr id="32" name="Rectangle 31">
-            <a:extLst>
-              <a:ext uri="{FF2B5EF4-FFF2-40B4-BE49-F238E27FC236}">
-                <a16:creationId xmlns:a16="http://schemas.microsoft.com/office/drawing/2014/main" id="{DDC18A6C-728E-4BB1-1595-9EA691669882}"/>
-              </a:ext>
-            </a:extLst>
-          </p:cNvPr>
-          <p:cNvSpPr/>
-          <p:nvPr/>
-        </p:nvSpPr>
-        <p:spPr>
-          <a:xfrm>
-            <a:off x="1763526" y="565593"/>
-            <a:ext cx="3583443" cy="1797132"/>
-          </a:xfrm>
-          <a:prstGeom prst="rect">
-            <a:avLst/>
-          </a:prstGeom>
-          <a:solidFill>
-            <a:srgbClr val="01264E"/>
-          </a:solidFill>
-          <a:ln>
+            <a:ln>
+              <a:noFill/>
+            </a:ln>
+          </p:spPr>
+          <p:style>
+            <a:lnRef idx="2">
+              <a:schemeClr val="accent1">
+                <a:shade val="50000"/>
+              </a:schemeClr>
+            </a:lnRef>
+            <a:fillRef idx="1">
+              <a:schemeClr val="accent1"/>
+            </a:fillRef>
+            <a:effectRef idx="0">
+              <a:schemeClr val="accent1"/>
+            </a:effectRef>
+            <a:fontRef idx="minor">
+              <a:schemeClr val="lt1"/>
+            </a:fontRef>
+          </p:style>
+          <p:txBody>
+            <a:bodyPr rtlCol="0" anchor="ctr"/>
+            <a:lstStyle/>
+            <a:p>
+              <a:pPr algn="ctr"/>
+              <a:endParaRPr lang="en-PH"/>
+            </a:p>
+          </p:txBody>
+        </p:sp>
+        <p:sp>
+          <p:nvSpPr>
+            <p:cNvPr id="19" name="Oval 18">
+              <a:extLst>
+                <a:ext uri="{FF2B5EF4-FFF2-40B4-BE49-F238E27FC236}">
+                  <a16:creationId xmlns:a16="http://schemas.microsoft.com/office/drawing/2014/main" id="{3EDE43D4-9EAE-B599-05D8-7B35C6C783A4}"/>
+                </a:ext>
+              </a:extLst>
+            </p:cNvPr>
+            <p:cNvSpPr/>
+            <p:nvPr/>
+          </p:nvSpPr>
+          <p:spPr>
+            <a:xfrm>
+              <a:off x="6255282" y="585690"/>
+              <a:ext cx="412955" cy="412955"/>
+            </a:xfrm>
+            <a:prstGeom prst="ellipse">
+              <a:avLst/>
+            </a:prstGeom>
             <a:solidFill>
-              <a:schemeClr val="tx1">
-                <a:lumMod val="50000"/>
-                <a:lumOff val="50000"/>
+              <a:schemeClr val="accent4"/>
+            </a:solidFill>
+            <a:ln>
+              <a:noFill/>
+            </a:ln>
+          </p:spPr>
+          <p:style>
+            <a:lnRef idx="2">
+              <a:schemeClr val="accent1">
+                <a:shade val="50000"/>
               </a:schemeClr>
+            </a:lnRef>
+            <a:fillRef idx="1">
+              <a:schemeClr val="accent1"/>
+            </a:fillRef>
+            <a:effectRef idx="0">
+              <a:schemeClr val="accent1"/>
+            </a:effectRef>
+            <a:fontRef idx="minor">
+              <a:schemeClr val="lt1"/>
+            </a:fontRef>
+          </p:style>
+          <p:txBody>
+            <a:bodyPr rtlCol="0" anchor="ctr"/>
+            <a:lstStyle/>
+            <a:p>
+              <a:pPr algn="ctr"/>
+              <a:endParaRPr lang="en-PH"/>
+            </a:p>
+          </p:txBody>
+        </p:sp>
+        <p:sp>
+          <p:nvSpPr>
+            <p:cNvPr id="21" name="Oval 20">
+              <a:extLst>
+                <a:ext uri="{FF2B5EF4-FFF2-40B4-BE49-F238E27FC236}">
+                  <a16:creationId xmlns:a16="http://schemas.microsoft.com/office/drawing/2014/main" id="{13732DDC-F96E-C5C2-D89B-EF283182BC67}"/>
+                </a:ext>
+              </a:extLst>
+            </p:cNvPr>
+            <p:cNvSpPr/>
+            <p:nvPr/>
+          </p:nvSpPr>
+          <p:spPr>
+            <a:xfrm>
+              <a:off x="6718795" y="5446400"/>
+              <a:ext cx="412955" cy="412955"/>
+            </a:xfrm>
+            <a:prstGeom prst="ellipse">
+              <a:avLst/>
+            </a:prstGeom>
+            <a:solidFill>
+              <a:srgbClr val="002060"/>
             </a:solidFill>
-          </a:ln>
-          <a:effectLst/>
-        </p:spPr>
-        <p:style>
-          <a:lnRef idx="2">
-            <a:schemeClr val="accent1">
-              <a:shade val="50000"/>
-            </a:schemeClr>
-          </a:lnRef>
-          <a:fillRef idx="1">
-            <a:schemeClr val="accent1"/>
-          </a:fillRef>
-          <a:effectRef idx="0">
-            <a:schemeClr val="accent1"/>
-          </a:effectRef>
-          <a:fontRef idx="minor">
-            <a:schemeClr val="lt1"/>
-          </a:fontRef>
-        </p:style>
-        <p:txBody>
-          <a:bodyPr rtlCol="0" anchor="ctr"/>
-          <a:lstStyle/>
-          <a:p>
-            <a:pPr algn="ctr"/>
-            <a:r>
-              <a:rPr lang="en-PH" sz="2400" b="1" spc="300" dirty="0">
-                <a:latin typeface="Open Sans" pitchFamily="2" charset="0"/>
-                <a:ea typeface="Open Sans" pitchFamily="2" charset="0"/>
-                <a:cs typeface="Open Sans" pitchFamily="2" charset="0"/>
-              </a:rPr>
-              <a:t>CSC 0321-2</a:t>
-            </a:r>
-          </a:p>
-        </p:txBody>
-      </p:sp>
-      <p:sp>
-        <p:nvSpPr>
-          <p:cNvPr id="33" name="Rectangle 32">
-            <a:extLst>
-              <a:ext uri="{FF2B5EF4-FFF2-40B4-BE49-F238E27FC236}">
-                <a16:creationId xmlns:a16="http://schemas.microsoft.com/office/drawing/2014/main" id="{8CB4D2B6-3388-A7EC-8D1A-B981F4D09E89}"/>
-              </a:ext>
-            </a:extLst>
-          </p:cNvPr>
-          <p:cNvSpPr/>
-          <p:nvPr/>
-        </p:nvSpPr>
-        <p:spPr>
-          <a:xfrm>
-            <a:off x="7552947" y="572441"/>
-            <a:ext cx="3583443" cy="1797132"/>
-          </a:xfrm>
-          <a:prstGeom prst="rect">
-            <a:avLst/>
-          </a:prstGeom>
-          <a:solidFill>
-            <a:schemeClr val="accent6">
-              <a:lumMod val="75000"/>
-            </a:schemeClr>
-          </a:solidFill>
-          <a:ln>
+            <a:ln>
+              <a:noFill/>
+            </a:ln>
+          </p:spPr>
+          <p:style>
+            <a:lnRef idx="2">
+              <a:schemeClr val="accent1">
+                <a:shade val="50000"/>
+              </a:schemeClr>
+            </a:lnRef>
+            <a:fillRef idx="1">
+              <a:schemeClr val="accent1"/>
+            </a:fillRef>
+            <a:effectRef idx="0">
+              <a:schemeClr val="accent1"/>
+            </a:effectRef>
+            <a:fontRef idx="minor">
+              <a:schemeClr val="lt1"/>
+            </a:fontRef>
+          </p:style>
+          <p:txBody>
+            <a:bodyPr rtlCol="0" anchor="ctr"/>
+            <a:lstStyle/>
+            <a:p>
+              <a:pPr algn="ctr"/>
+              <a:endParaRPr lang="en-PH"/>
+            </a:p>
+          </p:txBody>
+        </p:sp>
+        <p:sp>
+          <p:nvSpPr>
+            <p:cNvPr id="22" name="Oval 21">
+              <a:extLst>
+                <a:ext uri="{FF2B5EF4-FFF2-40B4-BE49-F238E27FC236}">
+                  <a16:creationId xmlns:a16="http://schemas.microsoft.com/office/drawing/2014/main" id="{5186F13F-EA16-273F-EA0D-ACD055CDFEF0}"/>
+                </a:ext>
+              </a:extLst>
+            </p:cNvPr>
+            <p:cNvSpPr/>
+            <p:nvPr/>
+          </p:nvSpPr>
+          <p:spPr>
+            <a:xfrm>
+              <a:off x="10269805" y="4208698"/>
+              <a:ext cx="422296" cy="422296"/>
+            </a:xfrm>
+            <a:prstGeom prst="ellipse">
+              <a:avLst/>
+            </a:prstGeom>
             <a:solidFill>
-              <a:schemeClr val="tx1">
-                <a:lumMod val="50000"/>
-                <a:lumOff val="50000"/>
+              <a:schemeClr val="accent4"/>
+            </a:solidFill>
+            <a:ln>
+              <a:noFill/>
+            </a:ln>
+          </p:spPr>
+          <p:style>
+            <a:lnRef idx="2">
+              <a:schemeClr val="accent1">
+                <a:shade val="50000"/>
               </a:schemeClr>
+            </a:lnRef>
+            <a:fillRef idx="1">
+              <a:schemeClr val="accent1"/>
+            </a:fillRef>
+            <a:effectRef idx="0">
+              <a:schemeClr val="accent1"/>
+            </a:effectRef>
+            <a:fontRef idx="minor">
+              <a:schemeClr val="lt1"/>
+            </a:fontRef>
+          </p:style>
+          <p:txBody>
+            <a:bodyPr rtlCol="0" anchor="ctr"/>
+            <a:lstStyle/>
+            <a:p>
+              <a:pPr algn="ctr"/>
+              <a:endParaRPr lang="en-PH"/>
+            </a:p>
+          </p:txBody>
+        </p:sp>
+        <p:sp>
+          <p:nvSpPr>
+            <p:cNvPr id="32" name="Oval 31">
+              <a:extLst>
+                <a:ext uri="{FF2B5EF4-FFF2-40B4-BE49-F238E27FC236}">
+                  <a16:creationId xmlns:a16="http://schemas.microsoft.com/office/drawing/2014/main" id="{E29B5D0E-CF01-B845-1BA2-31C1A24BF5B8}"/>
+                </a:ext>
+              </a:extLst>
+            </p:cNvPr>
+            <p:cNvSpPr/>
+            <p:nvPr/>
+          </p:nvSpPr>
+          <p:spPr>
+            <a:xfrm>
+              <a:off x="-857511" y="-508172"/>
+              <a:ext cx="2634732" cy="2634732"/>
+            </a:xfrm>
+            <a:prstGeom prst="ellipse">
+              <a:avLst/>
+            </a:prstGeom>
+            <a:solidFill>
+              <a:srgbClr val="002060"/>
             </a:solidFill>
-          </a:ln>
-          <a:effectLst/>
-        </p:spPr>
-        <p:style>
-          <a:lnRef idx="2">
-            <a:schemeClr val="accent1">
-              <a:shade val="50000"/>
-            </a:schemeClr>
-          </a:lnRef>
-          <a:fillRef idx="1">
-            <a:schemeClr val="accent1"/>
-          </a:fillRef>
-          <a:effectRef idx="0">
-            <a:schemeClr val="accent1"/>
-          </a:effectRef>
-          <a:fontRef idx="minor">
-            <a:schemeClr val="lt1"/>
-          </a:fontRef>
-        </p:style>
-        <p:txBody>
-          <a:bodyPr rtlCol="0" anchor="ctr"/>
-          <a:lstStyle/>
-          <a:p>
-            <a:pPr algn="ctr"/>
-            <a:r>
-              <a:rPr lang="en-PH" sz="2400" b="1" spc="300" dirty="0">
-                <a:latin typeface="Open Sans" pitchFamily="2" charset="0"/>
-                <a:ea typeface="Open Sans" pitchFamily="2" charset="0"/>
-                <a:cs typeface="Open Sans" pitchFamily="2" charset="0"/>
-              </a:rPr>
-              <a:t>CSC 0323-2</a:t>
-            </a:r>
-          </a:p>
-        </p:txBody>
-      </p:sp>
-      <p:sp>
-        <p:nvSpPr>
-          <p:cNvPr id="34" name="Rectangle 33">
-            <a:extLst>
-              <a:ext uri="{FF2B5EF4-FFF2-40B4-BE49-F238E27FC236}">
-                <a16:creationId xmlns:a16="http://schemas.microsoft.com/office/drawing/2014/main" id="{D80E199A-DA7D-4508-5920-1FD56D43E1A2}"/>
-              </a:ext>
-            </a:extLst>
-          </p:cNvPr>
-          <p:cNvSpPr/>
-          <p:nvPr/>
-        </p:nvSpPr>
-        <p:spPr>
-          <a:xfrm>
-            <a:off x="1763525" y="4151073"/>
-            <a:ext cx="3583443" cy="1797132"/>
-          </a:xfrm>
-          <a:prstGeom prst="rect">
-            <a:avLst/>
-          </a:prstGeom>
-          <a:solidFill>
-            <a:schemeClr val="tx2">
-              <a:lumMod val="50000"/>
-            </a:schemeClr>
-          </a:solidFill>
-          <a:ln>
+            <a:ln>
+              <a:noFill/>
+            </a:ln>
+          </p:spPr>
+          <p:style>
+            <a:lnRef idx="2">
+              <a:schemeClr val="accent1">
+                <a:shade val="50000"/>
+              </a:schemeClr>
+            </a:lnRef>
+            <a:fillRef idx="1">
+              <a:schemeClr val="accent1"/>
+            </a:fillRef>
+            <a:effectRef idx="0">
+              <a:schemeClr val="accent1"/>
+            </a:effectRef>
+            <a:fontRef idx="minor">
+              <a:schemeClr val="lt1"/>
+            </a:fontRef>
+          </p:style>
+          <p:txBody>
+            <a:bodyPr rtlCol="0" anchor="ctr"/>
+            <a:lstStyle/>
+            <a:p>
+              <a:pPr algn="ctr"/>
+              <a:endParaRPr lang="en-PH"/>
+            </a:p>
+          </p:txBody>
+        </p:sp>
+        <p:sp>
+          <p:nvSpPr>
+            <p:cNvPr id="33" name="Oval 32">
+              <a:extLst>
+                <a:ext uri="{FF2B5EF4-FFF2-40B4-BE49-F238E27FC236}">
+                  <a16:creationId xmlns:a16="http://schemas.microsoft.com/office/drawing/2014/main" id="{07E84D72-8341-8974-49C4-30490971F476}"/>
+                </a:ext>
+              </a:extLst>
+            </p:cNvPr>
+            <p:cNvSpPr/>
+            <p:nvPr/>
+          </p:nvSpPr>
+          <p:spPr>
+            <a:xfrm>
+              <a:off x="-558689" y="-195248"/>
+              <a:ext cx="2017424" cy="2017424"/>
+            </a:xfrm>
+            <a:prstGeom prst="ellipse">
+              <a:avLst/>
+            </a:prstGeom>
             <a:solidFill>
-              <a:schemeClr val="tx1">
-                <a:lumMod val="50000"/>
-                <a:lumOff val="50000"/>
+              <a:schemeClr val="accent4"/>
+            </a:solidFill>
+            <a:ln>
+              <a:noFill/>
+            </a:ln>
+          </p:spPr>
+          <p:style>
+            <a:lnRef idx="2">
+              <a:schemeClr val="accent1">
+                <a:shade val="50000"/>
               </a:schemeClr>
-            </a:solidFill>
-          </a:ln>
-          <a:effectLst/>
-        </p:spPr>
-        <p:style>
-          <a:lnRef idx="2">
-            <a:schemeClr val="accent1">
-              <a:shade val="50000"/>
-            </a:schemeClr>
-          </a:lnRef>
-          <a:fillRef idx="1">
-            <a:schemeClr val="accent1"/>
-          </a:fillRef>
-          <a:effectRef idx="0">
-            <a:schemeClr val="accent1"/>
-          </a:effectRef>
-          <a:fontRef idx="minor">
-            <a:schemeClr val="lt1"/>
-          </a:fontRef>
-        </p:style>
-        <p:txBody>
-          <a:bodyPr rtlCol="0" anchor="ctr"/>
-          <a:lstStyle/>
-          <a:p>
-            <a:pPr algn="ctr"/>
-            <a:r>
-              <a:rPr lang="en-PH" sz="2400" b="1" spc="300" dirty="0">
-                <a:latin typeface="Open Sans" pitchFamily="2" charset="0"/>
-                <a:ea typeface="Open Sans" pitchFamily="2" charset="0"/>
-                <a:cs typeface="Open Sans" pitchFamily="2" charset="0"/>
-              </a:rPr>
-              <a:t>CSC 0324-2</a:t>
-            </a:r>
-          </a:p>
-        </p:txBody>
-      </p:sp>
-      <p:sp>
-        <p:nvSpPr>
-          <p:cNvPr id="35" name="Rectangle 34">
-            <a:extLst>
-              <a:ext uri="{FF2B5EF4-FFF2-40B4-BE49-F238E27FC236}">
-                <a16:creationId xmlns:a16="http://schemas.microsoft.com/office/drawing/2014/main" id="{BD8B7B6A-F041-B2D4-64E4-5177C621AC7E}"/>
-              </a:ext>
-            </a:extLst>
-          </p:cNvPr>
-          <p:cNvSpPr/>
-          <p:nvPr/>
-        </p:nvSpPr>
-        <p:spPr>
-          <a:xfrm>
-            <a:off x="7552946" y="4151073"/>
-            <a:ext cx="3583443" cy="1797132"/>
-          </a:xfrm>
-          <a:prstGeom prst="rect">
-            <a:avLst/>
-          </a:prstGeom>
-          <a:solidFill>
-            <a:schemeClr val="accent4"/>
-          </a:solidFill>
-          <a:ln>
-            <a:solidFill>
-              <a:schemeClr val="tx1">
-                <a:lumMod val="50000"/>
-                <a:lumOff val="50000"/>
-              </a:schemeClr>
-            </a:solidFill>
-          </a:ln>
-          <a:effectLst/>
-        </p:spPr>
-        <p:style>
-          <a:lnRef idx="2">
-            <a:schemeClr val="accent1">
-              <a:shade val="50000"/>
-            </a:schemeClr>
-          </a:lnRef>
-          <a:fillRef idx="1">
-            <a:schemeClr val="accent1"/>
-          </a:fillRef>
-          <a:effectRef idx="0">
-            <a:schemeClr val="accent1"/>
-          </a:effectRef>
-          <a:fontRef idx="minor">
-            <a:schemeClr val="lt1"/>
-          </a:fontRef>
-        </p:style>
-        <p:txBody>
-          <a:bodyPr rtlCol="0" anchor="ctr"/>
-          <a:lstStyle/>
-          <a:p>
-            <a:pPr algn="ctr"/>
-            <a:r>
-              <a:rPr lang="en-PH" sz="2400" b="1" spc="300" dirty="0">
-                <a:latin typeface="Open Sans" pitchFamily="2" charset="0"/>
-                <a:ea typeface="Open Sans" pitchFamily="2" charset="0"/>
-                <a:cs typeface="Open Sans" pitchFamily="2" charset="0"/>
-              </a:rPr>
-              <a:t>ABC 0123-4</a:t>
-            </a:r>
-          </a:p>
-        </p:txBody>
-      </p:sp>
-      <p:sp>
-        <p:nvSpPr>
-          <p:cNvPr id="36" name="Rectangle: Top Corners Rounded 35">
-            <a:extLst>
-              <a:ext uri="{FF2B5EF4-FFF2-40B4-BE49-F238E27FC236}">
-                <a16:creationId xmlns:a16="http://schemas.microsoft.com/office/drawing/2014/main" id="{0E9547D3-327E-1FA8-ADB5-4366E26D41A8}"/>
-              </a:ext>
-            </a:extLst>
-          </p:cNvPr>
-          <p:cNvSpPr/>
-          <p:nvPr/>
-        </p:nvSpPr>
-        <p:spPr>
-          <a:xfrm flipV="1">
-            <a:off x="1763523" y="5948205"/>
-            <a:ext cx="3583445" cy="1059424"/>
-          </a:xfrm>
-          <a:prstGeom prst="round2SameRect">
-            <a:avLst/>
-          </a:prstGeom>
-          <a:solidFill>
-            <a:schemeClr val="bg1"/>
-          </a:solidFill>
-          <a:ln>
-            <a:solidFill>
-              <a:schemeClr val="tx1">
-                <a:lumMod val="50000"/>
-                <a:lumOff val="50000"/>
-              </a:schemeClr>
-            </a:solidFill>
-          </a:ln>
-          <a:effectLst>
-            <a:outerShdw blurRad="63500" sx="102000" sy="102000" algn="ctr" rotWithShape="0">
-              <a:prstClr val="black">
-                <a:alpha val="40000"/>
-              </a:prstClr>
-            </a:outerShdw>
-          </a:effectLst>
-        </p:spPr>
-        <p:style>
-          <a:lnRef idx="2">
-            <a:schemeClr val="accent1">
-              <a:shade val="50000"/>
-            </a:schemeClr>
-          </a:lnRef>
-          <a:fillRef idx="1">
-            <a:schemeClr val="accent1"/>
-          </a:fillRef>
-          <a:effectRef idx="0">
-            <a:schemeClr val="accent1"/>
-          </a:effectRef>
-          <a:fontRef idx="minor">
-            <a:schemeClr val="lt1"/>
-          </a:fontRef>
-        </p:style>
-        <p:txBody>
-          <a:bodyPr rtlCol="0" anchor="ctr"/>
-          <a:lstStyle/>
-          <a:p>
-            <a:pPr algn="ctr"/>
-            <a:endParaRPr lang="en-PH" dirty="0"/>
-          </a:p>
-        </p:txBody>
-      </p:sp>
-      <p:sp>
-        <p:nvSpPr>
-          <p:cNvPr id="37" name="Rectangle: Top Corners Rounded 36">
-            <a:extLst>
-              <a:ext uri="{FF2B5EF4-FFF2-40B4-BE49-F238E27FC236}">
-                <a16:creationId xmlns:a16="http://schemas.microsoft.com/office/drawing/2014/main" id="{F91B95A1-E76F-0A38-7FC8-9F20B8EC6663}"/>
-              </a:ext>
-            </a:extLst>
-          </p:cNvPr>
-          <p:cNvSpPr/>
-          <p:nvPr/>
-        </p:nvSpPr>
-        <p:spPr>
-          <a:xfrm flipV="1">
-            <a:off x="7552946" y="5948205"/>
-            <a:ext cx="3583445" cy="1059424"/>
-          </a:xfrm>
-          <a:prstGeom prst="round2SameRect">
-            <a:avLst/>
-          </a:prstGeom>
-          <a:solidFill>
-            <a:schemeClr val="bg1"/>
-          </a:solidFill>
-          <a:ln>
-            <a:solidFill>
-              <a:schemeClr val="tx1">
-                <a:lumMod val="50000"/>
-                <a:lumOff val="50000"/>
-              </a:schemeClr>
-            </a:solidFill>
-          </a:ln>
-          <a:effectLst>
-            <a:outerShdw blurRad="63500" sx="102000" sy="102000" algn="ctr" rotWithShape="0">
-              <a:prstClr val="black">
-                <a:alpha val="40000"/>
-              </a:prstClr>
-            </a:outerShdw>
-          </a:effectLst>
-        </p:spPr>
-        <p:style>
-          <a:lnRef idx="2">
-            <a:schemeClr val="accent1">
-              <a:shade val="50000"/>
-            </a:schemeClr>
-          </a:lnRef>
-          <a:fillRef idx="1">
-            <a:schemeClr val="accent1"/>
-          </a:fillRef>
-          <a:effectRef idx="0">
-            <a:schemeClr val="accent1"/>
-          </a:effectRef>
-          <a:fontRef idx="minor">
-            <a:schemeClr val="lt1"/>
-          </a:fontRef>
-        </p:style>
-        <p:txBody>
-          <a:bodyPr rtlCol="0" anchor="ctr"/>
-          <a:lstStyle/>
-          <a:p>
-            <a:pPr algn="ctr"/>
-            <a:endParaRPr lang="en-PH"/>
-          </a:p>
-        </p:txBody>
-      </p:sp>
-      <p:sp>
-        <p:nvSpPr>
-          <p:cNvPr id="38" name="TextBox 37">
-            <a:extLst>
-              <a:ext uri="{FF2B5EF4-FFF2-40B4-BE49-F238E27FC236}">
-                <a16:creationId xmlns:a16="http://schemas.microsoft.com/office/drawing/2014/main" id="{19DDCC11-270E-D839-C76A-1019EF9ED04F}"/>
-              </a:ext>
-            </a:extLst>
-          </p:cNvPr>
-          <p:cNvSpPr txBox="1"/>
-          <p:nvPr/>
-        </p:nvSpPr>
-        <p:spPr>
-          <a:xfrm>
-            <a:off x="1912101" y="1964221"/>
-            <a:ext cx="3286287" cy="369332"/>
-          </a:xfrm>
-          <a:prstGeom prst="rect">
-            <a:avLst/>
-          </a:prstGeom>
-          <a:noFill/>
-        </p:spPr>
-        <p:txBody>
-          <a:bodyPr wrap="square" rtlCol="0">
-            <a:spAutoFit/>
-          </a:bodyPr>
-          <a:lstStyle/>
-          <a:p>
-            <a:r>
-              <a:rPr lang="en-PH" b="1" dirty="0">
-                <a:solidFill>
-                  <a:schemeClr val="bg1"/>
-                </a:solidFill>
-                <a:latin typeface="Open Sans" pitchFamily="2" charset="0"/>
-                <a:ea typeface="Open Sans" pitchFamily="2" charset="0"/>
-                <a:cs typeface="Open Sans" pitchFamily="2" charset="0"/>
-              </a:rPr>
-              <a:t>SOFTWARE ENGINEERING 2</a:t>
-            </a:r>
-          </a:p>
-        </p:txBody>
-      </p:sp>
-      <p:sp>
-        <p:nvSpPr>
-          <p:cNvPr id="39" name="TextBox 38">
-            <a:extLst>
-              <a:ext uri="{FF2B5EF4-FFF2-40B4-BE49-F238E27FC236}">
-                <a16:creationId xmlns:a16="http://schemas.microsoft.com/office/drawing/2014/main" id="{7A356FB0-525C-0CC2-AD00-40CDEDAC1771}"/>
-              </a:ext>
-            </a:extLst>
-          </p:cNvPr>
-          <p:cNvSpPr txBox="1"/>
-          <p:nvPr/>
-        </p:nvSpPr>
-        <p:spPr>
-          <a:xfrm>
-            <a:off x="1763523" y="2447946"/>
-            <a:ext cx="3583443" cy="893834"/>
-          </a:xfrm>
-          <a:prstGeom prst="rect">
-            <a:avLst/>
-          </a:prstGeom>
-          <a:noFill/>
-        </p:spPr>
-        <p:txBody>
-          <a:bodyPr wrap="square" rtlCol="0">
-            <a:spAutoFit/>
-          </a:bodyPr>
-          <a:lstStyle/>
-          <a:p>
-            <a:pPr>
-              <a:lnSpc>
-                <a:spcPct val="150000"/>
-              </a:lnSpc>
-            </a:pPr>
-            <a:r>
-              <a:rPr lang="en-PH" sz="1200" b="1" dirty="0">
-                <a:latin typeface="Open Sans" pitchFamily="2" charset="0"/>
-                <a:ea typeface="Open Sans" pitchFamily="2" charset="0"/>
-                <a:cs typeface="Open Sans" pitchFamily="2" charset="0"/>
-              </a:rPr>
-              <a:t>Course: BSCS</a:t>
-            </a:r>
-          </a:p>
-          <a:p>
-            <a:pPr>
-              <a:lnSpc>
-                <a:spcPct val="150000"/>
-              </a:lnSpc>
-            </a:pPr>
-            <a:r>
-              <a:rPr lang="en-PH" sz="1200" b="1" dirty="0">
-                <a:latin typeface="Open Sans" pitchFamily="2" charset="0"/>
-                <a:ea typeface="Open Sans" pitchFamily="2" charset="0"/>
-                <a:cs typeface="Open Sans" pitchFamily="2" charset="0"/>
-              </a:rPr>
-              <a:t>Year/Block: 3-2</a:t>
-            </a:r>
-          </a:p>
-          <a:p>
-            <a:pPr>
-              <a:lnSpc>
-                <a:spcPct val="150000"/>
-              </a:lnSpc>
-            </a:pPr>
-            <a:r>
-              <a:rPr lang="en-PH" sz="1200" b="1" dirty="0">
-                <a:latin typeface="Open Sans" pitchFamily="2" charset="0"/>
-                <a:ea typeface="Open Sans" pitchFamily="2" charset="0"/>
-                <a:cs typeface="Open Sans" pitchFamily="2" charset="0"/>
-              </a:rPr>
-              <a:t>Day/Time: T/Th 7:00pm – 8:00pm</a:t>
-            </a:r>
-          </a:p>
-        </p:txBody>
-      </p:sp>
-      <p:sp>
-        <p:nvSpPr>
-          <p:cNvPr id="40" name="TextBox 39">
-            <a:extLst>
-              <a:ext uri="{FF2B5EF4-FFF2-40B4-BE49-F238E27FC236}">
-                <a16:creationId xmlns:a16="http://schemas.microsoft.com/office/drawing/2014/main" id="{DF671A24-8953-FE49-0114-4232CBF32529}"/>
-              </a:ext>
-            </a:extLst>
-          </p:cNvPr>
-          <p:cNvSpPr txBox="1"/>
-          <p:nvPr/>
-        </p:nvSpPr>
-        <p:spPr>
-          <a:xfrm>
-            <a:off x="7701523" y="2012067"/>
-            <a:ext cx="3286287" cy="369332"/>
-          </a:xfrm>
-          <a:prstGeom prst="rect">
-            <a:avLst/>
-          </a:prstGeom>
-          <a:noFill/>
-        </p:spPr>
-        <p:txBody>
-          <a:bodyPr wrap="square" rtlCol="0">
-            <a:spAutoFit/>
-          </a:bodyPr>
-          <a:lstStyle/>
-          <a:p>
-            <a:r>
-              <a:rPr lang="en-PH" b="1" dirty="0">
-                <a:solidFill>
-                  <a:schemeClr val="bg1"/>
-                </a:solidFill>
-                <a:latin typeface="Open Sans" pitchFamily="2" charset="0"/>
-                <a:ea typeface="Open Sans" pitchFamily="2" charset="0"/>
-                <a:cs typeface="Open Sans" pitchFamily="2" charset="0"/>
-              </a:rPr>
-              <a:t>COMPUTATIONAL SCIENCE</a:t>
-            </a:r>
-          </a:p>
-        </p:txBody>
-      </p:sp>
-      <p:sp>
-        <p:nvSpPr>
-          <p:cNvPr id="41" name="TextBox 40">
-            <a:extLst>
-              <a:ext uri="{FF2B5EF4-FFF2-40B4-BE49-F238E27FC236}">
-                <a16:creationId xmlns:a16="http://schemas.microsoft.com/office/drawing/2014/main" id="{0A19B25C-0BFF-5C56-22BA-8F28B39BB738}"/>
-              </a:ext>
-            </a:extLst>
-          </p:cNvPr>
-          <p:cNvSpPr txBox="1"/>
-          <p:nvPr/>
-        </p:nvSpPr>
-        <p:spPr>
-          <a:xfrm>
-            <a:off x="7552946" y="2447946"/>
-            <a:ext cx="3583443" cy="893834"/>
-          </a:xfrm>
-          <a:prstGeom prst="rect">
-            <a:avLst/>
-          </a:prstGeom>
-          <a:noFill/>
-        </p:spPr>
-        <p:txBody>
-          <a:bodyPr wrap="square" rtlCol="0">
-            <a:spAutoFit/>
-          </a:bodyPr>
-          <a:lstStyle/>
-          <a:p>
-            <a:pPr>
-              <a:lnSpc>
-                <a:spcPct val="150000"/>
-              </a:lnSpc>
-            </a:pPr>
-            <a:r>
-              <a:rPr lang="en-PH" sz="1200" b="1" dirty="0">
-                <a:latin typeface="Open Sans" pitchFamily="2" charset="0"/>
-                <a:ea typeface="Open Sans" pitchFamily="2" charset="0"/>
-                <a:cs typeface="Open Sans" pitchFamily="2" charset="0"/>
-              </a:rPr>
-              <a:t>Course: BSCS</a:t>
-            </a:r>
-          </a:p>
-          <a:p>
-            <a:pPr>
-              <a:lnSpc>
-                <a:spcPct val="150000"/>
-              </a:lnSpc>
-            </a:pPr>
-            <a:r>
-              <a:rPr lang="en-PH" sz="1200" b="1" dirty="0">
-                <a:latin typeface="Open Sans" pitchFamily="2" charset="0"/>
-                <a:ea typeface="Open Sans" pitchFamily="2" charset="0"/>
-                <a:cs typeface="Open Sans" pitchFamily="2" charset="0"/>
-              </a:rPr>
-              <a:t>Year/Block: 3-2</a:t>
-            </a:r>
-          </a:p>
-          <a:p>
-            <a:pPr>
-              <a:lnSpc>
-                <a:spcPct val="150000"/>
-              </a:lnSpc>
-            </a:pPr>
-            <a:r>
-              <a:rPr lang="en-PH" sz="1200" b="1" dirty="0">
-                <a:latin typeface="Open Sans" pitchFamily="2" charset="0"/>
-                <a:ea typeface="Open Sans" pitchFamily="2" charset="0"/>
-                <a:cs typeface="Open Sans" pitchFamily="2" charset="0"/>
-              </a:rPr>
-              <a:t>Day/Time: S 12:00pm – 2:00pm</a:t>
-            </a:r>
-          </a:p>
-        </p:txBody>
-      </p:sp>
-      <p:sp>
-        <p:nvSpPr>
-          <p:cNvPr id="42" name="TextBox 41">
-            <a:extLst>
-              <a:ext uri="{FF2B5EF4-FFF2-40B4-BE49-F238E27FC236}">
-                <a16:creationId xmlns:a16="http://schemas.microsoft.com/office/drawing/2014/main" id="{7F5CACD0-AD2B-4AE6-B914-CE8409EA7326}"/>
-              </a:ext>
-            </a:extLst>
-          </p:cNvPr>
-          <p:cNvSpPr txBox="1"/>
-          <p:nvPr/>
-        </p:nvSpPr>
-        <p:spPr>
-          <a:xfrm>
-            <a:off x="1912101" y="5584176"/>
-            <a:ext cx="3286287" cy="369332"/>
-          </a:xfrm>
-          <a:prstGeom prst="rect">
-            <a:avLst/>
-          </a:prstGeom>
-          <a:noFill/>
-        </p:spPr>
-        <p:txBody>
-          <a:bodyPr wrap="square" rtlCol="0">
-            <a:spAutoFit/>
-          </a:bodyPr>
-          <a:lstStyle/>
-          <a:p>
-            <a:pPr algn="ctr"/>
-            <a:r>
-              <a:rPr lang="en-PH" b="1" dirty="0">
-                <a:solidFill>
-                  <a:schemeClr val="bg1"/>
-                </a:solidFill>
-                <a:latin typeface="Open Sans" pitchFamily="2" charset="0"/>
-                <a:ea typeface="Open Sans" pitchFamily="2" charset="0"/>
-                <a:cs typeface="Open Sans" pitchFamily="2" charset="0"/>
-              </a:rPr>
-              <a:t>CS ELECTIVE 1 (LEC)</a:t>
-            </a:r>
-          </a:p>
-        </p:txBody>
-      </p:sp>
-      <p:sp>
-        <p:nvSpPr>
-          <p:cNvPr id="43" name="TextBox 42">
-            <a:extLst>
-              <a:ext uri="{FF2B5EF4-FFF2-40B4-BE49-F238E27FC236}">
-                <a16:creationId xmlns:a16="http://schemas.microsoft.com/office/drawing/2014/main" id="{1555DE82-3FC1-8924-8095-8D4216B1E755}"/>
-              </a:ext>
-            </a:extLst>
-          </p:cNvPr>
-          <p:cNvSpPr txBox="1"/>
-          <p:nvPr/>
-        </p:nvSpPr>
-        <p:spPr>
-          <a:xfrm>
-            <a:off x="1763523" y="6041755"/>
-            <a:ext cx="3583443" cy="893834"/>
-          </a:xfrm>
-          <a:prstGeom prst="rect">
-            <a:avLst/>
-          </a:prstGeom>
-          <a:noFill/>
-        </p:spPr>
-        <p:txBody>
-          <a:bodyPr wrap="square" rtlCol="0">
-            <a:spAutoFit/>
-          </a:bodyPr>
-          <a:lstStyle/>
-          <a:p>
-            <a:pPr>
-              <a:lnSpc>
-                <a:spcPct val="150000"/>
-              </a:lnSpc>
-            </a:pPr>
-            <a:r>
-              <a:rPr lang="en-PH" sz="1200" b="1" dirty="0">
-                <a:latin typeface="Open Sans" pitchFamily="2" charset="0"/>
-                <a:ea typeface="Open Sans" pitchFamily="2" charset="0"/>
-                <a:cs typeface="Open Sans" pitchFamily="2" charset="0"/>
-              </a:rPr>
-              <a:t>Course: BSCS</a:t>
-            </a:r>
-          </a:p>
-          <a:p>
-            <a:pPr>
-              <a:lnSpc>
-                <a:spcPct val="150000"/>
-              </a:lnSpc>
-            </a:pPr>
-            <a:r>
-              <a:rPr lang="en-PH" sz="1200" b="1" dirty="0">
-                <a:latin typeface="Open Sans" pitchFamily="2" charset="0"/>
-                <a:ea typeface="Open Sans" pitchFamily="2" charset="0"/>
-                <a:cs typeface="Open Sans" pitchFamily="2" charset="0"/>
-              </a:rPr>
-              <a:t>Year/Block: 3-2</a:t>
-            </a:r>
-          </a:p>
-          <a:p>
-            <a:pPr>
-              <a:lnSpc>
-                <a:spcPct val="150000"/>
-              </a:lnSpc>
-            </a:pPr>
-            <a:r>
-              <a:rPr lang="en-PH" sz="1200" b="1" dirty="0">
-                <a:latin typeface="Open Sans" pitchFamily="2" charset="0"/>
-                <a:ea typeface="Open Sans" pitchFamily="2" charset="0"/>
-                <a:cs typeface="Open Sans" pitchFamily="2" charset="0"/>
-              </a:rPr>
-              <a:t>Day/Time: T/Th 8:00pm – 9:00pm</a:t>
-            </a:r>
-          </a:p>
-        </p:txBody>
-      </p:sp>
-      <p:sp>
-        <p:nvSpPr>
-          <p:cNvPr id="44" name="TextBox 43">
-            <a:extLst>
-              <a:ext uri="{FF2B5EF4-FFF2-40B4-BE49-F238E27FC236}">
-                <a16:creationId xmlns:a16="http://schemas.microsoft.com/office/drawing/2014/main" id="{B22ECE36-8140-C323-20CF-746E8589208B}"/>
-              </a:ext>
-            </a:extLst>
-          </p:cNvPr>
-          <p:cNvSpPr txBox="1"/>
-          <p:nvPr/>
-        </p:nvSpPr>
-        <p:spPr>
-          <a:xfrm>
-            <a:off x="7552946" y="6032683"/>
-            <a:ext cx="3583443" cy="893834"/>
-          </a:xfrm>
-          <a:prstGeom prst="rect">
-            <a:avLst/>
-          </a:prstGeom>
-          <a:noFill/>
-        </p:spPr>
-        <p:txBody>
-          <a:bodyPr wrap="square" rtlCol="0">
-            <a:spAutoFit/>
-          </a:bodyPr>
-          <a:lstStyle/>
-          <a:p>
-            <a:pPr>
-              <a:lnSpc>
-                <a:spcPct val="150000"/>
-              </a:lnSpc>
-            </a:pPr>
-            <a:r>
-              <a:rPr lang="en-PH" sz="1200" b="1" dirty="0">
-                <a:latin typeface="Open Sans" pitchFamily="2" charset="0"/>
-                <a:ea typeface="Open Sans" pitchFamily="2" charset="0"/>
-                <a:cs typeface="Open Sans" pitchFamily="2" charset="0"/>
-              </a:rPr>
-              <a:t>Course: BSIT</a:t>
-            </a:r>
-          </a:p>
-          <a:p>
-            <a:pPr>
-              <a:lnSpc>
-                <a:spcPct val="150000"/>
-              </a:lnSpc>
-            </a:pPr>
-            <a:r>
-              <a:rPr lang="en-PH" sz="1200" b="1" dirty="0">
-                <a:latin typeface="Open Sans" pitchFamily="2" charset="0"/>
-                <a:ea typeface="Open Sans" pitchFamily="2" charset="0"/>
-                <a:cs typeface="Open Sans" pitchFamily="2" charset="0"/>
-              </a:rPr>
-              <a:t>Year/Block: 2-4</a:t>
-            </a:r>
-          </a:p>
-          <a:p>
-            <a:pPr>
-              <a:lnSpc>
-                <a:spcPct val="150000"/>
-              </a:lnSpc>
-            </a:pPr>
-            <a:r>
-              <a:rPr lang="en-PH" sz="1200" b="1" dirty="0">
-                <a:latin typeface="Open Sans" pitchFamily="2" charset="0"/>
-                <a:ea typeface="Open Sans" pitchFamily="2" charset="0"/>
-                <a:cs typeface="Open Sans" pitchFamily="2" charset="0"/>
-              </a:rPr>
-              <a:t>Day/Time: T/Th 8:00pm – 9:00pm</a:t>
-            </a:r>
-          </a:p>
-        </p:txBody>
-      </p:sp>
-      <p:sp>
-        <p:nvSpPr>
-          <p:cNvPr id="45" name="TextBox 44">
-            <a:extLst>
-              <a:ext uri="{FF2B5EF4-FFF2-40B4-BE49-F238E27FC236}">
-                <a16:creationId xmlns:a16="http://schemas.microsoft.com/office/drawing/2014/main" id="{D7E21D6C-EFFE-F364-1E0D-337D16BFAE25}"/>
-              </a:ext>
-            </a:extLst>
-          </p:cNvPr>
-          <p:cNvSpPr txBox="1"/>
-          <p:nvPr/>
-        </p:nvSpPr>
-        <p:spPr>
-          <a:xfrm>
-            <a:off x="7701522" y="5578873"/>
-            <a:ext cx="3286287" cy="369332"/>
-          </a:xfrm>
-          <a:prstGeom prst="rect">
-            <a:avLst/>
-          </a:prstGeom>
-          <a:noFill/>
-        </p:spPr>
-        <p:txBody>
-          <a:bodyPr wrap="square" rtlCol="0">
-            <a:spAutoFit/>
-          </a:bodyPr>
-          <a:lstStyle/>
-          <a:p>
-            <a:pPr algn="ctr"/>
-            <a:r>
-              <a:rPr lang="en-PH" b="1" dirty="0">
-                <a:solidFill>
-                  <a:schemeClr val="bg1"/>
-                </a:solidFill>
-                <a:latin typeface="Open Sans" pitchFamily="2" charset="0"/>
-                <a:ea typeface="Open Sans" pitchFamily="2" charset="0"/>
-                <a:cs typeface="Open Sans" pitchFamily="2" charset="0"/>
-              </a:rPr>
-              <a:t>DATABASE MANAGEMENT</a:t>
-            </a:r>
-          </a:p>
-        </p:txBody>
-      </p:sp>
+            </a:lnRef>
+            <a:fillRef idx="1">
+              <a:schemeClr val="accent1"/>
+            </a:fillRef>
+            <a:effectRef idx="0">
+              <a:schemeClr val="accent1"/>
+            </a:effectRef>
+            <a:fontRef idx="minor">
+              <a:schemeClr val="lt1"/>
+            </a:fontRef>
+          </p:style>
+          <p:txBody>
+            <a:bodyPr rtlCol="0" anchor="ctr"/>
+            <a:lstStyle/>
+            <a:p>
+              <a:pPr algn="ctr"/>
+              <a:endParaRPr lang="en-PH"/>
+            </a:p>
+          </p:txBody>
+        </p:sp>
+      </p:grpSp>
     </p:spTree>
     <p:extLst>
       <p:ext uri="{BB962C8B-B14F-4D97-AF65-F5344CB8AC3E}">
-        <p14:creationId xmlns:p14="http://schemas.microsoft.com/office/powerpoint/2010/main" val="2801735180"/>
+        <p14:creationId xmlns:p14="http://schemas.microsoft.com/office/powerpoint/2010/main" val="3402182180"/>
       </p:ext>
     </p:extLst>
   </p:cSld>
@@ -6975,10 +6347,10 @@
       </p:pic>
       <p:sp>
         <p:nvSpPr>
-          <p:cNvPr id="2" name="Rectangle 1">
-            <a:extLst>
-              <a:ext uri="{FF2B5EF4-FFF2-40B4-BE49-F238E27FC236}">
-                <a16:creationId xmlns:a16="http://schemas.microsoft.com/office/drawing/2014/main" id="{42960F22-AD6F-16E6-AA21-C2D320AF1B66}"/>
+          <p:cNvPr id="23" name="Rectangle 22">
+            <a:extLst>
+              <a:ext uri="{FF2B5EF4-FFF2-40B4-BE49-F238E27FC236}">
+                <a16:creationId xmlns:a16="http://schemas.microsoft.com/office/drawing/2014/main" id="{7E6939E1-CCBC-342B-4708-136846DD11F9}"/>
               </a:ext>
             </a:extLst>
           </p:cNvPr>
@@ -6987,18 +6359,30 @@
         </p:nvSpPr>
         <p:spPr>
           <a:xfrm>
-            <a:off x="8934108" y="5825636"/>
-            <a:ext cx="2202280" cy="599440"/>
+            <a:off x="1763527" y="572441"/>
+            <a:ext cx="3583445" cy="1797132"/>
           </a:xfrm>
           <a:prstGeom prst="rect">
             <a:avLst/>
           </a:prstGeom>
           <a:solidFill>
-            <a:srgbClr val="2D2A4C"/>
+            <a:schemeClr val="bg1"/>
           </a:solidFill>
           <a:ln>
-            <a:noFill/>
+            <a:solidFill>
+              <a:schemeClr val="tx1">
+                <a:lumMod val="50000"/>
+                <a:lumOff val="50000"/>
+              </a:schemeClr>
+            </a:solidFill>
           </a:ln>
+          <a:effectLst>
+            <a:outerShdw blurRad="63500" sx="102000" sy="102000" algn="ctr" rotWithShape="0">
+              <a:prstClr val="black">
+                <a:alpha val="40000"/>
+              </a:prstClr>
+            </a:outerShdw>
+          </a:effectLst>
         </p:spPr>
         <p:style>
           <a:lnRef idx="2">
@@ -7021,144 +6405,16 @@
           <a:lstStyle/>
           <a:p>
             <a:pPr algn="ctr"/>
-            <a:r>
-              <a:rPr lang="en-PH" sz="1600" b="1" spc="600" dirty="0">
-                <a:latin typeface="Lato" panose="020F0502020204030203" pitchFamily="34" charset="0"/>
-              </a:rPr>
-              <a:t>PROCEED</a:t>
-            </a:r>
-          </a:p>
-        </p:txBody>
-      </p:sp>
-      <p:pic>
-        <p:nvPicPr>
-          <p:cNvPr id="4" name="Graphic 3" descr="Line arrow: Horizontal U-turn with solid fill">
-            <a:extLst>
-              <a:ext uri="{FF2B5EF4-FFF2-40B4-BE49-F238E27FC236}">
-                <a16:creationId xmlns:a16="http://schemas.microsoft.com/office/drawing/2014/main" id="{E3A5649E-813E-6979-28BC-E3CE8940CFDC}"/>
-              </a:ext>
-            </a:extLst>
-          </p:cNvPr>
-          <p:cNvPicPr>
-            <a:picLocks noChangeAspect="1"/>
-          </p:cNvPicPr>
-          <p:nvPr/>
-        </p:nvPicPr>
-        <p:blipFill>
-          <a:blip r:embed="rId10">
-            <a:extLst>
-              <a:ext uri="{28A0092B-C50C-407E-A947-70E740481C1C}">
-                <a14:useLocalDpi xmlns:a14="http://schemas.microsoft.com/office/drawing/2010/main" val="0"/>
-              </a:ext>
-              <a:ext uri="{96DAC541-7B7A-43D3-8B79-37D633B846F1}">
-                <asvg:svgBlip xmlns:asvg="http://schemas.microsoft.com/office/drawing/2016/SVG/main" r:embed="rId11"/>
-              </a:ext>
-            </a:extLst>
-          </a:blip>
-          <a:stretch>
-            <a:fillRect/>
-          </a:stretch>
-        </p:blipFill>
-        <p:spPr>
-          <a:xfrm>
-            <a:off x="1353720" y="248524"/>
-            <a:ext cx="540000" cy="540000"/>
-          </a:xfrm>
-          <a:prstGeom prst="rect">
-            <a:avLst/>
-          </a:prstGeom>
-        </p:spPr>
-      </p:pic>
-      <p:sp>
-        <p:nvSpPr>
-          <p:cNvPr id="5" name="TextBox 4">
-            <a:extLst>
-              <a:ext uri="{FF2B5EF4-FFF2-40B4-BE49-F238E27FC236}">
-                <a16:creationId xmlns:a16="http://schemas.microsoft.com/office/drawing/2014/main" id="{5CBC9DA3-A390-2F01-3D09-4097ADEE247A}"/>
-              </a:ext>
-            </a:extLst>
-          </p:cNvPr>
-          <p:cNvSpPr txBox="1"/>
-          <p:nvPr/>
-        </p:nvSpPr>
-        <p:spPr>
-          <a:xfrm>
-            <a:off x="1914040" y="394818"/>
-            <a:ext cx="1749197" cy="369332"/>
-          </a:xfrm>
-          <a:prstGeom prst="rect">
-            <a:avLst/>
-          </a:prstGeom>
-          <a:noFill/>
-        </p:spPr>
-        <p:txBody>
-          <a:bodyPr wrap="none" rtlCol="0">
-            <a:spAutoFit/>
-          </a:bodyPr>
-          <a:lstStyle/>
-          <a:p>
-            <a:r>
-              <a:rPr lang="en-PH" b="1" spc="600" dirty="0">
-                <a:solidFill>
-                  <a:srgbClr val="1D1B31"/>
-                </a:solidFill>
-                <a:latin typeface="Open Sans" pitchFamily="2" charset="0"/>
-                <a:ea typeface="Open Sans" pitchFamily="2" charset="0"/>
-                <a:cs typeface="Open Sans" pitchFamily="2" charset="0"/>
-              </a:rPr>
-              <a:t>GO BACK</a:t>
-            </a:r>
-          </a:p>
-        </p:txBody>
-      </p:sp>
-      <p:sp>
-        <p:nvSpPr>
-          <p:cNvPr id="7" name="TextBox 6">
-            <a:extLst>
-              <a:ext uri="{FF2B5EF4-FFF2-40B4-BE49-F238E27FC236}">
-                <a16:creationId xmlns:a16="http://schemas.microsoft.com/office/drawing/2014/main" id="{CABF923E-A53D-1EC3-6708-FCB8ADE79BC2}"/>
-              </a:ext>
-            </a:extLst>
-          </p:cNvPr>
-          <p:cNvSpPr txBox="1"/>
-          <p:nvPr/>
-        </p:nvSpPr>
-        <p:spPr>
-          <a:xfrm>
-            <a:off x="1702855" y="1246319"/>
-            <a:ext cx="2191626" cy="461665"/>
-          </a:xfrm>
-          <a:prstGeom prst="rect">
-            <a:avLst/>
-          </a:prstGeom>
-          <a:noFill/>
-        </p:spPr>
-        <p:txBody>
-          <a:bodyPr wrap="none" rtlCol="0">
-            <a:spAutoFit/>
-          </a:bodyPr>
-          <a:lstStyle/>
-          <a:p>
-            <a:r>
-              <a:rPr lang="en-PH" sz="2400" b="1" spc="300" dirty="0">
-                <a:solidFill>
-                  <a:srgbClr val="1D1B31"/>
-                </a:solidFill>
-                <a:latin typeface="Open Sans" pitchFamily="2" charset="0"/>
-                <a:ea typeface="Open Sans" pitchFamily="2" charset="0"/>
-                <a:cs typeface="Open Sans" pitchFamily="2" charset="0"/>
-              </a:rPr>
-              <a:t>CSC 0321-2</a:t>
-            </a:r>
-          </a:p>
-        </p:txBody>
-      </p:sp>
-      <p:sp>
-        <p:nvSpPr>
-          <p:cNvPr id="9" name="Rectangle 8">
-            <a:extLst>
-              <a:ext uri="{FF2B5EF4-FFF2-40B4-BE49-F238E27FC236}">
-                <a16:creationId xmlns:a16="http://schemas.microsoft.com/office/drawing/2014/main" id="{949B5164-B233-3BE2-D82D-D771B5A904E0}"/>
+            <a:endParaRPr lang="en-PH"/>
+          </a:p>
+        </p:txBody>
+      </p:sp>
+      <p:sp>
+        <p:nvSpPr>
+          <p:cNvPr id="25" name="Rectangle 24">
+            <a:extLst>
+              <a:ext uri="{FF2B5EF4-FFF2-40B4-BE49-F238E27FC236}">
+                <a16:creationId xmlns:a16="http://schemas.microsoft.com/office/drawing/2014/main" id="{C8AFC46D-A9FF-D2C1-C119-14585B31B9E9}"/>
               </a:ext>
             </a:extLst>
           </p:cNvPr>
@@ -7167,18 +6423,30 @@
         </p:nvSpPr>
         <p:spPr>
           <a:xfrm>
-            <a:off x="1702857" y="1884054"/>
-            <a:ext cx="9433532" cy="482169"/>
+            <a:off x="1763527" y="4151074"/>
+            <a:ext cx="3583444" cy="1797131"/>
           </a:xfrm>
           <a:prstGeom prst="rect">
             <a:avLst/>
           </a:prstGeom>
           <a:solidFill>
-            <a:schemeClr val="accent4"/>
+            <a:schemeClr val="bg1"/>
           </a:solidFill>
           <a:ln>
-            <a:noFill/>
+            <a:solidFill>
+              <a:schemeClr val="tx1">
+                <a:lumMod val="50000"/>
+                <a:lumOff val="50000"/>
+              </a:schemeClr>
+            </a:solidFill>
           </a:ln>
+          <a:effectLst>
+            <a:outerShdw blurRad="63500" sx="102000" sy="102000" algn="ctr" rotWithShape="0">
+              <a:prstClr val="black">
+                <a:alpha val="40000"/>
+              </a:prstClr>
+            </a:outerShdw>
+          </a:effectLst>
         </p:spPr>
         <p:style>
           <a:lnRef idx="2">
@@ -7201,16 +6469,16 @@
           <a:lstStyle/>
           <a:p>
             <a:pPr algn="ctr"/>
-            <a:endParaRPr lang="en-PH" dirty="0"/>
-          </a:p>
-        </p:txBody>
-      </p:sp>
-      <p:sp>
-        <p:nvSpPr>
-          <p:cNvPr id="11" name="Rectangle 10">
-            <a:extLst>
-              <a:ext uri="{FF2B5EF4-FFF2-40B4-BE49-F238E27FC236}">
-                <a16:creationId xmlns:a16="http://schemas.microsoft.com/office/drawing/2014/main" id="{49CA8E0B-40D3-4482-EDC7-25E4DF20AAD4}"/>
+            <a:endParaRPr lang="en-PH"/>
+          </a:p>
+        </p:txBody>
+      </p:sp>
+      <p:sp>
+        <p:nvSpPr>
+          <p:cNvPr id="26" name="Rectangle 25">
+            <a:extLst>
+              <a:ext uri="{FF2B5EF4-FFF2-40B4-BE49-F238E27FC236}">
+                <a16:creationId xmlns:a16="http://schemas.microsoft.com/office/drawing/2014/main" id="{796C9850-71D7-2FBF-C4F6-A7A19AB0648C}"/>
               </a:ext>
             </a:extLst>
           </p:cNvPr>
@@ -7219,8 +6487,8 @@
         </p:nvSpPr>
         <p:spPr>
           <a:xfrm>
-            <a:off x="1702856" y="2366223"/>
-            <a:ext cx="9433532" cy="2977244"/>
+            <a:off x="7552951" y="4151073"/>
+            <a:ext cx="3583444" cy="1797132"/>
           </a:xfrm>
           <a:prstGeom prst="rect">
             <a:avLst/>
@@ -7229,8 +6497,20 @@
             <a:schemeClr val="bg1"/>
           </a:solidFill>
           <a:ln>
-            <a:noFill/>
+            <a:solidFill>
+              <a:schemeClr val="tx1">
+                <a:lumMod val="50000"/>
+                <a:lumOff val="50000"/>
+              </a:schemeClr>
+            </a:solidFill>
           </a:ln>
+          <a:effectLst>
+            <a:outerShdw blurRad="63500" sx="102000" sy="102000" algn="ctr" rotWithShape="0">
+              <a:prstClr val="black">
+                <a:alpha val="40000"/>
+              </a:prstClr>
+            </a:outerShdw>
+          </a:effectLst>
         </p:spPr>
         <p:style>
           <a:lnRef idx="2">
@@ -7259,220 +6539,22 @@
       </p:sp>
       <p:sp>
         <p:nvSpPr>
-          <p:cNvPr id="12" name="TextBox 11">
-            <a:extLst>
-              <a:ext uri="{FF2B5EF4-FFF2-40B4-BE49-F238E27FC236}">
-                <a16:creationId xmlns:a16="http://schemas.microsoft.com/office/drawing/2014/main" id="{4120A6B4-DA01-EFD7-E501-8A3F455A9775}"/>
-              </a:ext>
-            </a:extLst>
-          </p:cNvPr>
-          <p:cNvSpPr txBox="1"/>
-          <p:nvPr/>
-        </p:nvSpPr>
-        <p:spPr>
-          <a:xfrm>
-            <a:off x="1788160" y="1986025"/>
-            <a:ext cx="1635760" cy="338554"/>
-          </a:xfrm>
-          <a:prstGeom prst="rect">
-            <a:avLst/>
-          </a:prstGeom>
-          <a:noFill/>
-        </p:spPr>
-        <p:txBody>
-          <a:bodyPr wrap="square" rtlCol="0">
-            <a:spAutoFit/>
-          </a:bodyPr>
-          <a:lstStyle/>
-          <a:p>
-            <a:r>
-              <a:rPr lang="en-PH" sz="1600" b="1" dirty="0">
-                <a:latin typeface="Open Sans" pitchFamily="2" charset="0"/>
-                <a:ea typeface="Open Sans" pitchFamily="2" charset="0"/>
-                <a:cs typeface="Open Sans" pitchFamily="2" charset="0"/>
-              </a:rPr>
-              <a:t>Student No.</a:t>
-            </a:r>
-          </a:p>
-        </p:txBody>
-      </p:sp>
-      <p:sp>
-        <p:nvSpPr>
-          <p:cNvPr id="13" name="TextBox 12">
-            <a:extLst>
-              <a:ext uri="{FF2B5EF4-FFF2-40B4-BE49-F238E27FC236}">
-                <a16:creationId xmlns:a16="http://schemas.microsoft.com/office/drawing/2014/main" id="{AD8363E1-11A5-5A6D-F595-7EC7E7BBFB19}"/>
-              </a:ext>
-            </a:extLst>
-          </p:cNvPr>
-          <p:cNvSpPr txBox="1"/>
-          <p:nvPr/>
-        </p:nvSpPr>
-        <p:spPr>
-          <a:xfrm>
-            <a:off x="4283625" y="1986024"/>
-            <a:ext cx="1435138" cy="338554"/>
-          </a:xfrm>
-          <a:prstGeom prst="rect">
-            <a:avLst/>
-          </a:prstGeom>
-          <a:noFill/>
-        </p:spPr>
-        <p:txBody>
-          <a:bodyPr wrap="square" rtlCol="0">
-            <a:spAutoFit/>
-          </a:bodyPr>
-          <a:lstStyle/>
-          <a:p>
-            <a:r>
-              <a:rPr lang="en-PH" sz="1600" b="1" dirty="0">
-                <a:latin typeface="Open Sans" pitchFamily="2" charset="0"/>
-                <a:ea typeface="Open Sans" pitchFamily="2" charset="0"/>
-                <a:cs typeface="Open Sans" pitchFamily="2" charset="0"/>
-              </a:rPr>
-              <a:t>Last Name</a:t>
-            </a:r>
-          </a:p>
-        </p:txBody>
-      </p:sp>
-      <p:sp>
-        <p:nvSpPr>
-          <p:cNvPr id="15" name="TextBox 14">
-            <a:extLst>
-              <a:ext uri="{FF2B5EF4-FFF2-40B4-BE49-F238E27FC236}">
-                <a16:creationId xmlns:a16="http://schemas.microsoft.com/office/drawing/2014/main" id="{9E517E2A-02EE-29A4-E9F6-08C07BC9100F}"/>
-              </a:ext>
-            </a:extLst>
-          </p:cNvPr>
-          <p:cNvSpPr txBox="1"/>
-          <p:nvPr/>
-        </p:nvSpPr>
-        <p:spPr>
-          <a:xfrm>
-            <a:off x="6900421" y="1986024"/>
-            <a:ext cx="1435138" cy="338554"/>
-          </a:xfrm>
-          <a:prstGeom prst="rect">
-            <a:avLst/>
-          </a:prstGeom>
-          <a:noFill/>
-        </p:spPr>
-        <p:txBody>
-          <a:bodyPr wrap="square" rtlCol="0">
-            <a:spAutoFit/>
-          </a:bodyPr>
-          <a:lstStyle/>
-          <a:p>
-            <a:r>
-              <a:rPr lang="en-PH" sz="1600" b="1" dirty="0">
-                <a:latin typeface="Open Sans" pitchFamily="2" charset="0"/>
-                <a:ea typeface="Open Sans" pitchFamily="2" charset="0"/>
-                <a:cs typeface="Open Sans" pitchFamily="2" charset="0"/>
-              </a:rPr>
-              <a:t>First Name</a:t>
-            </a:r>
-          </a:p>
-        </p:txBody>
-      </p:sp>
-      <p:sp>
-        <p:nvSpPr>
-          <p:cNvPr id="17" name="TextBox 16">
-            <a:extLst>
-              <a:ext uri="{FF2B5EF4-FFF2-40B4-BE49-F238E27FC236}">
-                <a16:creationId xmlns:a16="http://schemas.microsoft.com/office/drawing/2014/main" id="{7E86F86B-6CBF-E60E-80CE-9BA942B78D39}"/>
-              </a:ext>
-            </a:extLst>
-          </p:cNvPr>
-          <p:cNvSpPr txBox="1"/>
-          <p:nvPr/>
-        </p:nvSpPr>
-        <p:spPr>
-          <a:xfrm>
-            <a:off x="9100528" y="1986024"/>
-            <a:ext cx="2149856" cy="338554"/>
-          </a:xfrm>
-          <a:prstGeom prst="rect">
-            <a:avLst/>
-          </a:prstGeom>
-          <a:noFill/>
-        </p:spPr>
-        <p:txBody>
-          <a:bodyPr wrap="square" rtlCol="0">
-            <a:spAutoFit/>
-          </a:bodyPr>
-          <a:lstStyle/>
-          <a:p>
-            <a:r>
-              <a:rPr lang="en-PH" sz="1600" b="1" dirty="0">
-                <a:latin typeface="Open Sans" pitchFamily="2" charset="0"/>
-                <a:ea typeface="Open Sans" pitchFamily="2" charset="0"/>
-                <a:cs typeface="Open Sans" pitchFamily="2" charset="0"/>
-              </a:rPr>
-              <a:t>Regular/Irregular</a:t>
-            </a:r>
-          </a:p>
-        </p:txBody>
-      </p:sp>
-      <p:sp>
-        <p:nvSpPr>
-          <p:cNvPr id="3" name="TextBox 2">
-            <a:extLst>
-              <a:ext uri="{FF2B5EF4-FFF2-40B4-BE49-F238E27FC236}">
-                <a16:creationId xmlns:a16="http://schemas.microsoft.com/office/drawing/2014/main" id="{2E4CE765-E722-998E-1C6F-D20C7DA5312C}"/>
-              </a:ext>
-            </a:extLst>
-          </p:cNvPr>
-          <p:cNvSpPr txBox="1"/>
-          <p:nvPr/>
-        </p:nvSpPr>
-        <p:spPr>
-          <a:xfrm>
-            <a:off x="1914040" y="5925248"/>
-            <a:ext cx="2202281" cy="377908"/>
-          </a:xfrm>
-          <a:prstGeom prst="rect">
-            <a:avLst/>
-          </a:prstGeom>
-          <a:noFill/>
-          <a:ln>
-            <a:noFill/>
-          </a:ln>
-        </p:spPr>
-        <p:txBody>
-          <a:bodyPr wrap="square" rtlCol="0">
-            <a:spAutoFit/>
-          </a:bodyPr>
-          <a:lstStyle/>
-          <a:p>
-            <a:r>
-              <a:rPr lang="en-PH" b="1" spc="300" dirty="0">
-                <a:latin typeface="Open Sans" pitchFamily="2" charset="0"/>
-                <a:ea typeface="Open Sans" pitchFamily="2" charset="0"/>
-                <a:cs typeface="Open Sans" pitchFamily="2" charset="0"/>
-              </a:rPr>
-              <a:t>Grace Period:</a:t>
-            </a:r>
-          </a:p>
-        </p:txBody>
-      </p:sp>
-      <p:sp>
-        <p:nvSpPr>
-          <p:cNvPr id="18" name="TextBox 17">
-            <a:extLst>
-              <a:ext uri="{FF2B5EF4-FFF2-40B4-BE49-F238E27FC236}">
-                <a16:creationId xmlns:a16="http://schemas.microsoft.com/office/drawing/2014/main" id="{89E86A82-4FC6-2F90-4724-C19D3E15E8F6}"/>
-              </a:ext>
-            </a:extLst>
-          </p:cNvPr>
-          <p:cNvSpPr txBox="1"/>
-          <p:nvPr/>
-        </p:nvSpPr>
-        <p:spPr>
-          <a:xfrm>
-            <a:off x="4116321" y="5925248"/>
-            <a:ext cx="983999" cy="377908"/>
-          </a:xfrm>
-          <a:prstGeom prst="rect">
+          <p:cNvPr id="27" name="Rectangle: Top Corners Rounded 26">
+            <a:extLst>
+              <a:ext uri="{FF2B5EF4-FFF2-40B4-BE49-F238E27FC236}">
+                <a16:creationId xmlns:a16="http://schemas.microsoft.com/office/drawing/2014/main" id="{440A0633-84A9-1361-534D-9B874E9C122C}"/>
+              </a:ext>
+            </a:extLst>
+          </p:cNvPr>
+          <p:cNvSpPr/>
+          <p:nvPr/>
+        </p:nvSpPr>
+        <p:spPr>
+          <a:xfrm flipV="1">
+            <a:off x="1763527" y="2369573"/>
+            <a:ext cx="3583445" cy="1059424"/>
+          </a:xfrm>
+          <a:prstGeom prst="round2SameRect">
             <a:avLst/>
           </a:prstGeom>
           <a:solidFill>
@@ -7480,9 +6562,586 @@
           </a:solidFill>
           <a:ln>
             <a:solidFill>
-              <a:srgbClr val="2D2A4C"/>
+              <a:schemeClr val="tx1">
+                <a:lumMod val="50000"/>
+                <a:lumOff val="50000"/>
+              </a:schemeClr>
             </a:solidFill>
           </a:ln>
+          <a:effectLst>
+            <a:outerShdw blurRad="63500" sx="102000" sy="102000" algn="ctr" rotWithShape="0">
+              <a:prstClr val="black">
+                <a:alpha val="40000"/>
+              </a:prstClr>
+            </a:outerShdw>
+          </a:effectLst>
+        </p:spPr>
+        <p:style>
+          <a:lnRef idx="2">
+            <a:schemeClr val="accent1">
+              <a:shade val="50000"/>
+            </a:schemeClr>
+          </a:lnRef>
+          <a:fillRef idx="1">
+            <a:schemeClr val="accent1"/>
+          </a:fillRef>
+          <a:effectRef idx="0">
+            <a:schemeClr val="accent1"/>
+          </a:effectRef>
+          <a:fontRef idx="minor">
+            <a:schemeClr val="lt1"/>
+          </a:fontRef>
+        </p:style>
+        <p:txBody>
+          <a:bodyPr rtlCol="0" anchor="ctr"/>
+          <a:lstStyle/>
+          <a:p>
+            <a:pPr algn="ctr"/>
+            <a:endParaRPr lang="en-PH"/>
+          </a:p>
+        </p:txBody>
+      </p:sp>
+      <p:sp>
+        <p:nvSpPr>
+          <p:cNvPr id="30" name="Rectangle 29">
+            <a:extLst>
+              <a:ext uri="{FF2B5EF4-FFF2-40B4-BE49-F238E27FC236}">
+                <a16:creationId xmlns:a16="http://schemas.microsoft.com/office/drawing/2014/main" id="{944C3DC4-A81E-C5EB-BB74-876DDB253D4E}"/>
+              </a:ext>
+            </a:extLst>
+          </p:cNvPr>
+          <p:cNvSpPr/>
+          <p:nvPr/>
+        </p:nvSpPr>
+        <p:spPr>
+          <a:xfrm>
+            <a:off x="7552950" y="584267"/>
+            <a:ext cx="3583445" cy="1797132"/>
+          </a:xfrm>
+          <a:prstGeom prst="rect">
+            <a:avLst/>
+          </a:prstGeom>
+          <a:solidFill>
+            <a:schemeClr val="bg1"/>
+          </a:solidFill>
+          <a:ln>
+            <a:solidFill>
+              <a:schemeClr val="tx1">
+                <a:lumMod val="50000"/>
+                <a:lumOff val="50000"/>
+              </a:schemeClr>
+            </a:solidFill>
+          </a:ln>
+          <a:effectLst>
+            <a:outerShdw blurRad="63500" sx="102000" sy="102000" algn="ctr" rotWithShape="0">
+              <a:prstClr val="black">
+                <a:alpha val="40000"/>
+              </a:prstClr>
+            </a:outerShdw>
+          </a:effectLst>
+        </p:spPr>
+        <p:style>
+          <a:lnRef idx="2">
+            <a:schemeClr val="accent1">
+              <a:shade val="50000"/>
+            </a:schemeClr>
+          </a:lnRef>
+          <a:fillRef idx="1">
+            <a:schemeClr val="accent1"/>
+          </a:fillRef>
+          <a:effectRef idx="0">
+            <a:schemeClr val="accent1"/>
+          </a:effectRef>
+          <a:fontRef idx="minor">
+            <a:schemeClr val="lt1"/>
+          </a:fontRef>
+        </p:style>
+        <p:txBody>
+          <a:bodyPr rtlCol="0" anchor="ctr"/>
+          <a:lstStyle/>
+          <a:p>
+            <a:pPr algn="ctr"/>
+            <a:endParaRPr lang="en-PH"/>
+          </a:p>
+        </p:txBody>
+      </p:sp>
+      <p:sp>
+        <p:nvSpPr>
+          <p:cNvPr id="31" name="Rectangle: Top Corners Rounded 30">
+            <a:extLst>
+              <a:ext uri="{FF2B5EF4-FFF2-40B4-BE49-F238E27FC236}">
+                <a16:creationId xmlns:a16="http://schemas.microsoft.com/office/drawing/2014/main" id="{8D77310F-BE34-89CF-3776-40453162FEC9}"/>
+              </a:ext>
+            </a:extLst>
+          </p:cNvPr>
+          <p:cNvSpPr/>
+          <p:nvPr/>
+        </p:nvSpPr>
+        <p:spPr>
+          <a:xfrm flipV="1">
+            <a:off x="7552950" y="2381399"/>
+            <a:ext cx="3583445" cy="1059424"/>
+          </a:xfrm>
+          <a:prstGeom prst="round2SameRect">
+            <a:avLst/>
+          </a:prstGeom>
+          <a:solidFill>
+            <a:schemeClr val="bg1"/>
+          </a:solidFill>
+          <a:ln>
+            <a:solidFill>
+              <a:schemeClr val="tx1">
+                <a:lumMod val="50000"/>
+                <a:lumOff val="50000"/>
+              </a:schemeClr>
+            </a:solidFill>
+          </a:ln>
+          <a:effectLst>
+            <a:outerShdw blurRad="63500" sx="102000" sy="102000" algn="ctr" rotWithShape="0">
+              <a:prstClr val="black">
+                <a:alpha val="40000"/>
+              </a:prstClr>
+            </a:outerShdw>
+          </a:effectLst>
+        </p:spPr>
+        <p:style>
+          <a:lnRef idx="2">
+            <a:schemeClr val="accent1">
+              <a:shade val="50000"/>
+            </a:schemeClr>
+          </a:lnRef>
+          <a:fillRef idx="1">
+            <a:schemeClr val="accent1"/>
+          </a:fillRef>
+          <a:effectRef idx="0">
+            <a:schemeClr val="accent1"/>
+          </a:effectRef>
+          <a:fontRef idx="minor">
+            <a:schemeClr val="lt1"/>
+          </a:fontRef>
+        </p:style>
+        <p:txBody>
+          <a:bodyPr rtlCol="0" anchor="ctr"/>
+          <a:lstStyle/>
+          <a:p>
+            <a:pPr algn="ctr"/>
+            <a:endParaRPr lang="en-PH"/>
+          </a:p>
+        </p:txBody>
+      </p:sp>
+      <p:sp>
+        <p:nvSpPr>
+          <p:cNvPr id="32" name="Rectangle 31">
+            <a:extLst>
+              <a:ext uri="{FF2B5EF4-FFF2-40B4-BE49-F238E27FC236}">
+                <a16:creationId xmlns:a16="http://schemas.microsoft.com/office/drawing/2014/main" id="{DDC18A6C-728E-4BB1-1595-9EA691669882}"/>
+              </a:ext>
+            </a:extLst>
+          </p:cNvPr>
+          <p:cNvSpPr/>
+          <p:nvPr/>
+        </p:nvSpPr>
+        <p:spPr>
+          <a:xfrm>
+            <a:off x="1763526" y="565593"/>
+            <a:ext cx="3583443" cy="1797132"/>
+          </a:xfrm>
+          <a:prstGeom prst="rect">
+            <a:avLst/>
+          </a:prstGeom>
+          <a:solidFill>
+            <a:srgbClr val="01264E"/>
+          </a:solidFill>
+          <a:ln>
+            <a:solidFill>
+              <a:schemeClr val="tx1">
+                <a:lumMod val="50000"/>
+                <a:lumOff val="50000"/>
+              </a:schemeClr>
+            </a:solidFill>
+          </a:ln>
+          <a:effectLst/>
+        </p:spPr>
+        <p:style>
+          <a:lnRef idx="2">
+            <a:schemeClr val="accent1">
+              <a:shade val="50000"/>
+            </a:schemeClr>
+          </a:lnRef>
+          <a:fillRef idx="1">
+            <a:schemeClr val="accent1"/>
+          </a:fillRef>
+          <a:effectRef idx="0">
+            <a:schemeClr val="accent1"/>
+          </a:effectRef>
+          <a:fontRef idx="minor">
+            <a:schemeClr val="lt1"/>
+          </a:fontRef>
+        </p:style>
+        <p:txBody>
+          <a:bodyPr rtlCol="0" anchor="ctr"/>
+          <a:lstStyle/>
+          <a:p>
+            <a:pPr algn="ctr"/>
+            <a:r>
+              <a:rPr lang="en-PH" sz="2400" b="1" spc="300" dirty="0">
+                <a:latin typeface="Open Sans" pitchFamily="2" charset="0"/>
+                <a:ea typeface="Open Sans" pitchFamily="2" charset="0"/>
+                <a:cs typeface="Open Sans" pitchFamily="2" charset="0"/>
+              </a:rPr>
+              <a:t>CSC 0321-2</a:t>
+            </a:r>
+          </a:p>
+        </p:txBody>
+      </p:sp>
+      <p:sp>
+        <p:nvSpPr>
+          <p:cNvPr id="33" name="Rectangle 32">
+            <a:extLst>
+              <a:ext uri="{FF2B5EF4-FFF2-40B4-BE49-F238E27FC236}">
+                <a16:creationId xmlns:a16="http://schemas.microsoft.com/office/drawing/2014/main" id="{8CB4D2B6-3388-A7EC-8D1A-B981F4D09E89}"/>
+              </a:ext>
+            </a:extLst>
+          </p:cNvPr>
+          <p:cNvSpPr/>
+          <p:nvPr/>
+        </p:nvSpPr>
+        <p:spPr>
+          <a:xfrm>
+            <a:off x="7552947" y="572441"/>
+            <a:ext cx="3583443" cy="1797132"/>
+          </a:xfrm>
+          <a:prstGeom prst="rect">
+            <a:avLst/>
+          </a:prstGeom>
+          <a:solidFill>
+            <a:schemeClr val="accent6">
+              <a:lumMod val="75000"/>
+            </a:schemeClr>
+          </a:solidFill>
+          <a:ln>
+            <a:solidFill>
+              <a:schemeClr val="tx1">
+                <a:lumMod val="50000"/>
+                <a:lumOff val="50000"/>
+              </a:schemeClr>
+            </a:solidFill>
+          </a:ln>
+          <a:effectLst/>
+        </p:spPr>
+        <p:style>
+          <a:lnRef idx="2">
+            <a:schemeClr val="accent1">
+              <a:shade val="50000"/>
+            </a:schemeClr>
+          </a:lnRef>
+          <a:fillRef idx="1">
+            <a:schemeClr val="accent1"/>
+          </a:fillRef>
+          <a:effectRef idx="0">
+            <a:schemeClr val="accent1"/>
+          </a:effectRef>
+          <a:fontRef idx="minor">
+            <a:schemeClr val="lt1"/>
+          </a:fontRef>
+        </p:style>
+        <p:txBody>
+          <a:bodyPr rtlCol="0" anchor="ctr"/>
+          <a:lstStyle/>
+          <a:p>
+            <a:pPr algn="ctr"/>
+            <a:r>
+              <a:rPr lang="en-PH" sz="2400" b="1" spc="300" dirty="0">
+                <a:latin typeface="Open Sans" pitchFamily="2" charset="0"/>
+                <a:ea typeface="Open Sans" pitchFamily="2" charset="0"/>
+                <a:cs typeface="Open Sans" pitchFamily="2" charset="0"/>
+              </a:rPr>
+              <a:t>CSC 0323-2</a:t>
+            </a:r>
+          </a:p>
+        </p:txBody>
+      </p:sp>
+      <p:sp>
+        <p:nvSpPr>
+          <p:cNvPr id="34" name="Rectangle 33">
+            <a:extLst>
+              <a:ext uri="{FF2B5EF4-FFF2-40B4-BE49-F238E27FC236}">
+                <a16:creationId xmlns:a16="http://schemas.microsoft.com/office/drawing/2014/main" id="{D80E199A-DA7D-4508-5920-1FD56D43E1A2}"/>
+              </a:ext>
+            </a:extLst>
+          </p:cNvPr>
+          <p:cNvSpPr/>
+          <p:nvPr/>
+        </p:nvSpPr>
+        <p:spPr>
+          <a:xfrm>
+            <a:off x="1763525" y="4151073"/>
+            <a:ext cx="3583443" cy="1797132"/>
+          </a:xfrm>
+          <a:prstGeom prst="rect">
+            <a:avLst/>
+          </a:prstGeom>
+          <a:solidFill>
+            <a:schemeClr val="tx2">
+              <a:lumMod val="50000"/>
+            </a:schemeClr>
+          </a:solidFill>
+          <a:ln>
+            <a:solidFill>
+              <a:schemeClr val="tx1">
+                <a:lumMod val="50000"/>
+                <a:lumOff val="50000"/>
+              </a:schemeClr>
+            </a:solidFill>
+          </a:ln>
+          <a:effectLst/>
+        </p:spPr>
+        <p:style>
+          <a:lnRef idx="2">
+            <a:schemeClr val="accent1">
+              <a:shade val="50000"/>
+            </a:schemeClr>
+          </a:lnRef>
+          <a:fillRef idx="1">
+            <a:schemeClr val="accent1"/>
+          </a:fillRef>
+          <a:effectRef idx="0">
+            <a:schemeClr val="accent1"/>
+          </a:effectRef>
+          <a:fontRef idx="minor">
+            <a:schemeClr val="lt1"/>
+          </a:fontRef>
+        </p:style>
+        <p:txBody>
+          <a:bodyPr rtlCol="0" anchor="ctr"/>
+          <a:lstStyle/>
+          <a:p>
+            <a:pPr algn="ctr"/>
+            <a:r>
+              <a:rPr lang="en-PH" sz="2400" b="1" spc="300" dirty="0">
+                <a:latin typeface="Open Sans" pitchFamily="2" charset="0"/>
+                <a:ea typeface="Open Sans" pitchFamily="2" charset="0"/>
+                <a:cs typeface="Open Sans" pitchFamily="2" charset="0"/>
+              </a:rPr>
+              <a:t>CSC 0324-2</a:t>
+            </a:r>
+          </a:p>
+        </p:txBody>
+      </p:sp>
+      <p:sp>
+        <p:nvSpPr>
+          <p:cNvPr id="35" name="Rectangle 34">
+            <a:extLst>
+              <a:ext uri="{FF2B5EF4-FFF2-40B4-BE49-F238E27FC236}">
+                <a16:creationId xmlns:a16="http://schemas.microsoft.com/office/drawing/2014/main" id="{BD8B7B6A-F041-B2D4-64E4-5177C621AC7E}"/>
+              </a:ext>
+            </a:extLst>
+          </p:cNvPr>
+          <p:cNvSpPr/>
+          <p:nvPr/>
+        </p:nvSpPr>
+        <p:spPr>
+          <a:xfrm>
+            <a:off x="7552946" y="4151073"/>
+            <a:ext cx="3583443" cy="1797132"/>
+          </a:xfrm>
+          <a:prstGeom prst="rect">
+            <a:avLst/>
+          </a:prstGeom>
+          <a:solidFill>
+            <a:schemeClr val="accent4"/>
+          </a:solidFill>
+          <a:ln>
+            <a:solidFill>
+              <a:schemeClr val="tx1">
+                <a:lumMod val="50000"/>
+                <a:lumOff val="50000"/>
+              </a:schemeClr>
+            </a:solidFill>
+          </a:ln>
+          <a:effectLst/>
+        </p:spPr>
+        <p:style>
+          <a:lnRef idx="2">
+            <a:schemeClr val="accent1">
+              <a:shade val="50000"/>
+            </a:schemeClr>
+          </a:lnRef>
+          <a:fillRef idx="1">
+            <a:schemeClr val="accent1"/>
+          </a:fillRef>
+          <a:effectRef idx="0">
+            <a:schemeClr val="accent1"/>
+          </a:effectRef>
+          <a:fontRef idx="minor">
+            <a:schemeClr val="lt1"/>
+          </a:fontRef>
+        </p:style>
+        <p:txBody>
+          <a:bodyPr rtlCol="0" anchor="ctr"/>
+          <a:lstStyle/>
+          <a:p>
+            <a:pPr algn="ctr"/>
+            <a:r>
+              <a:rPr lang="en-PH" sz="2400" b="1" spc="300" dirty="0">
+                <a:latin typeface="Open Sans" pitchFamily="2" charset="0"/>
+                <a:ea typeface="Open Sans" pitchFamily="2" charset="0"/>
+                <a:cs typeface="Open Sans" pitchFamily="2" charset="0"/>
+              </a:rPr>
+              <a:t>ABC 0123-4</a:t>
+            </a:r>
+          </a:p>
+        </p:txBody>
+      </p:sp>
+      <p:sp>
+        <p:nvSpPr>
+          <p:cNvPr id="36" name="Rectangle: Top Corners Rounded 35">
+            <a:extLst>
+              <a:ext uri="{FF2B5EF4-FFF2-40B4-BE49-F238E27FC236}">
+                <a16:creationId xmlns:a16="http://schemas.microsoft.com/office/drawing/2014/main" id="{0E9547D3-327E-1FA8-ADB5-4366E26D41A8}"/>
+              </a:ext>
+            </a:extLst>
+          </p:cNvPr>
+          <p:cNvSpPr/>
+          <p:nvPr/>
+        </p:nvSpPr>
+        <p:spPr>
+          <a:xfrm flipV="1">
+            <a:off x="1763523" y="5948205"/>
+            <a:ext cx="3583445" cy="1059424"/>
+          </a:xfrm>
+          <a:prstGeom prst="round2SameRect">
+            <a:avLst/>
+          </a:prstGeom>
+          <a:solidFill>
+            <a:schemeClr val="bg1"/>
+          </a:solidFill>
+          <a:ln>
+            <a:solidFill>
+              <a:schemeClr val="tx1">
+                <a:lumMod val="50000"/>
+                <a:lumOff val="50000"/>
+              </a:schemeClr>
+            </a:solidFill>
+          </a:ln>
+          <a:effectLst>
+            <a:outerShdw blurRad="63500" sx="102000" sy="102000" algn="ctr" rotWithShape="0">
+              <a:prstClr val="black">
+                <a:alpha val="40000"/>
+              </a:prstClr>
+            </a:outerShdw>
+          </a:effectLst>
+        </p:spPr>
+        <p:style>
+          <a:lnRef idx="2">
+            <a:schemeClr val="accent1">
+              <a:shade val="50000"/>
+            </a:schemeClr>
+          </a:lnRef>
+          <a:fillRef idx="1">
+            <a:schemeClr val="accent1"/>
+          </a:fillRef>
+          <a:effectRef idx="0">
+            <a:schemeClr val="accent1"/>
+          </a:effectRef>
+          <a:fontRef idx="minor">
+            <a:schemeClr val="lt1"/>
+          </a:fontRef>
+        </p:style>
+        <p:txBody>
+          <a:bodyPr rtlCol="0" anchor="ctr"/>
+          <a:lstStyle/>
+          <a:p>
+            <a:pPr algn="ctr"/>
+            <a:endParaRPr lang="en-PH" dirty="0"/>
+          </a:p>
+        </p:txBody>
+      </p:sp>
+      <p:sp>
+        <p:nvSpPr>
+          <p:cNvPr id="37" name="Rectangle: Top Corners Rounded 36">
+            <a:extLst>
+              <a:ext uri="{FF2B5EF4-FFF2-40B4-BE49-F238E27FC236}">
+                <a16:creationId xmlns:a16="http://schemas.microsoft.com/office/drawing/2014/main" id="{F91B95A1-E76F-0A38-7FC8-9F20B8EC6663}"/>
+              </a:ext>
+            </a:extLst>
+          </p:cNvPr>
+          <p:cNvSpPr/>
+          <p:nvPr/>
+        </p:nvSpPr>
+        <p:spPr>
+          <a:xfrm flipV="1">
+            <a:off x="7552946" y="5948205"/>
+            <a:ext cx="3583445" cy="1059424"/>
+          </a:xfrm>
+          <a:prstGeom prst="round2SameRect">
+            <a:avLst/>
+          </a:prstGeom>
+          <a:solidFill>
+            <a:schemeClr val="bg1"/>
+          </a:solidFill>
+          <a:ln>
+            <a:solidFill>
+              <a:schemeClr val="tx1">
+                <a:lumMod val="50000"/>
+                <a:lumOff val="50000"/>
+              </a:schemeClr>
+            </a:solidFill>
+          </a:ln>
+          <a:effectLst>
+            <a:outerShdw blurRad="63500" sx="102000" sy="102000" algn="ctr" rotWithShape="0">
+              <a:prstClr val="black">
+                <a:alpha val="40000"/>
+              </a:prstClr>
+            </a:outerShdw>
+          </a:effectLst>
+        </p:spPr>
+        <p:style>
+          <a:lnRef idx="2">
+            <a:schemeClr val="accent1">
+              <a:shade val="50000"/>
+            </a:schemeClr>
+          </a:lnRef>
+          <a:fillRef idx="1">
+            <a:schemeClr val="accent1"/>
+          </a:fillRef>
+          <a:effectRef idx="0">
+            <a:schemeClr val="accent1"/>
+          </a:effectRef>
+          <a:fontRef idx="minor">
+            <a:schemeClr val="lt1"/>
+          </a:fontRef>
+        </p:style>
+        <p:txBody>
+          <a:bodyPr rtlCol="0" anchor="ctr"/>
+          <a:lstStyle/>
+          <a:p>
+            <a:pPr algn="ctr"/>
+            <a:endParaRPr lang="en-PH"/>
+          </a:p>
+        </p:txBody>
+      </p:sp>
+      <p:sp>
+        <p:nvSpPr>
+          <p:cNvPr id="38" name="TextBox 37">
+            <a:extLst>
+              <a:ext uri="{FF2B5EF4-FFF2-40B4-BE49-F238E27FC236}">
+                <a16:creationId xmlns:a16="http://schemas.microsoft.com/office/drawing/2014/main" id="{19DDCC11-270E-D839-C76A-1019EF9ED04F}"/>
+              </a:ext>
+            </a:extLst>
+          </p:cNvPr>
+          <p:cNvSpPr txBox="1"/>
+          <p:nvPr/>
+        </p:nvSpPr>
+        <p:spPr>
+          <a:xfrm>
+            <a:off x="1912101" y="1964221"/>
+            <a:ext cx="3286287" cy="369332"/>
+          </a:xfrm>
+          <a:prstGeom prst="rect">
+            <a:avLst/>
+          </a:prstGeom>
+          <a:noFill/>
         </p:spPr>
         <p:txBody>
           <a:bodyPr wrap="square" rtlCol="0">
@@ -7490,30 +7149,26 @@
           </a:bodyPr>
           <a:lstStyle/>
           <a:p>
-            <a:pPr algn="ctr"/>
-            <a:r>
-              <a:rPr lang="en-PH" b="1" spc="300" dirty="0">
+            <a:r>
+              <a:rPr lang="en-PH" b="1" dirty="0">
                 <a:solidFill>
-                  <a:schemeClr val="tx1">
-                    <a:lumMod val="50000"/>
-                    <a:lumOff val="50000"/>
-                  </a:schemeClr>
+                  <a:schemeClr val="bg1"/>
                 </a:solidFill>
                 <a:latin typeface="Open Sans" pitchFamily="2" charset="0"/>
                 <a:ea typeface="Open Sans" pitchFamily="2" charset="0"/>
                 <a:cs typeface="Open Sans" pitchFamily="2" charset="0"/>
               </a:rPr>
-              <a:t>0:00</a:t>
-            </a:r>
-          </a:p>
-        </p:txBody>
-      </p:sp>
-      <p:sp>
-        <p:nvSpPr>
-          <p:cNvPr id="19" name="TextBox 18">
-            <a:extLst>
-              <a:ext uri="{FF2B5EF4-FFF2-40B4-BE49-F238E27FC236}">
-                <a16:creationId xmlns:a16="http://schemas.microsoft.com/office/drawing/2014/main" id="{7CB39D97-5607-CFF0-92AE-65F20F0C3279}"/>
+              <a:t>SOFTWARE ENGINEERING 2</a:t>
+            </a:r>
+          </a:p>
+        </p:txBody>
+      </p:sp>
+      <p:sp>
+        <p:nvSpPr>
+          <p:cNvPr id="39" name="TextBox 38">
+            <a:extLst>
+              <a:ext uri="{FF2B5EF4-FFF2-40B4-BE49-F238E27FC236}">
+                <a16:creationId xmlns:a16="http://schemas.microsoft.com/office/drawing/2014/main" id="{7A356FB0-525C-0CC2-AD00-40CDEDAC1771}"/>
               </a:ext>
             </a:extLst>
           </p:cNvPr>
@@ -7522,16 +7177,13 @@
         </p:nvSpPr>
         <p:spPr>
           <a:xfrm>
-            <a:off x="5075835" y="5925248"/>
-            <a:ext cx="1000120" cy="369332"/>
+            <a:off x="1763523" y="2447946"/>
+            <a:ext cx="3583443" cy="893834"/>
           </a:xfrm>
           <a:prstGeom prst="rect">
             <a:avLst/>
           </a:prstGeom>
           <a:noFill/>
-          <a:ln>
-            <a:noFill/>
-          </a:ln>
         </p:spPr>
         <p:txBody>
           <a:bodyPr wrap="square" rtlCol="0">
@@ -7539,13 +7191,398 @@
           </a:bodyPr>
           <a:lstStyle/>
           <a:p>
-            <a:r>
-              <a:rPr lang="en-PH" b="1" spc="300" dirty="0">
+            <a:pPr>
+              <a:lnSpc>
+                <a:spcPct val="150000"/>
+              </a:lnSpc>
+            </a:pPr>
+            <a:r>
+              <a:rPr lang="en-PH" sz="1200" b="1" dirty="0">
                 <a:latin typeface="Open Sans" pitchFamily="2" charset="0"/>
                 <a:ea typeface="Open Sans" pitchFamily="2" charset="0"/>
                 <a:cs typeface="Open Sans" pitchFamily="2" charset="0"/>
               </a:rPr>
-              <a:t>mins.</a:t>
+              <a:t>Course: BSCS</a:t>
+            </a:r>
+          </a:p>
+          <a:p>
+            <a:pPr>
+              <a:lnSpc>
+                <a:spcPct val="150000"/>
+              </a:lnSpc>
+            </a:pPr>
+            <a:r>
+              <a:rPr lang="en-PH" sz="1200" b="1" dirty="0">
+                <a:latin typeface="Open Sans" pitchFamily="2" charset="0"/>
+                <a:ea typeface="Open Sans" pitchFamily="2" charset="0"/>
+                <a:cs typeface="Open Sans" pitchFamily="2" charset="0"/>
+              </a:rPr>
+              <a:t>Year/Block: 3-2</a:t>
+            </a:r>
+          </a:p>
+          <a:p>
+            <a:pPr>
+              <a:lnSpc>
+                <a:spcPct val="150000"/>
+              </a:lnSpc>
+            </a:pPr>
+            <a:r>
+              <a:rPr lang="en-PH" sz="1200" b="1" dirty="0">
+                <a:latin typeface="Open Sans" pitchFamily="2" charset="0"/>
+                <a:ea typeface="Open Sans" pitchFamily="2" charset="0"/>
+                <a:cs typeface="Open Sans" pitchFamily="2" charset="0"/>
+              </a:rPr>
+              <a:t>Day/Time: T/Th 7:00pm – 8:00pm</a:t>
+            </a:r>
+          </a:p>
+        </p:txBody>
+      </p:sp>
+      <p:sp>
+        <p:nvSpPr>
+          <p:cNvPr id="40" name="TextBox 39">
+            <a:extLst>
+              <a:ext uri="{FF2B5EF4-FFF2-40B4-BE49-F238E27FC236}">
+                <a16:creationId xmlns:a16="http://schemas.microsoft.com/office/drawing/2014/main" id="{DF671A24-8953-FE49-0114-4232CBF32529}"/>
+              </a:ext>
+            </a:extLst>
+          </p:cNvPr>
+          <p:cNvSpPr txBox="1"/>
+          <p:nvPr/>
+        </p:nvSpPr>
+        <p:spPr>
+          <a:xfrm>
+            <a:off x="7701523" y="2012067"/>
+            <a:ext cx="3286287" cy="369332"/>
+          </a:xfrm>
+          <a:prstGeom prst="rect">
+            <a:avLst/>
+          </a:prstGeom>
+          <a:noFill/>
+        </p:spPr>
+        <p:txBody>
+          <a:bodyPr wrap="square" rtlCol="0">
+            <a:spAutoFit/>
+          </a:bodyPr>
+          <a:lstStyle/>
+          <a:p>
+            <a:r>
+              <a:rPr lang="en-PH" b="1" dirty="0">
+                <a:solidFill>
+                  <a:schemeClr val="bg1"/>
+                </a:solidFill>
+                <a:latin typeface="Open Sans" pitchFamily="2" charset="0"/>
+                <a:ea typeface="Open Sans" pitchFamily="2" charset="0"/>
+                <a:cs typeface="Open Sans" pitchFamily="2" charset="0"/>
+              </a:rPr>
+              <a:t>COMPUTATIONAL SCIENCE</a:t>
+            </a:r>
+          </a:p>
+        </p:txBody>
+      </p:sp>
+      <p:sp>
+        <p:nvSpPr>
+          <p:cNvPr id="41" name="TextBox 40">
+            <a:extLst>
+              <a:ext uri="{FF2B5EF4-FFF2-40B4-BE49-F238E27FC236}">
+                <a16:creationId xmlns:a16="http://schemas.microsoft.com/office/drawing/2014/main" id="{0A19B25C-0BFF-5C56-22BA-8F28B39BB738}"/>
+              </a:ext>
+            </a:extLst>
+          </p:cNvPr>
+          <p:cNvSpPr txBox="1"/>
+          <p:nvPr/>
+        </p:nvSpPr>
+        <p:spPr>
+          <a:xfrm>
+            <a:off x="7552946" y="2447946"/>
+            <a:ext cx="3583443" cy="893834"/>
+          </a:xfrm>
+          <a:prstGeom prst="rect">
+            <a:avLst/>
+          </a:prstGeom>
+          <a:noFill/>
+        </p:spPr>
+        <p:txBody>
+          <a:bodyPr wrap="square" rtlCol="0">
+            <a:spAutoFit/>
+          </a:bodyPr>
+          <a:lstStyle/>
+          <a:p>
+            <a:pPr>
+              <a:lnSpc>
+                <a:spcPct val="150000"/>
+              </a:lnSpc>
+            </a:pPr>
+            <a:r>
+              <a:rPr lang="en-PH" sz="1200" b="1" dirty="0">
+                <a:latin typeface="Open Sans" pitchFamily="2" charset="0"/>
+                <a:ea typeface="Open Sans" pitchFamily="2" charset="0"/>
+                <a:cs typeface="Open Sans" pitchFamily="2" charset="0"/>
+              </a:rPr>
+              <a:t>Course: BSCS</a:t>
+            </a:r>
+          </a:p>
+          <a:p>
+            <a:pPr>
+              <a:lnSpc>
+                <a:spcPct val="150000"/>
+              </a:lnSpc>
+            </a:pPr>
+            <a:r>
+              <a:rPr lang="en-PH" sz="1200" b="1" dirty="0">
+                <a:latin typeface="Open Sans" pitchFamily="2" charset="0"/>
+                <a:ea typeface="Open Sans" pitchFamily="2" charset="0"/>
+                <a:cs typeface="Open Sans" pitchFamily="2" charset="0"/>
+              </a:rPr>
+              <a:t>Year/Block: 3-2</a:t>
+            </a:r>
+          </a:p>
+          <a:p>
+            <a:pPr>
+              <a:lnSpc>
+                <a:spcPct val="150000"/>
+              </a:lnSpc>
+            </a:pPr>
+            <a:r>
+              <a:rPr lang="en-PH" sz="1200" b="1" dirty="0">
+                <a:latin typeface="Open Sans" pitchFamily="2" charset="0"/>
+                <a:ea typeface="Open Sans" pitchFamily="2" charset="0"/>
+                <a:cs typeface="Open Sans" pitchFamily="2" charset="0"/>
+              </a:rPr>
+              <a:t>Day/Time: S 12:00pm – 2:00pm</a:t>
+            </a:r>
+          </a:p>
+        </p:txBody>
+      </p:sp>
+      <p:sp>
+        <p:nvSpPr>
+          <p:cNvPr id="42" name="TextBox 41">
+            <a:extLst>
+              <a:ext uri="{FF2B5EF4-FFF2-40B4-BE49-F238E27FC236}">
+                <a16:creationId xmlns:a16="http://schemas.microsoft.com/office/drawing/2014/main" id="{7F5CACD0-AD2B-4AE6-B914-CE8409EA7326}"/>
+              </a:ext>
+            </a:extLst>
+          </p:cNvPr>
+          <p:cNvSpPr txBox="1"/>
+          <p:nvPr/>
+        </p:nvSpPr>
+        <p:spPr>
+          <a:xfrm>
+            <a:off x="1912101" y="5584176"/>
+            <a:ext cx="3286287" cy="369332"/>
+          </a:xfrm>
+          <a:prstGeom prst="rect">
+            <a:avLst/>
+          </a:prstGeom>
+          <a:noFill/>
+        </p:spPr>
+        <p:txBody>
+          <a:bodyPr wrap="square" rtlCol="0">
+            <a:spAutoFit/>
+          </a:bodyPr>
+          <a:lstStyle/>
+          <a:p>
+            <a:pPr algn="ctr"/>
+            <a:r>
+              <a:rPr lang="en-PH" b="1" dirty="0">
+                <a:solidFill>
+                  <a:schemeClr val="bg1"/>
+                </a:solidFill>
+                <a:latin typeface="Open Sans" pitchFamily="2" charset="0"/>
+                <a:ea typeface="Open Sans" pitchFamily="2" charset="0"/>
+                <a:cs typeface="Open Sans" pitchFamily="2" charset="0"/>
+              </a:rPr>
+              <a:t>CS ELECTIVE 1 (LEC)</a:t>
+            </a:r>
+          </a:p>
+        </p:txBody>
+      </p:sp>
+      <p:sp>
+        <p:nvSpPr>
+          <p:cNvPr id="43" name="TextBox 42">
+            <a:extLst>
+              <a:ext uri="{FF2B5EF4-FFF2-40B4-BE49-F238E27FC236}">
+                <a16:creationId xmlns:a16="http://schemas.microsoft.com/office/drawing/2014/main" id="{1555DE82-3FC1-8924-8095-8D4216B1E755}"/>
+              </a:ext>
+            </a:extLst>
+          </p:cNvPr>
+          <p:cNvSpPr txBox="1"/>
+          <p:nvPr/>
+        </p:nvSpPr>
+        <p:spPr>
+          <a:xfrm>
+            <a:off x="1763523" y="6041755"/>
+            <a:ext cx="3583443" cy="893834"/>
+          </a:xfrm>
+          <a:prstGeom prst="rect">
+            <a:avLst/>
+          </a:prstGeom>
+          <a:noFill/>
+        </p:spPr>
+        <p:txBody>
+          <a:bodyPr wrap="square" rtlCol="0">
+            <a:spAutoFit/>
+          </a:bodyPr>
+          <a:lstStyle/>
+          <a:p>
+            <a:pPr>
+              <a:lnSpc>
+                <a:spcPct val="150000"/>
+              </a:lnSpc>
+            </a:pPr>
+            <a:r>
+              <a:rPr lang="en-PH" sz="1200" b="1" dirty="0">
+                <a:latin typeface="Open Sans" pitchFamily="2" charset="0"/>
+                <a:ea typeface="Open Sans" pitchFamily="2" charset="0"/>
+                <a:cs typeface="Open Sans" pitchFamily="2" charset="0"/>
+              </a:rPr>
+              <a:t>Course: BSCS</a:t>
+            </a:r>
+          </a:p>
+          <a:p>
+            <a:pPr>
+              <a:lnSpc>
+                <a:spcPct val="150000"/>
+              </a:lnSpc>
+            </a:pPr>
+            <a:r>
+              <a:rPr lang="en-PH" sz="1200" b="1" dirty="0">
+                <a:latin typeface="Open Sans" pitchFamily="2" charset="0"/>
+                <a:ea typeface="Open Sans" pitchFamily="2" charset="0"/>
+                <a:cs typeface="Open Sans" pitchFamily="2" charset="0"/>
+              </a:rPr>
+              <a:t>Year/Block: 3-2</a:t>
+            </a:r>
+          </a:p>
+          <a:p>
+            <a:pPr>
+              <a:lnSpc>
+                <a:spcPct val="150000"/>
+              </a:lnSpc>
+            </a:pPr>
+            <a:r>
+              <a:rPr lang="en-PH" sz="1200" b="1" dirty="0">
+                <a:latin typeface="Open Sans" pitchFamily="2" charset="0"/>
+                <a:ea typeface="Open Sans" pitchFamily="2" charset="0"/>
+                <a:cs typeface="Open Sans" pitchFamily="2" charset="0"/>
+              </a:rPr>
+              <a:t>Day/Time: T/Th 8:00pm – 9:00pm</a:t>
+            </a:r>
+          </a:p>
+        </p:txBody>
+      </p:sp>
+      <p:sp>
+        <p:nvSpPr>
+          <p:cNvPr id="44" name="TextBox 43">
+            <a:extLst>
+              <a:ext uri="{FF2B5EF4-FFF2-40B4-BE49-F238E27FC236}">
+                <a16:creationId xmlns:a16="http://schemas.microsoft.com/office/drawing/2014/main" id="{B22ECE36-8140-C323-20CF-746E8589208B}"/>
+              </a:ext>
+            </a:extLst>
+          </p:cNvPr>
+          <p:cNvSpPr txBox="1"/>
+          <p:nvPr/>
+        </p:nvSpPr>
+        <p:spPr>
+          <a:xfrm>
+            <a:off x="7552946" y="6032683"/>
+            <a:ext cx="3583443" cy="893834"/>
+          </a:xfrm>
+          <a:prstGeom prst="rect">
+            <a:avLst/>
+          </a:prstGeom>
+          <a:noFill/>
+        </p:spPr>
+        <p:txBody>
+          <a:bodyPr wrap="square" rtlCol="0">
+            <a:spAutoFit/>
+          </a:bodyPr>
+          <a:lstStyle/>
+          <a:p>
+            <a:pPr>
+              <a:lnSpc>
+                <a:spcPct val="150000"/>
+              </a:lnSpc>
+            </a:pPr>
+            <a:r>
+              <a:rPr lang="en-PH" sz="1200" b="1" dirty="0">
+                <a:latin typeface="Open Sans" pitchFamily="2" charset="0"/>
+                <a:ea typeface="Open Sans" pitchFamily="2" charset="0"/>
+                <a:cs typeface="Open Sans" pitchFamily="2" charset="0"/>
+              </a:rPr>
+              <a:t>Course: BSIT</a:t>
+            </a:r>
+          </a:p>
+          <a:p>
+            <a:pPr>
+              <a:lnSpc>
+                <a:spcPct val="150000"/>
+              </a:lnSpc>
+            </a:pPr>
+            <a:r>
+              <a:rPr lang="en-PH" sz="1200" b="1" dirty="0">
+                <a:latin typeface="Open Sans" pitchFamily="2" charset="0"/>
+                <a:ea typeface="Open Sans" pitchFamily="2" charset="0"/>
+                <a:cs typeface="Open Sans" pitchFamily="2" charset="0"/>
+              </a:rPr>
+              <a:t>Year/Block: 2-4</a:t>
+            </a:r>
+          </a:p>
+          <a:p>
+            <a:pPr>
+              <a:lnSpc>
+                <a:spcPct val="150000"/>
+              </a:lnSpc>
+            </a:pPr>
+            <a:r>
+              <a:rPr lang="en-PH" sz="1200" b="1" dirty="0">
+                <a:latin typeface="Open Sans" pitchFamily="2" charset="0"/>
+                <a:ea typeface="Open Sans" pitchFamily="2" charset="0"/>
+                <a:cs typeface="Open Sans" pitchFamily="2" charset="0"/>
+              </a:rPr>
+              <a:t>Day/Time: T/Th 8:00pm – 9:00pm</a:t>
+            </a:r>
+          </a:p>
+        </p:txBody>
+      </p:sp>
+      <p:sp>
+        <p:nvSpPr>
+          <p:cNvPr id="45" name="TextBox 44">
+            <a:extLst>
+              <a:ext uri="{FF2B5EF4-FFF2-40B4-BE49-F238E27FC236}">
+                <a16:creationId xmlns:a16="http://schemas.microsoft.com/office/drawing/2014/main" id="{D7E21D6C-EFFE-F364-1E0D-337D16BFAE25}"/>
+              </a:ext>
+            </a:extLst>
+          </p:cNvPr>
+          <p:cNvSpPr txBox="1"/>
+          <p:nvPr/>
+        </p:nvSpPr>
+        <p:spPr>
+          <a:xfrm>
+            <a:off x="7701522" y="5578873"/>
+            <a:ext cx="3286287" cy="369332"/>
+          </a:xfrm>
+          <a:prstGeom prst="rect">
+            <a:avLst/>
+          </a:prstGeom>
+          <a:noFill/>
+        </p:spPr>
+        <p:txBody>
+          <a:bodyPr wrap="square" rtlCol="0">
+            <a:spAutoFit/>
+          </a:bodyPr>
+          <a:lstStyle/>
+          <a:p>
+            <a:pPr algn="ctr"/>
+            <a:r>
+              <a:rPr lang="en-PH" b="1" dirty="0">
+                <a:solidFill>
+                  <a:schemeClr val="bg1"/>
+                </a:solidFill>
+                <a:latin typeface="Open Sans" pitchFamily="2" charset="0"/>
+                <a:ea typeface="Open Sans" pitchFamily="2" charset="0"/>
+                <a:cs typeface="Open Sans" pitchFamily="2" charset="0"/>
+              </a:rPr>
+              <a:t>DATABASE MANAGEMENT</a:t>
             </a:r>
           </a:p>
         </p:txBody>
@@ -7553,7 +7590,7 @@
     </p:spTree>
     <p:extLst>
       <p:ext uri="{BB962C8B-B14F-4D97-AF65-F5344CB8AC3E}">
-        <p14:creationId xmlns:p14="http://schemas.microsoft.com/office/powerpoint/2010/main" val="1624662057"/>
+        <p14:creationId xmlns:p14="http://schemas.microsoft.com/office/powerpoint/2010/main" val="2801735180"/>
       </p:ext>
     </p:extLst>
   </p:cSld>
@@ -7883,10 +7920,10 @@
       </p:pic>
       <p:sp>
         <p:nvSpPr>
-          <p:cNvPr id="23" name="Rectangle 22">
-            <a:extLst>
-              <a:ext uri="{FF2B5EF4-FFF2-40B4-BE49-F238E27FC236}">
-                <a16:creationId xmlns:a16="http://schemas.microsoft.com/office/drawing/2014/main" id="{7E6939E1-CCBC-342B-4708-136846DD11F9}"/>
+          <p:cNvPr id="2" name="Rectangle 1">
+            <a:extLst>
+              <a:ext uri="{FF2B5EF4-FFF2-40B4-BE49-F238E27FC236}">
+                <a16:creationId xmlns:a16="http://schemas.microsoft.com/office/drawing/2014/main" id="{42960F22-AD6F-16E6-AA21-C2D320AF1B66}"/>
               </a:ext>
             </a:extLst>
           </p:cNvPr>
@@ -7895,30 +7932,18 @@
         </p:nvSpPr>
         <p:spPr>
           <a:xfrm>
-            <a:off x="1763527" y="572441"/>
-            <a:ext cx="3583445" cy="1797132"/>
+            <a:off x="8934108" y="5825636"/>
+            <a:ext cx="2202280" cy="599440"/>
           </a:xfrm>
           <a:prstGeom prst="rect">
             <a:avLst/>
           </a:prstGeom>
           <a:solidFill>
-            <a:schemeClr val="bg1"/>
+            <a:srgbClr val="2D2A4C"/>
           </a:solidFill>
           <a:ln>
-            <a:solidFill>
-              <a:schemeClr val="tx1">
-                <a:lumMod val="50000"/>
-                <a:lumOff val="50000"/>
-              </a:schemeClr>
-            </a:solidFill>
+            <a:noFill/>
           </a:ln>
-          <a:effectLst>
-            <a:outerShdw blurRad="63500" sx="102000" sy="102000" algn="ctr" rotWithShape="0">
-              <a:prstClr val="black">
-                <a:alpha val="40000"/>
-              </a:prstClr>
-            </a:outerShdw>
-          </a:effectLst>
         </p:spPr>
         <p:style>
           <a:lnRef idx="2">
@@ -7941,16 +7966,144 @@
           <a:lstStyle/>
           <a:p>
             <a:pPr algn="ctr"/>
-            <a:endParaRPr lang="en-PH"/>
-          </a:p>
-        </p:txBody>
-      </p:sp>
-      <p:sp>
-        <p:nvSpPr>
-          <p:cNvPr id="27" name="Rectangle: Top Corners Rounded 26">
-            <a:extLst>
-              <a:ext uri="{FF2B5EF4-FFF2-40B4-BE49-F238E27FC236}">
-                <a16:creationId xmlns:a16="http://schemas.microsoft.com/office/drawing/2014/main" id="{440A0633-84A9-1361-534D-9B874E9C122C}"/>
+            <a:r>
+              <a:rPr lang="en-PH" sz="1600" b="1" spc="600" dirty="0">
+                <a:latin typeface="Lato" panose="020F0502020204030203" pitchFamily="34" charset="0"/>
+              </a:rPr>
+              <a:t>PROCEED</a:t>
+            </a:r>
+          </a:p>
+        </p:txBody>
+      </p:sp>
+      <p:pic>
+        <p:nvPicPr>
+          <p:cNvPr id="4" name="Graphic 3" descr="Line arrow: Horizontal U-turn with solid fill">
+            <a:extLst>
+              <a:ext uri="{FF2B5EF4-FFF2-40B4-BE49-F238E27FC236}">
+                <a16:creationId xmlns:a16="http://schemas.microsoft.com/office/drawing/2014/main" id="{E3A5649E-813E-6979-28BC-E3CE8940CFDC}"/>
+              </a:ext>
+            </a:extLst>
+          </p:cNvPr>
+          <p:cNvPicPr>
+            <a:picLocks noChangeAspect="1"/>
+          </p:cNvPicPr>
+          <p:nvPr/>
+        </p:nvPicPr>
+        <p:blipFill>
+          <a:blip r:embed="rId10">
+            <a:extLst>
+              <a:ext uri="{28A0092B-C50C-407E-A947-70E740481C1C}">
+                <a14:useLocalDpi xmlns:a14="http://schemas.microsoft.com/office/drawing/2010/main" val="0"/>
+              </a:ext>
+              <a:ext uri="{96DAC541-7B7A-43D3-8B79-37D633B846F1}">
+                <asvg:svgBlip xmlns:asvg="http://schemas.microsoft.com/office/drawing/2016/SVG/main" r:embed="rId11"/>
+              </a:ext>
+            </a:extLst>
+          </a:blip>
+          <a:stretch>
+            <a:fillRect/>
+          </a:stretch>
+        </p:blipFill>
+        <p:spPr>
+          <a:xfrm>
+            <a:off x="1353720" y="248524"/>
+            <a:ext cx="540000" cy="540000"/>
+          </a:xfrm>
+          <a:prstGeom prst="rect">
+            <a:avLst/>
+          </a:prstGeom>
+        </p:spPr>
+      </p:pic>
+      <p:sp>
+        <p:nvSpPr>
+          <p:cNvPr id="5" name="TextBox 4">
+            <a:extLst>
+              <a:ext uri="{FF2B5EF4-FFF2-40B4-BE49-F238E27FC236}">
+                <a16:creationId xmlns:a16="http://schemas.microsoft.com/office/drawing/2014/main" id="{5CBC9DA3-A390-2F01-3D09-4097ADEE247A}"/>
+              </a:ext>
+            </a:extLst>
+          </p:cNvPr>
+          <p:cNvSpPr txBox="1"/>
+          <p:nvPr/>
+        </p:nvSpPr>
+        <p:spPr>
+          <a:xfrm>
+            <a:off x="1914040" y="394818"/>
+            <a:ext cx="1749197" cy="369332"/>
+          </a:xfrm>
+          <a:prstGeom prst="rect">
+            <a:avLst/>
+          </a:prstGeom>
+          <a:noFill/>
+        </p:spPr>
+        <p:txBody>
+          <a:bodyPr wrap="none" rtlCol="0">
+            <a:spAutoFit/>
+          </a:bodyPr>
+          <a:lstStyle/>
+          <a:p>
+            <a:r>
+              <a:rPr lang="en-PH" b="1" spc="600" dirty="0">
+                <a:solidFill>
+                  <a:srgbClr val="1D1B31"/>
+                </a:solidFill>
+                <a:latin typeface="Open Sans" pitchFamily="2" charset="0"/>
+                <a:ea typeface="Open Sans" pitchFamily="2" charset="0"/>
+                <a:cs typeface="Open Sans" pitchFamily="2" charset="0"/>
+              </a:rPr>
+              <a:t>GO BACK</a:t>
+            </a:r>
+          </a:p>
+        </p:txBody>
+      </p:sp>
+      <p:sp>
+        <p:nvSpPr>
+          <p:cNvPr id="7" name="TextBox 6">
+            <a:extLst>
+              <a:ext uri="{FF2B5EF4-FFF2-40B4-BE49-F238E27FC236}">
+                <a16:creationId xmlns:a16="http://schemas.microsoft.com/office/drawing/2014/main" id="{CABF923E-A53D-1EC3-6708-FCB8ADE79BC2}"/>
+              </a:ext>
+            </a:extLst>
+          </p:cNvPr>
+          <p:cNvSpPr txBox="1"/>
+          <p:nvPr/>
+        </p:nvSpPr>
+        <p:spPr>
+          <a:xfrm>
+            <a:off x="1702855" y="1246319"/>
+            <a:ext cx="2191626" cy="461665"/>
+          </a:xfrm>
+          <a:prstGeom prst="rect">
+            <a:avLst/>
+          </a:prstGeom>
+          <a:noFill/>
+        </p:spPr>
+        <p:txBody>
+          <a:bodyPr wrap="none" rtlCol="0">
+            <a:spAutoFit/>
+          </a:bodyPr>
+          <a:lstStyle/>
+          <a:p>
+            <a:r>
+              <a:rPr lang="en-PH" sz="2400" b="1" spc="300" dirty="0">
+                <a:solidFill>
+                  <a:srgbClr val="1D1B31"/>
+                </a:solidFill>
+                <a:latin typeface="Open Sans" pitchFamily="2" charset="0"/>
+                <a:ea typeface="Open Sans" pitchFamily="2" charset="0"/>
+                <a:cs typeface="Open Sans" pitchFamily="2" charset="0"/>
+              </a:rPr>
+              <a:t>CSC 0321-2</a:t>
+            </a:r>
+          </a:p>
+        </p:txBody>
+      </p:sp>
+      <p:sp>
+        <p:nvSpPr>
+          <p:cNvPr id="9" name="Rectangle 8">
+            <a:extLst>
+              <a:ext uri="{FF2B5EF4-FFF2-40B4-BE49-F238E27FC236}">
+                <a16:creationId xmlns:a16="http://schemas.microsoft.com/office/drawing/2014/main" id="{949B5164-B233-3BE2-D82D-D771B5A904E0}"/>
               </a:ext>
             </a:extLst>
           </p:cNvPr>
@@ -7958,31 +8111,19 @@
           <p:nvPr/>
         </p:nvSpPr>
         <p:spPr>
-          <a:xfrm flipV="1">
-            <a:off x="1763527" y="2369573"/>
-            <a:ext cx="3583445" cy="1059424"/>
-          </a:xfrm>
-          <a:prstGeom prst="round2SameRect">
+          <a:xfrm>
+            <a:off x="1702857" y="1884054"/>
+            <a:ext cx="9433532" cy="482169"/>
+          </a:xfrm>
+          <a:prstGeom prst="rect">
             <a:avLst/>
           </a:prstGeom>
           <a:solidFill>
-            <a:schemeClr val="bg1"/>
+            <a:schemeClr val="accent4"/>
           </a:solidFill>
           <a:ln>
-            <a:solidFill>
-              <a:schemeClr val="tx1">
-                <a:lumMod val="50000"/>
-                <a:lumOff val="50000"/>
-              </a:schemeClr>
-            </a:solidFill>
+            <a:noFill/>
           </a:ln>
-          <a:effectLst>
-            <a:outerShdw blurRad="63500" sx="102000" sy="102000" algn="ctr" rotWithShape="0">
-              <a:prstClr val="black">
-                <a:alpha val="40000"/>
-              </a:prstClr>
-            </a:outerShdw>
-          </a:effectLst>
         </p:spPr>
         <p:style>
           <a:lnRef idx="2">
@@ -8005,16 +8146,16 @@
           <a:lstStyle/>
           <a:p>
             <a:pPr algn="ctr"/>
-            <a:endParaRPr lang="en-PH"/>
-          </a:p>
-        </p:txBody>
-      </p:sp>
-      <p:sp>
-        <p:nvSpPr>
-          <p:cNvPr id="30" name="Rectangle 29">
-            <a:extLst>
-              <a:ext uri="{FF2B5EF4-FFF2-40B4-BE49-F238E27FC236}">
-                <a16:creationId xmlns:a16="http://schemas.microsoft.com/office/drawing/2014/main" id="{944C3DC4-A81E-C5EB-BB74-876DDB253D4E}"/>
+            <a:endParaRPr lang="en-PH" dirty="0"/>
+          </a:p>
+        </p:txBody>
+      </p:sp>
+      <p:sp>
+        <p:nvSpPr>
+          <p:cNvPr id="11" name="Rectangle 10">
+            <a:extLst>
+              <a:ext uri="{FF2B5EF4-FFF2-40B4-BE49-F238E27FC236}">
+                <a16:creationId xmlns:a16="http://schemas.microsoft.com/office/drawing/2014/main" id="{49CA8E0B-40D3-4482-EDC7-25E4DF20AAD4}"/>
               </a:ext>
             </a:extLst>
           </p:cNvPr>
@@ -8023,8 +8164,8 @@
         </p:nvSpPr>
         <p:spPr>
           <a:xfrm>
-            <a:off x="7552950" y="584267"/>
-            <a:ext cx="3583445" cy="1797132"/>
+            <a:off x="1702856" y="2366223"/>
+            <a:ext cx="9433532" cy="2977244"/>
           </a:xfrm>
           <a:prstGeom prst="rect">
             <a:avLst/>
@@ -8033,20 +8174,8 @@
             <a:schemeClr val="bg1"/>
           </a:solidFill>
           <a:ln>
-            <a:solidFill>
-              <a:schemeClr val="tx1">
-                <a:lumMod val="50000"/>
-                <a:lumOff val="50000"/>
-              </a:schemeClr>
-            </a:solidFill>
+            <a:noFill/>
           </a:ln>
-          <a:effectLst>
-            <a:outerShdw blurRad="63500" sx="102000" sy="102000" algn="ctr" rotWithShape="0">
-              <a:prstClr val="black">
-                <a:alpha val="40000"/>
-              </a:prstClr>
-            </a:outerShdw>
-          </a:effectLst>
         </p:spPr>
         <p:style>
           <a:lnRef idx="2">
@@ -8075,22 +8204,220 @@
       </p:sp>
       <p:sp>
         <p:nvSpPr>
-          <p:cNvPr id="31" name="Rectangle: Top Corners Rounded 30">
-            <a:extLst>
-              <a:ext uri="{FF2B5EF4-FFF2-40B4-BE49-F238E27FC236}">
-                <a16:creationId xmlns:a16="http://schemas.microsoft.com/office/drawing/2014/main" id="{8D77310F-BE34-89CF-3776-40453162FEC9}"/>
-              </a:ext>
-            </a:extLst>
-          </p:cNvPr>
-          <p:cNvSpPr/>
-          <p:nvPr/>
-        </p:nvSpPr>
-        <p:spPr>
-          <a:xfrm flipV="1">
-            <a:off x="7552950" y="2381399"/>
-            <a:ext cx="3583445" cy="1059424"/>
-          </a:xfrm>
-          <a:prstGeom prst="round2SameRect">
+          <p:cNvPr id="12" name="TextBox 11">
+            <a:extLst>
+              <a:ext uri="{FF2B5EF4-FFF2-40B4-BE49-F238E27FC236}">
+                <a16:creationId xmlns:a16="http://schemas.microsoft.com/office/drawing/2014/main" id="{4120A6B4-DA01-EFD7-E501-8A3F455A9775}"/>
+              </a:ext>
+            </a:extLst>
+          </p:cNvPr>
+          <p:cNvSpPr txBox="1"/>
+          <p:nvPr/>
+        </p:nvSpPr>
+        <p:spPr>
+          <a:xfrm>
+            <a:off x="1788160" y="1986025"/>
+            <a:ext cx="1635760" cy="338554"/>
+          </a:xfrm>
+          <a:prstGeom prst="rect">
+            <a:avLst/>
+          </a:prstGeom>
+          <a:noFill/>
+        </p:spPr>
+        <p:txBody>
+          <a:bodyPr wrap="square" rtlCol="0">
+            <a:spAutoFit/>
+          </a:bodyPr>
+          <a:lstStyle/>
+          <a:p>
+            <a:r>
+              <a:rPr lang="en-PH" sz="1600" b="1" dirty="0">
+                <a:latin typeface="Open Sans" pitchFamily="2" charset="0"/>
+                <a:ea typeface="Open Sans" pitchFamily="2" charset="0"/>
+                <a:cs typeface="Open Sans" pitchFamily="2" charset="0"/>
+              </a:rPr>
+              <a:t>Student No.</a:t>
+            </a:r>
+          </a:p>
+        </p:txBody>
+      </p:sp>
+      <p:sp>
+        <p:nvSpPr>
+          <p:cNvPr id="13" name="TextBox 12">
+            <a:extLst>
+              <a:ext uri="{FF2B5EF4-FFF2-40B4-BE49-F238E27FC236}">
+                <a16:creationId xmlns:a16="http://schemas.microsoft.com/office/drawing/2014/main" id="{AD8363E1-11A5-5A6D-F595-7EC7E7BBFB19}"/>
+              </a:ext>
+            </a:extLst>
+          </p:cNvPr>
+          <p:cNvSpPr txBox="1"/>
+          <p:nvPr/>
+        </p:nvSpPr>
+        <p:spPr>
+          <a:xfrm>
+            <a:off x="4283625" y="1986024"/>
+            <a:ext cx="1435138" cy="338554"/>
+          </a:xfrm>
+          <a:prstGeom prst="rect">
+            <a:avLst/>
+          </a:prstGeom>
+          <a:noFill/>
+        </p:spPr>
+        <p:txBody>
+          <a:bodyPr wrap="square" rtlCol="0">
+            <a:spAutoFit/>
+          </a:bodyPr>
+          <a:lstStyle/>
+          <a:p>
+            <a:r>
+              <a:rPr lang="en-PH" sz="1600" b="1" dirty="0">
+                <a:latin typeface="Open Sans" pitchFamily="2" charset="0"/>
+                <a:ea typeface="Open Sans" pitchFamily="2" charset="0"/>
+                <a:cs typeface="Open Sans" pitchFamily="2" charset="0"/>
+              </a:rPr>
+              <a:t>Last Name</a:t>
+            </a:r>
+          </a:p>
+        </p:txBody>
+      </p:sp>
+      <p:sp>
+        <p:nvSpPr>
+          <p:cNvPr id="15" name="TextBox 14">
+            <a:extLst>
+              <a:ext uri="{FF2B5EF4-FFF2-40B4-BE49-F238E27FC236}">
+                <a16:creationId xmlns:a16="http://schemas.microsoft.com/office/drawing/2014/main" id="{9E517E2A-02EE-29A4-E9F6-08C07BC9100F}"/>
+              </a:ext>
+            </a:extLst>
+          </p:cNvPr>
+          <p:cNvSpPr txBox="1"/>
+          <p:nvPr/>
+        </p:nvSpPr>
+        <p:spPr>
+          <a:xfrm>
+            <a:off x="6900421" y="1986024"/>
+            <a:ext cx="1435138" cy="338554"/>
+          </a:xfrm>
+          <a:prstGeom prst="rect">
+            <a:avLst/>
+          </a:prstGeom>
+          <a:noFill/>
+        </p:spPr>
+        <p:txBody>
+          <a:bodyPr wrap="square" rtlCol="0">
+            <a:spAutoFit/>
+          </a:bodyPr>
+          <a:lstStyle/>
+          <a:p>
+            <a:r>
+              <a:rPr lang="en-PH" sz="1600" b="1" dirty="0">
+                <a:latin typeface="Open Sans" pitchFamily="2" charset="0"/>
+                <a:ea typeface="Open Sans" pitchFamily="2" charset="0"/>
+                <a:cs typeface="Open Sans" pitchFamily="2" charset="0"/>
+              </a:rPr>
+              <a:t>First Name</a:t>
+            </a:r>
+          </a:p>
+        </p:txBody>
+      </p:sp>
+      <p:sp>
+        <p:nvSpPr>
+          <p:cNvPr id="17" name="TextBox 16">
+            <a:extLst>
+              <a:ext uri="{FF2B5EF4-FFF2-40B4-BE49-F238E27FC236}">
+                <a16:creationId xmlns:a16="http://schemas.microsoft.com/office/drawing/2014/main" id="{7E86F86B-6CBF-E60E-80CE-9BA942B78D39}"/>
+              </a:ext>
+            </a:extLst>
+          </p:cNvPr>
+          <p:cNvSpPr txBox="1"/>
+          <p:nvPr/>
+        </p:nvSpPr>
+        <p:spPr>
+          <a:xfrm>
+            <a:off x="9100528" y="1986024"/>
+            <a:ext cx="2149856" cy="338554"/>
+          </a:xfrm>
+          <a:prstGeom prst="rect">
+            <a:avLst/>
+          </a:prstGeom>
+          <a:noFill/>
+        </p:spPr>
+        <p:txBody>
+          <a:bodyPr wrap="square" rtlCol="0">
+            <a:spAutoFit/>
+          </a:bodyPr>
+          <a:lstStyle/>
+          <a:p>
+            <a:r>
+              <a:rPr lang="en-PH" sz="1600" b="1" dirty="0">
+                <a:latin typeface="Open Sans" pitchFamily="2" charset="0"/>
+                <a:ea typeface="Open Sans" pitchFamily="2" charset="0"/>
+                <a:cs typeface="Open Sans" pitchFamily="2" charset="0"/>
+              </a:rPr>
+              <a:t>Regular/Irregular</a:t>
+            </a:r>
+          </a:p>
+        </p:txBody>
+      </p:sp>
+      <p:sp>
+        <p:nvSpPr>
+          <p:cNvPr id="3" name="TextBox 2">
+            <a:extLst>
+              <a:ext uri="{FF2B5EF4-FFF2-40B4-BE49-F238E27FC236}">
+                <a16:creationId xmlns:a16="http://schemas.microsoft.com/office/drawing/2014/main" id="{2E4CE765-E722-998E-1C6F-D20C7DA5312C}"/>
+              </a:ext>
+            </a:extLst>
+          </p:cNvPr>
+          <p:cNvSpPr txBox="1"/>
+          <p:nvPr/>
+        </p:nvSpPr>
+        <p:spPr>
+          <a:xfrm>
+            <a:off x="1914040" y="5925248"/>
+            <a:ext cx="2202281" cy="377908"/>
+          </a:xfrm>
+          <a:prstGeom prst="rect">
+            <a:avLst/>
+          </a:prstGeom>
+          <a:noFill/>
+          <a:ln>
+            <a:noFill/>
+          </a:ln>
+        </p:spPr>
+        <p:txBody>
+          <a:bodyPr wrap="square" rtlCol="0">
+            <a:spAutoFit/>
+          </a:bodyPr>
+          <a:lstStyle/>
+          <a:p>
+            <a:r>
+              <a:rPr lang="en-PH" b="1" spc="300" dirty="0">
+                <a:latin typeface="Open Sans" pitchFamily="2" charset="0"/>
+                <a:ea typeface="Open Sans" pitchFamily="2" charset="0"/>
+                <a:cs typeface="Open Sans" pitchFamily="2" charset="0"/>
+              </a:rPr>
+              <a:t>Grace Period:</a:t>
+            </a:r>
+          </a:p>
+        </p:txBody>
+      </p:sp>
+      <p:sp>
+        <p:nvSpPr>
+          <p:cNvPr id="18" name="TextBox 17">
+            <a:extLst>
+              <a:ext uri="{FF2B5EF4-FFF2-40B4-BE49-F238E27FC236}">
+                <a16:creationId xmlns:a16="http://schemas.microsoft.com/office/drawing/2014/main" id="{89E86A82-4FC6-2F90-4724-C19D3E15E8F6}"/>
+              </a:ext>
+            </a:extLst>
+          </p:cNvPr>
+          <p:cNvSpPr txBox="1"/>
+          <p:nvPr/>
+        </p:nvSpPr>
+        <p:spPr>
+          <a:xfrm>
+            <a:off x="4116321" y="5925248"/>
+            <a:ext cx="983999" cy="377908"/>
+          </a:xfrm>
+          <a:prstGeom prst="rect">
             <a:avLst/>
           </a:prstGeom>
           <a:solidFill>
@@ -8098,198 +8425,9 @@
           </a:solidFill>
           <a:ln>
             <a:solidFill>
-              <a:schemeClr val="tx1">
-                <a:lumMod val="50000"/>
-                <a:lumOff val="50000"/>
-              </a:schemeClr>
+              <a:srgbClr val="2D2A4C"/>
             </a:solidFill>
           </a:ln>
-          <a:effectLst>
-            <a:outerShdw blurRad="63500" sx="102000" sy="102000" algn="ctr" rotWithShape="0">
-              <a:prstClr val="black">
-                <a:alpha val="40000"/>
-              </a:prstClr>
-            </a:outerShdw>
-          </a:effectLst>
-        </p:spPr>
-        <p:style>
-          <a:lnRef idx="2">
-            <a:schemeClr val="accent1">
-              <a:shade val="50000"/>
-            </a:schemeClr>
-          </a:lnRef>
-          <a:fillRef idx="1">
-            <a:schemeClr val="accent1"/>
-          </a:fillRef>
-          <a:effectRef idx="0">
-            <a:schemeClr val="accent1"/>
-          </a:effectRef>
-          <a:fontRef idx="minor">
-            <a:schemeClr val="lt1"/>
-          </a:fontRef>
-        </p:style>
-        <p:txBody>
-          <a:bodyPr rtlCol="0" anchor="ctr"/>
-          <a:lstStyle/>
-          <a:p>
-            <a:pPr algn="ctr"/>
-            <a:endParaRPr lang="en-PH"/>
-          </a:p>
-        </p:txBody>
-      </p:sp>
-      <p:sp>
-        <p:nvSpPr>
-          <p:cNvPr id="32" name="Rectangle 31">
-            <a:extLst>
-              <a:ext uri="{FF2B5EF4-FFF2-40B4-BE49-F238E27FC236}">
-                <a16:creationId xmlns:a16="http://schemas.microsoft.com/office/drawing/2014/main" id="{DDC18A6C-728E-4BB1-1595-9EA691669882}"/>
-              </a:ext>
-            </a:extLst>
-          </p:cNvPr>
-          <p:cNvSpPr/>
-          <p:nvPr/>
-        </p:nvSpPr>
-        <p:spPr>
-          <a:xfrm>
-            <a:off x="1763526" y="565593"/>
-            <a:ext cx="3583443" cy="1797132"/>
-          </a:xfrm>
-          <a:prstGeom prst="rect">
-            <a:avLst/>
-          </a:prstGeom>
-          <a:solidFill>
-            <a:srgbClr val="01264E"/>
-          </a:solidFill>
-          <a:ln>
-            <a:solidFill>
-              <a:schemeClr val="tx1">
-                <a:lumMod val="50000"/>
-                <a:lumOff val="50000"/>
-              </a:schemeClr>
-            </a:solidFill>
-          </a:ln>
-          <a:effectLst/>
-        </p:spPr>
-        <p:style>
-          <a:lnRef idx="2">
-            <a:schemeClr val="accent1">
-              <a:shade val="50000"/>
-            </a:schemeClr>
-          </a:lnRef>
-          <a:fillRef idx="1">
-            <a:schemeClr val="accent1"/>
-          </a:fillRef>
-          <a:effectRef idx="0">
-            <a:schemeClr val="accent1"/>
-          </a:effectRef>
-          <a:fontRef idx="minor">
-            <a:schemeClr val="lt1"/>
-          </a:fontRef>
-        </p:style>
-        <p:txBody>
-          <a:bodyPr rtlCol="0" anchor="ctr"/>
-          <a:lstStyle/>
-          <a:p>
-            <a:pPr algn="ctr"/>
-            <a:r>
-              <a:rPr lang="en-PH" sz="2400" b="1" spc="300" dirty="0">
-                <a:latin typeface="Open Sans" pitchFamily="2" charset="0"/>
-                <a:ea typeface="Open Sans" pitchFamily="2" charset="0"/>
-                <a:cs typeface="Open Sans" pitchFamily="2" charset="0"/>
-              </a:rPr>
-              <a:t>CSC 0321-2</a:t>
-            </a:r>
-          </a:p>
-        </p:txBody>
-      </p:sp>
-      <p:sp>
-        <p:nvSpPr>
-          <p:cNvPr id="33" name="Rectangle 32">
-            <a:extLst>
-              <a:ext uri="{FF2B5EF4-FFF2-40B4-BE49-F238E27FC236}">
-                <a16:creationId xmlns:a16="http://schemas.microsoft.com/office/drawing/2014/main" id="{8CB4D2B6-3388-A7EC-8D1A-B981F4D09E89}"/>
-              </a:ext>
-            </a:extLst>
-          </p:cNvPr>
-          <p:cNvSpPr/>
-          <p:nvPr/>
-        </p:nvSpPr>
-        <p:spPr>
-          <a:xfrm>
-            <a:off x="7552947" y="572441"/>
-            <a:ext cx="3583443" cy="1797132"/>
-          </a:xfrm>
-          <a:prstGeom prst="rect">
-            <a:avLst/>
-          </a:prstGeom>
-          <a:solidFill>
-            <a:schemeClr val="accent6">
-              <a:lumMod val="75000"/>
-            </a:schemeClr>
-          </a:solidFill>
-          <a:ln>
-            <a:solidFill>
-              <a:schemeClr val="tx1">
-                <a:lumMod val="50000"/>
-                <a:lumOff val="50000"/>
-              </a:schemeClr>
-            </a:solidFill>
-          </a:ln>
-          <a:effectLst/>
-        </p:spPr>
-        <p:style>
-          <a:lnRef idx="2">
-            <a:schemeClr val="accent1">
-              <a:shade val="50000"/>
-            </a:schemeClr>
-          </a:lnRef>
-          <a:fillRef idx="1">
-            <a:schemeClr val="accent1"/>
-          </a:fillRef>
-          <a:effectRef idx="0">
-            <a:schemeClr val="accent1"/>
-          </a:effectRef>
-          <a:fontRef idx="minor">
-            <a:schemeClr val="lt1"/>
-          </a:fontRef>
-        </p:style>
-        <p:txBody>
-          <a:bodyPr rtlCol="0" anchor="ctr"/>
-          <a:lstStyle/>
-          <a:p>
-            <a:pPr algn="ctr"/>
-            <a:r>
-              <a:rPr lang="en-PH" sz="2400" b="1" spc="300" dirty="0">
-                <a:latin typeface="Open Sans" pitchFamily="2" charset="0"/>
-                <a:ea typeface="Open Sans" pitchFamily="2" charset="0"/>
-                <a:cs typeface="Open Sans" pitchFamily="2" charset="0"/>
-              </a:rPr>
-              <a:t>CSC 0323-2</a:t>
-            </a:r>
-          </a:p>
-        </p:txBody>
-      </p:sp>
-      <p:sp>
-        <p:nvSpPr>
-          <p:cNvPr id="38" name="TextBox 37">
-            <a:extLst>
-              <a:ext uri="{FF2B5EF4-FFF2-40B4-BE49-F238E27FC236}">
-                <a16:creationId xmlns:a16="http://schemas.microsoft.com/office/drawing/2014/main" id="{19DDCC11-270E-D839-C76A-1019EF9ED04F}"/>
-              </a:ext>
-            </a:extLst>
-          </p:cNvPr>
-          <p:cNvSpPr txBox="1"/>
-          <p:nvPr/>
-        </p:nvSpPr>
-        <p:spPr>
-          <a:xfrm>
-            <a:off x="1912101" y="1964221"/>
-            <a:ext cx="3286287" cy="369332"/>
-          </a:xfrm>
-          <a:prstGeom prst="rect">
-            <a:avLst/>
-          </a:prstGeom>
-          <a:noFill/>
         </p:spPr>
         <p:txBody>
           <a:bodyPr wrap="square" rtlCol="0">
@@ -8297,26 +8435,30 @@
           </a:bodyPr>
           <a:lstStyle/>
           <a:p>
-            <a:r>
-              <a:rPr lang="en-PH" b="1" dirty="0">
+            <a:pPr algn="ctr"/>
+            <a:r>
+              <a:rPr lang="en-PH" b="1" spc="300" dirty="0">
                 <a:solidFill>
-                  <a:schemeClr val="bg1"/>
+                  <a:schemeClr val="tx1">
+                    <a:lumMod val="50000"/>
+                    <a:lumOff val="50000"/>
+                  </a:schemeClr>
                 </a:solidFill>
                 <a:latin typeface="Open Sans" pitchFamily="2" charset="0"/>
                 <a:ea typeface="Open Sans" pitchFamily="2" charset="0"/>
                 <a:cs typeface="Open Sans" pitchFamily="2" charset="0"/>
               </a:rPr>
-              <a:t>SOFTWARE ENGINEERING 2</a:t>
-            </a:r>
-          </a:p>
-        </p:txBody>
-      </p:sp>
-      <p:sp>
-        <p:nvSpPr>
-          <p:cNvPr id="39" name="TextBox 38">
-            <a:extLst>
-              <a:ext uri="{FF2B5EF4-FFF2-40B4-BE49-F238E27FC236}">
-                <a16:creationId xmlns:a16="http://schemas.microsoft.com/office/drawing/2014/main" id="{7A356FB0-525C-0CC2-AD00-40CDEDAC1771}"/>
+              <a:t>0:00</a:t>
+            </a:r>
+          </a:p>
+        </p:txBody>
+      </p:sp>
+      <p:sp>
+        <p:nvSpPr>
+          <p:cNvPr id="19" name="TextBox 18">
+            <a:extLst>
+              <a:ext uri="{FF2B5EF4-FFF2-40B4-BE49-F238E27FC236}">
+                <a16:creationId xmlns:a16="http://schemas.microsoft.com/office/drawing/2014/main" id="{7CB39D97-5607-CFF0-92AE-65F20F0C3279}"/>
               </a:ext>
             </a:extLst>
           </p:cNvPr>
@@ -8325,13 +8467,16 @@
         </p:nvSpPr>
         <p:spPr>
           <a:xfrm>
-            <a:off x="1763523" y="2447946"/>
-            <a:ext cx="3583443" cy="893834"/>
+            <a:off x="5075835" y="5925248"/>
+            <a:ext cx="1000120" cy="369332"/>
           </a:xfrm>
           <a:prstGeom prst="rect">
             <a:avLst/>
           </a:prstGeom>
           <a:noFill/>
+          <a:ln>
+            <a:noFill/>
+          </a:ln>
         </p:spPr>
         <p:txBody>
           <a:bodyPr wrap="square" rtlCol="0">
@@ -8339,221 +8484,13 @@
           </a:bodyPr>
           <a:lstStyle/>
           <a:p>
-            <a:pPr>
-              <a:lnSpc>
-                <a:spcPct val="150000"/>
-              </a:lnSpc>
-            </a:pPr>
-            <a:r>
-              <a:rPr lang="en-PH" sz="1200" b="1" dirty="0">
+            <a:r>
+              <a:rPr lang="en-PH" b="1" spc="300" dirty="0">
                 <a:latin typeface="Open Sans" pitchFamily="2" charset="0"/>
                 <a:ea typeface="Open Sans" pitchFamily="2" charset="0"/>
                 <a:cs typeface="Open Sans" pitchFamily="2" charset="0"/>
               </a:rPr>
-              <a:t>Course: BSCS</a:t>
-            </a:r>
-          </a:p>
-          <a:p>
-            <a:pPr>
-              <a:lnSpc>
-                <a:spcPct val="150000"/>
-              </a:lnSpc>
-            </a:pPr>
-            <a:r>
-              <a:rPr lang="en-PH" sz="1200" b="1" dirty="0">
-                <a:latin typeface="Open Sans" pitchFamily="2" charset="0"/>
-                <a:ea typeface="Open Sans" pitchFamily="2" charset="0"/>
-                <a:cs typeface="Open Sans" pitchFamily="2" charset="0"/>
-              </a:rPr>
-              <a:t>Year/Block: 3-2</a:t>
-            </a:r>
-          </a:p>
-          <a:p>
-            <a:pPr>
-              <a:lnSpc>
-                <a:spcPct val="150000"/>
-              </a:lnSpc>
-            </a:pPr>
-            <a:r>
-              <a:rPr lang="en-PH" sz="1200" b="1" dirty="0">
-                <a:latin typeface="Open Sans" pitchFamily="2" charset="0"/>
-                <a:ea typeface="Open Sans" pitchFamily="2" charset="0"/>
-                <a:cs typeface="Open Sans" pitchFamily="2" charset="0"/>
-              </a:rPr>
-              <a:t>Day/Time: T/Th 7:00pm – 8:00pm</a:t>
-            </a:r>
-          </a:p>
-        </p:txBody>
-      </p:sp>
-      <p:sp>
-        <p:nvSpPr>
-          <p:cNvPr id="40" name="TextBox 39">
-            <a:extLst>
-              <a:ext uri="{FF2B5EF4-FFF2-40B4-BE49-F238E27FC236}">
-                <a16:creationId xmlns:a16="http://schemas.microsoft.com/office/drawing/2014/main" id="{DF671A24-8953-FE49-0114-4232CBF32529}"/>
-              </a:ext>
-            </a:extLst>
-          </p:cNvPr>
-          <p:cNvSpPr txBox="1"/>
-          <p:nvPr/>
-        </p:nvSpPr>
-        <p:spPr>
-          <a:xfrm>
-            <a:off x="7701523" y="2012067"/>
-            <a:ext cx="3286287" cy="369332"/>
-          </a:xfrm>
-          <a:prstGeom prst="rect">
-            <a:avLst/>
-          </a:prstGeom>
-          <a:noFill/>
-        </p:spPr>
-        <p:txBody>
-          <a:bodyPr wrap="square" rtlCol="0">
-            <a:spAutoFit/>
-          </a:bodyPr>
-          <a:lstStyle/>
-          <a:p>
-            <a:r>
-              <a:rPr lang="en-PH" b="1" dirty="0">
-                <a:solidFill>
-                  <a:schemeClr val="bg1"/>
-                </a:solidFill>
-                <a:latin typeface="Open Sans" pitchFamily="2" charset="0"/>
-                <a:ea typeface="Open Sans" pitchFamily="2" charset="0"/>
-                <a:cs typeface="Open Sans" pitchFamily="2" charset="0"/>
-              </a:rPr>
-              <a:t>COMPUTATIONAL SCIENCE</a:t>
-            </a:r>
-          </a:p>
-        </p:txBody>
-      </p:sp>
-      <p:sp>
-        <p:nvSpPr>
-          <p:cNvPr id="41" name="TextBox 40">
-            <a:extLst>
-              <a:ext uri="{FF2B5EF4-FFF2-40B4-BE49-F238E27FC236}">
-                <a16:creationId xmlns:a16="http://schemas.microsoft.com/office/drawing/2014/main" id="{0A19B25C-0BFF-5C56-22BA-8F28B39BB738}"/>
-              </a:ext>
-            </a:extLst>
-          </p:cNvPr>
-          <p:cNvSpPr txBox="1"/>
-          <p:nvPr/>
-        </p:nvSpPr>
-        <p:spPr>
-          <a:xfrm>
-            <a:off x="7552946" y="2447946"/>
-            <a:ext cx="3583443" cy="893834"/>
-          </a:xfrm>
-          <a:prstGeom prst="rect">
-            <a:avLst/>
-          </a:prstGeom>
-          <a:noFill/>
-        </p:spPr>
-        <p:txBody>
-          <a:bodyPr wrap="square" rtlCol="0">
-            <a:spAutoFit/>
-          </a:bodyPr>
-          <a:lstStyle/>
-          <a:p>
-            <a:pPr>
-              <a:lnSpc>
-                <a:spcPct val="150000"/>
-              </a:lnSpc>
-            </a:pPr>
-            <a:r>
-              <a:rPr lang="en-PH" sz="1200" b="1" dirty="0">
-                <a:latin typeface="Open Sans" pitchFamily="2" charset="0"/>
-                <a:ea typeface="Open Sans" pitchFamily="2" charset="0"/>
-                <a:cs typeface="Open Sans" pitchFamily="2" charset="0"/>
-              </a:rPr>
-              <a:t>Course: BSCS</a:t>
-            </a:r>
-          </a:p>
-          <a:p>
-            <a:pPr>
-              <a:lnSpc>
-                <a:spcPct val="150000"/>
-              </a:lnSpc>
-            </a:pPr>
-            <a:r>
-              <a:rPr lang="en-PH" sz="1200" b="1" dirty="0">
-                <a:latin typeface="Open Sans" pitchFamily="2" charset="0"/>
-                <a:ea typeface="Open Sans" pitchFamily="2" charset="0"/>
-                <a:cs typeface="Open Sans" pitchFamily="2" charset="0"/>
-              </a:rPr>
-              <a:t>Year/Block: 3-2</a:t>
-            </a:r>
-          </a:p>
-          <a:p>
-            <a:pPr>
-              <a:lnSpc>
-                <a:spcPct val="150000"/>
-              </a:lnSpc>
-            </a:pPr>
-            <a:r>
-              <a:rPr lang="en-PH" sz="1200" b="1" dirty="0">
-                <a:latin typeface="Open Sans" pitchFamily="2" charset="0"/>
-                <a:ea typeface="Open Sans" pitchFamily="2" charset="0"/>
-                <a:cs typeface="Open Sans" pitchFamily="2" charset="0"/>
-              </a:rPr>
-              <a:t>Day/Time: S 12:00pm – 2:00pm</a:t>
-            </a:r>
-          </a:p>
-        </p:txBody>
-      </p:sp>
-      <p:sp>
-        <p:nvSpPr>
-          <p:cNvPr id="2" name="Rectangle 1">
-            <a:extLst>
-              <a:ext uri="{FF2B5EF4-FFF2-40B4-BE49-F238E27FC236}">
-                <a16:creationId xmlns:a16="http://schemas.microsoft.com/office/drawing/2014/main" id="{42960F22-AD6F-16E6-AA21-C2D320AF1B66}"/>
-              </a:ext>
-            </a:extLst>
-          </p:cNvPr>
-          <p:cNvSpPr/>
-          <p:nvPr/>
-        </p:nvSpPr>
-        <p:spPr>
-          <a:xfrm>
-            <a:off x="8934109" y="5674293"/>
-            <a:ext cx="2202280" cy="599440"/>
-          </a:xfrm>
-          <a:prstGeom prst="rect">
-            <a:avLst/>
-          </a:prstGeom>
-          <a:solidFill>
-            <a:srgbClr val="2D2A4C"/>
-          </a:solidFill>
-          <a:ln>
-            <a:noFill/>
-          </a:ln>
-        </p:spPr>
-        <p:style>
-          <a:lnRef idx="2">
-            <a:schemeClr val="accent1">
-              <a:shade val="50000"/>
-            </a:schemeClr>
-          </a:lnRef>
-          <a:fillRef idx="1">
-            <a:schemeClr val="accent1"/>
-          </a:fillRef>
-          <a:effectRef idx="0">
-            <a:schemeClr val="accent1"/>
-          </a:effectRef>
-          <a:fontRef idx="minor">
-            <a:schemeClr val="lt1"/>
-          </a:fontRef>
-        </p:style>
-        <p:txBody>
-          <a:bodyPr rtlCol="0" anchor="ctr"/>
-          <a:lstStyle/>
-          <a:p>
-            <a:pPr algn="ctr"/>
-            <a:r>
-              <a:rPr lang="en-PH" b="1" spc="600" dirty="0">
-                <a:latin typeface="Lato" panose="020F0502020204030203" pitchFamily="34" charset="0"/>
-              </a:rPr>
-              <a:t>NEXT</a:t>
+              <a:t>mins.</a:t>
             </a:r>
           </a:p>
         </p:txBody>
@@ -8561,7 +8498,7 @@
     </p:spTree>
     <p:extLst>
       <p:ext uri="{BB962C8B-B14F-4D97-AF65-F5344CB8AC3E}">
-        <p14:creationId xmlns:p14="http://schemas.microsoft.com/office/powerpoint/2010/main" val="1836754780"/>
+        <p14:creationId xmlns:p14="http://schemas.microsoft.com/office/powerpoint/2010/main" val="1624662057"/>
       </p:ext>
     </p:extLst>
   </p:cSld>
@@ -8891,10 +8828,10 @@
       </p:pic>
       <p:sp>
         <p:nvSpPr>
-          <p:cNvPr id="2" name="Rectangle 1">
-            <a:extLst>
-              <a:ext uri="{FF2B5EF4-FFF2-40B4-BE49-F238E27FC236}">
-                <a16:creationId xmlns:a16="http://schemas.microsoft.com/office/drawing/2014/main" id="{42960F22-AD6F-16E6-AA21-C2D320AF1B66}"/>
+          <p:cNvPr id="23" name="Rectangle 22">
+            <a:extLst>
+              <a:ext uri="{FF2B5EF4-FFF2-40B4-BE49-F238E27FC236}">
+                <a16:creationId xmlns:a16="http://schemas.microsoft.com/office/drawing/2014/main" id="{7E6939E1-CCBC-342B-4708-136846DD11F9}"/>
               </a:ext>
             </a:extLst>
           </p:cNvPr>
@@ -8903,18 +8840,30 @@
         </p:nvSpPr>
         <p:spPr>
           <a:xfrm>
-            <a:off x="9542680" y="5841728"/>
-            <a:ext cx="2202280" cy="599440"/>
+            <a:off x="1763527" y="572441"/>
+            <a:ext cx="3583445" cy="1797132"/>
           </a:xfrm>
           <a:prstGeom prst="rect">
             <a:avLst/>
           </a:prstGeom>
           <a:solidFill>
-            <a:srgbClr val="2D2A4C"/>
+            <a:schemeClr val="bg1"/>
           </a:solidFill>
           <a:ln>
-            <a:noFill/>
+            <a:solidFill>
+              <a:schemeClr val="tx1">
+                <a:lumMod val="50000"/>
+                <a:lumOff val="50000"/>
+              </a:schemeClr>
+            </a:solidFill>
           </a:ln>
+          <a:effectLst>
+            <a:outerShdw blurRad="63500" sx="102000" sy="102000" algn="ctr" rotWithShape="0">
+              <a:prstClr val="black">
+                <a:alpha val="40000"/>
+              </a:prstClr>
+            </a:outerShdw>
+          </a:effectLst>
         </p:spPr>
         <p:style>
           <a:lnRef idx="2">
@@ -8937,144 +8886,16 @@
           <a:lstStyle/>
           <a:p>
             <a:pPr algn="ctr"/>
-            <a:r>
-              <a:rPr lang="en-PH" sz="1600" b="1" spc="600" dirty="0">
-                <a:latin typeface="Lato" panose="020F0502020204030203" pitchFamily="34" charset="0"/>
-              </a:rPr>
-              <a:t>END</a:t>
-            </a:r>
-          </a:p>
-        </p:txBody>
-      </p:sp>
-      <p:pic>
-        <p:nvPicPr>
-          <p:cNvPr id="4" name="Graphic 3" descr="Line arrow: Horizontal U-turn with solid fill">
-            <a:extLst>
-              <a:ext uri="{FF2B5EF4-FFF2-40B4-BE49-F238E27FC236}">
-                <a16:creationId xmlns:a16="http://schemas.microsoft.com/office/drawing/2014/main" id="{E3A5649E-813E-6979-28BC-E3CE8940CFDC}"/>
-              </a:ext>
-            </a:extLst>
-          </p:cNvPr>
-          <p:cNvPicPr>
-            <a:picLocks noChangeAspect="1"/>
-          </p:cNvPicPr>
-          <p:nvPr/>
-        </p:nvPicPr>
-        <p:blipFill>
-          <a:blip r:embed="rId10">
-            <a:extLst>
-              <a:ext uri="{28A0092B-C50C-407E-A947-70E740481C1C}">
-                <a14:useLocalDpi xmlns:a14="http://schemas.microsoft.com/office/drawing/2010/main" val="0"/>
-              </a:ext>
-              <a:ext uri="{96DAC541-7B7A-43D3-8B79-37D633B846F1}">
-                <asvg:svgBlip xmlns:asvg="http://schemas.microsoft.com/office/drawing/2016/SVG/main" r:embed="rId11"/>
-              </a:ext>
-            </a:extLst>
-          </a:blip>
-          <a:stretch>
-            <a:fillRect/>
-          </a:stretch>
-        </p:blipFill>
-        <p:spPr>
-          <a:xfrm>
-            <a:off x="1353720" y="248524"/>
-            <a:ext cx="540000" cy="540000"/>
-          </a:xfrm>
-          <a:prstGeom prst="rect">
-            <a:avLst/>
-          </a:prstGeom>
-        </p:spPr>
-      </p:pic>
-      <p:sp>
-        <p:nvSpPr>
-          <p:cNvPr id="5" name="TextBox 4">
-            <a:extLst>
-              <a:ext uri="{FF2B5EF4-FFF2-40B4-BE49-F238E27FC236}">
-                <a16:creationId xmlns:a16="http://schemas.microsoft.com/office/drawing/2014/main" id="{5CBC9DA3-A390-2F01-3D09-4097ADEE247A}"/>
-              </a:ext>
-            </a:extLst>
-          </p:cNvPr>
-          <p:cNvSpPr txBox="1"/>
-          <p:nvPr/>
-        </p:nvSpPr>
-        <p:spPr>
-          <a:xfrm>
-            <a:off x="1914040" y="394818"/>
-            <a:ext cx="1749197" cy="369332"/>
-          </a:xfrm>
-          <a:prstGeom prst="rect">
-            <a:avLst/>
-          </a:prstGeom>
-          <a:noFill/>
-        </p:spPr>
-        <p:txBody>
-          <a:bodyPr wrap="none" rtlCol="0">
-            <a:spAutoFit/>
-          </a:bodyPr>
-          <a:lstStyle/>
-          <a:p>
-            <a:r>
-              <a:rPr lang="en-PH" b="1" spc="600" dirty="0">
-                <a:solidFill>
-                  <a:srgbClr val="1D1B31"/>
-                </a:solidFill>
-                <a:latin typeface="Open Sans" pitchFamily="2" charset="0"/>
-                <a:ea typeface="Open Sans" pitchFamily="2" charset="0"/>
-                <a:cs typeface="Open Sans" pitchFamily="2" charset="0"/>
-              </a:rPr>
-              <a:t>GO BACK</a:t>
-            </a:r>
-          </a:p>
-        </p:txBody>
-      </p:sp>
-      <p:sp>
-        <p:nvSpPr>
-          <p:cNvPr id="7" name="TextBox 6">
-            <a:extLst>
-              <a:ext uri="{FF2B5EF4-FFF2-40B4-BE49-F238E27FC236}">
-                <a16:creationId xmlns:a16="http://schemas.microsoft.com/office/drawing/2014/main" id="{CABF923E-A53D-1EC3-6708-FCB8ADE79BC2}"/>
-              </a:ext>
-            </a:extLst>
-          </p:cNvPr>
-          <p:cNvSpPr txBox="1"/>
-          <p:nvPr/>
-        </p:nvSpPr>
-        <p:spPr>
-          <a:xfrm>
-            <a:off x="1702855" y="1246319"/>
-            <a:ext cx="2191626" cy="461665"/>
-          </a:xfrm>
-          <a:prstGeom prst="rect">
-            <a:avLst/>
-          </a:prstGeom>
-          <a:noFill/>
-        </p:spPr>
-        <p:txBody>
-          <a:bodyPr wrap="none" rtlCol="0">
-            <a:spAutoFit/>
-          </a:bodyPr>
-          <a:lstStyle/>
-          <a:p>
-            <a:r>
-              <a:rPr lang="en-PH" sz="2400" b="1" spc="300" dirty="0">
-                <a:solidFill>
-                  <a:srgbClr val="1D1B31"/>
-                </a:solidFill>
-                <a:latin typeface="Open Sans" pitchFamily="2" charset="0"/>
-                <a:ea typeface="Open Sans" pitchFamily="2" charset="0"/>
-                <a:cs typeface="Open Sans" pitchFamily="2" charset="0"/>
-              </a:rPr>
-              <a:t>CSC 0321-2</a:t>
-            </a:r>
-          </a:p>
-        </p:txBody>
-      </p:sp>
-      <p:sp>
-        <p:nvSpPr>
-          <p:cNvPr id="11" name="Rectangle 10">
-            <a:extLst>
-              <a:ext uri="{FF2B5EF4-FFF2-40B4-BE49-F238E27FC236}">
-                <a16:creationId xmlns:a16="http://schemas.microsoft.com/office/drawing/2014/main" id="{49CA8E0B-40D3-4482-EDC7-25E4DF20AAD4}"/>
+            <a:endParaRPr lang="en-PH"/>
+          </a:p>
+        </p:txBody>
+      </p:sp>
+      <p:sp>
+        <p:nvSpPr>
+          <p:cNvPr id="27" name="Rectangle: Top Corners Rounded 26">
+            <a:extLst>
+              <a:ext uri="{FF2B5EF4-FFF2-40B4-BE49-F238E27FC236}">
+                <a16:creationId xmlns:a16="http://schemas.microsoft.com/office/drawing/2014/main" id="{440A0633-84A9-1361-534D-9B874E9C122C}"/>
               </a:ext>
             </a:extLst>
           </p:cNvPr>
@@ -9082,11 +8903,11 @@
           <p:nvPr/>
         </p:nvSpPr>
         <p:spPr>
-          <a:xfrm>
-            <a:off x="1702856" y="1953080"/>
-            <a:ext cx="6414984" cy="3658601"/>
-          </a:xfrm>
-          <a:prstGeom prst="rect">
+          <a:xfrm flipV="1">
+            <a:off x="1763527" y="2369573"/>
+            <a:ext cx="3583445" cy="1059424"/>
+          </a:xfrm>
+          <a:prstGeom prst="round2SameRect">
             <a:avLst/>
           </a:prstGeom>
           <a:solidFill>
@@ -9094,11 +8915,19 @@
           </a:solidFill>
           <a:ln>
             <a:solidFill>
-              <a:schemeClr val="bg2">
-                <a:lumMod val="10000"/>
+              <a:schemeClr val="tx1">
+                <a:lumMod val="50000"/>
+                <a:lumOff val="50000"/>
               </a:schemeClr>
             </a:solidFill>
           </a:ln>
+          <a:effectLst>
+            <a:outerShdw blurRad="63500" sx="102000" sy="102000" algn="ctr" rotWithShape="0">
+              <a:prstClr val="black">
+                <a:alpha val="40000"/>
+              </a:prstClr>
+            </a:outerShdw>
+          </a:effectLst>
         </p:spPr>
         <p:style>
           <a:lnRef idx="2">
@@ -9127,10 +8956,10 @@
       </p:sp>
       <p:sp>
         <p:nvSpPr>
-          <p:cNvPr id="20" name="Rectangle 19">
-            <a:extLst>
-              <a:ext uri="{FF2B5EF4-FFF2-40B4-BE49-F238E27FC236}">
-                <a16:creationId xmlns:a16="http://schemas.microsoft.com/office/drawing/2014/main" id="{350F8AE9-A5B3-1E67-106C-1FE204B6F507}"/>
+          <p:cNvPr id="30" name="Rectangle 29">
+            <a:extLst>
+              <a:ext uri="{FF2B5EF4-FFF2-40B4-BE49-F238E27FC236}">
+                <a16:creationId xmlns:a16="http://schemas.microsoft.com/office/drawing/2014/main" id="{944C3DC4-A81E-C5EB-BB74-876DDB253D4E}"/>
               </a:ext>
             </a:extLst>
           </p:cNvPr>
@@ -9139,18 +8968,30 @@
         </p:nvSpPr>
         <p:spPr>
           <a:xfrm>
-            <a:off x="8377976" y="1953080"/>
-            <a:ext cx="3377144" cy="501656"/>
+            <a:off x="7552950" y="584267"/>
+            <a:ext cx="3583445" cy="1797132"/>
           </a:xfrm>
           <a:prstGeom prst="rect">
             <a:avLst/>
           </a:prstGeom>
           <a:solidFill>
-            <a:schemeClr val="accent4"/>
+            <a:schemeClr val="bg1"/>
           </a:solidFill>
           <a:ln>
-            <a:noFill/>
+            <a:solidFill>
+              <a:schemeClr val="tx1">
+                <a:lumMod val="50000"/>
+                <a:lumOff val="50000"/>
+              </a:schemeClr>
+            </a:solidFill>
           </a:ln>
+          <a:effectLst>
+            <a:outerShdw blurRad="63500" sx="102000" sy="102000" algn="ctr" rotWithShape="0">
+              <a:prstClr val="black">
+                <a:alpha val="40000"/>
+              </a:prstClr>
+            </a:outerShdw>
+          </a:effectLst>
         </p:spPr>
         <p:style>
           <a:lnRef idx="2">
@@ -9173,16 +9014,16 @@
           <a:lstStyle/>
           <a:p>
             <a:pPr algn="ctr"/>
-            <a:endParaRPr lang="en-PH" dirty="0"/>
-          </a:p>
-        </p:txBody>
-      </p:sp>
-      <p:sp>
-        <p:nvSpPr>
-          <p:cNvPr id="23" name="Rectangle 22">
-            <a:extLst>
-              <a:ext uri="{FF2B5EF4-FFF2-40B4-BE49-F238E27FC236}">
-                <a16:creationId xmlns:a16="http://schemas.microsoft.com/office/drawing/2014/main" id="{B79E406D-2304-F627-5DEF-0FD34A9B8FAB}"/>
+            <a:endParaRPr lang="en-PH"/>
+          </a:p>
+        </p:txBody>
+      </p:sp>
+      <p:sp>
+        <p:nvSpPr>
+          <p:cNvPr id="31" name="Rectangle: Top Corners Rounded 30">
+            <a:extLst>
+              <a:ext uri="{FF2B5EF4-FFF2-40B4-BE49-F238E27FC236}">
+                <a16:creationId xmlns:a16="http://schemas.microsoft.com/office/drawing/2014/main" id="{8D77310F-BE34-89CF-3776-40453162FEC9}"/>
               </a:ext>
             </a:extLst>
           </p:cNvPr>
@@ -9190,19 +9031,31 @@
           <p:nvPr/>
         </p:nvSpPr>
         <p:spPr>
-          <a:xfrm>
-            <a:off x="8377976" y="2439495"/>
-            <a:ext cx="3377144" cy="3172185"/>
-          </a:xfrm>
-          <a:prstGeom prst="rect">
+          <a:xfrm flipV="1">
+            <a:off x="7552950" y="2381399"/>
+            <a:ext cx="3583445" cy="1059424"/>
+          </a:xfrm>
+          <a:prstGeom prst="round2SameRect">
             <a:avLst/>
           </a:prstGeom>
           <a:solidFill>
             <a:schemeClr val="bg1"/>
           </a:solidFill>
           <a:ln>
-            <a:noFill/>
+            <a:solidFill>
+              <a:schemeClr val="tx1">
+                <a:lumMod val="50000"/>
+                <a:lumOff val="50000"/>
+              </a:schemeClr>
+            </a:solidFill>
           </a:ln>
+          <a:effectLst>
+            <a:outerShdw blurRad="63500" sx="102000" sy="102000" algn="ctr" rotWithShape="0">
+              <a:prstClr val="black">
+                <a:alpha val="40000"/>
+              </a:prstClr>
+            </a:outerShdw>
+          </a:effectLst>
         </p:spPr>
         <p:style>
           <a:lnRef idx="2">
@@ -9231,88 +9084,10 @@
       </p:sp>
       <p:sp>
         <p:nvSpPr>
-          <p:cNvPr id="24" name="TextBox 23">
-            <a:extLst>
-              <a:ext uri="{FF2B5EF4-FFF2-40B4-BE49-F238E27FC236}">
-                <a16:creationId xmlns:a16="http://schemas.microsoft.com/office/drawing/2014/main" id="{7BC2F0F1-8F67-9EC4-8199-C9954604D09B}"/>
-              </a:ext>
-            </a:extLst>
-          </p:cNvPr>
-          <p:cNvSpPr txBox="1"/>
-          <p:nvPr/>
-        </p:nvSpPr>
-        <p:spPr>
-          <a:xfrm>
-            <a:off x="8614958" y="2056262"/>
-            <a:ext cx="821179" cy="338554"/>
-          </a:xfrm>
-          <a:prstGeom prst="rect">
-            <a:avLst/>
-          </a:prstGeom>
-          <a:noFill/>
-        </p:spPr>
-        <p:txBody>
-          <a:bodyPr wrap="square" rtlCol="0">
-            <a:spAutoFit/>
-          </a:bodyPr>
-          <a:lstStyle/>
-          <a:p>
-            <a:r>
-              <a:rPr lang="en-PH" sz="1600" b="1" dirty="0">
-                <a:latin typeface="Open Sans" pitchFamily="2" charset="0"/>
-                <a:ea typeface="Open Sans" pitchFamily="2" charset="0"/>
-                <a:cs typeface="Open Sans" pitchFamily="2" charset="0"/>
-              </a:rPr>
-              <a:t>Name</a:t>
-            </a:r>
-          </a:p>
-        </p:txBody>
-      </p:sp>
-      <p:sp>
-        <p:nvSpPr>
-          <p:cNvPr id="25" name="TextBox 24">
-            <a:extLst>
-              <a:ext uri="{FF2B5EF4-FFF2-40B4-BE49-F238E27FC236}">
-                <a16:creationId xmlns:a16="http://schemas.microsoft.com/office/drawing/2014/main" id="{BA38B224-C731-A83E-85AD-E68FC62965C3}"/>
-              </a:ext>
-            </a:extLst>
-          </p:cNvPr>
-          <p:cNvSpPr txBox="1"/>
-          <p:nvPr/>
-        </p:nvSpPr>
-        <p:spPr>
-          <a:xfrm>
-            <a:off x="10653427" y="2056262"/>
-            <a:ext cx="965922" cy="338554"/>
-          </a:xfrm>
-          <a:prstGeom prst="rect">
-            <a:avLst/>
-          </a:prstGeom>
-          <a:noFill/>
-        </p:spPr>
-        <p:txBody>
-          <a:bodyPr wrap="square" rtlCol="0">
-            <a:spAutoFit/>
-          </a:bodyPr>
-          <a:lstStyle/>
-          <a:p>
-            <a:r>
-              <a:rPr lang="en-PH" sz="1600" b="1" dirty="0">
-                <a:latin typeface="Open Sans" pitchFamily="2" charset="0"/>
-                <a:ea typeface="Open Sans" pitchFamily="2" charset="0"/>
-                <a:cs typeface="Open Sans" pitchFamily="2" charset="0"/>
-              </a:rPr>
-              <a:t>Status</a:t>
-            </a:r>
-          </a:p>
-        </p:txBody>
-      </p:sp>
-      <p:sp>
-        <p:nvSpPr>
-          <p:cNvPr id="26" name="Rectangle 25">
-            <a:extLst>
-              <a:ext uri="{FF2B5EF4-FFF2-40B4-BE49-F238E27FC236}">
-                <a16:creationId xmlns:a16="http://schemas.microsoft.com/office/drawing/2014/main" id="{62DDD1FB-8288-4C7B-6663-00A9CDE49567}"/>
+          <p:cNvPr id="32" name="Rectangle 31">
+            <a:extLst>
+              <a:ext uri="{FF2B5EF4-FFF2-40B4-BE49-F238E27FC236}">
+                <a16:creationId xmlns:a16="http://schemas.microsoft.com/office/drawing/2014/main" id="{DDC18A6C-728E-4BB1-1595-9EA691669882}"/>
               </a:ext>
             </a:extLst>
           </p:cNvPr>
@@ -9321,18 +9096,24 @@
         </p:nvSpPr>
         <p:spPr>
           <a:xfrm>
-            <a:off x="1702854" y="5841728"/>
-            <a:ext cx="2970745" cy="599440"/>
+            <a:off x="1763526" y="565593"/>
+            <a:ext cx="3583443" cy="1797132"/>
           </a:xfrm>
           <a:prstGeom prst="rect">
             <a:avLst/>
           </a:prstGeom>
           <a:solidFill>
-            <a:srgbClr val="2D2A4C"/>
+            <a:srgbClr val="01264E"/>
           </a:solidFill>
           <a:ln>
-            <a:noFill/>
+            <a:solidFill>
+              <a:schemeClr val="tx1">
+                <a:lumMod val="50000"/>
+                <a:lumOff val="50000"/>
+              </a:schemeClr>
+            </a:solidFill>
           </a:ln>
+          <a:effectLst/>
         </p:spPr>
         <p:style>
           <a:lnRef idx="2">
@@ -9356,10 +9137,368 @@
           <a:p>
             <a:pPr algn="ctr"/>
             <a:r>
-              <a:rPr lang="en-PH" sz="1400" b="1" spc="600" dirty="0">
+              <a:rPr lang="en-PH" sz="2400" b="1" spc="300" dirty="0">
+                <a:latin typeface="Open Sans" pitchFamily="2" charset="0"/>
+                <a:ea typeface="Open Sans" pitchFamily="2" charset="0"/>
+                <a:cs typeface="Open Sans" pitchFamily="2" charset="0"/>
+              </a:rPr>
+              <a:t>CSC 0321-2</a:t>
+            </a:r>
+          </a:p>
+        </p:txBody>
+      </p:sp>
+      <p:sp>
+        <p:nvSpPr>
+          <p:cNvPr id="33" name="Rectangle 32">
+            <a:extLst>
+              <a:ext uri="{FF2B5EF4-FFF2-40B4-BE49-F238E27FC236}">
+                <a16:creationId xmlns:a16="http://schemas.microsoft.com/office/drawing/2014/main" id="{8CB4D2B6-3388-A7EC-8D1A-B981F4D09E89}"/>
+              </a:ext>
+            </a:extLst>
+          </p:cNvPr>
+          <p:cNvSpPr/>
+          <p:nvPr/>
+        </p:nvSpPr>
+        <p:spPr>
+          <a:xfrm>
+            <a:off x="7552947" y="572441"/>
+            <a:ext cx="3583443" cy="1797132"/>
+          </a:xfrm>
+          <a:prstGeom prst="rect">
+            <a:avLst/>
+          </a:prstGeom>
+          <a:solidFill>
+            <a:schemeClr val="accent6">
+              <a:lumMod val="75000"/>
+            </a:schemeClr>
+          </a:solidFill>
+          <a:ln>
+            <a:solidFill>
+              <a:schemeClr val="tx1">
+                <a:lumMod val="50000"/>
+                <a:lumOff val="50000"/>
+              </a:schemeClr>
+            </a:solidFill>
+          </a:ln>
+          <a:effectLst/>
+        </p:spPr>
+        <p:style>
+          <a:lnRef idx="2">
+            <a:schemeClr val="accent1">
+              <a:shade val="50000"/>
+            </a:schemeClr>
+          </a:lnRef>
+          <a:fillRef idx="1">
+            <a:schemeClr val="accent1"/>
+          </a:fillRef>
+          <a:effectRef idx="0">
+            <a:schemeClr val="accent1"/>
+          </a:effectRef>
+          <a:fontRef idx="minor">
+            <a:schemeClr val="lt1"/>
+          </a:fontRef>
+        </p:style>
+        <p:txBody>
+          <a:bodyPr rtlCol="0" anchor="ctr"/>
+          <a:lstStyle/>
+          <a:p>
+            <a:pPr algn="ctr"/>
+            <a:r>
+              <a:rPr lang="en-PH" sz="2400" b="1" spc="300" dirty="0">
+                <a:latin typeface="Open Sans" pitchFamily="2" charset="0"/>
+                <a:ea typeface="Open Sans" pitchFamily="2" charset="0"/>
+                <a:cs typeface="Open Sans" pitchFamily="2" charset="0"/>
+              </a:rPr>
+              <a:t>CSC 0323-2</a:t>
+            </a:r>
+          </a:p>
+        </p:txBody>
+      </p:sp>
+      <p:sp>
+        <p:nvSpPr>
+          <p:cNvPr id="38" name="TextBox 37">
+            <a:extLst>
+              <a:ext uri="{FF2B5EF4-FFF2-40B4-BE49-F238E27FC236}">
+                <a16:creationId xmlns:a16="http://schemas.microsoft.com/office/drawing/2014/main" id="{19DDCC11-270E-D839-C76A-1019EF9ED04F}"/>
+              </a:ext>
+            </a:extLst>
+          </p:cNvPr>
+          <p:cNvSpPr txBox="1"/>
+          <p:nvPr/>
+        </p:nvSpPr>
+        <p:spPr>
+          <a:xfrm>
+            <a:off x="1912101" y="1964221"/>
+            <a:ext cx="3286287" cy="369332"/>
+          </a:xfrm>
+          <a:prstGeom prst="rect">
+            <a:avLst/>
+          </a:prstGeom>
+          <a:noFill/>
+        </p:spPr>
+        <p:txBody>
+          <a:bodyPr wrap="square" rtlCol="0">
+            <a:spAutoFit/>
+          </a:bodyPr>
+          <a:lstStyle/>
+          <a:p>
+            <a:r>
+              <a:rPr lang="en-PH" b="1" dirty="0">
+                <a:solidFill>
+                  <a:schemeClr val="bg1"/>
+                </a:solidFill>
+                <a:latin typeface="Open Sans" pitchFamily="2" charset="0"/>
+                <a:ea typeface="Open Sans" pitchFamily="2" charset="0"/>
+                <a:cs typeface="Open Sans" pitchFamily="2" charset="0"/>
+              </a:rPr>
+              <a:t>SOFTWARE ENGINEERING 2</a:t>
+            </a:r>
+          </a:p>
+        </p:txBody>
+      </p:sp>
+      <p:sp>
+        <p:nvSpPr>
+          <p:cNvPr id="39" name="TextBox 38">
+            <a:extLst>
+              <a:ext uri="{FF2B5EF4-FFF2-40B4-BE49-F238E27FC236}">
+                <a16:creationId xmlns:a16="http://schemas.microsoft.com/office/drawing/2014/main" id="{7A356FB0-525C-0CC2-AD00-40CDEDAC1771}"/>
+              </a:ext>
+            </a:extLst>
+          </p:cNvPr>
+          <p:cNvSpPr txBox="1"/>
+          <p:nvPr/>
+        </p:nvSpPr>
+        <p:spPr>
+          <a:xfrm>
+            <a:off x="1763523" y="2447946"/>
+            <a:ext cx="3583443" cy="893834"/>
+          </a:xfrm>
+          <a:prstGeom prst="rect">
+            <a:avLst/>
+          </a:prstGeom>
+          <a:noFill/>
+        </p:spPr>
+        <p:txBody>
+          <a:bodyPr wrap="square" rtlCol="0">
+            <a:spAutoFit/>
+          </a:bodyPr>
+          <a:lstStyle/>
+          <a:p>
+            <a:pPr>
+              <a:lnSpc>
+                <a:spcPct val="150000"/>
+              </a:lnSpc>
+            </a:pPr>
+            <a:r>
+              <a:rPr lang="en-PH" sz="1200" b="1" dirty="0">
+                <a:latin typeface="Open Sans" pitchFamily="2" charset="0"/>
+                <a:ea typeface="Open Sans" pitchFamily="2" charset="0"/>
+                <a:cs typeface="Open Sans" pitchFamily="2" charset="0"/>
+              </a:rPr>
+              <a:t>Course: BSCS</a:t>
+            </a:r>
+          </a:p>
+          <a:p>
+            <a:pPr>
+              <a:lnSpc>
+                <a:spcPct val="150000"/>
+              </a:lnSpc>
+            </a:pPr>
+            <a:r>
+              <a:rPr lang="en-PH" sz="1200" b="1" dirty="0">
+                <a:latin typeface="Open Sans" pitchFamily="2" charset="0"/>
+                <a:ea typeface="Open Sans" pitchFamily="2" charset="0"/>
+                <a:cs typeface="Open Sans" pitchFamily="2" charset="0"/>
+              </a:rPr>
+              <a:t>Year/Block: 3-2</a:t>
+            </a:r>
+          </a:p>
+          <a:p>
+            <a:pPr>
+              <a:lnSpc>
+                <a:spcPct val="150000"/>
+              </a:lnSpc>
+            </a:pPr>
+            <a:r>
+              <a:rPr lang="en-PH" sz="1200" b="1" dirty="0">
+                <a:latin typeface="Open Sans" pitchFamily="2" charset="0"/>
+                <a:ea typeface="Open Sans" pitchFamily="2" charset="0"/>
+                <a:cs typeface="Open Sans" pitchFamily="2" charset="0"/>
+              </a:rPr>
+              <a:t>Day/Time: T/Th 7:00pm – 8:00pm</a:t>
+            </a:r>
+          </a:p>
+        </p:txBody>
+      </p:sp>
+      <p:sp>
+        <p:nvSpPr>
+          <p:cNvPr id="40" name="TextBox 39">
+            <a:extLst>
+              <a:ext uri="{FF2B5EF4-FFF2-40B4-BE49-F238E27FC236}">
+                <a16:creationId xmlns:a16="http://schemas.microsoft.com/office/drawing/2014/main" id="{DF671A24-8953-FE49-0114-4232CBF32529}"/>
+              </a:ext>
+            </a:extLst>
+          </p:cNvPr>
+          <p:cNvSpPr txBox="1"/>
+          <p:nvPr/>
+        </p:nvSpPr>
+        <p:spPr>
+          <a:xfrm>
+            <a:off x="7701523" y="2012067"/>
+            <a:ext cx="3286287" cy="369332"/>
+          </a:xfrm>
+          <a:prstGeom prst="rect">
+            <a:avLst/>
+          </a:prstGeom>
+          <a:noFill/>
+        </p:spPr>
+        <p:txBody>
+          <a:bodyPr wrap="square" rtlCol="0">
+            <a:spAutoFit/>
+          </a:bodyPr>
+          <a:lstStyle/>
+          <a:p>
+            <a:r>
+              <a:rPr lang="en-PH" b="1" dirty="0">
+                <a:solidFill>
+                  <a:schemeClr val="bg1"/>
+                </a:solidFill>
+                <a:latin typeface="Open Sans" pitchFamily="2" charset="0"/>
+                <a:ea typeface="Open Sans" pitchFamily="2" charset="0"/>
+                <a:cs typeface="Open Sans" pitchFamily="2" charset="0"/>
+              </a:rPr>
+              <a:t>COMPUTATIONAL SCIENCE</a:t>
+            </a:r>
+          </a:p>
+        </p:txBody>
+      </p:sp>
+      <p:sp>
+        <p:nvSpPr>
+          <p:cNvPr id="41" name="TextBox 40">
+            <a:extLst>
+              <a:ext uri="{FF2B5EF4-FFF2-40B4-BE49-F238E27FC236}">
+                <a16:creationId xmlns:a16="http://schemas.microsoft.com/office/drawing/2014/main" id="{0A19B25C-0BFF-5C56-22BA-8F28B39BB738}"/>
+              </a:ext>
+            </a:extLst>
+          </p:cNvPr>
+          <p:cNvSpPr txBox="1"/>
+          <p:nvPr/>
+        </p:nvSpPr>
+        <p:spPr>
+          <a:xfrm>
+            <a:off x="7552946" y="2447946"/>
+            <a:ext cx="3583443" cy="893834"/>
+          </a:xfrm>
+          <a:prstGeom prst="rect">
+            <a:avLst/>
+          </a:prstGeom>
+          <a:noFill/>
+        </p:spPr>
+        <p:txBody>
+          <a:bodyPr wrap="square" rtlCol="0">
+            <a:spAutoFit/>
+          </a:bodyPr>
+          <a:lstStyle/>
+          <a:p>
+            <a:pPr>
+              <a:lnSpc>
+                <a:spcPct val="150000"/>
+              </a:lnSpc>
+            </a:pPr>
+            <a:r>
+              <a:rPr lang="en-PH" sz="1200" b="1" dirty="0">
+                <a:latin typeface="Open Sans" pitchFamily="2" charset="0"/>
+                <a:ea typeface="Open Sans" pitchFamily="2" charset="0"/>
+                <a:cs typeface="Open Sans" pitchFamily="2" charset="0"/>
+              </a:rPr>
+              <a:t>Course: BSCS</a:t>
+            </a:r>
+          </a:p>
+          <a:p>
+            <a:pPr>
+              <a:lnSpc>
+                <a:spcPct val="150000"/>
+              </a:lnSpc>
+            </a:pPr>
+            <a:r>
+              <a:rPr lang="en-PH" sz="1200" b="1" dirty="0">
+                <a:latin typeface="Open Sans" pitchFamily="2" charset="0"/>
+                <a:ea typeface="Open Sans" pitchFamily="2" charset="0"/>
+                <a:cs typeface="Open Sans" pitchFamily="2" charset="0"/>
+              </a:rPr>
+              <a:t>Year/Block: 3-2</a:t>
+            </a:r>
+          </a:p>
+          <a:p>
+            <a:pPr>
+              <a:lnSpc>
+                <a:spcPct val="150000"/>
+              </a:lnSpc>
+            </a:pPr>
+            <a:r>
+              <a:rPr lang="en-PH" sz="1200" b="1" dirty="0">
+                <a:latin typeface="Open Sans" pitchFamily="2" charset="0"/>
+                <a:ea typeface="Open Sans" pitchFamily="2" charset="0"/>
+                <a:cs typeface="Open Sans" pitchFamily="2" charset="0"/>
+              </a:rPr>
+              <a:t>Day/Time: S 12:00pm – 2:00pm</a:t>
+            </a:r>
+          </a:p>
+        </p:txBody>
+      </p:sp>
+      <p:sp>
+        <p:nvSpPr>
+          <p:cNvPr id="2" name="Rectangle 1">
+            <a:extLst>
+              <a:ext uri="{FF2B5EF4-FFF2-40B4-BE49-F238E27FC236}">
+                <a16:creationId xmlns:a16="http://schemas.microsoft.com/office/drawing/2014/main" id="{42960F22-AD6F-16E6-AA21-C2D320AF1B66}"/>
+              </a:ext>
+            </a:extLst>
+          </p:cNvPr>
+          <p:cNvSpPr/>
+          <p:nvPr/>
+        </p:nvSpPr>
+        <p:spPr>
+          <a:xfrm>
+            <a:off x="8934109" y="5674293"/>
+            <a:ext cx="2202280" cy="599440"/>
+          </a:xfrm>
+          <a:prstGeom prst="rect">
+            <a:avLst/>
+          </a:prstGeom>
+          <a:solidFill>
+            <a:srgbClr val="2D2A4C"/>
+          </a:solidFill>
+          <a:ln>
+            <a:noFill/>
+          </a:ln>
+        </p:spPr>
+        <p:style>
+          <a:lnRef idx="2">
+            <a:schemeClr val="accent1">
+              <a:shade val="50000"/>
+            </a:schemeClr>
+          </a:lnRef>
+          <a:fillRef idx="1">
+            <a:schemeClr val="accent1"/>
+          </a:fillRef>
+          <a:effectRef idx="0">
+            <a:schemeClr val="accent1"/>
+          </a:effectRef>
+          <a:fontRef idx="minor">
+            <a:schemeClr val="lt1"/>
+          </a:fontRef>
+        </p:style>
+        <p:txBody>
+          <a:bodyPr rtlCol="0" anchor="ctr"/>
+          <a:lstStyle/>
+          <a:p>
+            <a:pPr algn="ctr"/>
+            <a:r>
+              <a:rPr lang="en-PH" b="1" spc="600" dirty="0">
                 <a:latin typeface="Lato" panose="020F0502020204030203" pitchFamily="34" charset="0"/>
               </a:rPr>
-              <a:t>VIEW SUMMARY</a:t>
+              <a:t>NEXT</a:t>
             </a:r>
           </a:p>
         </p:txBody>
@@ -9367,7 +9506,7 @@
     </p:spTree>
     <p:extLst>
       <p:ext uri="{BB962C8B-B14F-4D97-AF65-F5344CB8AC3E}">
-        <p14:creationId xmlns:p14="http://schemas.microsoft.com/office/powerpoint/2010/main" val="4011547277"/>
+        <p14:creationId xmlns:p14="http://schemas.microsoft.com/office/powerpoint/2010/main" val="1836754780"/>
       </p:ext>
     </p:extLst>
   </p:cSld>
@@ -9532,6 +9671,81 @@
           </a:prstGeom>
         </p:spPr>
       </p:pic>
+      <p:pic>
+        <p:nvPicPr>
+          <p:cNvPr id="14" name="Graphic 13" descr="Books on shelf with solid fill">
+            <a:extLst>
+              <a:ext uri="{FF2B5EF4-FFF2-40B4-BE49-F238E27FC236}">
+                <a16:creationId xmlns:a16="http://schemas.microsoft.com/office/drawing/2014/main" id="{93FB210C-BE5C-3640-8913-9A79263F8F24}"/>
+              </a:ext>
+            </a:extLst>
+          </p:cNvPr>
+          <p:cNvPicPr>
+            <a:picLocks noChangeAspect="1"/>
+          </p:cNvPicPr>
+          <p:nvPr/>
+        </p:nvPicPr>
+        <p:blipFill>
+          <a:blip r:embed="rId6">
+            <a:extLst>
+              <a:ext uri="{28A0092B-C50C-407E-A947-70E740481C1C}">
+                <a14:useLocalDpi xmlns:a14="http://schemas.microsoft.com/office/drawing/2010/main" val="0"/>
+              </a:ext>
+              <a:ext uri="{96DAC541-7B7A-43D3-8B79-37D633B846F1}">
+                <asvg:svgBlip xmlns:asvg="http://schemas.microsoft.com/office/drawing/2016/SVG/main" r:embed="rId7"/>
+              </a:ext>
+            </a:extLst>
+          </a:blip>
+          <a:stretch>
+            <a:fillRect/>
+          </a:stretch>
+        </p:blipFill>
+        <p:spPr>
+          <a:xfrm>
+            <a:off x="307240" y="2964426"/>
+            <a:ext cx="432000" cy="432000"/>
+          </a:xfrm>
+          <a:prstGeom prst="rect">
+            <a:avLst/>
+          </a:prstGeom>
+        </p:spPr>
+      </p:pic>
+      <p:pic>
+        <p:nvPicPr>
+          <p:cNvPr id="16" name="Picture 15" descr="Icon&#10;&#10;Description automatically generated">
+            <a:extLst>
+              <a:ext uri="{FF2B5EF4-FFF2-40B4-BE49-F238E27FC236}">
+                <a16:creationId xmlns:a16="http://schemas.microsoft.com/office/drawing/2014/main" id="{92BAA0B8-9AA3-0757-889B-A6548E1244FC}"/>
+              </a:ext>
+            </a:extLst>
+          </p:cNvPr>
+          <p:cNvPicPr>
+            <a:picLocks noChangeAspect="1"/>
+          </p:cNvPicPr>
+          <p:nvPr/>
+        </p:nvPicPr>
+        <p:blipFill>
+          <a:blip r:embed="rId8">
+            <a:extLst>
+              <a:ext uri="{28A0092B-C50C-407E-A947-70E740481C1C}">
+                <a14:useLocalDpi xmlns:a14="http://schemas.microsoft.com/office/drawing/2010/main" val="0"/>
+              </a:ext>
+            </a:extLst>
+          </a:blip>
+          <a:stretch>
+            <a:fillRect/>
+          </a:stretch>
+        </p:blipFill>
+        <p:spPr>
+          <a:xfrm>
+            <a:off x="307240" y="6066504"/>
+            <a:ext cx="432000" cy="432000"/>
+          </a:xfrm>
+          <a:prstGeom prst="rect">
+            <a:avLst/>
+          </a:prstGeom>
+        </p:spPr>
+      </p:pic>
       <p:sp>
         <p:nvSpPr>
           <p:cNvPr id="22" name="Rectangle: Rounded Corners 21">
@@ -9546,7 +9760,7 @@
         </p:nvSpPr>
         <p:spPr>
           <a:xfrm>
-            <a:off x="227686" y="2911240"/>
+            <a:off x="227686" y="1377080"/>
             <a:ext cx="576000" cy="576000"/>
           </a:xfrm>
           <a:prstGeom prst="roundRect">
@@ -9586,10 +9800,10 @@
       </p:sp>
       <p:pic>
         <p:nvPicPr>
-          <p:cNvPr id="14" name="Graphic 13" descr="Books on shelf with solid fill">
-            <a:extLst>
-              <a:ext uri="{FF2B5EF4-FFF2-40B4-BE49-F238E27FC236}">
-                <a16:creationId xmlns:a16="http://schemas.microsoft.com/office/drawing/2014/main" id="{93FB210C-BE5C-3640-8913-9A79263F8F24}"/>
+          <p:cNvPr id="21" name="Picture 20" descr="A picture containing icon&#10;&#10;Description automatically generated">
+            <a:extLst>
+              <a:ext uri="{FF2B5EF4-FFF2-40B4-BE49-F238E27FC236}">
+                <a16:creationId xmlns:a16="http://schemas.microsoft.com/office/drawing/2014/main" id="{47805D52-E03C-78B5-A65B-7C69A177FAE8}"/>
               </a:ext>
             </a:extLst>
           </p:cNvPr>
@@ -9599,13 +9813,10 @@
           <p:nvPr/>
         </p:nvPicPr>
         <p:blipFill>
-          <a:blip r:embed="rId6">
+          <a:blip r:embed="rId9">
             <a:extLst>
               <a:ext uri="{28A0092B-C50C-407E-A947-70E740481C1C}">
                 <a14:useLocalDpi xmlns:a14="http://schemas.microsoft.com/office/drawing/2010/main" val="0"/>
-              </a:ext>
-              <a:ext uri="{96DAC541-7B7A-43D3-8B79-37D633B846F1}">
-                <asvg:svgBlip xmlns:asvg="http://schemas.microsoft.com/office/drawing/2016/SVG/main" r:embed="rId7"/>
               </a:ext>
             </a:extLst>
           </a:blip>
@@ -9615,78 +9826,6 @@
         </p:blipFill>
         <p:spPr>
           <a:xfrm>
-            <a:off x="307240" y="2964426"/>
-            <a:ext cx="432000" cy="432000"/>
-          </a:xfrm>
-          <a:prstGeom prst="rect">
-            <a:avLst/>
-          </a:prstGeom>
-        </p:spPr>
-      </p:pic>
-      <p:pic>
-        <p:nvPicPr>
-          <p:cNvPr id="16" name="Picture 15" descr="Icon&#10;&#10;Description automatically generated">
-            <a:extLst>
-              <a:ext uri="{FF2B5EF4-FFF2-40B4-BE49-F238E27FC236}">
-                <a16:creationId xmlns:a16="http://schemas.microsoft.com/office/drawing/2014/main" id="{92BAA0B8-9AA3-0757-889B-A6548E1244FC}"/>
-              </a:ext>
-            </a:extLst>
-          </p:cNvPr>
-          <p:cNvPicPr>
-            <a:picLocks noChangeAspect="1"/>
-          </p:cNvPicPr>
-          <p:nvPr/>
-        </p:nvPicPr>
-        <p:blipFill>
-          <a:blip r:embed="rId8">
-            <a:extLst>
-              <a:ext uri="{28A0092B-C50C-407E-A947-70E740481C1C}">
-                <a14:useLocalDpi xmlns:a14="http://schemas.microsoft.com/office/drawing/2010/main" val="0"/>
-              </a:ext>
-            </a:extLst>
-          </a:blip>
-          <a:stretch>
-            <a:fillRect/>
-          </a:stretch>
-        </p:blipFill>
-        <p:spPr>
-          <a:xfrm>
-            <a:off x="307240" y="6066504"/>
-            <a:ext cx="432000" cy="432000"/>
-          </a:xfrm>
-          <a:prstGeom prst="rect">
-            <a:avLst/>
-          </a:prstGeom>
-        </p:spPr>
-      </p:pic>
-      <p:pic>
-        <p:nvPicPr>
-          <p:cNvPr id="21" name="Picture 20" descr="A picture containing icon&#10;&#10;Description automatically generated">
-            <a:extLst>
-              <a:ext uri="{FF2B5EF4-FFF2-40B4-BE49-F238E27FC236}">
-                <a16:creationId xmlns:a16="http://schemas.microsoft.com/office/drawing/2014/main" id="{47805D52-E03C-78B5-A65B-7C69A177FAE8}"/>
-              </a:ext>
-            </a:extLst>
-          </p:cNvPr>
-          <p:cNvPicPr>
-            <a:picLocks noChangeAspect="1"/>
-          </p:cNvPicPr>
-          <p:nvPr/>
-        </p:nvPicPr>
-        <p:blipFill>
-          <a:blip r:embed="rId9">
-            <a:extLst>
-              <a:ext uri="{28A0092B-C50C-407E-A947-70E740481C1C}">
-                <a14:useLocalDpi xmlns:a14="http://schemas.microsoft.com/office/drawing/2010/main" val="0"/>
-              </a:ext>
-            </a:extLst>
-          </a:blip>
-          <a:stretch>
-            <a:fillRect/>
-          </a:stretch>
-        </p:blipFill>
-        <p:spPr>
-          <a:xfrm>
             <a:off x="306190" y="1440912"/>
             <a:ext cx="432000" cy="432000"/>
           </a:xfrm>
@@ -9709,7 +9848,7 @@
         </p:nvSpPr>
         <p:spPr>
           <a:xfrm>
-            <a:off x="8934108" y="5825636"/>
+            <a:off x="9542680" y="5841728"/>
             <a:ext cx="2202280" cy="599440"/>
           </a:xfrm>
           <a:prstGeom prst="rect">
@@ -9744,10 +9883,133 @@
           <a:p>
             <a:pPr algn="ctr"/>
             <a:r>
-              <a:rPr lang="en-PH" sz="1500" b="1" spc="600" dirty="0">
+              <a:rPr lang="en-PH" sz="1600" b="1" spc="600" dirty="0">
                 <a:latin typeface="Lato" panose="020F0502020204030203" pitchFamily="34" charset="0"/>
               </a:rPr>
-              <a:t>NEXT</a:t>
+              <a:t>END</a:t>
+            </a:r>
+          </a:p>
+        </p:txBody>
+      </p:sp>
+      <p:pic>
+        <p:nvPicPr>
+          <p:cNvPr id="4" name="Graphic 3" descr="Line arrow: Horizontal U-turn with solid fill">
+            <a:extLst>
+              <a:ext uri="{FF2B5EF4-FFF2-40B4-BE49-F238E27FC236}">
+                <a16:creationId xmlns:a16="http://schemas.microsoft.com/office/drawing/2014/main" id="{E3A5649E-813E-6979-28BC-E3CE8940CFDC}"/>
+              </a:ext>
+            </a:extLst>
+          </p:cNvPr>
+          <p:cNvPicPr>
+            <a:picLocks noChangeAspect="1"/>
+          </p:cNvPicPr>
+          <p:nvPr/>
+        </p:nvPicPr>
+        <p:blipFill>
+          <a:blip r:embed="rId10">
+            <a:extLst>
+              <a:ext uri="{28A0092B-C50C-407E-A947-70E740481C1C}">
+                <a14:useLocalDpi xmlns:a14="http://schemas.microsoft.com/office/drawing/2010/main" val="0"/>
+              </a:ext>
+              <a:ext uri="{96DAC541-7B7A-43D3-8B79-37D633B846F1}">
+                <asvg:svgBlip xmlns:asvg="http://schemas.microsoft.com/office/drawing/2016/SVG/main" r:embed="rId11"/>
+              </a:ext>
+            </a:extLst>
+          </a:blip>
+          <a:stretch>
+            <a:fillRect/>
+          </a:stretch>
+        </p:blipFill>
+        <p:spPr>
+          <a:xfrm>
+            <a:off x="1353720" y="248524"/>
+            <a:ext cx="540000" cy="540000"/>
+          </a:xfrm>
+          <a:prstGeom prst="rect">
+            <a:avLst/>
+          </a:prstGeom>
+        </p:spPr>
+      </p:pic>
+      <p:sp>
+        <p:nvSpPr>
+          <p:cNvPr id="5" name="TextBox 4">
+            <a:extLst>
+              <a:ext uri="{FF2B5EF4-FFF2-40B4-BE49-F238E27FC236}">
+                <a16:creationId xmlns:a16="http://schemas.microsoft.com/office/drawing/2014/main" id="{5CBC9DA3-A390-2F01-3D09-4097ADEE247A}"/>
+              </a:ext>
+            </a:extLst>
+          </p:cNvPr>
+          <p:cNvSpPr txBox="1"/>
+          <p:nvPr/>
+        </p:nvSpPr>
+        <p:spPr>
+          <a:xfrm>
+            <a:off x="1914040" y="394818"/>
+            <a:ext cx="1749197" cy="369332"/>
+          </a:xfrm>
+          <a:prstGeom prst="rect">
+            <a:avLst/>
+          </a:prstGeom>
+          <a:noFill/>
+        </p:spPr>
+        <p:txBody>
+          <a:bodyPr wrap="none" rtlCol="0">
+            <a:spAutoFit/>
+          </a:bodyPr>
+          <a:lstStyle/>
+          <a:p>
+            <a:r>
+              <a:rPr lang="en-PH" b="1" spc="600" dirty="0">
+                <a:solidFill>
+                  <a:srgbClr val="1D1B31"/>
+                </a:solidFill>
+                <a:latin typeface="Open Sans" pitchFamily="2" charset="0"/>
+                <a:ea typeface="Open Sans" pitchFamily="2" charset="0"/>
+                <a:cs typeface="Open Sans" pitchFamily="2" charset="0"/>
+              </a:rPr>
+              <a:t>GO BACK</a:t>
+            </a:r>
+          </a:p>
+        </p:txBody>
+      </p:sp>
+      <p:sp>
+        <p:nvSpPr>
+          <p:cNvPr id="7" name="TextBox 6">
+            <a:extLst>
+              <a:ext uri="{FF2B5EF4-FFF2-40B4-BE49-F238E27FC236}">
+                <a16:creationId xmlns:a16="http://schemas.microsoft.com/office/drawing/2014/main" id="{CABF923E-A53D-1EC3-6708-FCB8ADE79BC2}"/>
+              </a:ext>
+            </a:extLst>
+          </p:cNvPr>
+          <p:cNvSpPr txBox="1"/>
+          <p:nvPr/>
+        </p:nvSpPr>
+        <p:spPr>
+          <a:xfrm>
+            <a:off x="1702855" y="1246319"/>
+            <a:ext cx="2191626" cy="461665"/>
+          </a:xfrm>
+          <a:prstGeom prst="rect">
+            <a:avLst/>
+          </a:prstGeom>
+          <a:noFill/>
+        </p:spPr>
+        <p:txBody>
+          <a:bodyPr wrap="none" rtlCol="0">
+            <a:spAutoFit/>
+          </a:bodyPr>
+          <a:lstStyle/>
+          <a:p>
+            <a:r>
+              <a:rPr lang="en-PH" sz="2400" b="1" spc="300" dirty="0">
+                <a:solidFill>
+                  <a:srgbClr val="1D1B31"/>
+                </a:solidFill>
+                <a:latin typeface="Open Sans" pitchFamily="2" charset="0"/>
+                <a:ea typeface="Open Sans" pitchFamily="2" charset="0"/>
+                <a:cs typeface="Open Sans" pitchFamily="2" charset="0"/>
+              </a:rPr>
+              <a:t>CSC 0321-2</a:t>
             </a:r>
           </a:p>
         </p:txBody>
@@ -9757,7 +10019,7 @@
           <p:cNvPr id="11" name="Rectangle 10">
             <a:extLst>
               <a:ext uri="{FF2B5EF4-FFF2-40B4-BE49-F238E27FC236}">
-                <a16:creationId xmlns:a16="http://schemas.microsoft.com/office/drawing/2014/main" id="{17926617-C981-EF06-543E-AC1A078CAACD}"/>
+                <a16:creationId xmlns:a16="http://schemas.microsoft.com/office/drawing/2014/main" id="{49CA8E0B-40D3-4482-EDC7-25E4DF20AAD4}"/>
               </a:ext>
             </a:extLst>
           </p:cNvPr>
@@ -9766,17 +10028,21 @@
         </p:nvSpPr>
         <p:spPr>
           <a:xfrm>
-            <a:off x="1702857" y="1152534"/>
-            <a:ext cx="9433532" cy="643533"/>
+            <a:off x="1702854" y="1953079"/>
+            <a:ext cx="6414984" cy="3658601"/>
           </a:xfrm>
           <a:prstGeom prst="rect">
             <a:avLst/>
           </a:prstGeom>
           <a:solidFill>
-            <a:schemeClr val="accent4"/>
+            <a:schemeClr val="bg1"/>
           </a:solidFill>
           <a:ln>
-            <a:noFill/>
+            <a:solidFill>
+              <a:schemeClr val="bg2">
+                <a:lumMod val="10000"/>
+              </a:schemeClr>
+            </a:solidFill>
           </a:ln>
         </p:spPr>
         <p:style>
@@ -9800,16 +10066,16 @@
           <a:lstStyle/>
           <a:p>
             <a:pPr algn="ctr"/>
-            <a:endParaRPr lang="en-PH" dirty="0"/>
-          </a:p>
-        </p:txBody>
-      </p:sp>
-      <p:sp>
-        <p:nvSpPr>
-          <p:cNvPr id="18" name="Rectangle 17">
-            <a:extLst>
-              <a:ext uri="{FF2B5EF4-FFF2-40B4-BE49-F238E27FC236}">
-                <a16:creationId xmlns:a16="http://schemas.microsoft.com/office/drawing/2014/main" id="{532714EF-A75F-0012-EE79-CF2023873FFF}"/>
+            <a:endParaRPr lang="en-PH"/>
+          </a:p>
+        </p:txBody>
+      </p:sp>
+      <p:sp>
+        <p:nvSpPr>
+          <p:cNvPr id="20" name="Rectangle 19">
+            <a:extLst>
+              <a:ext uri="{FF2B5EF4-FFF2-40B4-BE49-F238E27FC236}">
+                <a16:creationId xmlns:a16="http://schemas.microsoft.com/office/drawing/2014/main" id="{350F8AE9-A5B3-1E67-106C-1FE204B6F507}"/>
               </a:ext>
             </a:extLst>
           </p:cNvPr>
@@ -9818,14 +10084,14 @@
         </p:nvSpPr>
         <p:spPr>
           <a:xfrm>
-            <a:off x="1702856" y="1634702"/>
-            <a:ext cx="9433532" cy="3973617"/>
+            <a:off x="8377976" y="1953080"/>
+            <a:ext cx="3377144" cy="501656"/>
           </a:xfrm>
           <a:prstGeom prst="rect">
             <a:avLst/>
           </a:prstGeom>
           <a:solidFill>
-            <a:schemeClr val="bg1"/>
+            <a:schemeClr val="accent4"/>
           </a:solidFill>
           <a:ln>
             <a:noFill/>
@@ -9852,16 +10118,68 @@
           <a:lstStyle/>
           <a:p>
             <a:pPr algn="ctr"/>
+            <a:endParaRPr lang="en-PH" dirty="0"/>
+          </a:p>
+        </p:txBody>
+      </p:sp>
+      <p:sp>
+        <p:nvSpPr>
+          <p:cNvPr id="23" name="Rectangle 22">
+            <a:extLst>
+              <a:ext uri="{FF2B5EF4-FFF2-40B4-BE49-F238E27FC236}">
+                <a16:creationId xmlns:a16="http://schemas.microsoft.com/office/drawing/2014/main" id="{B79E406D-2304-F627-5DEF-0FD34A9B8FAB}"/>
+              </a:ext>
+            </a:extLst>
+          </p:cNvPr>
+          <p:cNvSpPr/>
+          <p:nvPr/>
+        </p:nvSpPr>
+        <p:spPr>
+          <a:xfrm>
+            <a:off x="8377976" y="2439495"/>
+            <a:ext cx="3377144" cy="3172185"/>
+          </a:xfrm>
+          <a:prstGeom prst="rect">
+            <a:avLst/>
+          </a:prstGeom>
+          <a:solidFill>
+            <a:schemeClr val="bg1"/>
+          </a:solidFill>
+          <a:ln>
+            <a:noFill/>
+          </a:ln>
+        </p:spPr>
+        <p:style>
+          <a:lnRef idx="2">
+            <a:schemeClr val="accent1">
+              <a:shade val="50000"/>
+            </a:schemeClr>
+          </a:lnRef>
+          <a:fillRef idx="1">
+            <a:schemeClr val="accent1"/>
+          </a:fillRef>
+          <a:effectRef idx="0">
+            <a:schemeClr val="accent1"/>
+          </a:effectRef>
+          <a:fontRef idx="minor">
+            <a:schemeClr val="lt1"/>
+          </a:fontRef>
+        </p:style>
+        <p:txBody>
+          <a:bodyPr rtlCol="0" anchor="ctr"/>
+          <a:lstStyle/>
+          <a:p>
+            <a:pPr algn="ctr"/>
             <a:endParaRPr lang="en-PH"/>
           </a:p>
         </p:txBody>
       </p:sp>
       <p:sp>
         <p:nvSpPr>
-          <p:cNvPr id="19" name="TextBox 18">
-            <a:extLst>
-              <a:ext uri="{FF2B5EF4-FFF2-40B4-BE49-F238E27FC236}">
-                <a16:creationId xmlns:a16="http://schemas.microsoft.com/office/drawing/2014/main" id="{FAC60E80-9592-8C73-02B2-43B0A1977454}"/>
+          <p:cNvPr id="24" name="TextBox 23">
+            <a:extLst>
+              <a:ext uri="{FF2B5EF4-FFF2-40B4-BE49-F238E27FC236}">
+                <a16:creationId xmlns:a16="http://schemas.microsoft.com/office/drawing/2014/main" id="{7BC2F0F1-8F67-9EC4-8199-C9954604D09B}"/>
               </a:ext>
             </a:extLst>
           </p:cNvPr>
@@ -9870,8 +10188,8 @@
         </p:nvSpPr>
         <p:spPr>
           <a:xfrm>
-            <a:off x="1788160" y="1254505"/>
-            <a:ext cx="1635760" cy="338554"/>
+            <a:off x="8614958" y="2056262"/>
+            <a:ext cx="821179" cy="338554"/>
           </a:xfrm>
           <a:prstGeom prst="rect">
             <a:avLst/>
@@ -9890,17 +10208,17 @@
                 <a:ea typeface="Open Sans" pitchFamily="2" charset="0"/>
                 <a:cs typeface="Open Sans" pitchFamily="2" charset="0"/>
               </a:rPr>
-              <a:t>Subject Code</a:t>
-            </a:r>
-          </a:p>
-        </p:txBody>
-      </p:sp>
-      <p:sp>
-        <p:nvSpPr>
-          <p:cNvPr id="20" name="TextBox 19">
-            <a:extLst>
-              <a:ext uri="{FF2B5EF4-FFF2-40B4-BE49-F238E27FC236}">
-                <a16:creationId xmlns:a16="http://schemas.microsoft.com/office/drawing/2014/main" id="{17CC0DF1-92E7-ABD6-5905-4A63FDAAB359}"/>
+              <a:t>Name</a:t>
+            </a:r>
+          </a:p>
+        </p:txBody>
+      </p:sp>
+      <p:sp>
+        <p:nvSpPr>
+          <p:cNvPr id="25" name="TextBox 24">
+            <a:extLst>
+              <a:ext uri="{FF2B5EF4-FFF2-40B4-BE49-F238E27FC236}">
+                <a16:creationId xmlns:a16="http://schemas.microsoft.com/office/drawing/2014/main" id="{BA38B224-C731-A83E-85AD-E68FC62965C3}"/>
               </a:ext>
             </a:extLst>
           </p:cNvPr>
@@ -9909,8 +10227,8 @@
         </p:nvSpPr>
         <p:spPr>
           <a:xfrm>
-            <a:off x="3840480" y="1254504"/>
-            <a:ext cx="1635760" cy="338554"/>
+            <a:off x="10653427" y="2056262"/>
+            <a:ext cx="965922" cy="338554"/>
           </a:xfrm>
           <a:prstGeom prst="rect">
             <a:avLst/>
@@ -9929,124 +10247,64 @@
                 <a:ea typeface="Open Sans" pitchFamily="2" charset="0"/>
                 <a:cs typeface="Open Sans" pitchFamily="2" charset="0"/>
               </a:rPr>
-              <a:t>Subject Name</a:t>
-            </a:r>
-          </a:p>
-        </p:txBody>
-      </p:sp>
-      <p:sp>
-        <p:nvSpPr>
-          <p:cNvPr id="23" name="TextBox 22">
-            <a:extLst>
-              <a:ext uri="{FF2B5EF4-FFF2-40B4-BE49-F238E27FC236}">
-                <a16:creationId xmlns:a16="http://schemas.microsoft.com/office/drawing/2014/main" id="{E7E9A07F-DBD2-9F85-6592-2135A7400408}"/>
-              </a:ext>
-            </a:extLst>
-          </p:cNvPr>
-          <p:cNvSpPr txBox="1"/>
-          <p:nvPr/>
-        </p:nvSpPr>
-        <p:spPr>
-          <a:xfrm>
-            <a:off x="6006341" y="1254504"/>
-            <a:ext cx="922779" cy="338554"/>
-          </a:xfrm>
-          <a:prstGeom prst="rect">
-            <a:avLst/>
-          </a:prstGeom>
-          <a:noFill/>
-        </p:spPr>
-        <p:txBody>
-          <a:bodyPr wrap="square" rtlCol="0">
-            <a:spAutoFit/>
-          </a:bodyPr>
-          <a:lstStyle/>
-          <a:p>
-            <a:r>
-              <a:rPr lang="en-PH" sz="1600" b="1" dirty="0">
-                <a:latin typeface="Open Sans" pitchFamily="2" charset="0"/>
-                <a:ea typeface="Open Sans" pitchFamily="2" charset="0"/>
-                <a:cs typeface="Open Sans" pitchFamily="2" charset="0"/>
+              <a:t>Status</a:t>
+            </a:r>
+          </a:p>
+        </p:txBody>
+      </p:sp>
+      <p:sp>
+        <p:nvSpPr>
+          <p:cNvPr id="26" name="Rectangle 25">
+            <a:extLst>
+              <a:ext uri="{FF2B5EF4-FFF2-40B4-BE49-F238E27FC236}">
+                <a16:creationId xmlns:a16="http://schemas.microsoft.com/office/drawing/2014/main" id="{62DDD1FB-8288-4C7B-6663-00A9CDE49567}"/>
+              </a:ext>
+            </a:extLst>
+          </p:cNvPr>
+          <p:cNvSpPr/>
+          <p:nvPr/>
+        </p:nvSpPr>
+        <p:spPr>
+          <a:xfrm>
+            <a:off x="1702854" y="5841728"/>
+            <a:ext cx="2970745" cy="599440"/>
+          </a:xfrm>
+          <a:prstGeom prst="rect">
+            <a:avLst/>
+          </a:prstGeom>
+          <a:solidFill>
+            <a:srgbClr val="2D2A4C"/>
+          </a:solidFill>
+          <a:ln>
+            <a:noFill/>
+          </a:ln>
+        </p:spPr>
+        <p:style>
+          <a:lnRef idx="2">
+            <a:schemeClr val="accent1">
+              <a:shade val="50000"/>
+            </a:schemeClr>
+          </a:lnRef>
+          <a:fillRef idx="1">
+            <a:schemeClr val="accent1"/>
+          </a:fillRef>
+          <a:effectRef idx="0">
+            <a:schemeClr val="accent1"/>
+          </a:effectRef>
+          <a:fontRef idx="minor">
+            <a:schemeClr val="lt1"/>
+          </a:fontRef>
+        </p:style>
+        <p:txBody>
+          <a:bodyPr rtlCol="0" anchor="ctr"/>
+          <a:lstStyle/>
+          <a:p>
+            <a:pPr algn="ctr"/>
+            <a:r>
+              <a:rPr lang="en-PH" sz="1400" b="1" spc="600" dirty="0">
+                <a:latin typeface="Lato" panose="020F0502020204030203" pitchFamily="34" charset="0"/>
               </a:rPr>
-              <a:t>Course</a:t>
-            </a:r>
-          </a:p>
-        </p:txBody>
-      </p:sp>
-      <p:sp>
-        <p:nvSpPr>
-          <p:cNvPr id="24" name="TextBox 23">
-            <a:extLst>
-              <a:ext uri="{FF2B5EF4-FFF2-40B4-BE49-F238E27FC236}">
-                <a16:creationId xmlns:a16="http://schemas.microsoft.com/office/drawing/2014/main" id="{687A0945-7B16-596A-0F9F-03B0F209FDE1}"/>
-              </a:ext>
-            </a:extLst>
-          </p:cNvPr>
-          <p:cNvSpPr txBox="1"/>
-          <p:nvPr/>
-        </p:nvSpPr>
-        <p:spPr>
-          <a:xfrm>
-            <a:off x="9131008" y="1254504"/>
-            <a:ext cx="1252512" cy="338554"/>
-          </a:xfrm>
-          <a:prstGeom prst="rect">
-            <a:avLst/>
-          </a:prstGeom>
-          <a:noFill/>
-        </p:spPr>
-        <p:txBody>
-          <a:bodyPr wrap="square" rtlCol="0">
-            <a:spAutoFit/>
-          </a:bodyPr>
-          <a:lstStyle/>
-          <a:p>
-            <a:r>
-              <a:rPr lang="en-PH" sz="1600" b="1" dirty="0">
-                <a:latin typeface="Open Sans" pitchFamily="2" charset="0"/>
-                <a:ea typeface="Open Sans" pitchFamily="2" charset="0"/>
-                <a:cs typeface="Open Sans" pitchFamily="2" charset="0"/>
-              </a:rPr>
-              <a:t>Day/Time</a:t>
-            </a:r>
-          </a:p>
-        </p:txBody>
-      </p:sp>
-      <p:sp>
-        <p:nvSpPr>
-          <p:cNvPr id="25" name="TextBox 24">
-            <a:extLst>
-              <a:ext uri="{FF2B5EF4-FFF2-40B4-BE49-F238E27FC236}">
-                <a16:creationId xmlns:a16="http://schemas.microsoft.com/office/drawing/2014/main" id="{D3363410-BC1B-CDE5-D522-B0A82C111FBA}"/>
-              </a:ext>
-            </a:extLst>
-          </p:cNvPr>
-          <p:cNvSpPr txBox="1"/>
-          <p:nvPr/>
-        </p:nvSpPr>
-        <p:spPr>
-          <a:xfrm>
-            <a:off x="7337301" y="1254504"/>
-            <a:ext cx="1339339" cy="338554"/>
-          </a:xfrm>
-          <a:prstGeom prst="rect">
-            <a:avLst/>
-          </a:prstGeom>
-          <a:noFill/>
-        </p:spPr>
-        <p:txBody>
-          <a:bodyPr wrap="square" rtlCol="0">
-            <a:spAutoFit/>
-          </a:bodyPr>
-          <a:lstStyle/>
-          <a:p>
-            <a:r>
-              <a:rPr lang="en-PH" sz="1600" b="1" dirty="0">
-                <a:latin typeface="Open Sans" pitchFamily="2" charset="0"/>
-                <a:ea typeface="Open Sans" pitchFamily="2" charset="0"/>
-                <a:cs typeface="Open Sans" pitchFamily="2" charset="0"/>
-              </a:rPr>
-              <a:t>Year/Block</a:t>
+              <a:t>VIEW SUMMARY</a:t>
             </a:r>
           </a:p>
         </p:txBody>
@@ -10054,7 +10312,7 @@
     </p:spTree>
     <p:extLst>
       <p:ext uri="{BB962C8B-B14F-4D97-AF65-F5344CB8AC3E}">
-        <p14:creationId xmlns:p14="http://schemas.microsoft.com/office/powerpoint/2010/main" val="3589122615"/>
+        <p14:creationId xmlns:p14="http://schemas.microsoft.com/office/powerpoint/2010/main" val="4011547277"/>
       </p:ext>
     </p:extLst>
   </p:cSld>
@@ -10403,7 +10661,7 @@
             <a:avLst/>
           </a:prstGeom>
           <a:solidFill>
-            <a:srgbClr val="2D2A4C"/>
+            <a:srgbClr val="01264E"/>
           </a:solidFill>
           <a:ln>
             <a:noFill/>
@@ -10434,140 +10692,17 @@
               <a:rPr lang="en-PH" sz="1500" b="1" spc="600" dirty="0">
                 <a:latin typeface="Lato" panose="020F0502020204030203" pitchFamily="34" charset="0"/>
               </a:rPr>
-              <a:t>DOWNLOAD</a:t>
-            </a:r>
-          </a:p>
-        </p:txBody>
-      </p:sp>
-      <p:pic>
-        <p:nvPicPr>
-          <p:cNvPr id="4" name="Graphic 3" descr="Line arrow: Horizontal U-turn with solid fill">
-            <a:extLst>
-              <a:ext uri="{FF2B5EF4-FFF2-40B4-BE49-F238E27FC236}">
-                <a16:creationId xmlns:a16="http://schemas.microsoft.com/office/drawing/2014/main" id="{E3A5649E-813E-6979-28BC-E3CE8940CFDC}"/>
-              </a:ext>
-            </a:extLst>
-          </p:cNvPr>
-          <p:cNvPicPr>
-            <a:picLocks noChangeAspect="1"/>
-          </p:cNvPicPr>
-          <p:nvPr/>
-        </p:nvPicPr>
-        <p:blipFill>
-          <a:blip r:embed="rId10">
-            <a:extLst>
-              <a:ext uri="{28A0092B-C50C-407E-A947-70E740481C1C}">
-                <a14:useLocalDpi xmlns:a14="http://schemas.microsoft.com/office/drawing/2010/main" val="0"/>
-              </a:ext>
-              <a:ext uri="{96DAC541-7B7A-43D3-8B79-37D633B846F1}">
-                <asvg:svgBlip xmlns:asvg="http://schemas.microsoft.com/office/drawing/2016/SVG/main" r:embed="rId11"/>
-              </a:ext>
-            </a:extLst>
-          </a:blip>
-          <a:stretch>
-            <a:fillRect/>
-          </a:stretch>
-        </p:blipFill>
-        <p:spPr>
-          <a:xfrm>
-            <a:off x="1353720" y="248524"/>
-            <a:ext cx="540000" cy="540000"/>
-          </a:xfrm>
-          <a:prstGeom prst="rect">
-            <a:avLst/>
-          </a:prstGeom>
-        </p:spPr>
-      </p:pic>
-      <p:sp>
-        <p:nvSpPr>
-          <p:cNvPr id="5" name="TextBox 4">
-            <a:extLst>
-              <a:ext uri="{FF2B5EF4-FFF2-40B4-BE49-F238E27FC236}">
-                <a16:creationId xmlns:a16="http://schemas.microsoft.com/office/drawing/2014/main" id="{5CBC9DA3-A390-2F01-3D09-4097ADEE247A}"/>
-              </a:ext>
-            </a:extLst>
-          </p:cNvPr>
-          <p:cNvSpPr txBox="1"/>
-          <p:nvPr/>
-        </p:nvSpPr>
-        <p:spPr>
-          <a:xfrm>
-            <a:off x="1914040" y="394818"/>
-            <a:ext cx="3177473" cy="369332"/>
-          </a:xfrm>
-          <a:prstGeom prst="rect">
-            <a:avLst/>
-          </a:prstGeom>
-          <a:noFill/>
-        </p:spPr>
-        <p:txBody>
-          <a:bodyPr wrap="none" rtlCol="0">
-            <a:spAutoFit/>
-          </a:bodyPr>
-          <a:lstStyle/>
-          <a:p>
-            <a:r>
-              <a:rPr lang="en-PH" b="1" spc="600" dirty="0">
-                <a:solidFill>
-                  <a:srgbClr val="1D1B31"/>
-                </a:solidFill>
-                <a:latin typeface="Open Sans" pitchFamily="2" charset="0"/>
-                <a:ea typeface="Open Sans" pitchFamily="2" charset="0"/>
-                <a:cs typeface="Open Sans" pitchFamily="2" charset="0"/>
-              </a:rPr>
-              <a:t>CHOOSE A CLASS</a:t>
-            </a:r>
-          </a:p>
-        </p:txBody>
-      </p:sp>
-      <p:sp>
-        <p:nvSpPr>
-          <p:cNvPr id="7" name="TextBox 6">
-            <a:extLst>
-              <a:ext uri="{FF2B5EF4-FFF2-40B4-BE49-F238E27FC236}">
-                <a16:creationId xmlns:a16="http://schemas.microsoft.com/office/drawing/2014/main" id="{CABF923E-A53D-1EC3-6708-FCB8ADE79BC2}"/>
-              </a:ext>
-            </a:extLst>
-          </p:cNvPr>
-          <p:cNvSpPr txBox="1"/>
-          <p:nvPr/>
-        </p:nvSpPr>
-        <p:spPr>
-          <a:xfrm>
-            <a:off x="1702855" y="1246319"/>
-            <a:ext cx="2191626" cy="461665"/>
-          </a:xfrm>
-          <a:prstGeom prst="rect">
-            <a:avLst/>
-          </a:prstGeom>
-          <a:noFill/>
-        </p:spPr>
-        <p:txBody>
-          <a:bodyPr wrap="none" rtlCol="0">
-            <a:spAutoFit/>
-          </a:bodyPr>
-          <a:lstStyle/>
-          <a:p>
-            <a:r>
-              <a:rPr lang="en-PH" sz="2400" b="1" spc="300" dirty="0">
-                <a:solidFill>
-                  <a:srgbClr val="1D1B31"/>
-                </a:solidFill>
-                <a:latin typeface="Open Sans" pitchFamily="2" charset="0"/>
-                <a:ea typeface="Open Sans" pitchFamily="2" charset="0"/>
-                <a:cs typeface="Open Sans" pitchFamily="2" charset="0"/>
-              </a:rPr>
-              <a:t>CSC 0321-2</a:t>
-            </a:r>
-          </a:p>
-        </p:txBody>
-      </p:sp>
-      <p:sp>
-        <p:nvSpPr>
-          <p:cNvPr id="3" name="Rectangle 2">
-            <a:extLst>
-              <a:ext uri="{FF2B5EF4-FFF2-40B4-BE49-F238E27FC236}">
-                <a16:creationId xmlns:a16="http://schemas.microsoft.com/office/drawing/2014/main" id="{BC2C20A3-DFB9-761A-9D89-F8312E796EFB}"/>
+              <a:t>NEXT</a:t>
+            </a:r>
+          </a:p>
+        </p:txBody>
+      </p:sp>
+      <p:sp>
+        <p:nvSpPr>
+          <p:cNvPr id="11" name="Rectangle 10">
+            <a:extLst>
+              <a:ext uri="{FF2B5EF4-FFF2-40B4-BE49-F238E27FC236}">
+                <a16:creationId xmlns:a16="http://schemas.microsoft.com/office/drawing/2014/main" id="{17926617-C981-EF06-543E-AC1A078CAACD}"/>
               </a:ext>
             </a:extLst>
           </p:cNvPr>
@@ -10576,8 +10711,8 @@
         </p:nvSpPr>
         <p:spPr>
           <a:xfrm>
-            <a:off x="1702857" y="1884054"/>
-            <a:ext cx="9433532" cy="482169"/>
+            <a:off x="1702857" y="1152534"/>
+            <a:ext cx="9433532" cy="643533"/>
           </a:xfrm>
           <a:prstGeom prst="rect">
             <a:avLst/>
@@ -10616,10 +10751,10 @@
       </p:sp>
       <p:sp>
         <p:nvSpPr>
-          <p:cNvPr id="9" name="Rectangle 8">
-            <a:extLst>
-              <a:ext uri="{FF2B5EF4-FFF2-40B4-BE49-F238E27FC236}">
-                <a16:creationId xmlns:a16="http://schemas.microsoft.com/office/drawing/2014/main" id="{712361BC-A607-077D-F4BE-5DC0B2920FB1}"/>
+          <p:cNvPr id="18" name="Rectangle 17">
+            <a:extLst>
+              <a:ext uri="{FF2B5EF4-FFF2-40B4-BE49-F238E27FC236}">
+                <a16:creationId xmlns:a16="http://schemas.microsoft.com/office/drawing/2014/main" id="{532714EF-A75F-0012-EE79-CF2023873FFF}"/>
               </a:ext>
             </a:extLst>
           </p:cNvPr>
@@ -10628,8 +10763,8 @@
         </p:nvSpPr>
         <p:spPr>
           <a:xfrm>
-            <a:off x="1702856" y="2366223"/>
-            <a:ext cx="9433532" cy="2977244"/>
+            <a:off x="1702856" y="1634702"/>
+            <a:ext cx="9433532" cy="3973617"/>
           </a:xfrm>
           <a:prstGeom prst="rect">
             <a:avLst/>
@@ -10668,6 +10803,816 @@
       </p:sp>
       <p:sp>
         <p:nvSpPr>
+          <p:cNvPr id="19" name="TextBox 18">
+            <a:extLst>
+              <a:ext uri="{FF2B5EF4-FFF2-40B4-BE49-F238E27FC236}">
+                <a16:creationId xmlns:a16="http://schemas.microsoft.com/office/drawing/2014/main" id="{FAC60E80-9592-8C73-02B2-43B0A1977454}"/>
+              </a:ext>
+            </a:extLst>
+          </p:cNvPr>
+          <p:cNvSpPr txBox="1"/>
+          <p:nvPr/>
+        </p:nvSpPr>
+        <p:spPr>
+          <a:xfrm>
+            <a:off x="1788160" y="1254505"/>
+            <a:ext cx="1635760" cy="338554"/>
+          </a:xfrm>
+          <a:prstGeom prst="rect">
+            <a:avLst/>
+          </a:prstGeom>
+          <a:noFill/>
+        </p:spPr>
+        <p:txBody>
+          <a:bodyPr wrap="square" rtlCol="0">
+            <a:spAutoFit/>
+          </a:bodyPr>
+          <a:lstStyle/>
+          <a:p>
+            <a:r>
+              <a:rPr lang="en-PH" sz="1600" b="1" dirty="0">
+                <a:latin typeface="Open Sans" pitchFamily="2" charset="0"/>
+                <a:ea typeface="Open Sans" pitchFamily="2" charset="0"/>
+                <a:cs typeface="Open Sans" pitchFamily="2" charset="0"/>
+              </a:rPr>
+              <a:t>Subject Code</a:t>
+            </a:r>
+          </a:p>
+        </p:txBody>
+      </p:sp>
+      <p:sp>
+        <p:nvSpPr>
+          <p:cNvPr id="20" name="TextBox 19">
+            <a:extLst>
+              <a:ext uri="{FF2B5EF4-FFF2-40B4-BE49-F238E27FC236}">
+                <a16:creationId xmlns:a16="http://schemas.microsoft.com/office/drawing/2014/main" id="{17CC0DF1-92E7-ABD6-5905-4A63FDAAB359}"/>
+              </a:ext>
+            </a:extLst>
+          </p:cNvPr>
+          <p:cNvSpPr txBox="1"/>
+          <p:nvPr/>
+        </p:nvSpPr>
+        <p:spPr>
+          <a:xfrm>
+            <a:off x="3840480" y="1254504"/>
+            <a:ext cx="1635760" cy="338554"/>
+          </a:xfrm>
+          <a:prstGeom prst="rect">
+            <a:avLst/>
+          </a:prstGeom>
+          <a:noFill/>
+        </p:spPr>
+        <p:txBody>
+          <a:bodyPr wrap="square" rtlCol="0">
+            <a:spAutoFit/>
+          </a:bodyPr>
+          <a:lstStyle/>
+          <a:p>
+            <a:r>
+              <a:rPr lang="en-PH" sz="1600" b="1" dirty="0">
+                <a:latin typeface="Open Sans" pitchFamily="2" charset="0"/>
+                <a:ea typeface="Open Sans" pitchFamily="2" charset="0"/>
+                <a:cs typeface="Open Sans" pitchFamily="2" charset="0"/>
+              </a:rPr>
+              <a:t>Subject Name</a:t>
+            </a:r>
+          </a:p>
+        </p:txBody>
+      </p:sp>
+      <p:sp>
+        <p:nvSpPr>
+          <p:cNvPr id="23" name="TextBox 22">
+            <a:extLst>
+              <a:ext uri="{FF2B5EF4-FFF2-40B4-BE49-F238E27FC236}">
+                <a16:creationId xmlns:a16="http://schemas.microsoft.com/office/drawing/2014/main" id="{E7E9A07F-DBD2-9F85-6592-2135A7400408}"/>
+              </a:ext>
+            </a:extLst>
+          </p:cNvPr>
+          <p:cNvSpPr txBox="1"/>
+          <p:nvPr/>
+        </p:nvSpPr>
+        <p:spPr>
+          <a:xfrm>
+            <a:off x="6006341" y="1254504"/>
+            <a:ext cx="922779" cy="338554"/>
+          </a:xfrm>
+          <a:prstGeom prst="rect">
+            <a:avLst/>
+          </a:prstGeom>
+          <a:noFill/>
+        </p:spPr>
+        <p:txBody>
+          <a:bodyPr wrap="square" rtlCol="0">
+            <a:spAutoFit/>
+          </a:bodyPr>
+          <a:lstStyle/>
+          <a:p>
+            <a:r>
+              <a:rPr lang="en-PH" sz="1600" b="1" dirty="0">
+                <a:latin typeface="Open Sans" pitchFamily="2" charset="0"/>
+                <a:ea typeface="Open Sans" pitchFamily="2" charset="0"/>
+                <a:cs typeface="Open Sans" pitchFamily="2" charset="0"/>
+              </a:rPr>
+              <a:t>Course</a:t>
+            </a:r>
+          </a:p>
+        </p:txBody>
+      </p:sp>
+      <p:sp>
+        <p:nvSpPr>
+          <p:cNvPr id="24" name="TextBox 23">
+            <a:extLst>
+              <a:ext uri="{FF2B5EF4-FFF2-40B4-BE49-F238E27FC236}">
+                <a16:creationId xmlns:a16="http://schemas.microsoft.com/office/drawing/2014/main" id="{687A0945-7B16-596A-0F9F-03B0F209FDE1}"/>
+              </a:ext>
+            </a:extLst>
+          </p:cNvPr>
+          <p:cNvSpPr txBox="1"/>
+          <p:nvPr/>
+        </p:nvSpPr>
+        <p:spPr>
+          <a:xfrm>
+            <a:off x="9131008" y="1254504"/>
+            <a:ext cx="1252512" cy="338554"/>
+          </a:xfrm>
+          <a:prstGeom prst="rect">
+            <a:avLst/>
+          </a:prstGeom>
+          <a:noFill/>
+        </p:spPr>
+        <p:txBody>
+          <a:bodyPr wrap="square" rtlCol="0">
+            <a:spAutoFit/>
+          </a:bodyPr>
+          <a:lstStyle/>
+          <a:p>
+            <a:r>
+              <a:rPr lang="en-PH" sz="1600" b="1" dirty="0">
+                <a:latin typeface="Open Sans" pitchFamily="2" charset="0"/>
+                <a:ea typeface="Open Sans" pitchFamily="2" charset="0"/>
+                <a:cs typeface="Open Sans" pitchFamily="2" charset="0"/>
+              </a:rPr>
+              <a:t>Day/Time</a:t>
+            </a:r>
+          </a:p>
+        </p:txBody>
+      </p:sp>
+      <p:sp>
+        <p:nvSpPr>
+          <p:cNvPr id="25" name="TextBox 24">
+            <a:extLst>
+              <a:ext uri="{FF2B5EF4-FFF2-40B4-BE49-F238E27FC236}">
+                <a16:creationId xmlns:a16="http://schemas.microsoft.com/office/drawing/2014/main" id="{D3363410-BC1B-CDE5-D522-B0A82C111FBA}"/>
+              </a:ext>
+            </a:extLst>
+          </p:cNvPr>
+          <p:cNvSpPr txBox="1"/>
+          <p:nvPr/>
+        </p:nvSpPr>
+        <p:spPr>
+          <a:xfrm>
+            <a:off x="7337301" y="1254504"/>
+            <a:ext cx="1339339" cy="338554"/>
+          </a:xfrm>
+          <a:prstGeom prst="rect">
+            <a:avLst/>
+          </a:prstGeom>
+          <a:noFill/>
+        </p:spPr>
+        <p:txBody>
+          <a:bodyPr wrap="square" rtlCol="0">
+            <a:spAutoFit/>
+          </a:bodyPr>
+          <a:lstStyle/>
+          <a:p>
+            <a:r>
+              <a:rPr lang="en-PH" sz="1600" b="1" dirty="0">
+                <a:latin typeface="Open Sans" pitchFamily="2" charset="0"/>
+                <a:ea typeface="Open Sans" pitchFamily="2" charset="0"/>
+                <a:cs typeface="Open Sans" pitchFamily="2" charset="0"/>
+              </a:rPr>
+              <a:t>Year/Block</a:t>
+            </a:r>
+          </a:p>
+        </p:txBody>
+      </p:sp>
+    </p:spTree>
+    <p:extLst>
+      <p:ext uri="{BB962C8B-B14F-4D97-AF65-F5344CB8AC3E}">
+        <p14:creationId xmlns:p14="http://schemas.microsoft.com/office/powerpoint/2010/main" val="3589122615"/>
+      </p:ext>
+    </p:extLst>
+  </p:cSld>
+  <p:clrMapOvr>
+    <a:masterClrMapping/>
+  </p:clrMapOvr>
+</p:sld>
+</file>
+
+<file path=ppt/slides/slide8.xml><?xml version="1.0" encoding="utf-8"?>
+<p:sld xmlns:a="http://schemas.openxmlformats.org/drawingml/2006/main" xmlns:r="http://schemas.openxmlformats.org/officeDocument/2006/relationships" xmlns:p="http://schemas.openxmlformats.org/presentationml/2006/main">
+  <p:cSld>
+    <p:bg>
+      <p:bgPr>
+        <a:solidFill>
+          <a:srgbClr val="E4E9F7"/>
+        </a:solidFill>
+        <a:effectLst/>
+      </p:bgPr>
+    </p:bg>
+    <p:spTree>
+      <p:nvGrpSpPr>
+        <p:cNvPr id="1" name=""/>
+        <p:cNvGrpSpPr/>
+        <p:nvPr/>
+      </p:nvGrpSpPr>
+      <p:grpSpPr>
+        <a:xfrm>
+          <a:off x="0" y="0"/>
+          <a:ext cx="0" cy="0"/>
+          <a:chOff x="0" y="0"/>
+          <a:chExt cx="0" cy="0"/>
+        </a:xfrm>
+      </p:grpSpPr>
+      <p:sp>
+        <p:nvSpPr>
+          <p:cNvPr id="6" name="Rectangle 5">
+            <a:extLst>
+              <a:ext uri="{FF2B5EF4-FFF2-40B4-BE49-F238E27FC236}">
+                <a16:creationId xmlns:a16="http://schemas.microsoft.com/office/drawing/2014/main" id="{3F08A171-B639-2D30-BA43-7C13347043A3}"/>
+              </a:ext>
+            </a:extLst>
+          </p:cNvPr>
+          <p:cNvSpPr/>
+          <p:nvPr/>
+        </p:nvSpPr>
+        <p:spPr>
+          <a:xfrm>
+            <a:off x="0" y="0"/>
+            <a:ext cx="1046480" cy="6858000"/>
+          </a:xfrm>
+          <a:prstGeom prst="rect">
+            <a:avLst/>
+          </a:prstGeom>
+          <a:solidFill>
+            <a:srgbClr val="11101D"/>
+          </a:solidFill>
+          <a:ln>
+            <a:noFill/>
+          </a:ln>
+        </p:spPr>
+        <p:style>
+          <a:lnRef idx="2">
+            <a:schemeClr val="accent1">
+              <a:shade val="50000"/>
+            </a:schemeClr>
+          </a:lnRef>
+          <a:fillRef idx="1">
+            <a:schemeClr val="accent1"/>
+          </a:fillRef>
+          <a:effectRef idx="0">
+            <a:schemeClr val="accent1"/>
+          </a:effectRef>
+          <a:fontRef idx="minor">
+            <a:schemeClr val="lt1"/>
+          </a:fontRef>
+        </p:style>
+        <p:txBody>
+          <a:bodyPr rtlCol="0" anchor="ctr"/>
+          <a:lstStyle/>
+          <a:p>
+            <a:pPr algn="ctr"/>
+            <a:endParaRPr lang="en-PH"/>
+          </a:p>
+        </p:txBody>
+      </p:sp>
+      <p:pic>
+        <p:nvPicPr>
+          <p:cNvPr id="8" name="Graphic 7" descr="Hamburger Menu Icon with solid fill">
+            <a:extLst>
+              <a:ext uri="{FF2B5EF4-FFF2-40B4-BE49-F238E27FC236}">
+                <a16:creationId xmlns:a16="http://schemas.microsoft.com/office/drawing/2014/main" id="{125D96E9-7513-36C2-75F8-9CCA050F58B1}"/>
+              </a:ext>
+            </a:extLst>
+          </p:cNvPr>
+          <p:cNvPicPr>
+            <a:picLocks noChangeAspect="1"/>
+          </p:cNvPicPr>
+          <p:nvPr/>
+        </p:nvPicPr>
+        <p:blipFill>
+          <a:blip r:embed="rId2">
+            <a:extLst>
+              <a:ext uri="{28A0092B-C50C-407E-A947-70E740481C1C}">
+                <a14:useLocalDpi xmlns:a14="http://schemas.microsoft.com/office/drawing/2010/main" val="0"/>
+              </a:ext>
+              <a:ext uri="{96DAC541-7B7A-43D3-8B79-37D633B846F1}">
+                <asvg:svgBlip xmlns:asvg="http://schemas.microsoft.com/office/drawing/2016/SVG/main" r:embed="rId3"/>
+              </a:ext>
+            </a:extLst>
+          </a:blip>
+          <a:stretch>
+            <a:fillRect/>
+          </a:stretch>
+        </p:blipFill>
+        <p:spPr>
+          <a:xfrm>
+            <a:off x="307240" y="147484"/>
+            <a:ext cx="432000" cy="432000"/>
+          </a:xfrm>
+          <a:prstGeom prst="rect">
+            <a:avLst/>
+          </a:prstGeom>
+        </p:spPr>
+      </p:pic>
+      <p:pic>
+        <p:nvPicPr>
+          <p:cNvPr id="10" name="Graphic 9" descr="Bar chart with solid fill">
+            <a:extLst>
+              <a:ext uri="{FF2B5EF4-FFF2-40B4-BE49-F238E27FC236}">
+                <a16:creationId xmlns:a16="http://schemas.microsoft.com/office/drawing/2014/main" id="{8F364BD9-4D34-9378-2539-4FECD2456419}"/>
+              </a:ext>
+            </a:extLst>
+          </p:cNvPr>
+          <p:cNvPicPr>
+            <a:picLocks noChangeAspect="1"/>
+          </p:cNvPicPr>
+          <p:nvPr/>
+        </p:nvPicPr>
+        <p:blipFill>
+          <a:blip r:embed="rId4">
+            <a:extLst>
+              <a:ext uri="{28A0092B-C50C-407E-A947-70E740481C1C}">
+                <a14:useLocalDpi xmlns:a14="http://schemas.microsoft.com/office/drawing/2010/main" val="0"/>
+              </a:ext>
+              <a:ext uri="{96DAC541-7B7A-43D3-8B79-37D633B846F1}">
+                <asvg:svgBlip xmlns:asvg="http://schemas.microsoft.com/office/drawing/2016/SVG/main" r:embed="rId5"/>
+              </a:ext>
+            </a:extLst>
+          </a:blip>
+          <a:stretch>
+            <a:fillRect/>
+          </a:stretch>
+        </p:blipFill>
+        <p:spPr>
+          <a:xfrm>
+            <a:off x="307240" y="4372897"/>
+            <a:ext cx="432000" cy="432000"/>
+          </a:xfrm>
+          <a:prstGeom prst="rect">
+            <a:avLst/>
+          </a:prstGeom>
+        </p:spPr>
+      </p:pic>
+      <p:sp>
+        <p:nvSpPr>
+          <p:cNvPr id="22" name="Rectangle: Rounded Corners 21">
+            <a:extLst>
+              <a:ext uri="{FF2B5EF4-FFF2-40B4-BE49-F238E27FC236}">
+                <a16:creationId xmlns:a16="http://schemas.microsoft.com/office/drawing/2014/main" id="{E80E028C-9018-A074-769F-05777C1DCF3F}"/>
+              </a:ext>
+            </a:extLst>
+          </p:cNvPr>
+          <p:cNvSpPr/>
+          <p:nvPr/>
+        </p:nvSpPr>
+        <p:spPr>
+          <a:xfrm>
+            <a:off x="227686" y="2911240"/>
+            <a:ext cx="576000" cy="576000"/>
+          </a:xfrm>
+          <a:prstGeom prst="roundRect">
+            <a:avLst/>
+          </a:prstGeom>
+          <a:solidFill>
+            <a:srgbClr val="2D2A4C"/>
+          </a:solidFill>
+          <a:ln>
+            <a:noFill/>
+          </a:ln>
+        </p:spPr>
+        <p:style>
+          <a:lnRef idx="2">
+            <a:schemeClr val="accent1">
+              <a:shade val="50000"/>
+            </a:schemeClr>
+          </a:lnRef>
+          <a:fillRef idx="1">
+            <a:schemeClr val="accent1"/>
+          </a:fillRef>
+          <a:effectRef idx="0">
+            <a:schemeClr val="accent1"/>
+          </a:effectRef>
+          <a:fontRef idx="minor">
+            <a:schemeClr val="lt1"/>
+          </a:fontRef>
+        </p:style>
+        <p:txBody>
+          <a:bodyPr rtlCol="0" anchor="ctr"/>
+          <a:lstStyle/>
+          <a:p>
+            <a:pPr algn="ctr"/>
+            <a:endParaRPr lang="en-PH"/>
+          </a:p>
+        </p:txBody>
+      </p:sp>
+      <p:pic>
+        <p:nvPicPr>
+          <p:cNvPr id="14" name="Graphic 13" descr="Books on shelf with solid fill">
+            <a:extLst>
+              <a:ext uri="{FF2B5EF4-FFF2-40B4-BE49-F238E27FC236}">
+                <a16:creationId xmlns:a16="http://schemas.microsoft.com/office/drawing/2014/main" id="{93FB210C-BE5C-3640-8913-9A79263F8F24}"/>
+              </a:ext>
+            </a:extLst>
+          </p:cNvPr>
+          <p:cNvPicPr>
+            <a:picLocks noChangeAspect="1"/>
+          </p:cNvPicPr>
+          <p:nvPr/>
+        </p:nvPicPr>
+        <p:blipFill>
+          <a:blip r:embed="rId6">
+            <a:extLst>
+              <a:ext uri="{28A0092B-C50C-407E-A947-70E740481C1C}">
+                <a14:useLocalDpi xmlns:a14="http://schemas.microsoft.com/office/drawing/2010/main" val="0"/>
+              </a:ext>
+              <a:ext uri="{96DAC541-7B7A-43D3-8B79-37D633B846F1}">
+                <asvg:svgBlip xmlns:asvg="http://schemas.microsoft.com/office/drawing/2016/SVG/main" r:embed="rId7"/>
+              </a:ext>
+            </a:extLst>
+          </a:blip>
+          <a:stretch>
+            <a:fillRect/>
+          </a:stretch>
+        </p:blipFill>
+        <p:spPr>
+          <a:xfrm>
+            <a:off x="307240" y="2964426"/>
+            <a:ext cx="432000" cy="432000"/>
+          </a:xfrm>
+          <a:prstGeom prst="rect">
+            <a:avLst/>
+          </a:prstGeom>
+        </p:spPr>
+      </p:pic>
+      <p:pic>
+        <p:nvPicPr>
+          <p:cNvPr id="16" name="Picture 15" descr="Icon&#10;&#10;Description automatically generated">
+            <a:extLst>
+              <a:ext uri="{FF2B5EF4-FFF2-40B4-BE49-F238E27FC236}">
+                <a16:creationId xmlns:a16="http://schemas.microsoft.com/office/drawing/2014/main" id="{92BAA0B8-9AA3-0757-889B-A6548E1244FC}"/>
+              </a:ext>
+            </a:extLst>
+          </p:cNvPr>
+          <p:cNvPicPr>
+            <a:picLocks noChangeAspect="1"/>
+          </p:cNvPicPr>
+          <p:nvPr/>
+        </p:nvPicPr>
+        <p:blipFill>
+          <a:blip r:embed="rId8">
+            <a:extLst>
+              <a:ext uri="{28A0092B-C50C-407E-A947-70E740481C1C}">
+                <a14:useLocalDpi xmlns:a14="http://schemas.microsoft.com/office/drawing/2010/main" val="0"/>
+              </a:ext>
+            </a:extLst>
+          </a:blip>
+          <a:stretch>
+            <a:fillRect/>
+          </a:stretch>
+        </p:blipFill>
+        <p:spPr>
+          <a:xfrm>
+            <a:off x="307240" y="6066504"/>
+            <a:ext cx="432000" cy="432000"/>
+          </a:xfrm>
+          <a:prstGeom prst="rect">
+            <a:avLst/>
+          </a:prstGeom>
+        </p:spPr>
+      </p:pic>
+      <p:pic>
+        <p:nvPicPr>
+          <p:cNvPr id="21" name="Picture 20" descr="A picture containing icon&#10;&#10;Description automatically generated">
+            <a:extLst>
+              <a:ext uri="{FF2B5EF4-FFF2-40B4-BE49-F238E27FC236}">
+                <a16:creationId xmlns:a16="http://schemas.microsoft.com/office/drawing/2014/main" id="{47805D52-E03C-78B5-A65B-7C69A177FAE8}"/>
+              </a:ext>
+            </a:extLst>
+          </p:cNvPr>
+          <p:cNvPicPr>
+            <a:picLocks noChangeAspect="1"/>
+          </p:cNvPicPr>
+          <p:nvPr/>
+        </p:nvPicPr>
+        <p:blipFill>
+          <a:blip r:embed="rId9">
+            <a:extLst>
+              <a:ext uri="{28A0092B-C50C-407E-A947-70E740481C1C}">
+                <a14:useLocalDpi xmlns:a14="http://schemas.microsoft.com/office/drawing/2010/main" val="0"/>
+              </a:ext>
+            </a:extLst>
+          </a:blip>
+          <a:stretch>
+            <a:fillRect/>
+          </a:stretch>
+        </p:blipFill>
+        <p:spPr>
+          <a:xfrm>
+            <a:off x="306190" y="1440912"/>
+            <a:ext cx="432000" cy="432000"/>
+          </a:xfrm>
+          <a:prstGeom prst="rect">
+            <a:avLst/>
+          </a:prstGeom>
+        </p:spPr>
+      </p:pic>
+      <p:sp>
+        <p:nvSpPr>
+          <p:cNvPr id="2" name="Rectangle 1">
+            <a:extLst>
+              <a:ext uri="{FF2B5EF4-FFF2-40B4-BE49-F238E27FC236}">
+                <a16:creationId xmlns:a16="http://schemas.microsoft.com/office/drawing/2014/main" id="{42960F22-AD6F-16E6-AA21-C2D320AF1B66}"/>
+              </a:ext>
+            </a:extLst>
+          </p:cNvPr>
+          <p:cNvSpPr/>
+          <p:nvPr/>
+        </p:nvSpPr>
+        <p:spPr>
+          <a:xfrm>
+            <a:off x="8934108" y="5825636"/>
+            <a:ext cx="2202280" cy="599440"/>
+          </a:xfrm>
+          <a:prstGeom prst="rect">
+            <a:avLst/>
+          </a:prstGeom>
+          <a:solidFill>
+            <a:srgbClr val="2D2A4C"/>
+          </a:solidFill>
+          <a:ln>
+            <a:noFill/>
+          </a:ln>
+        </p:spPr>
+        <p:style>
+          <a:lnRef idx="2">
+            <a:schemeClr val="accent1">
+              <a:shade val="50000"/>
+            </a:schemeClr>
+          </a:lnRef>
+          <a:fillRef idx="1">
+            <a:schemeClr val="accent1"/>
+          </a:fillRef>
+          <a:effectRef idx="0">
+            <a:schemeClr val="accent1"/>
+          </a:effectRef>
+          <a:fontRef idx="minor">
+            <a:schemeClr val="lt1"/>
+          </a:fontRef>
+        </p:style>
+        <p:txBody>
+          <a:bodyPr rtlCol="0" anchor="ctr"/>
+          <a:lstStyle/>
+          <a:p>
+            <a:pPr algn="ctr"/>
+            <a:r>
+              <a:rPr lang="en-PH" sz="1500" b="1" spc="600" dirty="0">
+                <a:latin typeface="Lato" panose="020F0502020204030203" pitchFamily="34" charset="0"/>
+              </a:rPr>
+              <a:t>DOWNLOAD</a:t>
+            </a:r>
+          </a:p>
+        </p:txBody>
+      </p:sp>
+      <p:pic>
+        <p:nvPicPr>
+          <p:cNvPr id="4" name="Graphic 3" descr="Line arrow: Horizontal U-turn with solid fill">
+            <a:extLst>
+              <a:ext uri="{FF2B5EF4-FFF2-40B4-BE49-F238E27FC236}">
+                <a16:creationId xmlns:a16="http://schemas.microsoft.com/office/drawing/2014/main" id="{E3A5649E-813E-6979-28BC-E3CE8940CFDC}"/>
+              </a:ext>
+            </a:extLst>
+          </p:cNvPr>
+          <p:cNvPicPr>
+            <a:picLocks noChangeAspect="1"/>
+          </p:cNvPicPr>
+          <p:nvPr/>
+        </p:nvPicPr>
+        <p:blipFill>
+          <a:blip r:embed="rId10">
+            <a:extLst>
+              <a:ext uri="{28A0092B-C50C-407E-A947-70E740481C1C}">
+                <a14:useLocalDpi xmlns:a14="http://schemas.microsoft.com/office/drawing/2010/main" val="0"/>
+              </a:ext>
+              <a:ext uri="{96DAC541-7B7A-43D3-8B79-37D633B846F1}">
+                <asvg:svgBlip xmlns:asvg="http://schemas.microsoft.com/office/drawing/2016/SVG/main" r:embed="rId11"/>
+              </a:ext>
+            </a:extLst>
+          </a:blip>
+          <a:stretch>
+            <a:fillRect/>
+          </a:stretch>
+        </p:blipFill>
+        <p:spPr>
+          <a:xfrm>
+            <a:off x="1353720" y="248524"/>
+            <a:ext cx="540000" cy="540000"/>
+          </a:xfrm>
+          <a:prstGeom prst="rect">
+            <a:avLst/>
+          </a:prstGeom>
+        </p:spPr>
+      </p:pic>
+      <p:sp>
+        <p:nvSpPr>
+          <p:cNvPr id="5" name="TextBox 4">
+            <a:extLst>
+              <a:ext uri="{FF2B5EF4-FFF2-40B4-BE49-F238E27FC236}">
+                <a16:creationId xmlns:a16="http://schemas.microsoft.com/office/drawing/2014/main" id="{5CBC9DA3-A390-2F01-3D09-4097ADEE247A}"/>
+              </a:ext>
+            </a:extLst>
+          </p:cNvPr>
+          <p:cNvSpPr txBox="1"/>
+          <p:nvPr/>
+        </p:nvSpPr>
+        <p:spPr>
+          <a:xfrm>
+            <a:off x="1914040" y="394818"/>
+            <a:ext cx="3177473" cy="369332"/>
+          </a:xfrm>
+          <a:prstGeom prst="rect">
+            <a:avLst/>
+          </a:prstGeom>
+          <a:noFill/>
+        </p:spPr>
+        <p:txBody>
+          <a:bodyPr wrap="none" rtlCol="0">
+            <a:spAutoFit/>
+          </a:bodyPr>
+          <a:lstStyle/>
+          <a:p>
+            <a:r>
+              <a:rPr lang="en-PH" b="1" spc="600" dirty="0">
+                <a:solidFill>
+                  <a:srgbClr val="1D1B31"/>
+                </a:solidFill>
+                <a:latin typeface="Open Sans" pitchFamily="2" charset="0"/>
+                <a:ea typeface="Open Sans" pitchFamily="2" charset="0"/>
+                <a:cs typeface="Open Sans" pitchFamily="2" charset="0"/>
+              </a:rPr>
+              <a:t>CHOOSE A CLASS</a:t>
+            </a:r>
+          </a:p>
+        </p:txBody>
+      </p:sp>
+      <p:sp>
+        <p:nvSpPr>
+          <p:cNvPr id="7" name="TextBox 6">
+            <a:extLst>
+              <a:ext uri="{FF2B5EF4-FFF2-40B4-BE49-F238E27FC236}">
+                <a16:creationId xmlns:a16="http://schemas.microsoft.com/office/drawing/2014/main" id="{CABF923E-A53D-1EC3-6708-FCB8ADE79BC2}"/>
+              </a:ext>
+            </a:extLst>
+          </p:cNvPr>
+          <p:cNvSpPr txBox="1"/>
+          <p:nvPr/>
+        </p:nvSpPr>
+        <p:spPr>
+          <a:xfrm>
+            <a:off x="1702855" y="1246319"/>
+            <a:ext cx="2191626" cy="461665"/>
+          </a:xfrm>
+          <a:prstGeom prst="rect">
+            <a:avLst/>
+          </a:prstGeom>
+          <a:noFill/>
+        </p:spPr>
+        <p:txBody>
+          <a:bodyPr wrap="none" rtlCol="0">
+            <a:spAutoFit/>
+          </a:bodyPr>
+          <a:lstStyle/>
+          <a:p>
+            <a:r>
+              <a:rPr lang="en-PH" sz="2400" b="1" spc="300" dirty="0">
+                <a:solidFill>
+                  <a:srgbClr val="1D1B31"/>
+                </a:solidFill>
+                <a:latin typeface="Open Sans" pitchFamily="2" charset="0"/>
+                <a:ea typeface="Open Sans" pitchFamily="2" charset="0"/>
+                <a:cs typeface="Open Sans" pitchFamily="2" charset="0"/>
+              </a:rPr>
+              <a:t>CSC 0321-2</a:t>
+            </a:r>
+          </a:p>
+        </p:txBody>
+      </p:sp>
+      <p:sp>
+        <p:nvSpPr>
+          <p:cNvPr id="3" name="Rectangle 2">
+            <a:extLst>
+              <a:ext uri="{FF2B5EF4-FFF2-40B4-BE49-F238E27FC236}">
+                <a16:creationId xmlns:a16="http://schemas.microsoft.com/office/drawing/2014/main" id="{BC2C20A3-DFB9-761A-9D89-F8312E796EFB}"/>
+              </a:ext>
+            </a:extLst>
+          </p:cNvPr>
+          <p:cNvSpPr/>
+          <p:nvPr/>
+        </p:nvSpPr>
+        <p:spPr>
+          <a:xfrm>
+            <a:off x="1702857" y="1884054"/>
+            <a:ext cx="9433532" cy="482169"/>
+          </a:xfrm>
+          <a:prstGeom prst="rect">
+            <a:avLst/>
+          </a:prstGeom>
+          <a:solidFill>
+            <a:schemeClr val="accent4"/>
+          </a:solidFill>
+          <a:ln>
+            <a:noFill/>
+          </a:ln>
+        </p:spPr>
+        <p:style>
+          <a:lnRef idx="2">
+            <a:schemeClr val="accent1">
+              <a:shade val="50000"/>
+            </a:schemeClr>
+          </a:lnRef>
+          <a:fillRef idx="1">
+            <a:schemeClr val="accent1"/>
+          </a:fillRef>
+          <a:effectRef idx="0">
+            <a:schemeClr val="accent1"/>
+          </a:effectRef>
+          <a:fontRef idx="minor">
+            <a:schemeClr val="lt1"/>
+          </a:fontRef>
+        </p:style>
+        <p:txBody>
+          <a:bodyPr rtlCol="0" anchor="ctr"/>
+          <a:lstStyle/>
+          <a:p>
+            <a:pPr algn="ctr"/>
+            <a:endParaRPr lang="en-PH" dirty="0"/>
+          </a:p>
+        </p:txBody>
+      </p:sp>
+      <p:sp>
+        <p:nvSpPr>
+          <p:cNvPr id="9" name="Rectangle 8">
+            <a:extLst>
+              <a:ext uri="{FF2B5EF4-FFF2-40B4-BE49-F238E27FC236}">
+                <a16:creationId xmlns:a16="http://schemas.microsoft.com/office/drawing/2014/main" id="{712361BC-A607-077D-F4BE-5DC0B2920FB1}"/>
+              </a:ext>
+            </a:extLst>
+          </p:cNvPr>
+          <p:cNvSpPr/>
+          <p:nvPr/>
+        </p:nvSpPr>
+        <p:spPr>
+          <a:xfrm>
+            <a:off x="1702856" y="2366223"/>
+            <a:ext cx="9433532" cy="2977244"/>
+          </a:xfrm>
+          <a:prstGeom prst="rect">
+            <a:avLst/>
+          </a:prstGeom>
+          <a:solidFill>
+            <a:schemeClr val="bg1"/>
+          </a:solidFill>
+          <a:ln>
+            <a:noFill/>
+          </a:ln>
+        </p:spPr>
+        <p:style>
+          <a:lnRef idx="2">
+            <a:schemeClr val="accent1">
+              <a:shade val="50000"/>
+            </a:schemeClr>
+          </a:lnRef>
+          <a:fillRef idx="1">
+            <a:schemeClr val="accent1"/>
+          </a:fillRef>
+          <a:effectRef idx="0">
+            <a:schemeClr val="accent1"/>
+          </a:effectRef>
+          <a:fontRef idx="minor">
+            <a:schemeClr val="lt1"/>
+          </a:fontRef>
+        </p:style>
+        <p:txBody>
+          <a:bodyPr rtlCol="0" anchor="ctr"/>
+          <a:lstStyle/>
+          <a:p>
+            <a:pPr algn="ctr"/>
+            <a:endParaRPr lang="en-PH"/>
+          </a:p>
+        </p:txBody>
+      </p:sp>
+      <p:sp>
+        <p:nvSpPr>
           <p:cNvPr id="12" name="TextBox 11">
             <a:extLst>
               <a:ext uri="{FF2B5EF4-FFF2-40B4-BE49-F238E27FC236}">
@@ -10835,7 +11780,7 @@
 </p:sld>
 </file>
 
-<file path=ppt/slides/slide8.xml><?xml version="1.0" encoding="utf-8"?>
+<file path=ppt/slides/slide9.xml><?xml version="1.0" encoding="utf-8"?>
 <p:sld xmlns:a="http://schemas.openxmlformats.org/drawingml/2006/main" xmlns:r="http://schemas.openxmlformats.org/officeDocument/2006/relationships" xmlns:p="http://schemas.openxmlformats.org/presentationml/2006/main">
   <p:cSld>
     <p:bg>

--- a/website-design/FRAMES-DESIGN.pptx
+++ b/website-design/FRAMES-DESIGN.pptx
@@ -6,14 +6,13 @@
   </p:sldMasterIdLst>
   <p:sldIdLst>
     <p:sldId id="256" r:id="rId2"/>
-    <p:sldId id="268" r:id="rId3"/>
-    <p:sldId id="259" r:id="rId4"/>
-    <p:sldId id="263" r:id="rId5"/>
-    <p:sldId id="261" r:id="rId6"/>
-    <p:sldId id="264" r:id="rId7"/>
-    <p:sldId id="266" r:id="rId8"/>
-    <p:sldId id="265" r:id="rId9"/>
-    <p:sldId id="267" r:id="rId10"/>
+    <p:sldId id="259" r:id="rId3"/>
+    <p:sldId id="263" r:id="rId4"/>
+    <p:sldId id="261" r:id="rId5"/>
+    <p:sldId id="264" r:id="rId6"/>
+    <p:sldId id="266" r:id="rId7"/>
+    <p:sldId id="265" r:id="rId8"/>
+    <p:sldId id="267" r:id="rId9"/>
   </p:sldIdLst>
   <p:sldSz cx="12192000" cy="6858000"/>
   <p:notesSz cx="6858000" cy="9144000"/>
@@ -118,7 +117,6 @@
         <p14:section name="LOGIN" id="{CF208E9C-CBC1-467E-A98A-9E9FCFB2CDA2}">
           <p14:sldIdLst>
             <p14:sldId id="256"/>
-            <p14:sldId id="268"/>
           </p14:sldIdLst>
         </p14:section>
         <p14:section name="CLASS" id="{B0FACCDC-953A-41B6-853C-D00BDC100083}">
@@ -341,7 +339,7 @@
           <a:p>
             <a:fld id="{9283CBB4-DE95-4D71-9384-DF81DA445E12}" type="datetimeFigureOut">
               <a:rPr lang="en-PH" smtClean="0"/>
-              <a:t>03/27/2023</a:t>
+              <a:t>03/31/2023</a:t>
             </a:fld>
             <a:endParaRPr lang="en-PH"/>
           </a:p>
@@ -541,7 +539,7 @@
           <a:p>
             <a:fld id="{9283CBB4-DE95-4D71-9384-DF81DA445E12}" type="datetimeFigureOut">
               <a:rPr lang="en-PH" smtClean="0"/>
-              <a:t>03/27/2023</a:t>
+              <a:t>03/31/2023</a:t>
             </a:fld>
             <a:endParaRPr lang="en-PH"/>
           </a:p>
@@ -751,7 +749,7 @@
           <a:p>
             <a:fld id="{9283CBB4-DE95-4D71-9384-DF81DA445E12}" type="datetimeFigureOut">
               <a:rPr lang="en-PH" smtClean="0"/>
-              <a:t>03/27/2023</a:t>
+              <a:t>03/31/2023</a:t>
             </a:fld>
             <a:endParaRPr lang="en-PH"/>
           </a:p>
@@ -951,7 +949,7 @@
           <a:p>
             <a:fld id="{9283CBB4-DE95-4D71-9384-DF81DA445E12}" type="datetimeFigureOut">
               <a:rPr lang="en-PH" smtClean="0"/>
-              <a:t>03/27/2023</a:t>
+              <a:t>03/31/2023</a:t>
             </a:fld>
             <a:endParaRPr lang="en-PH"/>
           </a:p>
@@ -1227,7 +1225,7 @@
           <a:p>
             <a:fld id="{9283CBB4-DE95-4D71-9384-DF81DA445E12}" type="datetimeFigureOut">
               <a:rPr lang="en-PH" smtClean="0"/>
-              <a:t>03/27/2023</a:t>
+              <a:t>03/31/2023</a:t>
             </a:fld>
             <a:endParaRPr lang="en-PH"/>
           </a:p>
@@ -1495,7 +1493,7 @@
           <a:p>
             <a:fld id="{9283CBB4-DE95-4D71-9384-DF81DA445E12}" type="datetimeFigureOut">
               <a:rPr lang="en-PH" smtClean="0"/>
-              <a:t>03/27/2023</a:t>
+              <a:t>03/31/2023</a:t>
             </a:fld>
             <a:endParaRPr lang="en-PH"/>
           </a:p>
@@ -1910,7 +1908,7 @@
           <a:p>
             <a:fld id="{9283CBB4-DE95-4D71-9384-DF81DA445E12}" type="datetimeFigureOut">
               <a:rPr lang="en-PH" smtClean="0"/>
-              <a:t>03/27/2023</a:t>
+              <a:t>03/31/2023</a:t>
             </a:fld>
             <a:endParaRPr lang="en-PH"/>
           </a:p>
@@ -2052,7 +2050,7 @@
           <a:p>
             <a:fld id="{9283CBB4-DE95-4D71-9384-DF81DA445E12}" type="datetimeFigureOut">
               <a:rPr lang="en-PH" smtClean="0"/>
-              <a:t>03/27/2023</a:t>
+              <a:t>03/31/2023</a:t>
             </a:fld>
             <a:endParaRPr lang="en-PH"/>
           </a:p>
@@ -2165,7 +2163,7 @@
           <a:p>
             <a:fld id="{9283CBB4-DE95-4D71-9384-DF81DA445E12}" type="datetimeFigureOut">
               <a:rPr lang="en-PH" smtClean="0"/>
-              <a:t>03/27/2023</a:t>
+              <a:t>03/31/2023</a:t>
             </a:fld>
             <a:endParaRPr lang="en-PH"/>
           </a:p>
@@ -2478,7 +2476,7 @@
           <a:p>
             <a:fld id="{9283CBB4-DE95-4D71-9384-DF81DA445E12}" type="datetimeFigureOut">
               <a:rPr lang="en-PH" smtClean="0"/>
-              <a:t>03/27/2023</a:t>
+              <a:t>03/31/2023</a:t>
             </a:fld>
             <a:endParaRPr lang="en-PH"/>
           </a:p>
@@ -2767,7 +2765,7 @@
           <a:p>
             <a:fld id="{9283CBB4-DE95-4D71-9384-DF81DA445E12}" type="datetimeFigureOut">
               <a:rPr lang="en-PH" smtClean="0"/>
-              <a:t>03/27/2023</a:t>
+              <a:t>03/31/2023</a:t>
             </a:fld>
             <a:endParaRPr lang="en-PH"/>
           </a:p>
@@ -3010,7 +3008,7 @@
           <a:p>
             <a:fld id="{9283CBB4-DE95-4D71-9384-DF81DA445E12}" type="datetimeFigureOut">
               <a:rPr lang="en-PH" smtClean="0"/>
-              <a:t>03/27/2023</a:t>
+              <a:t>03/31/2023</a:t>
             </a:fld>
             <a:endParaRPr lang="en-PH"/>
           </a:p>
@@ -5109,915 +5107,1545 @@
           <a:chExt cx="0" cy="0"/>
         </a:xfrm>
       </p:grpSpPr>
-      <p:grpSp>
-        <p:nvGrpSpPr>
-          <p:cNvPr id="34" name="Group 33">
-            <a:extLst>
-              <a:ext uri="{FF2B5EF4-FFF2-40B4-BE49-F238E27FC236}">
-                <a16:creationId xmlns:a16="http://schemas.microsoft.com/office/drawing/2014/main" id="{D51B5912-3DEC-4061-E602-AF43A7CF3737}"/>
-              </a:ext>
-            </a:extLst>
-          </p:cNvPr>
-          <p:cNvGrpSpPr/>
-          <p:nvPr/>
-        </p:nvGrpSpPr>
-        <p:grpSpPr>
-          <a:xfrm>
-            <a:off x="-857511" y="-508172"/>
-            <a:ext cx="14030302" cy="8473026"/>
-            <a:chOff x="-857511" y="-508172"/>
-            <a:chExt cx="14030302" cy="8473026"/>
-          </a:xfrm>
-        </p:grpSpPr>
-        <p:sp>
-          <p:nvSpPr>
-            <p:cNvPr id="5" name="Oval 4">
-              <a:extLst>
-                <a:ext uri="{FF2B5EF4-FFF2-40B4-BE49-F238E27FC236}">
-                  <a16:creationId xmlns:a16="http://schemas.microsoft.com/office/drawing/2014/main" id="{86789E47-917F-78F9-0485-E32A81E1412E}"/>
-                </a:ext>
-              </a:extLst>
-            </p:cNvPr>
-            <p:cNvSpPr/>
-            <p:nvPr/>
-          </p:nvSpPr>
-          <p:spPr>
-            <a:xfrm>
-              <a:off x="6559513" y="5272576"/>
-              <a:ext cx="731520" cy="731520"/>
-            </a:xfrm>
-            <a:prstGeom prst="ellipse">
-              <a:avLst/>
-            </a:prstGeom>
+      <p:sp>
+        <p:nvSpPr>
+          <p:cNvPr id="6" name="Rectangle 5">
+            <a:extLst>
+              <a:ext uri="{FF2B5EF4-FFF2-40B4-BE49-F238E27FC236}">
+                <a16:creationId xmlns:a16="http://schemas.microsoft.com/office/drawing/2014/main" id="{3F08A171-B639-2D30-BA43-7C13347043A3}"/>
+              </a:ext>
+            </a:extLst>
+          </p:cNvPr>
+          <p:cNvSpPr/>
+          <p:nvPr/>
+        </p:nvSpPr>
+        <p:spPr>
+          <a:xfrm>
+            <a:off x="0" y="0"/>
+            <a:ext cx="1046480" cy="6858000"/>
+          </a:xfrm>
+          <a:prstGeom prst="rect">
+            <a:avLst/>
+          </a:prstGeom>
+          <a:solidFill>
+            <a:srgbClr val="11101D"/>
+          </a:solidFill>
+          <a:ln>
+            <a:noFill/>
+          </a:ln>
+        </p:spPr>
+        <p:style>
+          <a:lnRef idx="2">
+            <a:schemeClr val="accent1">
+              <a:shade val="50000"/>
+            </a:schemeClr>
+          </a:lnRef>
+          <a:fillRef idx="1">
+            <a:schemeClr val="accent1"/>
+          </a:fillRef>
+          <a:effectRef idx="0">
+            <a:schemeClr val="accent1"/>
+          </a:effectRef>
+          <a:fontRef idx="minor">
+            <a:schemeClr val="lt1"/>
+          </a:fontRef>
+        </p:style>
+        <p:txBody>
+          <a:bodyPr rtlCol="0" anchor="ctr"/>
+          <a:lstStyle/>
+          <a:p>
+            <a:pPr algn="ctr"/>
+            <a:endParaRPr lang="en-PH"/>
+          </a:p>
+        </p:txBody>
+      </p:sp>
+      <p:pic>
+        <p:nvPicPr>
+          <p:cNvPr id="8" name="Graphic 7" descr="Hamburger Menu Icon with solid fill">
+            <a:extLst>
+              <a:ext uri="{FF2B5EF4-FFF2-40B4-BE49-F238E27FC236}">
+                <a16:creationId xmlns:a16="http://schemas.microsoft.com/office/drawing/2014/main" id="{125D96E9-7513-36C2-75F8-9CCA050F58B1}"/>
+              </a:ext>
+            </a:extLst>
+          </p:cNvPr>
+          <p:cNvPicPr>
+            <a:picLocks noChangeAspect="1"/>
+          </p:cNvPicPr>
+          <p:nvPr/>
+        </p:nvPicPr>
+        <p:blipFill>
+          <a:blip r:embed="rId2">
+            <a:extLst>
+              <a:ext uri="{28A0092B-C50C-407E-A947-70E740481C1C}">
+                <a14:useLocalDpi xmlns:a14="http://schemas.microsoft.com/office/drawing/2010/main" val="0"/>
+              </a:ext>
+              <a:ext uri="{96DAC541-7B7A-43D3-8B79-37D633B846F1}">
+                <asvg:svgBlip xmlns:asvg="http://schemas.microsoft.com/office/drawing/2016/SVG/main" r:embed="rId3"/>
+              </a:ext>
+            </a:extLst>
+          </a:blip>
+          <a:stretch>
+            <a:fillRect/>
+          </a:stretch>
+        </p:blipFill>
+        <p:spPr>
+          <a:xfrm>
+            <a:off x="307240" y="147484"/>
+            <a:ext cx="432000" cy="432000"/>
+          </a:xfrm>
+          <a:prstGeom prst="rect">
+            <a:avLst/>
+          </a:prstGeom>
+        </p:spPr>
+      </p:pic>
+      <p:pic>
+        <p:nvPicPr>
+          <p:cNvPr id="10" name="Graphic 9" descr="Bar chart with solid fill">
+            <a:extLst>
+              <a:ext uri="{FF2B5EF4-FFF2-40B4-BE49-F238E27FC236}">
+                <a16:creationId xmlns:a16="http://schemas.microsoft.com/office/drawing/2014/main" id="{8F364BD9-4D34-9378-2539-4FECD2456419}"/>
+              </a:ext>
+            </a:extLst>
+          </p:cNvPr>
+          <p:cNvPicPr>
+            <a:picLocks noChangeAspect="1"/>
+          </p:cNvPicPr>
+          <p:nvPr/>
+        </p:nvPicPr>
+        <p:blipFill>
+          <a:blip r:embed="rId4">
+            <a:extLst>
+              <a:ext uri="{28A0092B-C50C-407E-A947-70E740481C1C}">
+                <a14:useLocalDpi xmlns:a14="http://schemas.microsoft.com/office/drawing/2010/main" val="0"/>
+              </a:ext>
+              <a:ext uri="{96DAC541-7B7A-43D3-8B79-37D633B846F1}">
+                <asvg:svgBlip xmlns:asvg="http://schemas.microsoft.com/office/drawing/2016/SVG/main" r:embed="rId5"/>
+              </a:ext>
+            </a:extLst>
+          </a:blip>
+          <a:stretch>
+            <a:fillRect/>
+          </a:stretch>
+        </p:blipFill>
+        <p:spPr>
+          <a:xfrm>
+            <a:off x="307240" y="4372897"/>
+            <a:ext cx="432000" cy="432000"/>
+          </a:xfrm>
+          <a:prstGeom prst="rect">
+            <a:avLst/>
+          </a:prstGeom>
+        </p:spPr>
+      </p:pic>
+      <p:pic>
+        <p:nvPicPr>
+          <p:cNvPr id="14" name="Graphic 13" descr="Books on shelf with solid fill">
+            <a:extLst>
+              <a:ext uri="{FF2B5EF4-FFF2-40B4-BE49-F238E27FC236}">
+                <a16:creationId xmlns:a16="http://schemas.microsoft.com/office/drawing/2014/main" id="{93FB210C-BE5C-3640-8913-9A79263F8F24}"/>
+              </a:ext>
+            </a:extLst>
+          </p:cNvPr>
+          <p:cNvPicPr>
+            <a:picLocks noChangeAspect="1"/>
+          </p:cNvPicPr>
+          <p:nvPr/>
+        </p:nvPicPr>
+        <p:blipFill>
+          <a:blip r:embed="rId6">
+            <a:extLst>
+              <a:ext uri="{28A0092B-C50C-407E-A947-70E740481C1C}">
+                <a14:useLocalDpi xmlns:a14="http://schemas.microsoft.com/office/drawing/2010/main" val="0"/>
+              </a:ext>
+              <a:ext uri="{96DAC541-7B7A-43D3-8B79-37D633B846F1}">
+                <asvg:svgBlip xmlns:asvg="http://schemas.microsoft.com/office/drawing/2016/SVG/main" r:embed="rId7"/>
+              </a:ext>
+            </a:extLst>
+          </a:blip>
+          <a:stretch>
+            <a:fillRect/>
+          </a:stretch>
+        </p:blipFill>
+        <p:spPr>
+          <a:xfrm>
+            <a:off x="307240" y="2964426"/>
+            <a:ext cx="432000" cy="432000"/>
+          </a:xfrm>
+          <a:prstGeom prst="rect">
+            <a:avLst/>
+          </a:prstGeom>
+        </p:spPr>
+      </p:pic>
+      <p:pic>
+        <p:nvPicPr>
+          <p:cNvPr id="16" name="Picture 15" descr="Icon&#10;&#10;Description automatically generated">
+            <a:extLst>
+              <a:ext uri="{FF2B5EF4-FFF2-40B4-BE49-F238E27FC236}">
+                <a16:creationId xmlns:a16="http://schemas.microsoft.com/office/drawing/2014/main" id="{92BAA0B8-9AA3-0757-889B-A6548E1244FC}"/>
+              </a:ext>
+            </a:extLst>
+          </p:cNvPr>
+          <p:cNvPicPr>
+            <a:picLocks noChangeAspect="1"/>
+          </p:cNvPicPr>
+          <p:nvPr/>
+        </p:nvPicPr>
+        <p:blipFill>
+          <a:blip r:embed="rId8">
+            <a:extLst>
+              <a:ext uri="{28A0092B-C50C-407E-A947-70E740481C1C}">
+                <a14:useLocalDpi xmlns:a14="http://schemas.microsoft.com/office/drawing/2010/main" val="0"/>
+              </a:ext>
+            </a:extLst>
+          </a:blip>
+          <a:stretch>
+            <a:fillRect/>
+          </a:stretch>
+        </p:blipFill>
+        <p:spPr>
+          <a:xfrm>
+            <a:off x="307240" y="6066504"/>
+            <a:ext cx="432000" cy="432000"/>
+          </a:xfrm>
+          <a:prstGeom prst="rect">
+            <a:avLst/>
+          </a:prstGeom>
+        </p:spPr>
+      </p:pic>
+      <p:sp>
+        <p:nvSpPr>
+          <p:cNvPr id="22" name="Rectangle: Rounded Corners 21">
+            <a:extLst>
+              <a:ext uri="{FF2B5EF4-FFF2-40B4-BE49-F238E27FC236}">
+                <a16:creationId xmlns:a16="http://schemas.microsoft.com/office/drawing/2014/main" id="{E80E028C-9018-A074-769F-05777C1DCF3F}"/>
+              </a:ext>
+            </a:extLst>
+          </p:cNvPr>
+          <p:cNvSpPr/>
+          <p:nvPr/>
+        </p:nvSpPr>
+        <p:spPr>
+          <a:xfrm>
+            <a:off x="227686" y="1377080"/>
+            <a:ext cx="576000" cy="576000"/>
+          </a:xfrm>
+          <a:prstGeom prst="roundRect">
+            <a:avLst/>
+          </a:prstGeom>
+          <a:solidFill>
+            <a:srgbClr val="2D2A4C"/>
+          </a:solidFill>
+          <a:ln>
+            <a:noFill/>
+          </a:ln>
+        </p:spPr>
+        <p:style>
+          <a:lnRef idx="2">
+            <a:schemeClr val="accent1">
+              <a:shade val="50000"/>
+            </a:schemeClr>
+          </a:lnRef>
+          <a:fillRef idx="1">
+            <a:schemeClr val="accent1"/>
+          </a:fillRef>
+          <a:effectRef idx="0">
+            <a:schemeClr val="accent1"/>
+          </a:effectRef>
+          <a:fontRef idx="minor">
+            <a:schemeClr val="lt1"/>
+          </a:fontRef>
+        </p:style>
+        <p:txBody>
+          <a:bodyPr rtlCol="0" anchor="ctr"/>
+          <a:lstStyle/>
+          <a:p>
+            <a:pPr algn="ctr"/>
+            <a:endParaRPr lang="en-PH"/>
+          </a:p>
+        </p:txBody>
+      </p:sp>
+      <p:pic>
+        <p:nvPicPr>
+          <p:cNvPr id="21" name="Picture 20" descr="A picture containing icon&#10;&#10;Description automatically generated">
+            <a:extLst>
+              <a:ext uri="{FF2B5EF4-FFF2-40B4-BE49-F238E27FC236}">
+                <a16:creationId xmlns:a16="http://schemas.microsoft.com/office/drawing/2014/main" id="{47805D52-E03C-78B5-A65B-7C69A177FAE8}"/>
+              </a:ext>
+            </a:extLst>
+          </p:cNvPr>
+          <p:cNvPicPr>
+            <a:picLocks noChangeAspect="1"/>
+          </p:cNvPicPr>
+          <p:nvPr/>
+        </p:nvPicPr>
+        <p:blipFill>
+          <a:blip r:embed="rId9">
+            <a:extLst>
+              <a:ext uri="{28A0092B-C50C-407E-A947-70E740481C1C}">
+                <a14:useLocalDpi xmlns:a14="http://schemas.microsoft.com/office/drawing/2010/main" val="0"/>
+              </a:ext>
+            </a:extLst>
+          </a:blip>
+          <a:stretch>
+            <a:fillRect/>
+          </a:stretch>
+        </p:blipFill>
+        <p:spPr>
+          <a:xfrm>
+            <a:off x="306190" y="1440912"/>
+            <a:ext cx="432000" cy="432000"/>
+          </a:xfrm>
+          <a:prstGeom prst="rect">
+            <a:avLst/>
+          </a:prstGeom>
+        </p:spPr>
+      </p:pic>
+      <p:sp>
+        <p:nvSpPr>
+          <p:cNvPr id="23" name="Rectangle 22">
+            <a:extLst>
+              <a:ext uri="{FF2B5EF4-FFF2-40B4-BE49-F238E27FC236}">
+                <a16:creationId xmlns:a16="http://schemas.microsoft.com/office/drawing/2014/main" id="{7E6939E1-CCBC-342B-4708-136846DD11F9}"/>
+              </a:ext>
+            </a:extLst>
+          </p:cNvPr>
+          <p:cNvSpPr/>
+          <p:nvPr/>
+        </p:nvSpPr>
+        <p:spPr>
+          <a:xfrm>
+            <a:off x="1763527" y="572441"/>
+            <a:ext cx="3583445" cy="1797132"/>
+          </a:xfrm>
+          <a:prstGeom prst="rect">
+            <a:avLst/>
+          </a:prstGeom>
+          <a:solidFill>
+            <a:schemeClr val="bg1"/>
+          </a:solidFill>
+          <a:ln>
             <a:solidFill>
-              <a:schemeClr val="accent4"/>
+              <a:schemeClr val="tx1">
+                <a:lumMod val="50000"/>
+                <a:lumOff val="50000"/>
+              </a:schemeClr>
             </a:solidFill>
-            <a:ln>
-              <a:noFill/>
-            </a:ln>
-          </p:spPr>
-          <p:style>
-            <a:lnRef idx="2">
-              <a:schemeClr val="accent1">
-                <a:shade val="50000"/>
+          </a:ln>
+          <a:effectLst>
+            <a:outerShdw blurRad="63500" sx="102000" sy="102000" algn="ctr" rotWithShape="0">
+              <a:prstClr val="black">
+                <a:alpha val="40000"/>
+              </a:prstClr>
+            </a:outerShdw>
+          </a:effectLst>
+        </p:spPr>
+        <p:style>
+          <a:lnRef idx="2">
+            <a:schemeClr val="accent1">
+              <a:shade val="50000"/>
+            </a:schemeClr>
+          </a:lnRef>
+          <a:fillRef idx="1">
+            <a:schemeClr val="accent1"/>
+          </a:fillRef>
+          <a:effectRef idx="0">
+            <a:schemeClr val="accent1"/>
+          </a:effectRef>
+          <a:fontRef idx="minor">
+            <a:schemeClr val="lt1"/>
+          </a:fontRef>
+        </p:style>
+        <p:txBody>
+          <a:bodyPr rtlCol="0" anchor="ctr"/>
+          <a:lstStyle/>
+          <a:p>
+            <a:pPr algn="ctr"/>
+            <a:endParaRPr lang="en-PH"/>
+          </a:p>
+        </p:txBody>
+      </p:sp>
+      <p:sp>
+        <p:nvSpPr>
+          <p:cNvPr id="25" name="Rectangle 24">
+            <a:extLst>
+              <a:ext uri="{FF2B5EF4-FFF2-40B4-BE49-F238E27FC236}">
+                <a16:creationId xmlns:a16="http://schemas.microsoft.com/office/drawing/2014/main" id="{C8AFC46D-A9FF-D2C1-C119-14585B31B9E9}"/>
+              </a:ext>
+            </a:extLst>
+          </p:cNvPr>
+          <p:cNvSpPr/>
+          <p:nvPr/>
+        </p:nvSpPr>
+        <p:spPr>
+          <a:xfrm>
+            <a:off x="1763527" y="4151074"/>
+            <a:ext cx="3583444" cy="1797131"/>
+          </a:xfrm>
+          <a:prstGeom prst="rect">
+            <a:avLst/>
+          </a:prstGeom>
+          <a:solidFill>
+            <a:schemeClr val="bg1"/>
+          </a:solidFill>
+          <a:ln>
+            <a:solidFill>
+              <a:schemeClr val="tx1">
+                <a:lumMod val="50000"/>
+                <a:lumOff val="50000"/>
               </a:schemeClr>
-            </a:lnRef>
-            <a:fillRef idx="1">
-              <a:schemeClr val="accent1"/>
-            </a:fillRef>
-            <a:effectRef idx="0">
-              <a:schemeClr val="accent1"/>
-            </a:effectRef>
-            <a:fontRef idx="minor">
-              <a:schemeClr val="lt1"/>
-            </a:fontRef>
-          </p:style>
-          <p:txBody>
-            <a:bodyPr rtlCol="0" anchor="ctr"/>
-            <a:lstStyle/>
-            <a:p>
-              <a:pPr algn="ctr"/>
-              <a:endParaRPr lang="en-PH"/>
-            </a:p>
-          </p:txBody>
-        </p:sp>
-        <p:sp>
-          <p:nvSpPr>
-            <p:cNvPr id="7" name="Oval 6">
-              <a:extLst>
-                <a:ext uri="{FF2B5EF4-FFF2-40B4-BE49-F238E27FC236}">
-                  <a16:creationId xmlns:a16="http://schemas.microsoft.com/office/drawing/2014/main" id="{A5001367-A030-F36C-5B79-2AD3FC391492}"/>
-                </a:ext>
-              </a:extLst>
-            </p:cNvPr>
-            <p:cNvSpPr/>
-            <p:nvPr/>
-          </p:nvSpPr>
-          <p:spPr>
-            <a:xfrm>
-              <a:off x="10480953" y="544400"/>
-              <a:ext cx="731520" cy="731520"/>
-            </a:xfrm>
-            <a:prstGeom prst="ellipse">
-              <a:avLst/>
-            </a:prstGeom>
+            </a:solidFill>
+          </a:ln>
+          <a:effectLst>
+            <a:outerShdw blurRad="63500" sx="102000" sy="102000" algn="ctr" rotWithShape="0">
+              <a:prstClr val="black">
+                <a:alpha val="40000"/>
+              </a:prstClr>
+            </a:outerShdw>
+          </a:effectLst>
+        </p:spPr>
+        <p:style>
+          <a:lnRef idx="2">
+            <a:schemeClr val="accent1">
+              <a:shade val="50000"/>
+            </a:schemeClr>
+          </a:lnRef>
+          <a:fillRef idx="1">
+            <a:schemeClr val="accent1"/>
+          </a:fillRef>
+          <a:effectRef idx="0">
+            <a:schemeClr val="accent1"/>
+          </a:effectRef>
+          <a:fontRef idx="minor">
+            <a:schemeClr val="lt1"/>
+          </a:fontRef>
+        </p:style>
+        <p:txBody>
+          <a:bodyPr rtlCol="0" anchor="ctr"/>
+          <a:lstStyle/>
+          <a:p>
+            <a:pPr algn="ctr"/>
+            <a:endParaRPr lang="en-PH"/>
+          </a:p>
+        </p:txBody>
+      </p:sp>
+      <p:sp>
+        <p:nvSpPr>
+          <p:cNvPr id="26" name="Rectangle 25">
+            <a:extLst>
+              <a:ext uri="{FF2B5EF4-FFF2-40B4-BE49-F238E27FC236}">
+                <a16:creationId xmlns:a16="http://schemas.microsoft.com/office/drawing/2014/main" id="{796C9850-71D7-2FBF-C4F6-A7A19AB0648C}"/>
+              </a:ext>
+            </a:extLst>
+          </p:cNvPr>
+          <p:cNvSpPr/>
+          <p:nvPr/>
+        </p:nvSpPr>
+        <p:spPr>
+          <a:xfrm>
+            <a:off x="7552951" y="4151073"/>
+            <a:ext cx="3583444" cy="1797132"/>
+          </a:xfrm>
+          <a:prstGeom prst="rect">
+            <a:avLst/>
+          </a:prstGeom>
+          <a:solidFill>
+            <a:schemeClr val="bg1"/>
+          </a:solidFill>
+          <a:ln>
             <a:solidFill>
-              <a:srgbClr val="002060"/>
+              <a:schemeClr val="tx1">
+                <a:lumMod val="50000"/>
+                <a:lumOff val="50000"/>
+              </a:schemeClr>
             </a:solidFill>
-            <a:ln>
-              <a:noFill/>
-            </a:ln>
-          </p:spPr>
-          <p:style>
-            <a:lnRef idx="2">
-              <a:schemeClr val="accent1">
-                <a:shade val="50000"/>
+          </a:ln>
+          <a:effectLst>
+            <a:outerShdw blurRad="63500" sx="102000" sy="102000" algn="ctr" rotWithShape="0">
+              <a:prstClr val="black">
+                <a:alpha val="40000"/>
+              </a:prstClr>
+            </a:outerShdw>
+          </a:effectLst>
+        </p:spPr>
+        <p:style>
+          <a:lnRef idx="2">
+            <a:schemeClr val="accent1">
+              <a:shade val="50000"/>
+            </a:schemeClr>
+          </a:lnRef>
+          <a:fillRef idx="1">
+            <a:schemeClr val="accent1"/>
+          </a:fillRef>
+          <a:effectRef idx="0">
+            <a:schemeClr val="accent1"/>
+          </a:effectRef>
+          <a:fontRef idx="minor">
+            <a:schemeClr val="lt1"/>
+          </a:fontRef>
+        </p:style>
+        <p:txBody>
+          <a:bodyPr rtlCol="0" anchor="ctr"/>
+          <a:lstStyle/>
+          <a:p>
+            <a:pPr algn="ctr"/>
+            <a:endParaRPr lang="en-PH"/>
+          </a:p>
+        </p:txBody>
+      </p:sp>
+      <p:sp>
+        <p:nvSpPr>
+          <p:cNvPr id="27" name="Rectangle: Top Corners Rounded 26">
+            <a:extLst>
+              <a:ext uri="{FF2B5EF4-FFF2-40B4-BE49-F238E27FC236}">
+                <a16:creationId xmlns:a16="http://schemas.microsoft.com/office/drawing/2014/main" id="{440A0633-84A9-1361-534D-9B874E9C122C}"/>
+              </a:ext>
+            </a:extLst>
+          </p:cNvPr>
+          <p:cNvSpPr/>
+          <p:nvPr/>
+        </p:nvSpPr>
+        <p:spPr>
+          <a:xfrm flipV="1">
+            <a:off x="1763527" y="2369573"/>
+            <a:ext cx="3583445" cy="1059424"/>
+          </a:xfrm>
+          <a:prstGeom prst="round2SameRect">
+            <a:avLst/>
+          </a:prstGeom>
+          <a:solidFill>
+            <a:schemeClr val="bg1"/>
+          </a:solidFill>
+          <a:ln>
+            <a:solidFill>
+              <a:schemeClr val="tx1">
+                <a:lumMod val="50000"/>
+                <a:lumOff val="50000"/>
               </a:schemeClr>
-            </a:lnRef>
-            <a:fillRef idx="1">
-              <a:schemeClr val="accent1"/>
-            </a:fillRef>
-            <a:effectRef idx="0">
-              <a:schemeClr val="accent1"/>
-            </a:effectRef>
-            <a:fontRef idx="minor">
-              <a:schemeClr val="lt1"/>
-            </a:fontRef>
-          </p:style>
-          <p:txBody>
-            <a:bodyPr rtlCol="0" anchor="ctr"/>
-            <a:lstStyle/>
-            <a:p>
-              <a:pPr algn="ctr"/>
-              <a:endParaRPr lang="en-PH"/>
-            </a:p>
-          </p:txBody>
-        </p:sp>
-        <p:sp>
-          <p:nvSpPr>
-            <p:cNvPr id="8" name="Oval 7">
-              <a:extLst>
-                <a:ext uri="{FF2B5EF4-FFF2-40B4-BE49-F238E27FC236}">
-                  <a16:creationId xmlns:a16="http://schemas.microsoft.com/office/drawing/2014/main" id="{712E5855-2BD6-3AE5-344E-6C5EB4618A0F}"/>
-                </a:ext>
-              </a:extLst>
-            </p:cNvPr>
-            <p:cNvSpPr/>
-            <p:nvPr/>
-          </p:nvSpPr>
-          <p:spPr>
-            <a:xfrm>
-              <a:off x="6096000" y="426096"/>
-              <a:ext cx="731520" cy="731520"/>
-            </a:xfrm>
-            <a:prstGeom prst="ellipse">
-              <a:avLst/>
-            </a:prstGeom>
+            </a:solidFill>
+          </a:ln>
+          <a:effectLst>
+            <a:outerShdw blurRad="63500" sx="102000" sy="102000" algn="ctr" rotWithShape="0">
+              <a:prstClr val="black">
+                <a:alpha val="40000"/>
+              </a:prstClr>
+            </a:outerShdw>
+          </a:effectLst>
+        </p:spPr>
+        <p:style>
+          <a:lnRef idx="2">
+            <a:schemeClr val="accent1">
+              <a:shade val="50000"/>
+            </a:schemeClr>
+          </a:lnRef>
+          <a:fillRef idx="1">
+            <a:schemeClr val="accent1"/>
+          </a:fillRef>
+          <a:effectRef idx="0">
+            <a:schemeClr val="accent1"/>
+          </a:effectRef>
+          <a:fontRef idx="minor">
+            <a:schemeClr val="lt1"/>
+          </a:fontRef>
+        </p:style>
+        <p:txBody>
+          <a:bodyPr rtlCol="0" anchor="ctr"/>
+          <a:lstStyle/>
+          <a:p>
+            <a:pPr algn="ctr"/>
+            <a:endParaRPr lang="en-PH"/>
+          </a:p>
+        </p:txBody>
+      </p:sp>
+      <p:sp>
+        <p:nvSpPr>
+          <p:cNvPr id="30" name="Rectangle 29">
+            <a:extLst>
+              <a:ext uri="{FF2B5EF4-FFF2-40B4-BE49-F238E27FC236}">
+                <a16:creationId xmlns:a16="http://schemas.microsoft.com/office/drawing/2014/main" id="{944C3DC4-A81E-C5EB-BB74-876DDB253D4E}"/>
+              </a:ext>
+            </a:extLst>
+          </p:cNvPr>
+          <p:cNvSpPr/>
+          <p:nvPr/>
+        </p:nvSpPr>
+        <p:spPr>
+          <a:xfrm>
+            <a:off x="7552950" y="584267"/>
+            <a:ext cx="3583445" cy="1797132"/>
+          </a:xfrm>
+          <a:prstGeom prst="rect">
+            <a:avLst/>
+          </a:prstGeom>
+          <a:solidFill>
+            <a:schemeClr val="bg1"/>
+          </a:solidFill>
+          <a:ln>
             <a:solidFill>
-              <a:srgbClr val="002060"/>
+              <a:schemeClr val="tx1">
+                <a:lumMod val="50000"/>
+                <a:lumOff val="50000"/>
+              </a:schemeClr>
             </a:solidFill>
-            <a:ln>
-              <a:noFill/>
-            </a:ln>
-          </p:spPr>
-          <p:style>
-            <a:lnRef idx="2">
-              <a:schemeClr val="accent1">
-                <a:shade val="50000"/>
+          </a:ln>
+          <a:effectLst>
+            <a:outerShdw blurRad="63500" sx="102000" sy="102000" algn="ctr" rotWithShape="0">
+              <a:prstClr val="black">
+                <a:alpha val="40000"/>
+              </a:prstClr>
+            </a:outerShdw>
+          </a:effectLst>
+        </p:spPr>
+        <p:style>
+          <a:lnRef idx="2">
+            <a:schemeClr val="accent1">
+              <a:shade val="50000"/>
+            </a:schemeClr>
+          </a:lnRef>
+          <a:fillRef idx="1">
+            <a:schemeClr val="accent1"/>
+          </a:fillRef>
+          <a:effectRef idx="0">
+            <a:schemeClr val="accent1"/>
+          </a:effectRef>
+          <a:fontRef idx="minor">
+            <a:schemeClr val="lt1"/>
+          </a:fontRef>
+        </p:style>
+        <p:txBody>
+          <a:bodyPr rtlCol="0" anchor="ctr"/>
+          <a:lstStyle/>
+          <a:p>
+            <a:pPr algn="ctr"/>
+            <a:endParaRPr lang="en-PH"/>
+          </a:p>
+        </p:txBody>
+      </p:sp>
+      <p:sp>
+        <p:nvSpPr>
+          <p:cNvPr id="31" name="Rectangle: Top Corners Rounded 30">
+            <a:extLst>
+              <a:ext uri="{FF2B5EF4-FFF2-40B4-BE49-F238E27FC236}">
+                <a16:creationId xmlns:a16="http://schemas.microsoft.com/office/drawing/2014/main" id="{8D77310F-BE34-89CF-3776-40453162FEC9}"/>
+              </a:ext>
+            </a:extLst>
+          </p:cNvPr>
+          <p:cNvSpPr/>
+          <p:nvPr/>
+        </p:nvSpPr>
+        <p:spPr>
+          <a:xfrm flipV="1">
+            <a:off x="7552950" y="2381399"/>
+            <a:ext cx="3583445" cy="1059424"/>
+          </a:xfrm>
+          <a:prstGeom prst="round2SameRect">
+            <a:avLst/>
+          </a:prstGeom>
+          <a:solidFill>
+            <a:schemeClr val="bg1"/>
+          </a:solidFill>
+          <a:ln>
+            <a:solidFill>
+              <a:schemeClr val="tx1">
+                <a:lumMod val="50000"/>
+                <a:lumOff val="50000"/>
               </a:schemeClr>
-            </a:lnRef>
-            <a:fillRef idx="1">
-              <a:schemeClr val="accent1"/>
-            </a:fillRef>
-            <a:effectRef idx="0">
-              <a:schemeClr val="accent1"/>
-            </a:effectRef>
-            <a:fontRef idx="minor">
-              <a:schemeClr val="lt1"/>
-            </a:fontRef>
-          </p:style>
-          <p:txBody>
-            <a:bodyPr rtlCol="0" anchor="ctr"/>
-            <a:lstStyle/>
-            <a:p>
-              <a:pPr algn="ctr"/>
-              <a:endParaRPr lang="en-PH"/>
-            </a:p>
-          </p:txBody>
-        </p:sp>
-        <p:sp>
-          <p:nvSpPr>
-            <p:cNvPr id="9" name="Oval 8">
-              <a:extLst>
-                <a:ext uri="{FF2B5EF4-FFF2-40B4-BE49-F238E27FC236}">
-                  <a16:creationId xmlns:a16="http://schemas.microsoft.com/office/drawing/2014/main" id="{AA162DAC-730C-5F6A-4A3B-6669B888BFB1}"/>
-                </a:ext>
-              </a:extLst>
-            </p:cNvPr>
-            <p:cNvSpPr/>
-            <p:nvPr/>
-          </p:nvSpPr>
-          <p:spPr>
-            <a:xfrm>
-              <a:off x="10538059" y="5330122"/>
-              <a:ext cx="2634732" cy="2634732"/>
-            </a:xfrm>
-            <a:prstGeom prst="ellipse">
-              <a:avLst/>
-            </a:prstGeom>
+            </a:solidFill>
+          </a:ln>
+          <a:effectLst>
+            <a:outerShdw blurRad="63500" sx="102000" sy="102000" algn="ctr" rotWithShape="0">
+              <a:prstClr val="black">
+                <a:alpha val="40000"/>
+              </a:prstClr>
+            </a:outerShdw>
+          </a:effectLst>
+        </p:spPr>
+        <p:style>
+          <a:lnRef idx="2">
+            <a:schemeClr val="accent1">
+              <a:shade val="50000"/>
+            </a:schemeClr>
+          </a:lnRef>
+          <a:fillRef idx="1">
+            <a:schemeClr val="accent1"/>
+          </a:fillRef>
+          <a:effectRef idx="0">
+            <a:schemeClr val="accent1"/>
+          </a:effectRef>
+          <a:fontRef idx="minor">
+            <a:schemeClr val="lt1"/>
+          </a:fontRef>
+        </p:style>
+        <p:txBody>
+          <a:bodyPr rtlCol="0" anchor="ctr"/>
+          <a:lstStyle/>
+          <a:p>
+            <a:pPr algn="ctr"/>
+            <a:endParaRPr lang="en-PH"/>
+          </a:p>
+        </p:txBody>
+      </p:sp>
+      <p:sp>
+        <p:nvSpPr>
+          <p:cNvPr id="32" name="Rectangle 31">
+            <a:extLst>
+              <a:ext uri="{FF2B5EF4-FFF2-40B4-BE49-F238E27FC236}">
+                <a16:creationId xmlns:a16="http://schemas.microsoft.com/office/drawing/2014/main" id="{DDC18A6C-728E-4BB1-1595-9EA691669882}"/>
+              </a:ext>
+            </a:extLst>
+          </p:cNvPr>
+          <p:cNvSpPr/>
+          <p:nvPr/>
+        </p:nvSpPr>
+        <p:spPr>
+          <a:xfrm>
+            <a:off x="1763526" y="565593"/>
+            <a:ext cx="3583443" cy="1797132"/>
+          </a:xfrm>
+          <a:prstGeom prst="rect">
+            <a:avLst/>
+          </a:prstGeom>
+          <a:solidFill>
+            <a:srgbClr val="01264E"/>
+          </a:solidFill>
+          <a:ln>
             <a:solidFill>
-              <a:schemeClr val="accent4"/>
+              <a:schemeClr val="tx1">
+                <a:lumMod val="50000"/>
+                <a:lumOff val="50000"/>
+              </a:schemeClr>
             </a:solidFill>
-            <a:ln>
-              <a:noFill/>
-            </a:ln>
-          </p:spPr>
-          <p:style>
-            <a:lnRef idx="2">
-              <a:schemeClr val="accent1">
-                <a:shade val="50000"/>
+          </a:ln>
+          <a:effectLst/>
+        </p:spPr>
+        <p:style>
+          <a:lnRef idx="2">
+            <a:schemeClr val="accent1">
+              <a:shade val="50000"/>
+            </a:schemeClr>
+          </a:lnRef>
+          <a:fillRef idx="1">
+            <a:schemeClr val="accent1"/>
+          </a:fillRef>
+          <a:effectRef idx="0">
+            <a:schemeClr val="accent1"/>
+          </a:effectRef>
+          <a:fontRef idx="minor">
+            <a:schemeClr val="lt1"/>
+          </a:fontRef>
+        </p:style>
+        <p:txBody>
+          <a:bodyPr rtlCol="0" anchor="ctr"/>
+          <a:lstStyle/>
+          <a:p>
+            <a:pPr algn="ctr"/>
+            <a:r>
+              <a:rPr lang="en-PH" sz="2400" b="1" spc="300" dirty="0">
+                <a:latin typeface="Open Sans" pitchFamily="2" charset="0"/>
+                <a:ea typeface="Open Sans" pitchFamily="2" charset="0"/>
+                <a:cs typeface="Open Sans" pitchFamily="2" charset="0"/>
+              </a:rPr>
+              <a:t>CSC 0321-2</a:t>
+            </a:r>
+          </a:p>
+        </p:txBody>
+      </p:sp>
+      <p:sp>
+        <p:nvSpPr>
+          <p:cNvPr id="33" name="Rectangle 32">
+            <a:extLst>
+              <a:ext uri="{FF2B5EF4-FFF2-40B4-BE49-F238E27FC236}">
+                <a16:creationId xmlns:a16="http://schemas.microsoft.com/office/drawing/2014/main" id="{8CB4D2B6-3388-A7EC-8D1A-B981F4D09E89}"/>
+              </a:ext>
+            </a:extLst>
+          </p:cNvPr>
+          <p:cNvSpPr/>
+          <p:nvPr/>
+        </p:nvSpPr>
+        <p:spPr>
+          <a:xfrm>
+            <a:off x="7552947" y="572441"/>
+            <a:ext cx="3583443" cy="1797132"/>
+          </a:xfrm>
+          <a:prstGeom prst="rect">
+            <a:avLst/>
+          </a:prstGeom>
+          <a:solidFill>
+            <a:schemeClr val="accent6">
+              <a:lumMod val="75000"/>
+            </a:schemeClr>
+          </a:solidFill>
+          <a:ln>
+            <a:solidFill>
+              <a:schemeClr val="tx1">
+                <a:lumMod val="50000"/>
+                <a:lumOff val="50000"/>
               </a:schemeClr>
-            </a:lnRef>
-            <a:fillRef idx="1">
-              <a:schemeClr val="accent1"/>
-            </a:fillRef>
-            <a:effectRef idx="0">
-              <a:schemeClr val="accent1"/>
-            </a:effectRef>
-            <a:fontRef idx="minor">
-              <a:schemeClr val="lt1"/>
-            </a:fontRef>
-          </p:style>
-          <p:txBody>
-            <a:bodyPr rtlCol="0" anchor="ctr"/>
-            <a:lstStyle/>
-            <a:p>
-              <a:pPr algn="ctr"/>
-              <a:endParaRPr lang="en-PH"/>
-            </a:p>
-          </p:txBody>
-        </p:sp>
-        <p:sp>
-          <p:nvSpPr>
-            <p:cNvPr id="10" name="Oval 9">
-              <a:extLst>
-                <a:ext uri="{FF2B5EF4-FFF2-40B4-BE49-F238E27FC236}">
-                  <a16:creationId xmlns:a16="http://schemas.microsoft.com/office/drawing/2014/main" id="{D9F1E33F-1173-0D36-D107-EC82D74705AE}"/>
-                </a:ext>
-              </a:extLst>
-            </p:cNvPr>
-            <p:cNvSpPr/>
-            <p:nvPr/>
-          </p:nvSpPr>
-          <p:spPr>
-            <a:xfrm>
-              <a:off x="4108902" y="2759423"/>
-              <a:ext cx="1339153" cy="1339153"/>
-            </a:xfrm>
-            <a:prstGeom prst="ellipse">
-              <a:avLst/>
-            </a:prstGeom>
+            </a:solidFill>
+          </a:ln>
+          <a:effectLst/>
+        </p:spPr>
+        <p:style>
+          <a:lnRef idx="2">
+            <a:schemeClr val="accent1">
+              <a:shade val="50000"/>
+            </a:schemeClr>
+          </a:lnRef>
+          <a:fillRef idx="1">
+            <a:schemeClr val="accent1"/>
+          </a:fillRef>
+          <a:effectRef idx="0">
+            <a:schemeClr val="accent1"/>
+          </a:effectRef>
+          <a:fontRef idx="minor">
+            <a:schemeClr val="lt1"/>
+          </a:fontRef>
+        </p:style>
+        <p:txBody>
+          <a:bodyPr rtlCol="0" anchor="ctr"/>
+          <a:lstStyle/>
+          <a:p>
+            <a:pPr algn="ctr"/>
+            <a:r>
+              <a:rPr lang="en-PH" sz="2400" b="1" spc="300" dirty="0">
+                <a:latin typeface="Open Sans" pitchFamily="2" charset="0"/>
+                <a:ea typeface="Open Sans" pitchFamily="2" charset="0"/>
+                <a:cs typeface="Open Sans" pitchFamily="2" charset="0"/>
+              </a:rPr>
+              <a:t>CSC 0323-2</a:t>
+            </a:r>
+          </a:p>
+        </p:txBody>
+      </p:sp>
+      <p:sp>
+        <p:nvSpPr>
+          <p:cNvPr id="34" name="Rectangle 33">
+            <a:extLst>
+              <a:ext uri="{FF2B5EF4-FFF2-40B4-BE49-F238E27FC236}">
+                <a16:creationId xmlns:a16="http://schemas.microsoft.com/office/drawing/2014/main" id="{D80E199A-DA7D-4508-5920-1FD56D43E1A2}"/>
+              </a:ext>
+            </a:extLst>
+          </p:cNvPr>
+          <p:cNvSpPr/>
+          <p:nvPr/>
+        </p:nvSpPr>
+        <p:spPr>
+          <a:xfrm>
+            <a:off x="1763525" y="4151073"/>
+            <a:ext cx="3583443" cy="1797132"/>
+          </a:xfrm>
+          <a:prstGeom prst="rect">
+            <a:avLst/>
+          </a:prstGeom>
+          <a:solidFill>
+            <a:schemeClr val="tx2">
+              <a:lumMod val="50000"/>
+            </a:schemeClr>
+          </a:solidFill>
+          <a:ln>
             <a:solidFill>
-              <a:schemeClr val="accent4"/>
+              <a:schemeClr val="tx1">
+                <a:lumMod val="50000"/>
+                <a:lumOff val="50000"/>
+              </a:schemeClr>
             </a:solidFill>
-            <a:ln>
-              <a:noFill/>
-            </a:ln>
-          </p:spPr>
-          <p:style>
-            <a:lnRef idx="2">
-              <a:schemeClr val="accent1">
-                <a:shade val="50000"/>
+          </a:ln>
+          <a:effectLst/>
+        </p:spPr>
+        <p:style>
+          <a:lnRef idx="2">
+            <a:schemeClr val="accent1">
+              <a:shade val="50000"/>
+            </a:schemeClr>
+          </a:lnRef>
+          <a:fillRef idx="1">
+            <a:schemeClr val="accent1"/>
+          </a:fillRef>
+          <a:effectRef idx="0">
+            <a:schemeClr val="accent1"/>
+          </a:effectRef>
+          <a:fontRef idx="minor">
+            <a:schemeClr val="lt1"/>
+          </a:fontRef>
+        </p:style>
+        <p:txBody>
+          <a:bodyPr rtlCol="0" anchor="ctr"/>
+          <a:lstStyle/>
+          <a:p>
+            <a:pPr algn="ctr"/>
+            <a:r>
+              <a:rPr lang="en-PH" sz="2400" b="1" spc="300" dirty="0">
+                <a:latin typeface="Open Sans" pitchFamily="2" charset="0"/>
+                <a:ea typeface="Open Sans" pitchFamily="2" charset="0"/>
+                <a:cs typeface="Open Sans" pitchFamily="2" charset="0"/>
+              </a:rPr>
+              <a:t>CSC 0324-2</a:t>
+            </a:r>
+          </a:p>
+        </p:txBody>
+      </p:sp>
+      <p:sp>
+        <p:nvSpPr>
+          <p:cNvPr id="35" name="Rectangle 34">
+            <a:extLst>
+              <a:ext uri="{FF2B5EF4-FFF2-40B4-BE49-F238E27FC236}">
+                <a16:creationId xmlns:a16="http://schemas.microsoft.com/office/drawing/2014/main" id="{BD8B7B6A-F041-B2D4-64E4-5177C621AC7E}"/>
+              </a:ext>
+            </a:extLst>
+          </p:cNvPr>
+          <p:cNvSpPr/>
+          <p:nvPr/>
+        </p:nvSpPr>
+        <p:spPr>
+          <a:xfrm>
+            <a:off x="7552946" y="4151073"/>
+            <a:ext cx="3583443" cy="1797132"/>
+          </a:xfrm>
+          <a:prstGeom prst="rect">
+            <a:avLst/>
+          </a:prstGeom>
+          <a:solidFill>
+            <a:schemeClr val="accent4"/>
+          </a:solidFill>
+          <a:ln>
+            <a:solidFill>
+              <a:schemeClr val="tx1">
+                <a:lumMod val="50000"/>
+                <a:lumOff val="50000"/>
               </a:schemeClr>
-            </a:lnRef>
-            <a:fillRef idx="1">
-              <a:schemeClr val="accent1"/>
-            </a:fillRef>
-            <a:effectRef idx="0">
-              <a:schemeClr val="accent1"/>
-            </a:effectRef>
-            <a:fontRef idx="minor">
-              <a:schemeClr val="lt1"/>
-            </a:fontRef>
-          </p:style>
-          <p:txBody>
-            <a:bodyPr rtlCol="0" anchor="ctr"/>
-            <a:lstStyle/>
-            <a:p>
-              <a:pPr algn="ctr"/>
-              <a:endParaRPr lang="en-PH"/>
-            </a:p>
-          </p:txBody>
-        </p:sp>
-        <p:sp>
-          <p:nvSpPr>
-            <p:cNvPr id="11" name="Oval 10">
-              <a:extLst>
-                <a:ext uri="{FF2B5EF4-FFF2-40B4-BE49-F238E27FC236}">
-                  <a16:creationId xmlns:a16="http://schemas.microsoft.com/office/drawing/2014/main" id="{D3FC266F-8BAA-8DEC-3637-40B3FF08D943}"/>
-                </a:ext>
-              </a:extLst>
-            </p:cNvPr>
-            <p:cNvSpPr/>
-            <p:nvPr/>
-          </p:nvSpPr>
-          <p:spPr>
-            <a:xfrm>
-              <a:off x="7922834" y="1832008"/>
-              <a:ext cx="2017424" cy="2017424"/>
-            </a:xfrm>
-            <a:prstGeom prst="ellipse">
-              <a:avLst/>
-            </a:prstGeom>
+            </a:solidFill>
+          </a:ln>
+          <a:effectLst/>
+        </p:spPr>
+        <p:style>
+          <a:lnRef idx="2">
+            <a:schemeClr val="accent1">
+              <a:shade val="50000"/>
+            </a:schemeClr>
+          </a:lnRef>
+          <a:fillRef idx="1">
+            <a:schemeClr val="accent1"/>
+          </a:fillRef>
+          <a:effectRef idx="0">
+            <a:schemeClr val="accent1"/>
+          </a:effectRef>
+          <a:fontRef idx="minor">
+            <a:schemeClr val="lt1"/>
+          </a:fontRef>
+        </p:style>
+        <p:txBody>
+          <a:bodyPr rtlCol="0" anchor="ctr"/>
+          <a:lstStyle/>
+          <a:p>
+            <a:pPr algn="ctr"/>
+            <a:r>
+              <a:rPr lang="en-PH" sz="2400" b="1" spc="300" dirty="0">
+                <a:latin typeface="Open Sans" pitchFamily="2" charset="0"/>
+                <a:ea typeface="Open Sans" pitchFamily="2" charset="0"/>
+                <a:cs typeface="Open Sans" pitchFamily="2" charset="0"/>
+              </a:rPr>
+              <a:t>ABC 0123-4</a:t>
+            </a:r>
+          </a:p>
+        </p:txBody>
+      </p:sp>
+      <p:sp>
+        <p:nvSpPr>
+          <p:cNvPr id="36" name="Rectangle: Top Corners Rounded 35">
+            <a:extLst>
+              <a:ext uri="{FF2B5EF4-FFF2-40B4-BE49-F238E27FC236}">
+                <a16:creationId xmlns:a16="http://schemas.microsoft.com/office/drawing/2014/main" id="{0E9547D3-327E-1FA8-ADB5-4366E26D41A8}"/>
+              </a:ext>
+            </a:extLst>
+          </p:cNvPr>
+          <p:cNvSpPr/>
+          <p:nvPr/>
+        </p:nvSpPr>
+        <p:spPr>
+          <a:xfrm flipV="1">
+            <a:off x="1763523" y="5948205"/>
+            <a:ext cx="3583445" cy="1059424"/>
+          </a:xfrm>
+          <a:prstGeom prst="round2SameRect">
+            <a:avLst/>
+          </a:prstGeom>
+          <a:solidFill>
+            <a:schemeClr val="bg1"/>
+          </a:solidFill>
+          <a:ln>
             <a:solidFill>
-              <a:srgbClr val="002060"/>
+              <a:schemeClr val="tx1">
+                <a:lumMod val="50000"/>
+                <a:lumOff val="50000"/>
+              </a:schemeClr>
             </a:solidFill>
-            <a:ln>
-              <a:noFill/>
-            </a:ln>
-          </p:spPr>
-          <p:style>
-            <a:lnRef idx="2">
-              <a:schemeClr val="accent1">
-                <a:shade val="50000"/>
+          </a:ln>
+          <a:effectLst>
+            <a:outerShdw blurRad="63500" sx="102000" sy="102000" algn="ctr" rotWithShape="0">
+              <a:prstClr val="black">
+                <a:alpha val="40000"/>
+              </a:prstClr>
+            </a:outerShdw>
+          </a:effectLst>
+        </p:spPr>
+        <p:style>
+          <a:lnRef idx="2">
+            <a:schemeClr val="accent1">
+              <a:shade val="50000"/>
+            </a:schemeClr>
+          </a:lnRef>
+          <a:fillRef idx="1">
+            <a:schemeClr val="accent1"/>
+          </a:fillRef>
+          <a:effectRef idx="0">
+            <a:schemeClr val="accent1"/>
+          </a:effectRef>
+          <a:fontRef idx="minor">
+            <a:schemeClr val="lt1"/>
+          </a:fontRef>
+        </p:style>
+        <p:txBody>
+          <a:bodyPr rtlCol="0" anchor="ctr"/>
+          <a:lstStyle/>
+          <a:p>
+            <a:pPr algn="ctr"/>
+            <a:endParaRPr lang="en-PH" dirty="0"/>
+          </a:p>
+        </p:txBody>
+      </p:sp>
+      <p:sp>
+        <p:nvSpPr>
+          <p:cNvPr id="37" name="Rectangle: Top Corners Rounded 36">
+            <a:extLst>
+              <a:ext uri="{FF2B5EF4-FFF2-40B4-BE49-F238E27FC236}">
+                <a16:creationId xmlns:a16="http://schemas.microsoft.com/office/drawing/2014/main" id="{F91B95A1-E76F-0A38-7FC8-9F20B8EC6663}"/>
+              </a:ext>
+            </a:extLst>
+          </p:cNvPr>
+          <p:cNvSpPr/>
+          <p:nvPr/>
+        </p:nvSpPr>
+        <p:spPr>
+          <a:xfrm flipV="1">
+            <a:off x="7552946" y="5948205"/>
+            <a:ext cx="3583445" cy="1059424"/>
+          </a:xfrm>
+          <a:prstGeom prst="round2SameRect">
+            <a:avLst/>
+          </a:prstGeom>
+          <a:solidFill>
+            <a:schemeClr val="bg1"/>
+          </a:solidFill>
+          <a:ln>
+            <a:solidFill>
+              <a:schemeClr val="tx1">
+                <a:lumMod val="50000"/>
+                <a:lumOff val="50000"/>
               </a:schemeClr>
-            </a:lnRef>
-            <a:fillRef idx="1">
-              <a:schemeClr val="accent1"/>
-            </a:fillRef>
-            <a:effectRef idx="0">
-              <a:schemeClr val="accent1"/>
-            </a:effectRef>
-            <a:fontRef idx="minor">
-              <a:schemeClr val="lt1"/>
-            </a:fontRef>
-          </p:style>
-          <p:txBody>
-            <a:bodyPr rtlCol="0" anchor="ctr"/>
-            <a:lstStyle/>
-            <a:p>
-              <a:pPr algn="ctr"/>
-              <a:endParaRPr lang="en-PH"/>
-            </a:p>
-          </p:txBody>
-        </p:sp>
-        <p:sp>
-          <p:nvSpPr>
-            <p:cNvPr id="6" name="Oval 5">
-              <a:extLst>
-                <a:ext uri="{FF2B5EF4-FFF2-40B4-BE49-F238E27FC236}">
-                  <a16:creationId xmlns:a16="http://schemas.microsoft.com/office/drawing/2014/main" id="{A5E24744-832E-1750-241A-E352C80C0976}"/>
-                </a:ext>
-              </a:extLst>
-            </p:cNvPr>
-            <p:cNvSpPr/>
-            <p:nvPr/>
-          </p:nvSpPr>
-          <p:spPr>
-            <a:xfrm>
-              <a:off x="7557074" y="3087690"/>
-              <a:ext cx="731520" cy="731520"/>
-            </a:xfrm>
-            <a:prstGeom prst="ellipse">
-              <a:avLst/>
-            </a:prstGeom>
-            <a:solidFill>
-              <a:schemeClr val="accent4"/>
             </a:solidFill>
-            <a:ln>
-              <a:noFill/>
-            </a:ln>
-          </p:spPr>
-          <p:style>
-            <a:lnRef idx="2">
-              <a:schemeClr val="accent1">
-                <a:shade val="50000"/>
-              </a:schemeClr>
-            </a:lnRef>
-            <a:fillRef idx="1">
-              <a:schemeClr val="accent1"/>
-            </a:fillRef>
-            <a:effectRef idx="0">
-              <a:schemeClr val="accent1"/>
-            </a:effectRef>
-            <a:fontRef idx="minor">
-              <a:schemeClr val="lt1"/>
-            </a:fontRef>
-          </p:style>
-          <p:txBody>
-            <a:bodyPr rtlCol="0" anchor="ctr"/>
-            <a:lstStyle/>
-            <a:p>
-              <a:pPr algn="ctr"/>
-              <a:endParaRPr lang="en-PH"/>
-            </a:p>
-          </p:txBody>
-        </p:sp>
-        <p:sp>
-          <p:nvSpPr>
-            <p:cNvPr id="12" name="Oval 11">
-              <a:extLst>
-                <a:ext uri="{FF2B5EF4-FFF2-40B4-BE49-F238E27FC236}">
-                  <a16:creationId xmlns:a16="http://schemas.microsoft.com/office/drawing/2014/main" id="{4C521A9E-A7A0-200F-BEEC-3D2BE611C111}"/>
-                </a:ext>
-              </a:extLst>
-            </p:cNvPr>
-            <p:cNvSpPr/>
-            <p:nvPr/>
-          </p:nvSpPr>
-          <p:spPr>
-            <a:xfrm>
-              <a:off x="1862117" y="5578412"/>
-              <a:ext cx="731520" cy="731520"/>
-            </a:xfrm>
-            <a:prstGeom prst="ellipse">
-              <a:avLst/>
-            </a:prstGeom>
-            <a:solidFill>
-              <a:srgbClr val="002060"/>
-            </a:solidFill>
-            <a:ln>
-              <a:noFill/>
-            </a:ln>
-          </p:spPr>
-          <p:style>
-            <a:lnRef idx="2">
-              <a:schemeClr val="accent1">
-                <a:shade val="50000"/>
-              </a:schemeClr>
-            </a:lnRef>
-            <a:fillRef idx="1">
-              <a:schemeClr val="accent1"/>
-            </a:fillRef>
-            <a:effectRef idx="0">
-              <a:schemeClr val="accent1"/>
-            </a:effectRef>
-            <a:fontRef idx="minor">
-              <a:schemeClr val="lt1"/>
-            </a:fontRef>
-          </p:style>
-          <p:txBody>
-            <a:bodyPr rtlCol="0" anchor="ctr"/>
-            <a:lstStyle/>
-            <a:p>
-              <a:pPr algn="ctr"/>
-              <a:endParaRPr lang="en-PH"/>
-            </a:p>
-          </p:txBody>
-        </p:sp>
-        <p:sp>
-          <p:nvSpPr>
-            <p:cNvPr id="13" name="Oval 12">
-              <a:extLst>
-                <a:ext uri="{FF2B5EF4-FFF2-40B4-BE49-F238E27FC236}">
-                  <a16:creationId xmlns:a16="http://schemas.microsoft.com/office/drawing/2014/main" id="{61FAFA08-60CC-08A9-8EEA-AF8D4CC4B33D}"/>
-                </a:ext>
-              </a:extLst>
-            </p:cNvPr>
-            <p:cNvSpPr/>
-            <p:nvPr/>
-          </p:nvSpPr>
-          <p:spPr>
-            <a:xfrm>
-              <a:off x="2387159" y="5446400"/>
-              <a:ext cx="412955" cy="412955"/>
-            </a:xfrm>
-            <a:prstGeom prst="ellipse">
-              <a:avLst/>
-            </a:prstGeom>
-            <a:solidFill>
-              <a:schemeClr val="accent4"/>
-            </a:solidFill>
-            <a:ln>
-              <a:noFill/>
-            </a:ln>
-          </p:spPr>
-          <p:style>
-            <a:lnRef idx="2">
-              <a:schemeClr val="accent1">
-                <a:shade val="50000"/>
-              </a:schemeClr>
-            </a:lnRef>
-            <a:fillRef idx="1">
-              <a:schemeClr val="accent1"/>
-            </a:fillRef>
-            <a:effectRef idx="0">
-              <a:schemeClr val="accent1"/>
-            </a:effectRef>
-            <a:fontRef idx="minor">
-              <a:schemeClr val="lt1"/>
-            </a:fontRef>
-          </p:style>
-          <p:txBody>
-            <a:bodyPr rtlCol="0" anchor="ctr"/>
-            <a:lstStyle/>
-            <a:p>
-              <a:pPr algn="ctr"/>
-              <a:endParaRPr lang="en-PH"/>
-            </a:p>
-          </p:txBody>
-        </p:sp>
-        <p:sp>
-          <p:nvSpPr>
-            <p:cNvPr id="14" name="Oval 13">
-              <a:extLst>
-                <a:ext uri="{FF2B5EF4-FFF2-40B4-BE49-F238E27FC236}">
-                  <a16:creationId xmlns:a16="http://schemas.microsoft.com/office/drawing/2014/main" id="{86E53AA7-7629-FE5E-B2F2-C6126B94558C}"/>
-                </a:ext>
-              </a:extLst>
-            </p:cNvPr>
-            <p:cNvSpPr/>
-            <p:nvPr/>
-          </p:nvSpPr>
-          <p:spPr>
-            <a:xfrm>
-              <a:off x="3730133" y="1489691"/>
-              <a:ext cx="412955" cy="412955"/>
-            </a:xfrm>
-            <a:prstGeom prst="ellipse">
-              <a:avLst/>
-            </a:prstGeom>
-            <a:solidFill>
-              <a:schemeClr val="accent4"/>
-            </a:solidFill>
-            <a:ln>
-              <a:noFill/>
-            </a:ln>
-          </p:spPr>
-          <p:style>
-            <a:lnRef idx="2">
-              <a:schemeClr val="accent1">
-                <a:shade val="50000"/>
-              </a:schemeClr>
-            </a:lnRef>
-            <a:fillRef idx="1">
-              <a:schemeClr val="accent1"/>
-            </a:fillRef>
-            <a:effectRef idx="0">
-              <a:schemeClr val="accent1"/>
-            </a:effectRef>
-            <a:fontRef idx="minor">
-              <a:schemeClr val="lt1"/>
-            </a:fontRef>
-          </p:style>
-          <p:txBody>
-            <a:bodyPr rtlCol="0" anchor="ctr"/>
-            <a:lstStyle/>
-            <a:p>
-              <a:pPr algn="ctr"/>
-              <a:endParaRPr lang="en-PH"/>
-            </a:p>
-          </p:txBody>
-        </p:sp>
-        <p:sp>
-          <p:nvSpPr>
-            <p:cNvPr id="15" name="Oval 14">
-              <a:extLst>
-                <a:ext uri="{FF2B5EF4-FFF2-40B4-BE49-F238E27FC236}">
-                  <a16:creationId xmlns:a16="http://schemas.microsoft.com/office/drawing/2014/main" id="{635FB5F5-3979-8CA7-659D-BA88CAB5F824}"/>
-                </a:ext>
-              </a:extLst>
-            </p:cNvPr>
-            <p:cNvSpPr/>
-            <p:nvPr/>
-          </p:nvSpPr>
-          <p:spPr>
-            <a:xfrm>
-              <a:off x="1130597" y="3104895"/>
-              <a:ext cx="731520" cy="731520"/>
-            </a:xfrm>
-            <a:prstGeom prst="ellipse">
-              <a:avLst/>
-            </a:prstGeom>
-            <a:solidFill>
-              <a:srgbClr val="002060"/>
-            </a:solidFill>
-            <a:ln>
-              <a:noFill/>
-            </a:ln>
-          </p:spPr>
-          <p:style>
-            <a:lnRef idx="2">
-              <a:schemeClr val="accent1">
-                <a:shade val="50000"/>
-              </a:schemeClr>
-            </a:lnRef>
-            <a:fillRef idx="1">
-              <a:schemeClr val="accent1"/>
-            </a:fillRef>
-            <a:effectRef idx="0">
-              <a:schemeClr val="accent1"/>
-            </a:effectRef>
-            <a:fontRef idx="minor">
-              <a:schemeClr val="lt1"/>
-            </a:fontRef>
-          </p:style>
-          <p:txBody>
-            <a:bodyPr rtlCol="0" anchor="ctr"/>
-            <a:lstStyle/>
-            <a:p>
-              <a:pPr algn="ctr"/>
-              <a:endParaRPr lang="en-PH"/>
-            </a:p>
-          </p:txBody>
-        </p:sp>
-        <p:sp>
-          <p:nvSpPr>
-            <p:cNvPr id="18" name="Oval 17">
-              <a:extLst>
-                <a:ext uri="{FF2B5EF4-FFF2-40B4-BE49-F238E27FC236}">
-                  <a16:creationId xmlns:a16="http://schemas.microsoft.com/office/drawing/2014/main" id="{83EA8BB8-5CF0-647F-392D-8B882A03863B}"/>
-                </a:ext>
-              </a:extLst>
-            </p:cNvPr>
-            <p:cNvSpPr/>
-            <p:nvPr/>
-          </p:nvSpPr>
-          <p:spPr>
-            <a:xfrm>
-              <a:off x="10846713" y="5652878"/>
-              <a:ext cx="2017424" cy="2017424"/>
-            </a:xfrm>
-            <a:prstGeom prst="ellipse">
-              <a:avLst/>
-            </a:prstGeom>
-            <a:solidFill>
-              <a:srgbClr val="002060"/>
-            </a:solidFill>
-            <a:ln>
-              <a:noFill/>
-            </a:ln>
-          </p:spPr>
-          <p:style>
-            <a:lnRef idx="2">
-              <a:schemeClr val="accent1">
-                <a:shade val="50000"/>
-              </a:schemeClr>
-            </a:lnRef>
-            <a:fillRef idx="1">
-              <a:schemeClr val="accent1"/>
-            </a:fillRef>
-            <a:effectRef idx="0">
-              <a:schemeClr val="accent1"/>
-            </a:effectRef>
-            <a:fontRef idx="minor">
-              <a:schemeClr val="lt1"/>
-            </a:fontRef>
-          </p:style>
-          <p:txBody>
-            <a:bodyPr rtlCol="0" anchor="ctr"/>
-            <a:lstStyle/>
-            <a:p>
-              <a:pPr algn="ctr"/>
-              <a:endParaRPr lang="en-PH"/>
-            </a:p>
-          </p:txBody>
-        </p:sp>
-        <p:sp>
-          <p:nvSpPr>
-            <p:cNvPr id="19" name="Oval 18">
-              <a:extLst>
-                <a:ext uri="{FF2B5EF4-FFF2-40B4-BE49-F238E27FC236}">
-                  <a16:creationId xmlns:a16="http://schemas.microsoft.com/office/drawing/2014/main" id="{3EDE43D4-9EAE-B599-05D8-7B35C6C783A4}"/>
-                </a:ext>
-              </a:extLst>
-            </p:cNvPr>
-            <p:cNvSpPr/>
-            <p:nvPr/>
-          </p:nvSpPr>
-          <p:spPr>
-            <a:xfrm>
-              <a:off x="6255282" y="585690"/>
-              <a:ext cx="412955" cy="412955"/>
-            </a:xfrm>
-            <a:prstGeom prst="ellipse">
-              <a:avLst/>
-            </a:prstGeom>
-            <a:solidFill>
-              <a:schemeClr val="accent4"/>
-            </a:solidFill>
-            <a:ln>
-              <a:noFill/>
-            </a:ln>
-          </p:spPr>
-          <p:style>
-            <a:lnRef idx="2">
-              <a:schemeClr val="accent1">
-                <a:shade val="50000"/>
-              </a:schemeClr>
-            </a:lnRef>
-            <a:fillRef idx="1">
-              <a:schemeClr val="accent1"/>
-            </a:fillRef>
-            <a:effectRef idx="0">
-              <a:schemeClr val="accent1"/>
-            </a:effectRef>
-            <a:fontRef idx="minor">
-              <a:schemeClr val="lt1"/>
-            </a:fontRef>
-          </p:style>
-          <p:txBody>
-            <a:bodyPr rtlCol="0" anchor="ctr"/>
-            <a:lstStyle/>
-            <a:p>
-              <a:pPr algn="ctr"/>
-              <a:endParaRPr lang="en-PH"/>
-            </a:p>
-          </p:txBody>
-        </p:sp>
-        <p:sp>
-          <p:nvSpPr>
-            <p:cNvPr id="21" name="Oval 20">
-              <a:extLst>
-                <a:ext uri="{FF2B5EF4-FFF2-40B4-BE49-F238E27FC236}">
-                  <a16:creationId xmlns:a16="http://schemas.microsoft.com/office/drawing/2014/main" id="{13732DDC-F96E-C5C2-D89B-EF283182BC67}"/>
-                </a:ext>
-              </a:extLst>
-            </p:cNvPr>
-            <p:cNvSpPr/>
-            <p:nvPr/>
-          </p:nvSpPr>
-          <p:spPr>
-            <a:xfrm>
-              <a:off x="6718795" y="5446400"/>
-              <a:ext cx="412955" cy="412955"/>
-            </a:xfrm>
-            <a:prstGeom prst="ellipse">
-              <a:avLst/>
-            </a:prstGeom>
-            <a:solidFill>
-              <a:srgbClr val="002060"/>
-            </a:solidFill>
-            <a:ln>
-              <a:noFill/>
-            </a:ln>
-          </p:spPr>
-          <p:style>
-            <a:lnRef idx="2">
-              <a:schemeClr val="accent1">
-                <a:shade val="50000"/>
-              </a:schemeClr>
-            </a:lnRef>
-            <a:fillRef idx="1">
-              <a:schemeClr val="accent1"/>
-            </a:fillRef>
-            <a:effectRef idx="0">
-              <a:schemeClr val="accent1"/>
-            </a:effectRef>
-            <a:fontRef idx="minor">
-              <a:schemeClr val="lt1"/>
-            </a:fontRef>
-          </p:style>
-          <p:txBody>
-            <a:bodyPr rtlCol="0" anchor="ctr"/>
-            <a:lstStyle/>
-            <a:p>
-              <a:pPr algn="ctr"/>
-              <a:endParaRPr lang="en-PH"/>
-            </a:p>
-          </p:txBody>
-        </p:sp>
-        <p:sp>
-          <p:nvSpPr>
-            <p:cNvPr id="22" name="Oval 21">
-              <a:extLst>
-                <a:ext uri="{FF2B5EF4-FFF2-40B4-BE49-F238E27FC236}">
-                  <a16:creationId xmlns:a16="http://schemas.microsoft.com/office/drawing/2014/main" id="{5186F13F-EA16-273F-EA0D-ACD055CDFEF0}"/>
-                </a:ext>
-              </a:extLst>
-            </p:cNvPr>
-            <p:cNvSpPr/>
-            <p:nvPr/>
-          </p:nvSpPr>
-          <p:spPr>
-            <a:xfrm>
-              <a:off x="10269805" y="4208698"/>
-              <a:ext cx="422296" cy="422296"/>
-            </a:xfrm>
-            <a:prstGeom prst="ellipse">
-              <a:avLst/>
-            </a:prstGeom>
-            <a:solidFill>
-              <a:schemeClr val="accent4"/>
-            </a:solidFill>
-            <a:ln>
-              <a:noFill/>
-            </a:ln>
-          </p:spPr>
-          <p:style>
-            <a:lnRef idx="2">
-              <a:schemeClr val="accent1">
-                <a:shade val="50000"/>
-              </a:schemeClr>
-            </a:lnRef>
-            <a:fillRef idx="1">
-              <a:schemeClr val="accent1"/>
-            </a:fillRef>
-            <a:effectRef idx="0">
-              <a:schemeClr val="accent1"/>
-            </a:effectRef>
-            <a:fontRef idx="minor">
-              <a:schemeClr val="lt1"/>
-            </a:fontRef>
-          </p:style>
-          <p:txBody>
-            <a:bodyPr rtlCol="0" anchor="ctr"/>
-            <a:lstStyle/>
-            <a:p>
-              <a:pPr algn="ctr"/>
-              <a:endParaRPr lang="en-PH"/>
-            </a:p>
-          </p:txBody>
-        </p:sp>
-        <p:sp>
-          <p:nvSpPr>
-            <p:cNvPr id="32" name="Oval 31">
-              <a:extLst>
-                <a:ext uri="{FF2B5EF4-FFF2-40B4-BE49-F238E27FC236}">
-                  <a16:creationId xmlns:a16="http://schemas.microsoft.com/office/drawing/2014/main" id="{E29B5D0E-CF01-B845-1BA2-31C1A24BF5B8}"/>
-                </a:ext>
-              </a:extLst>
-            </p:cNvPr>
-            <p:cNvSpPr/>
-            <p:nvPr/>
-          </p:nvSpPr>
-          <p:spPr>
-            <a:xfrm>
-              <a:off x="-857511" y="-508172"/>
-              <a:ext cx="2634732" cy="2634732"/>
-            </a:xfrm>
-            <a:prstGeom prst="ellipse">
-              <a:avLst/>
-            </a:prstGeom>
-            <a:solidFill>
-              <a:srgbClr val="002060"/>
-            </a:solidFill>
-            <a:ln>
-              <a:noFill/>
-            </a:ln>
-          </p:spPr>
-          <p:style>
-            <a:lnRef idx="2">
-              <a:schemeClr val="accent1">
-                <a:shade val="50000"/>
-              </a:schemeClr>
-            </a:lnRef>
-            <a:fillRef idx="1">
-              <a:schemeClr val="accent1"/>
-            </a:fillRef>
-            <a:effectRef idx="0">
-              <a:schemeClr val="accent1"/>
-            </a:effectRef>
-            <a:fontRef idx="minor">
-              <a:schemeClr val="lt1"/>
-            </a:fontRef>
-          </p:style>
-          <p:txBody>
-            <a:bodyPr rtlCol="0" anchor="ctr"/>
-            <a:lstStyle/>
-            <a:p>
-              <a:pPr algn="ctr"/>
-              <a:endParaRPr lang="en-PH"/>
-            </a:p>
-          </p:txBody>
-        </p:sp>
-        <p:sp>
-          <p:nvSpPr>
-            <p:cNvPr id="33" name="Oval 32">
-              <a:extLst>
-                <a:ext uri="{FF2B5EF4-FFF2-40B4-BE49-F238E27FC236}">
-                  <a16:creationId xmlns:a16="http://schemas.microsoft.com/office/drawing/2014/main" id="{07E84D72-8341-8974-49C4-30490971F476}"/>
-                </a:ext>
-              </a:extLst>
-            </p:cNvPr>
-            <p:cNvSpPr/>
-            <p:nvPr/>
-          </p:nvSpPr>
-          <p:spPr>
-            <a:xfrm>
-              <a:off x="-558689" y="-195248"/>
-              <a:ext cx="2017424" cy="2017424"/>
-            </a:xfrm>
-            <a:prstGeom prst="ellipse">
-              <a:avLst/>
-            </a:prstGeom>
-            <a:solidFill>
-              <a:schemeClr val="accent4"/>
-            </a:solidFill>
-            <a:ln>
-              <a:noFill/>
-            </a:ln>
-          </p:spPr>
-          <p:style>
-            <a:lnRef idx="2">
-              <a:schemeClr val="accent1">
-                <a:shade val="50000"/>
-              </a:schemeClr>
-            </a:lnRef>
-            <a:fillRef idx="1">
-              <a:schemeClr val="accent1"/>
-            </a:fillRef>
-            <a:effectRef idx="0">
-              <a:schemeClr val="accent1"/>
-            </a:effectRef>
-            <a:fontRef idx="minor">
-              <a:schemeClr val="lt1"/>
-            </a:fontRef>
-          </p:style>
-          <p:txBody>
-            <a:bodyPr rtlCol="0" anchor="ctr"/>
-            <a:lstStyle/>
-            <a:p>
-              <a:pPr algn="ctr"/>
-              <a:endParaRPr lang="en-PH"/>
-            </a:p>
-          </p:txBody>
-        </p:sp>
-      </p:grpSp>
+          </a:ln>
+          <a:effectLst>
+            <a:outerShdw blurRad="63500" sx="102000" sy="102000" algn="ctr" rotWithShape="0">
+              <a:prstClr val="black">
+                <a:alpha val="40000"/>
+              </a:prstClr>
+            </a:outerShdw>
+          </a:effectLst>
+        </p:spPr>
+        <p:style>
+          <a:lnRef idx="2">
+            <a:schemeClr val="accent1">
+              <a:shade val="50000"/>
+            </a:schemeClr>
+          </a:lnRef>
+          <a:fillRef idx="1">
+            <a:schemeClr val="accent1"/>
+          </a:fillRef>
+          <a:effectRef idx="0">
+            <a:schemeClr val="accent1"/>
+          </a:effectRef>
+          <a:fontRef idx="minor">
+            <a:schemeClr val="lt1"/>
+          </a:fontRef>
+        </p:style>
+        <p:txBody>
+          <a:bodyPr rtlCol="0" anchor="ctr"/>
+          <a:lstStyle/>
+          <a:p>
+            <a:pPr algn="ctr"/>
+            <a:endParaRPr lang="en-PH"/>
+          </a:p>
+        </p:txBody>
+      </p:sp>
+      <p:sp>
+        <p:nvSpPr>
+          <p:cNvPr id="38" name="TextBox 37">
+            <a:extLst>
+              <a:ext uri="{FF2B5EF4-FFF2-40B4-BE49-F238E27FC236}">
+                <a16:creationId xmlns:a16="http://schemas.microsoft.com/office/drawing/2014/main" id="{19DDCC11-270E-D839-C76A-1019EF9ED04F}"/>
+              </a:ext>
+            </a:extLst>
+          </p:cNvPr>
+          <p:cNvSpPr txBox="1"/>
+          <p:nvPr/>
+        </p:nvSpPr>
+        <p:spPr>
+          <a:xfrm>
+            <a:off x="1912101" y="1964221"/>
+            <a:ext cx="3286287" cy="369332"/>
+          </a:xfrm>
+          <a:prstGeom prst="rect">
+            <a:avLst/>
+          </a:prstGeom>
+          <a:noFill/>
+        </p:spPr>
+        <p:txBody>
+          <a:bodyPr wrap="square" rtlCol="0">
+            <a:spAutoFit/>
+          </a:bodyPr>
+          <a:lstStyle/>
+          <a:p>
+            <a:r>
+              <a:rPr lang="en-PH" b="1" dirty="0">
+                <a:solidFill>
+                  <a:schemeClr val="bg1"/>
+                </a:solidFill>
+                <a:latin typeface="Open Sans" pitchFamily="2" charset="0"/>
+                <a:ea typeface="Open Sans" pitchFamily="2" charset="0"/>
+                <a:cs typeface="Open Sans" pitchFamily="2" charset="0"/>
+              </a:rPr>
+              <a:t>SOFTWARE ENGINEERING 2</a:t>
+            </a:r>
+          </a:p>
+        </p:txBody>
+      </p:sp>
+      <p:sp>
+        <p:nvSpPr>
+          <p:cNvPr id="39" name="TextBox 38">
+            <a:extLst>
+              <a:ext uri="{FF2B5EF4-FFF2-40B4-BE49-F238E27FC236}">
+                <a16:creationId xmlns:a16="http://schemas.microsoft.com/office/drawing/2014/main" id="{7A356FB0-525C-0CC2-AD00-40CDEDAC1771}"/>
+              </a:ext>
+            </a:extLst>
+          </p:cNvPr>
+          <p:cNvSpPr txBox="1"/>
+          <p:nvPr/>
+        </p:nvSpPr>
+        <p:spPr>
+          <a:xfrm>
+            <a:off x="1763523" y="2447946"/>
+            <a:ext cx="3583443" cy="893834"/>
+          </a:xfrm>
+          <a:prstGeom prst="rect">
+            <a:avLst/>
+          </a:prstGeom>
+          <a:noFill/>
+        </p:spPr>
+        <p:txBody>
+          <a:bodyPr wrap="square" rtlCol="0">
+            <a:spAutoFit/>
+          </a:bodyPr>
+          <a:lstStyle/>
+          <a:p>
+            <a:pPr>
+              <a:lnSpc>
+                <a:spcPct val="150000"/>
+              </a:lnSpc>
+            </a:pPr>
+            <a:r>
+              <a:rPr lang="en-PH" sz="1200" b="1" dirty="0">
+                <a:latin typeface="Open Sans" pitchFamily="2" charset="0"/>
+                <a:ea typeface="Open Sans" pitchFamily="2" charset="0"/>
+                <a:cs typeface="Open Sans" pitchFamily="2" charset="0"/>
+              </a:rPr>
+              <a:t>Course: BSCS</a:t>
+            </a:r>
+          </a:p>
+          <a:p>
+            <a:pPr>
+              <a:lnSpc>
+                <a:spcPct val="150000"/>
+              </a:lnSpc>
+            </a:pPr>
+            <a:r>
+              <a:rPr lang="en-PH" sz="1200" b="1" dirty="0">
+                <a:latin typeface="Open Sans" pitchFamily="2" charset="0"/>
+                <a:ea typeface="Open Sans" pitchFamily="2" charset="0"/>
+                <a:cs typeface="Open Sans" pitchFamily="2" charset="0"/>
+              </a:rPr>
+              <a:t>Year/Block: 3-2</a:t>
+            </a:r>
+          </a:p>
+          <a:p>
+            <a:pPr>
+              <a:lnSpc>
+                <a:spcPct val="150000"/>
+              </a:lnSpc>
+            </a:pPr>
+            <a:r>
+              <a:rPr lang="en-PH" sz="1200" b="1" dirty="0">
+                <a:latin typeface="Open Sans" pitchFamily="2" charset="0"/>
+                <a:ea typeface="Open Sans" pitchFamily="2" charset="0"/>
+                <a:cs typeface="Open Sans" pitchFamily="2" charset="0"/>
+              </a:rPr>
+              <a:t>Day/Time: T/Th 7:00pm – 8:00pm</a:t>
+            </a:r>
+          </a:p>
+        </p:txBody>
+      </p:sp>
+      <p:sp>
+        <p:nvSpPr>
+          <p:cNvPr id="40" name="TextBox 39">
+            <a:extLst>
+              <a:ext uri="{FF2B5EF4-FFF2-40B4-BE49-F238E27FC236}">
+                <a16:creationId xmlns:a16="http://schemas.microsoft.com/office/drawing/2014/main" id="{DF671A24-8953-FE49-0114-4232CBF32529}"/>
+              </a:ext>
+            </a:extLst>
+          </p:cNvPr>
+          <p:cNvSpPr txBox="1"/>
+          <p:nvPr/>
+        </p:nvSpPr>
+        <p:spPr>
+          <a:xfrm>
+            <a:off x="7701523" y="2012067"/>
+            <a:ext cx="3286287" cy="369332"/>
+          </a:xfrm>
+          <a:prstGeom prst="rect">
+            <a:avLst/>
+          </a:prstGeom>
+          <a:noFill/>
+        </p:spPr>
+        <p:txBody>
+          <a:bodyPr wrap="square" rtlCol="0">
+            <a:spAutoFit/>
+          </a:bodyPr>
+          <a:lstStyle/>
+          <a:p>
+            <a:r>
+              <a:rPr lang="en-PH" b="1" dirty="0">
+                <a:solidFill>
+                  <a:schemeClr val="bg1"/>
+                </a:solidFill>
+                <a:latin typeface="Open Sans" pitchFamily="2" charset="0"/>
+                <a:ea typeface="Open Sans" pitchFamily="2" charset="0"/>
+                <a:cs typeface="Open Sans" pitchFamily="2" charset="0"/>
+              </a:rPr>
+              <a:t>COMPUTATIONAL SCIENCE</a:t>
+            </a:r>
+          </a:p>
+        </p:txBody>
+      </p:sp>
+      <p:sp>
+        <p:nvSpPr>
+          <p:cNvPr id="41" name="TextBox 40">
+            <a:extLst>
+              <a:ext uri="{FF2B5EF4-FFF2-40B4-BE49-F238E27FC236}">
+                <a16:creationId xmlns:a16="http://schemas.microsoft.com/office/drawing/2014/main" id="{0A19B25C-0BFF-5C56-22BA-8F28B39BB738}"/>
+              </a:ext>
+            </a:extLst>
+          </p:cNvPr>
+          <p:cNvSpPr txBox="1"/>
+          <p:nvPr/>
+        </p:nvSpPr>
+        <p:spPr>
+          <a:xfrm>
+            <a:off x="7552946" y="2447946"/>
+            <a:ext cx="3583443" cy="893834"/>
+          </a:xfrm>
+          <a:prstGeom prst="rect">
+            <a:avLst/>
+          </a:prstGeom>
+          <a:noFill/>
+        </p:spPr>
+        <p:txBody>
+          <a:bodyPr wrap="square" rtlCol="0">
+            <a:spAutoFit/>
+          </a:bodyPr>
+          <a:lstStyle/>
+          <a:p>
+            <a:pPr>
+              <a:lnSpc>
+                <a:spcPct val="150000"/>
+              </a:lnSpc>
+            </a:pPr>
+            <a:r>
+              <a:rPr lang="en-PH" sz="1200" b="1" dirty="0">
+                <a:latin typeface="Open Sans" pitchFamily="2" charset="0"/>
+                <a:ea typeface="Open Sans" pitchFamily="2" charset="0"/>
+                <a:cs typeface="Open Sans" pitchFamily="2" charset="0"/>
+              </a:rPr>
+              <a:t>Course: BSCS</a:t>
+            </a:r>
+          </a:p>
+          <a:p>
+            <a:pPr>
+              <a:lnSpc>
+                <a:spcPct val="150000"/>
+              </a:lnSpc>
+            </a:pPr>
+            <a:r>
+              <a:rPr lang="en-PH" sz="1200" b="1" dirty="0">
+                <a:latin typeface="Open Sans" pitchFamily="2" charset="0"/>
+                <a:ea typeface="Open Sans" pitchFamily="2" charset="0"/>
+                <a:cs typeface="Open Sans" pitchFamily="2" charset="0"/>
+              </a:rPr>
+              <a:t>Year/Block: 3-2</a:t>
+            </a:r>
+          </a:p>
+          <a:p>
+            <a:pPr>
+              <a:lnSpc>
+                <a:spcPct val="150000"/>
+              </a:lnSpc>
+            </a:pPr>
+            <a:r>
+              <a:rPr lang="en-PH" sz="1200" b="1" dirty="0">
+                <a:latin typeface="Open Sans" pitchFamily="2" charset="0"/>
+                <a:ea typeface="Open Sans" pitchFamily="2" charset="0"/>
+                <a:cs typeface="Open Sans" pitchFamily="2" charset="0"/>
+              </a:rPr>
+              <a:t>Day/Time: S 12:00pm – 2:00pm</a:t>
+            </a:r>
+          </a:p>
+        </p:txBody>
+      </p:sp>
+      <p:sp>
+        <p:nvSpPr>
+          <p:cNvPr id="42" name="TextBox 41">
+            <a:extLst>
+              <a:ext uri="{FF2B5EF4-FFF2-40B4-BE49-F238E27FC236}">
+                <a16:creationId xmlns:a16="http://schemas.microsoft.com/office/drawing/2014/main" id="{7F5CACD0-AD2B-4AE6-B914-CE8409EA7326}"/>
+              </a:ext>
+            </a:extLst>
+          </p:cNvPr>
+          <p:cNvSpPr txBox="1"/>
+          <p:nvPr/>
+        </p:nvSpPr>
+        <p:spPr>
+          <a:xfrm>
+            <a:off x="1912101" y="5584176"/>
+            <a:ext cx="3286287" cy="369332"/>
+          </a:xfrm>
+          <a:prstGeom prst="rect">
+            <a:avLst/>
+          </a:prstGeom>
+          <a:noFill/>
+        </p:spPr>
+        <p:txBody>
+          <a:bodyPr wrap="square" rtlCol="0">
+            <a:spAutoFit/>
+          </a:bodyPr>
+          <a:lstStyle/>
+          <a:p>
+            <a:pPr algn="ctr"/>
+            <a:r>
+              <a:rPr lang="en-PH" b="1" dirty="0">
+                <a:solidFill>
+                  <a:schemeClr val="bg1"/>
+                </a:solidFill>
+                <a:latin typeface="Open Sans" pitchFamily="2" charset="0"/>
+                <a:ea typeface="Open Sans" pitchFamily="2" charset="0"/>
+                <a:cs typeface="Open Sans" pitchFamily="2" charset="0"/>
+              </a:rPr>
+              <a:t>CS ELECTIVE 1 (LEC)</a:t>
+            </a:r>
+          </a:p>
+        </p:txBody>
+      </p:sp>
+      <p:sp>
+        <p:nvSpPr>
+          <p:cNvPr id="43" name="TextBox 42">
+            <a:extLst>
+              <a:ext uri="{FF2B5EF4-FFF2-40B4-BE49-F238E27FC236}">
+                <a16:creationId xmlns:a16="http://schemas.microsoft.com/office/drawing/2014/main" id="{1555DE82-3FC1-8924-8095-8D4216B1E755}"/>
+              </a:ext>
+            </a:extLst>
+          </p:cNvPr>
+          <p:cNvSpPr txBox="1"/>
+          <p:nvPr/>
+        </p:nvSpPr>
+        <p:spPr>
+          <a:xfrm>
+            <a:off x="1763523" y="6041755"/>
+            <a:ext cx="3583443" cy="893834"/>
+          </a:xfrm>
+          <a:prstGeom prst="rect">
+            <a:avLst/>
+          </a:prstGeom>
+          <a:noFill/>
+        </p:spPr>
+        <p:txBody>
+          <a:bodyPr wrap="square" rtlCol="0">
+            <a:spAutoFit/>
+          </a:bodyPr>
+          <a:lstStyle/>
+          <a:p>
+            <a:pPr>
+              <a:lnSpc>
+                <a:spcPct val="150000"/>
+              </a:lnSpc>
+            </a:pPr>
+            <a:r>
+              <a:rPr lang="en-PH" sz="1200" b="1" dirty="0">
+                <a:latin typeface="Open Sans" pitchFamily="2" charset="0"/>
+                <a:ea typeface="Open Sans" pitchFamily="2" charset="0"/>
+                <a:cs typeface="Open Sans" pitchFamily="2" charset="0"/>
+              </a:rPr>
+              <a:t>Course: BSCS</a:t>
+            </a:r>
+          </a:p>
+          <a:p>
+            <a:pPr>
+              <a:lnSpc>
+                <a:spcPct val="150000"/>
+              </a:lnSpc>
+            </a:pPr>
+            <a:r>
+              <a:rPr lang="en-PH" sz="1200" b="1" dirty="0">
+                <a:latin typeface="Open Sans" pitchFamily="2" charset="0"/>
+                <a:ea typeface="Open Sans" pitchFamily="2" charset="0"/>
+                <a:cs typeface="Open Sans" pitchFamily="2" charset="0"/>
+              </a:rPr>
+              <a:t>Year/Block: 3-2</a:t>
+            </a:r>
+          </a:p>
+          <a:p>
+            <a:pPr>
+              <a:lnSpc>
+                <a:spcPct val="150000"/>
+              </a:lnSpc>
+            </a:pPr>
+            <a:r>
+              <a:rPr lang="en-PH" sz="1200" b="1" dirty="0">
+                <a:latin typeface="Open Sans" pitchFamily="2" charset="0"/>
+                <a:ea typeface="Open Sans" pitchFamily="2" charset="0"/>
+                <a:cs typeface="Open Sans" pitchFamily="2" charset="0"/>
+              </a:rPr>
+              <a:t>Day/Time: T/Th 8:00pm – 9:00pm</a:t>
+            </a:r>
+          </a:p>
+        </p:txBody>
+      </p:sp>
+      <p:sp>
+        <p:nvSpPr>
+          <p:cNvPr id="44" name="TextBox 43">
+            <a:extLst>
+              <a:ext uri="{FF2B5EF4-FFF2-40B4-BE49-F238E27FC236}">
+                <a16:creationId xmlns:a16="http://schemas.microsoft.com/office/drawing/2014/main" id="{B22ECE36-8140-C323-20CF-746E8589208B}"/>
+              </a:ext>
+            </a:extLst>
+          </p:cNvPr>
+          <p:cNvSpPr txBox="1"/>
+          <p:nvPr/>
+        </p:nvSpPr>
+        <p:spPr>
+          <a:xfrm>
+            <a:off x="7552946" y="6032683"/>
+            <a:ext cx="3583443" cy="893834"/>
+          </a:xfrm>
+          <a:prstGeom prst="rect">
+            <a:avLst/>
+          </a:prstGeom>
+          <a:noFill/>
+        </p:spPr>
+        <p:txBody>
+          <a:bodyPr wrap="square" rtlCol="0">
+            <a:spAutoFit/>
+          </a:bodyPr>
+          <a:lstStyle/>
+          <a:p>
+            <a:pPr>
+              <a:lnSpc>
+                <a:spcPct val="150000"/>
+              </a:lnSpc>
+            </a:pPr>
+            <a:r>
+              <a:rPr lang="en-PH" sz="1200" b="1" dirty="0">
+                <a:latin typeface="Open Sans" pitchFamily="2" charset="0"/>
+                <a:ea typeface="Open Sans" pitchFamily="2" charset="0"/>
+                <a:cs typeface="Open Sans" pitchFamily="2" charset="0"/>
+              </a:rPr>
+              <a:t>Course: BSIT</a:t>
+            </a:r>
+          </a:p>
+          <a:p>
+            <a:pPr>
+              <a:lnSpc>
+                <a:spcPct val="150000"/>
+              </a:lnSpc>
+            </a:pPr>
+            <a:r>
+              <a:rPr lang="en-PH" sz="1200" b="1" dirty="0">
+                <a:latin typeface="Open Sans" pitchFamily="2" charset="0"/>
+                <a:ea typeface="Open Sans" pitchFamily="2" charset="0"/>
+                <a:cs typeface="Open Sans" pitchFamily="2" charset="0"/>
+              </a:rPr>
+              <a:t>Year/Block: 2-4</a:t>
+            </a:r>
+          </a:p>
+          <a:p>
+            <a:pPr>
+              <a:lnSpc>
+                <a:spcPct val="150000"/>
+              </a:lnSpc>
+            </a:pPr>
+            <a:r>
+              <a:rPr lang="en-PH" sz="1200" b="1" dirty="0">
+                <a:latin typeface="Open Sans" pitchFamily="2" charset="0"/>
+                <a:ea typeface="Open Sans" pitchFamily="2" charset="0"/>
+                <a:cs typeface="Open Sans" pitchFamily="2" charset="0"/>
+              </a:rPr>
+              <a:t>Day/Time: T/Th 8:00pm – 9:00pm</a:t>
+            </a:r>
+          </a:p>
+        </p:txBody>
+      </p:sp>
+      <p:sp>
+        <p:nvSpPr>
+          <p:cNvPr id="45" name="TextBox 44">
+            <a:extLst>
+              <a:ext uri="{FF2B5EF4-FFF2-40B4-BE49-F238E27FC236}">
+                <a16:creationId xmlns:a16="http://schemas.microsoft.com/office/drawing/2014/main" id="{D7E21D6C-EFFE-F364-1E0D-337D16BFAE25}"/>
+              </a:ext>
+            </a:extLst>
+          </p:cNvPr>
+          <p:cNvSpPr txBox="1"/>
+          <p:nvPr/>
+        </p:nvSpPr>
+        <p:spPr>
+          <a:xfrm>
+            <a:off x="7701522" y="5578873"/>
+            <a:ext cx="3286287" cy="369332"/>
+          </a:xfrm>
+          <a:prstGeom prst="rect">
+            <a:avLst/>
+          </a:prstGeom>
+          <a:noFill/>
+        </p:spPr>
+        <p:txBody>
+          <a:bodyPr wrap="square" rtlCol="0">
+            <a:spAutoFit/>
+          </a:bodyPr>
+          <a:lstStyle/>
+          <a:p>
+            <a:pPr algn="ctr"/>
+            <a:r>
+              <a:rPr lang="en-PH" b="1" dirty="0">
+                <a:solidFill>
+                  <a:schemeClr val="bg1"/>
+                </a:solidFill>
+                <a:latin typeface="Open Sans" pitchFamily="2" charset="0"/>
+                <a:ea typeface="Open Sans" pitchFamily="2" charset="0"/>
+                <a:cs typeface="Open Sans" pitchFamily="2" charset="0"/>
+              </a:rPr>
+              <a:t>DATABASE MANAGEMENT</a:t>
+            </a:r>
+          </a:p>
+        </p:txBody>
+      </p:sp>
     </p:spTree>
     <p:extLst>
       <p:ext uri="{BB962C8B-B14F-4D97-AF65-F5344CB8AC3E}">
-        <p14:creationId xmlns:p14="http://schemas.microsoft.com/office/powerpoint/2010/main" val="3402182180"/>
+        <p14:creationId xmlns:p14="http://schemas.microsoft.com/office/powerpoint/2010/main" val="2801735180"/>
       </p:ext>
     </p:extLst>
   </p:cSld>
@@ -6347,10 +6975,10 @@
       </p:pic>
       <p:sp>
         <p:nvSpPr>
-          <p:cNvPr id="23" name="Rectangle 22">
-            <a:extLst>
-              <a:ext uri="{FF2B5EF4-FFF2-40B4-BE49-F238E27FC236}">
-                <a16:creationId xmlns:a16="http://schemas.microsoft.com/office/drawing/2014/main" id="{7E6939E1-CCBC-342B-4708-136846DD11F9}"/>
+          <p:cNvPr id="2" name="Rectangle 1">
+            <a:extLst>
+              <a:ext uri="{FF2B5EF4-FFF2-40B4-BE49-F238E27FC236}">
+                <a16:creationId xmlns:a16="http://schemas.microsoft.com/office/drawing/2014/main" id="{42960F22-AD6F-16E6-AA21-C2D320AF1B66}"/>
               </a:ext>
             </a:extLst>
           </p:cNvPr>
@@ -6359,30 +6987,18 @@
         </p:nvSpPr>
         <p:spPr>
           <a:xfrm>
-            <a:off x="1763527" y="572441"/>
-            <a:ext cx="3583445" cy="1797132"/>
+            <a:off x="8934108" y="5825636"/>
+            <a:ext cx="2202280" cy="599440"/>
           </a:xfrm>
           <a:prstGeom prst="rect">
             <a:avLst/>
           </a:prstGeom>
           <a:solidFill>
-            <a:schemeClr val="bg1"/>
+            <a:srgbClr val="2D2A4C"/>
           </a:solidFill>
           <a:ln>
-            <a:solidFill>
-              <a:schemeClr val="tx1">
-                <a:lumMod val="50000"/>
-                <a:lumOff val="50000"/>
-              </a:schemeClr>
-            </a:solidFill>
+            <a:noFill/>
           </a:ln>
-          <a:effectLst>
-            <a:outerShdw blurRad="63500" sx="102000" sy="102000" algn="ctr" rotWithShape="0">
-              <a:prstClr val="black">
-                <a:alpha val="40000"/>
-              </a:prstClr>
-            </a:outerShdw>
-          </a:effectLst>
         </p:spPr>
         <p:style>
           <a:lnRef idx="2">
@@ -6405,16 +7021,144 @@
           <a:lstStyle/>
           <a:p>
             <a:pPr algn="ctr"/>
-            <a:endParaRPr lang="en-PH"/>
-          </a:p>
-        </p:txBody>
-      </p:sp>
-      <p:sp>
-        <p:nvSpPr>
-          <p:cNvPr id="25" name="Rectangle 24">
-            <a:extLst>
-              <a:ext uri="{FF2B5EF4-FFF2-40B4-BE49-F238E27FC236}">
-                <a16:creationId xmlns:a16="http://schemas.microsoft.com/office/drawing/2014/main" id="{C8AFC46D-A9FF-D2C1-C119-14585B31B9E9}"/>
+            <a:r>
+              <a:rPr lang="en-PH" sz="1600" b="1" spc="600" dirty="0">
+                <a:latin typeface="Lato" panose="020F0502020204030203" pitchFamily="34" charset="0"/>
+              </a:rPr>
+              <a:t>PROCEED</a:t>
+            </a:r>
+          </a:p>
+        </p:txBody>
+      </p:sp>
+      <p:pic>
+        <p:nvPicPr>
+          <p:cNvPr id="4" name="Graphic 3" descr="Line arrow: Horizontal U-turn with solid fill">
+            <a:extLst>
+              <a:ext uri="{FF2B5EF4-FFF2-40B4-BE49-F238E27FC236}">
+                <a16:creationId xmlns:a16="http://schemas.microsoft.com/office/drawing/2014/main" id="{E3A5649E-813E-6979-28BC-E3CE8940CFDC}"/>
+              </a:ext>
+            </a:extLst>
+          </p:cNvPr>
+          <p:cNvPicPr>
+            <a:picLocks noChangeAspect="1"/>
+          </p:cNvPicPr>
+          <p:nvPr/>
+        </p:nvPicPr>
+        <p:blipFill>
+          <a:blip r:embed="rId10">
+            <a:extLst>
+              <a:ext uri="{28A0092B-C50C-407E-A947-70E740481C1C}">
+                <a14:useLocalDpi xmlns:a14="http://schemas.microsoft.com/office/drawing/2010/main" val="0"/>
+              </a:ext>
+              <a:ext uri="{96DAC541-7B7A-43D3-8B79-37D633B846F1}">
+                <asvg:svgBlip xmlns:asvg="http://schemas.microsoft.com/office/drawing/2016/SVG/main" r:embed="rId11"/>
+              </a:ext>
+            </a:extLst>
+          </a:blip>
+          <a:stretch>
+            <a:fillRect/>
+          </a:stretch>
+        </p:blipFill>
+        <p:spPr>
+          <a:xfrm>
+            <a:off x="1353720" y="248524"/>
+            <a:ext cx="540000" cy="540000"/>
+          </a:xfrm>
+          <a:prstGeom prst="rect">
+            <a:avLst/>
+          </a:prstGeom>
+        </p:spPr>
+      </p:pic>
+      <p:sp>
+        <p:nvSpPr>
+          <p:cNvPr id="5" name="TextBox 4">
+            <a:extLst>
+              <a:ext uri="{FF2B5EF4-FFF2-40B4-BE49-F238E27FC236}">
+                <a16:creationId xmlns:a16="http://schemas.microsoft.com/office/drawing/2014/main" id="{5CBC9DA3-A390-2F01-3D09-4097ADEE247A}"/>
+              </a:ext>
+            </a:extLst>
+          </p:cNvPr>
+          <p:cNvSpPr txBox="1"/>
+          <p:nvPr/>
+        </p:nvSpPr>
+        <p:spPr>
+          <a:xfrm>
+            <a:off x="1914040" y="394818"/>
+            <a:ext cx="1749197" cy="369332"/>
+          </a:xfrm>
+          <a:prstGeom prst="rect">
+            <a:avLst/>
+          </a:prstGeom>
+          <a:noFill/>
+        </p:spPr>
+        <p:txBody>
+          <a:bodyPr wrap="none" rtlCol="0">
+            <a:spAutoFit/>
+          </a:bodyPr>
+          <a:lstStyle/>
+          <a:p>
+            <a:r>
+              <a:rPr lang="en-PH" b="1" spc="600" dirty="0">
+                <a:solidFill>
+                  <a:srgbClr val="1D1B31"/>
+                </a:solidFill>
+                <a:latin typeface="Open Sans" pitchFamily="2" charset="0"/>
+                <a:ea typeface="Open Sans" pitchFamily="2" charset="0"/>
+                <a:cs typeface="Open Sans" pitchFamily="2" charset="0"/>
+              </a:rPr>
+              <a:t>GO BACK</a:t>
+            </a:r>
+          </a:p>
+        </p:txBody>
+      </p:sp>
+      <p:sp>
+        <p:nvSpPr>
+          <p:cNvPr id="7" name="TextBox 6">
+            <a:extLst>
+              <a:ext uri="{FF2B5EF4-FFF2-40B4-BE49-F238E27FC236}">
+                <a16:creationId xmlns:a16="http://schemas.microsoft.com/office/drawing/2014/main" id="{CABF923E-A53D-1EC3-6708-FCB8ADE79BC2}"/>
+              </a:ext>
+            </a:extLst>
+          </p:cNvPr>
+          <p:cNvSpPr txBox="1"/>
+          <p:nvPr/>
+        </p:nvSpPr>
+        <p:spPr>
+          <a:xfrm>
+            <a:off x="1702855" y="1246319"/>
+            <a:ext cx="2191626" cy="461665"/>
+          </a:xfrm>
+          <a:prstGeom prst="rect">
+            <a:avLst/>
+          </a:prstGeom>
+          <a:noFill/>
+        </p:spPr>
+        <p:txBody>
+          <a:bodyPr wrap="none" rtlCol="0">
+            <a:spAutoFit/>
+          </a:bodyPr>
+          <a:lstStyle/>
+          <a:p>
+            <a:r>
+              <a:rPr lang="en-PH" sz="2400" b="1" spc="300" dirty="0">
+                <a:solidFill>
+                  <a:srgbClr val="1D1B31"/>
+                </a:solidFill>
+                <a:latin typeface="Open Sans" pitchFamily="2" charset="0"/>
+                <a:ea typeface="Open Sans" pitchFamily="2" charset="0"/>
+                <a:cs typeface="Open Sans" pitchFamily="2" charset="0"/>
+              </a:rPr>
+              <a:t>CSC 0321-2</a:t>
+            </a:r>
+          </a:p>
+        </p:txBody>
+      </p:sp>
+      <p:sp>
+        <p:nvSpPr>
+          <p:cNvPr id="9" name="Rectangle 8">
+            <a:extLst>
+              <a:ext uri="{FF2B5EF4-FFF2-40B4-BE49-F238E27FC236}">
+                <a16:creationId xmlns:a16="http://schemas.microsoft.com/office/drawing/2014/main" id="{949B5164-B233-3BE2-D82D-D771B5A904E0}"/>
               </a:ext>
             </a:extLst>
           </p:cNvPr>
@@ -6423,30 +7167,18 @@
         </p:nvSpPr>
         <p:spPr>
           <a:xfrm>
-            <a:off x="1763527" y="4151074"/>
-            <a:ext cx="3583444" cy="1797131"/>
+            <a:off x="1702857" y="1884054"/>
+            <a:ext cx="9433532" cy="482169"/>
           </a:xfrm>
           <a:prstGeom prst="rect">
             <a:avLst/>
           </a:prstGeom>
           <a:solidFill>
-            <a:schemeClr val="bg1"/>
+            <a:schemeClr val="accent4"/>
           </a:solidFill>
           <a:ln>
-            <a:solidFill>
-              <a:schemeClr val="tx1">
-                <a:lumMod val="50000"/>
-                <a:lumOff val="50000"/>
-              </a:schemeClr>
-            </a:solidFill>
+            <a:noFill/>
           </a:ln>
-          <a:effectLst>
-            <a:outerShdw blurRad="63500" sx="102000" sy="102000" algn="ctr" rotWithShape="0">
-              <a:prstClr val="black">
-                <a:alpha val="40000"/>
-              </a:prstClr>
-            </a:outerShdw>
-          </a:effectLst>
         </p:spPr>
         <p:style>
           <a:lnRef idx="2">
@@ -6469,16 +7201,16 @@
           <a:lstStyle/>
           <a:p>
             <a:pPr algn="ctr"/>
-            <a:endParaRPr lang="en-PH"/>
-          </a:p>
-        </p:txBody>
-      </p:sp>
-      <p:sp>
-        <p:nvSpPr>
-          <p:cNvPr id="26" name="Rectangle 25">
-            <a:extLst>
-              <a:ext uri="{FF2B5EF4-FFF2-40B4-BE49-F238E27FC236}">
-                <a16:creationId xmlns:a16="http://schemas.microsoft.com/office/drawing/2014/main" id="{796C9850-71D7-2FBF-C4F6-A7A19AB0648C}"/>
+            <a:endParaRPr lang="en-PH" dirty="0"/>
+          </a:p>
+        </p:txBody>
+      </p:sp>
+      <p:sp>
+        <p:nvSpPr>
+          <p:cNvPr id="11" name="Rectangle 10">
+            <a:extLst>
+              <a:ext uri="{FF2B5EF4-FFF2-40B4-BE49-F238E27FC236}">
+                <a16:creationId xmlns:a16="http://schemas.microsoft.com/office/drawing/2014/main" id="{49CA8E0B-40D3-4482-EDC7-25E4DF20AAD4}"/>
               </a:ext>
             </a:extLst>
           </p:cNvPr>
@@ -6487,8 +7219,8 @@
         </p:nvSpPr>
         <p:spPr>
           <a:xfrm>
-            <a:off x="7552951" y="4151073"/>
-            <a:ext cx="3583444" cy="1797132"/>
+            <a:off x="1702856" y="2366223"/>
+            <a:ext cx="9433532" cy="2977244"/>
           </a:xfrm>
           <a:prstGeom prst="rect">
             <a:avLst/>
@@ -6497,20 +7229,8 @@
             <a:schemeClr val="bg1"/>
           </a:solidFill>
           <a:ln>
-            <a:solidFill>
-              <a:schemeClr val="tx1">
-                <a:lumMod val="50000"/>
-                <a:lumOff val="50000"/>
-              </a:schemeClr>
-            </a:solidFill>
+            <a:noFill/>
           </a:ln>
-          <a:effectLst>
-            <a:outerShdw blurRad="63500" sx="102000" sy="102000" algn="ctr" rotWithShape="0">
-              <a:prstClr val="black">
-                <a:alpha val="40000"/>
-              </a:prstClr>
-            </a:outerShdw>
-          </a:effectLst>
         </p:spPr>
         <p:style>
           <a:lnRef idx="2">
@@ -6539,22 +7259,220 @@
       </p:sp>
       <p:sp>
         <p:nvSpPr>
-          <p:cNvPr id="27" name="Rectangle: Top Corners Rounded 26">
-            <a:extLst>
-              <a:ext uri="{FF2B5EF4-FFF2-40B4-BE49-F238E27FC236}">
-                <a16:creationId xmlns:a16="http://schemas.microsoft.com/office/drawing/2014/main" id="{440A0633-84A9-1361-534D-9B874E9C122C}"/>
-              </a:ext>
-            </a:extLst>
-          </p:cNvPr>
-          <p:cNvSpPr/>
-          <p:nvPr/>
-        </p:nvSpPr>
-        <p:spPr>
-          <a:xfrm flipV="1">
-            <a:off x="1763527" y="2369573"/>
-            <a:ext cx="3583445" cy="1059424"/>
-          </a:xfrm>
-          <a:prstGeom prst="round2SameRect">
+          <p:cNvPr id="12" name="TextBox 11">
+            <a:extLst>
+              <a:ext uri="{FF2B5EF4-FFF2-40B4-BE49-F238E27FC236}">
+                <a16:creationId xmlns:a16="http://schemas.microsoft.com/office/drawing/2014/main" id="{4120A6B4-DA01-EFD7-E501-8A3F455A9775}"/>
+              </a:ext>
+            </a:extLst>
+          </p:cNvPr>
+          <p:cNvSpPr txBox="1"/>
+          <p:nvPr/>
+        </p:nvSpPr>
+        <p:spPr>
+          <a:xfrm>
+            <a:off x="1788160" y="1986025"/>
+            <a:ext cx="1635760" cy="338554"/>
+          </a:xfrm>
+          <a:prstGeom prst="rect">
+            <a:avLst/>
+          </a:prstGeom>
+          <a:noFill/>
+        </p:spPr>
+        <p:txBody>
+          <a:bodyPr wrap="square" rtlCol="0">
+            <a:spAutoFit/>
+          </a:bodyPr>
+          <a:lstStyle/>
+          <a:p>
+            <a:r>
+              <a:rPr lang="en-PH" sz="1600" b="1" dirty="0">
+                <a:latin typeface="Open Sans" pitchFamily="2" charset="0"/>
+                <a:ea typeface="Open Sans" pitchFamily="2" charset="0"/>
+                <a:cs typeface="Open Sans" pitchFamily="2" charset="0"/>
+              </a:rPr>
+              <a:t>Student No.</a:t>
+            </a:r>
+          </a:p>
+        </p:txBody>
+      </p:sp>
+      <p:sp>
+        <p:nvSpPr>
+          <p:cNvPr id="13" name="TextBox 12">
+            <a:extLst>
+              <a:ext uri="{FF2B5EF4-FFF2-40B4-BE49-F238E27FC236}">
+                <a16:creationId xmlns:a16="http://schemas.microsoft.com/office/drawing/2014/main" id="{AD8363E1-11A5-5A6D-F595-7EC7E7BBFB19}"/>
+              </a:ext>
+            </a:extLst>
+          </p:cNvPr>
+          <p:cNvSpPr txBox="1"/>
+          <p:nvPr/>
+        </p:nvSpPr>
+        <p:spPr>
+          <a:xfrm>
+            <a:off x="4283625" y="1986024"/>
+            <a:ext cx="1435138" cy="338554"/>
+          </a:xfrm>
+          <a:prstGeom prst="rect">
+            <a:avLst/>
+          </a:prstGeom>
+          <a:noFill/>
+        </p:spPr>
+        <p:txBody>
+          <a:bodyPr wrap="square" rtlCol="0">
+            <a:spAutoFit/>
+          </a:bodyPr>
+          <a:lstStyle/>
+          <a:p>
+            <a:r>
+              <a:rPr lang="en-PH" sz="1600" b="1" dirty="0">
+                <a:latin typeface="Open Sans" pitchFamily="2" charset="0"/>
+                <a:ea typeface="Open Sans" pitchFamily="2" charset="0"/>
+                <a:cs typeface="Open Sans" pitchFamily="2" charset="0"/>
+              </a:rPr>
+              <a:t>Last Name</a:t>
+            </a:r>
+          </a:p>
+        </p:txBody>
+      </p:sp>
+      <p:sp>
+        <p:nvSpPr>
+          <p:cNvPr id="15" name="TextBox 14">
+            <a:extLst>
+              <a:ext uri="{FF2B5EF4-FFF2-40B4-BE49-F238E27FC236}">
+                <a16:creationId xmlns:a16="http://schemas.microsoft.com/office/drawing/2014/main" id="{9E517E2A-02EE-29A4-E9F6-08C07BC9100F}"/>
+              </a:ext>
+            </a:extLst>
+          </p:cNvPr>
+          <p:cNvSpPr txBox="1"/>
+          <p:nvPr/>
+        </p:nvSpPr>
+        <p:spPr>
+          <a:xfrm>
+            <a:off x="6900421" y="1986024"/>
+            <a:ext cx="1435138" cy="338554"/>
+          </a:xfrm>
+          <a:prstGeom prst="rect">
+            <a:avLst/>
+          </a:prstGeom>
+          <a:noFill/>
+        </p:spPr>
+        <p:txBody>
+          <a:bodyPr wrap="square" rtlCol="0">
+            <a:spAutoFit/>
+          </a:bodyPr>
+          <a:lstStyle/>
+          <a:p>
+            <a:r>
+              <a:rPr lang="en-PH" sz="1600" b="1" dirty="0">
+                <a:latin typeface="Open Sans" pitchFamily="2" charset="0"/>
+                <a:ea typeface="Open Sans" pitchFamily="2" charset="0"/>
+                <a:cs typeface="Open Sans" pitchFamily="2" charset="0"/>
+              </a:rPr>
+              <a:t>First Name</a:t>
+            </a:r>
+          </a:p>
+        </p:txBody>
+      </p:sp>
+      <p:sp>
+        <p:nvSpPr>
+          <p:cNvPr id="17" name="TextBox 16">
+            <a:extLst>
+              <a:ext uri="{FF2B5EF4-FFF2-40B4-BE49-F238E27FC236}">
+                <a16:creationId xmlns:a16="http://schemas.microsoft.com/office/drawing/2014/main" id="{7E86F86B-6CBF-E60E-80CE-9BA942B78D39}"/>
+              </a:ext>
+            </a:extLst>
+          </p:cNvPr>
+          <p:cNvSpPr txBox="1"/>
+          <p:nvPr/>
+        </p:nvSpPr>
+        <p:spPr>
+          <a:xfrm>
+            <a:off x="9100528" y="1986024"/>
+            <a:ext cx="2149856" cy="338554"/>
+          </a:xfrm>
+          <a:prstGeom prst="rect">
+            <a:avLst/>
+          </a:prstGeom>
+          <a:noFill/>
+        </p:spPr>
+        <p:txBody>
+          <a:bodyPr wrap="square" rtlCol="0">
+            <a:spAutoFit/>
+          </a:bodyPr>
+          <a:lstStyle/>
+          <a:p>
+            <a:r>
+              <a:rPr lang="en-PH" sz="1600" b="1" dirty="0">
+                <a:latin typeface="Open Sans" pitchFamily="2" charset="0"/>
+                <a:ea typeface="Open Sans" pitchFamily="2" charset="0"/>
+                <a:cs typeface="Open Sans" pitchFamily="2" charset="0"/>
+              </a:rPr>
+              <a:t>Regular/Irregular</a:t>
+            </a:r>
+          </a:p>
+        </p:txBody>
+      </p:sp>
+      <p:sp>
+        <p:nvSpPr>
+          <p:cNvPr id="3" name="TextBox 2">
+            <a:extLst>
+              <a:ext uri="{FF2B5EF4-FFF2-40B4-BE49-F238E27FC236}">
+                <a16:creationId xmlns:a16="http://schemas.microsoft.com/office/drawing/2014/main" id="{2E4CE765-E722-998E-1C6F-D20C7DA5312C}"/>
+              </a:ext>
+            </a:extLst>
+          </p:cNvPr>
+          <p:cNvSpPr txBox="1"/>
+          <p:nvPr/>
+        </p:nvSpPr>
+        <p:spPr>
+          <a:xfrm>
+            <a:off x="1914040" y="5925248"/>
+            <a:ext cx="2202281" cy="377908"/>
+          </a:xfrm>
+          <a:prstGeom prst="rect">
+            <a:avLst/>
+          </a:prstGeom>
+          <a:noFill/>
+          <a:ln>
+            <a:noFill/>
+          </a:ln>
+        </p:spPr>
+        <p:txBody>
+          <a:bodyPr wrap="square" rtlCol="0">
+            <a:spAutoFit/>
+          </a:bodyPr>
+          <a:lstStyle/>
+          <a:p>
+            <a:r>
+              <a:rPr lang="en-PH" b="1" spc="300" dirty="0">
+                <a:latin typeface="Open Sans" pitchFamily="2" charset="0"/>
+                <a:ea typeface="Open Sans" pitchFamily="2" charset="0"/>
+                <a:cs typeface="Open Sans" pitchFamily="2" charset="0"/>
+              </a:rPr>
+              <a:t>Grace Period:</a:t>
+            </a:r>
+          </a:p>
+        </p:txBody>
+      </p:sp>
+      <p:sp>
+        <p:nvSpPr>
+          <p:cNvPr id="18" name="TextBox 17">
+            <a:extLst>
+              <a:ext uri="{FF2B5EF4-FFF2-40B4-BE49-F238E27FC236}">
+                <a16:creationId xmlns:a16="http://schemas.microsoft.com/office/drawing/2014/main" id="{89E86A82-4FC6-2F90-4724-C19D3E15E8F6}"/>
+              </a:ext>
+            </a:extLst>
+          </p:cNvPr>
+          <p:cNvSpPr txBox="1"/>
+          <p:nvPr/>
+        </p:nvSpPr>
+        <p:spPr>
+          <a:xfrm>
+            <a:off x="4116321" y="5925248"/>
+            <a:ext cx="983999" cy="377908"/>
+          </a:xfrm>
+          <a:prstGeom prst="rect">
             <a:avLst/>
           </a:prstGeom>
           <a:solidFill>
@@ -6562,586 +7480,9 @@
           </a:solidFill>
           <a:ln>
             <a:solidFill>
-              <a:schemeClr val="tx1">
-                <a:lumMod val="50000"/>
-                <a:lumOff val="50000"/>
-              </a:schemeClr>
+              <a:srgbClr val="2D2A4C"/>
             </a:solidFill>
           </a:ln>
-          <a:effectLst>
-            <a:outerShdw blurRad="63500" sx="102000" sy="102000" algn="ctr" rotWithShape="0">
-              <a:prstClr val="black">
-                <a:alpha val="40000"/>
-              </a:prstClr>
-            </a:outerShdw>
-          </a:effectLst>
-        </p:spPr>
-        <p:style>
-          <a:lnRef idx="2">
-            <a:schemeClr val="accent1">
-              <a:shade val="50000"/>
-            </a:schemeClr>
-          </a:lnRef>
-          <a:fillRef idx="1">
-            <a:schemeClr val="accent1"/>
-          </a:fillRef>
-          <a:effectRef idx="0">
-            <a:schemeClr val="accent1"/>
-          </a:effectRef>
-          <a:fontRef idx="minor">
-            <a:schemeClr val="lt1"/>
-          </a:fontRef>
-        </p:style>
-        <p:txBody>
-          <a:bodyPr rtlCol="0" anchor="ctr"/>
-          <a:lstStyle/>
-          <a:p>
-            <a:pPr algn="ctr"/>
-            <a:endParaRPr lang="en-PH"/>
-          </a:p>
-        </p:txBody>
-      </p:sp>
-      <p:sp>
-        <p:nvSpPr>
-          <p:cNvPr id="30" name="Rectangle 29">
-            <a:extLst>
-              <a:ext uri="{FF2B5EF4-FFF2-40B4-BE49-F238E27FC236}">
-                <a16:creationId xmlns:a16="http://schemas.microsoft.com/office/drawing/2014/main" id="{944C3DC4-A81E-C5EB-BB74-876DDB253D4E}"/>
-              </a:ext>
-            </a:extLst>
-          </p:cNvPr>
-          <p:cNvSpPr/>
-          <p:nvPr/>
-        </p:nvSpPr>
-        <p:spPr>
-          <a:xfrm>
-            <a:off x="7552950" y="584267"/>
-            <a:ext cx="3583445" cy="1797132"/>
-          </a:xfrm>
-          <a:prstGeom prst="rect">
-            <a:avLst/>
-          </a:prstGeom>
-          <a:solidFill>
-            <a:schemeClr val="bg1"/>
-          </a:solidFill>
-          <a:ln>
-            <a:solidFill>
-              <a:schemeClr val="tx1">
-                <a:lumMod val="50000"/>
-                <a:lumOff val="50000"/>
-              </a:schemeClr>
-            </a:solidFill>
-          </a:ln>
-          <a:effectLst>
-            <a:outerShdw blurRad="63500" sx="102000" sy="102000" algn="ctr" rotWithShape="0">
-              <a:prstClr val="black">
-                <a:alpha val="40000"/>
-              </a:prstClr>
-            </a:outerShdw>
-          </a:effectLst>
-        </p:spPr>
-        <p:style>
-          <a:lnRef idx="2">
-            <a:schemeClr val="accent1">
-              <a:shade val="50000"/>
-            </a:schemeClr>
-          </a:lnRef>
-          <a:fillRef idx="1">
-            <a:schemeClr val="accent1"/>
-          </a:fillRef>
-          <a:effectRef idx="0">
-            <a:schemeClr val="accent1"/>
-          </a:effectRef>
-          <a:fontRef idx="minor">
-            <a:schemeClr val="lt1"/>
-          </a:fontRef>
-        </p:style>
-        <p:txBody>
-          <a:bodyPr rtlCol="0" anchor="ctr"/>
-          <a:lstStyle/>
-          <a:p>
-            <a:pPr algn="ctr"/>
-            <a:endParaRPr lang="en-PH"/>
-          </a:p>
-        </p:txBody>
-      </p:sp>
-      <p:sp>
-        <p:nvSpPr>
-          <p:cNvPr id="31" name="Rectangle: Top Corners Rounded 30">
-            <a:extLst>
-              <a:ext uri="{FF2B5EF4-FFF2-40B4-BE49-F238E27FC236}">
-                <a16:creationId xmlns:a16="http://schemas.microsoft.com/office/drawing/2014/main" id="{8D77310F-BE34-89CF-3776-40453162FEC9}"/>
-              </a:ext>
-            </a:extLst>
-          </p:cNvPr>
-          <p:cNvSpPr/>
-          <p:nvPr/>
-        </p:nvSpPr>
-        <p:spPr>
-          <a:xfrm flipV="1">
-            <a:off x="7552950" y="2381399"/>
-            <a:ext cx="3583445" cy="1059424"/>
-          </a:xfrm>
-          <a:prstGeom prst="round2SameRect">
-            <a:avLst/>
-          </a:prstGeom>
-          <a:solidFill>
-            <a:schemeClr val="bg1"/>
-          </a:solidFill>
-          <a:ln>
-            <a:solidFill>
-              <a:schemeClr val="tx1">
-                <a:lumMod val="50000"/>
-                <a:lumOff val="50000"/>
-              </a:schemeClr>
-            </a:solidFill>
-          </a:ln>
-          <a:effectLst>
-            <a:outerShdw blurRad="63500" sx="102000" sy="102000" algn="ctr" rotWithShape="0">
-              <a:prstClr val="black">
-                <a:alpha val="40000"/>
-              </a:prstClr>
-            </a:outerShdw>
-          </a:effectLst>
-        </p:spPr>
-        <p:style>
-          <a:lnRef idx="2">
-            <a:schemeClr val="accent1">
-              <a:shade val="50000"/>
-            </a:schemeClr>
-          </a:lnRef>
-          <a:fillRef idx="1">
-            <a:schemeClr val="accent1"/>
-          </a:fillRef>
-          <a:effectRef idx="0">
-            <a:schemeClr val="accent1"/>
-          </a:effectRef>
-          <a:fontRef idx="minor">
-            <a:schemeClr val="lt1"/>
-          </a:fontRef>
-        </p:style>
-        <p:txBody>
-          <a:bodyPr rtlCol="0" anchor="ctr"/>
-          <a:lstStyle/>
-          <a:p>
-            <a:pPr algn="ctr"/>
-            <a:endParaRPr lang="en-PH"/>
-          </a:p>
-        </p:txBody>
-      </p:sp>
-      <p:sp>
-        <p:nvSpPr>
-          <p:cNvPr id="32" name="Rectangle 31">
-            <a:extLst>
-              <a:ext uri="{FF2B5EF4-FFF2-40B4-BE49-F238E27FC236}">
-                <a16:creationId xmlns:a16="http://schemas.microsoft.com/office/drawing/2014/main" id="{DDC18A6C-728E-4BB1-1595-9EA691669882}"/>
-              </a:ext>
-            </a:extLst>
-          </p:cNvPr>
-          <p:cNvSpPr/>
-          <p:nvPr/>
-        </p:nvSpPr>
-        <p:spPr>
-          <a:xfrm>
-            <a:off x="1763526" y="565593"/>
-            <a:ext cx="3583443" cy="1797132"/>
-          </a:xfrm>
-          <a:prstGeom prst="rect">
-            <a:avLst/>
-          </a:prstGeom>
-          <a:solidFill>
-            <a:srgbClr val="01264E"/>
-          </a:solidFill>
-          <a:ln>
-            <a:solidFill>
-              <a:schemeClr val="tx1">
-                <a:lumMod val="50000"/>
-                <a:lumOff val="50000"/>
-              </a:schemeClr>
-            </a:solidFill>
-          </a:ln>
-          <a:effectLst/>
-        </p:spPr>
-        <p:style>
-          <a:lnRef idx="2">
-            <a:schemeClr val="accent1">
-              <a:shade val="50000"/>
-            </a:schemeClr>
-          </a:lnRef>
-          <a:fillRef idx="1">
-            <a:schemeClr val="accent1"/>
-          </a:fillRef>
-          <a:effectRef idx="0">
-            <a:schemeClr val="accent1"/>
-          </a:effectRef>
-          <a:fontRef idx="minor">
-            <a:schemeClr val="lt1"/>
-          </a:fontRef>
-        </p:style>
-        <p:txBody>
-          <a:bodyPr rtlCol="0" anchor="ctr"/>
-          <a:lstStyle/>
-          <a:p>
-            <a:pPr algn="ctr"/>
-            <a:r>
-              <a:rPr lang="en-PH" sz="2400" b="1" spc="300" dirty="0">
-                <a:latin typeface="Open Sans" pitchFamily="2" charset="0"/>
-                <a:ea typeface="Open Sans" pitchFamily="2" charset="0"/>
-                <a:cs typeface="Open Sans" pitchFamily="2" charset="0"/>
-              </a:rPr>
-              <a:t>CSC 0321-2</a:t>
-            </a:r>
-          </a:p>
-        </p:txBody>
-      </p:sp>
-      <p:sp>
-        <p:nvSpPr>
-          <p:cNvPr id="33" name="Rectangle 32">
-            <a:extLst>
-              <a:ext uri="{FF2B5EF4-FFF2-40B4-BE49-F238E27FC236}">
-                <a16:creationId xmlns:a16="http://schemas.microsoft.com/office/drawing/2014/main" id="{8CB4D2B6-3388-A7EC-8D1A-B981F4D09E89}"/>
-              </a:ext>
-            </a:extLst>
-          </p:cNvPr>
-          <p:cNvSpPr/>
-          <p:nvPr/>
-        </p:nvSpPr>
-        <p:spPr>
-          <a:xfrm>
-            <a:off x="7552947" y="572441"/>
-            <a:ext cx="3583443" cy="1797132"/>
-          </a:xfrm>
-          <a:prstGeom prst="rect">
-            <a:avLst/>
-          </a:prstGeom>
-          <a:solidFill>
-            <a:schemeClr val="accent6">
-              <a:lumMod val="75000"/>
-            </a:schemeClr>
-          </a:solidFill>
-          <a:ln>
-            <a:solidFill>
-              <a:schemeClr val="tx1">
-                <a:lumMod val="50000"/>
-                <a:lumOff val="50000"/>
-              </a:schemeClr>
-            </a:solidFill>
-          </a:ln>
-          <a:effectLst/>
-        </p:spPr>
-        <p:style>
-          <a:lnRef idx="2">
-            <a:schemeClr val="accent1">
-              <a:shade val="50000"/>
-            </a:schemeClr>
-          </a:lnRef>
-          <a:fillRef idx="1">
-            <a:schemeClr val="accent1"/>
-          </a:fillRef>
-          <a:effectRef idx="0">
-            <a:schemeClr val="accent1"/>
-          </a:effectRef>
-          <a:fontRef idx="minor">
-            <a:schemeClr val="lt1"/>
-          </a:fontRef>
-        </p:style>
-        <p:txBody>
-          <a:bodyPr rtlCol="0" anchor="ctr"/>
-          <a:lstStyle/>
-          <a:p>
-            <a:pPr algn="ctr"/>
-            <a:r>
-              <a:rPr lang="en-PH" sz="2400" b="1" spc="300" dirty="0">
-                <a:latin typeface="Open Sans" pitchFamily="2" charset="0"/>
-                <a:ea typeface="Open Sans" pitchFamily="2" charset="0"/>
-                <a:cs typeface="Open Sans" pitchFamily="2" charset="0"/>
-              </a:rPr>
-              <a:t>CSC 0323-2</a:t>
-            </a:r>
-          </a:p>
-        </p:txBody>
-      </p:sp>
-      <p:sp>
-        <p:nvSpPr>
-          <p:cNvPr id="34" name="Rectangle 33">
-            <a:extLst>
-              <a:ext uri="{FF2B5EF4-FFF2-40B4-BE49-F238E27FC236}">
-                <a16:creationId xmlns:a16="http://schemas.microsoft.com/office/drawing/2014/main" id="{D80E199A-DA7D-4508-5920-1FD56D43E1A2}"/>
-              </a:ext>
-            </a:extLst>
-          </p:cNvPr>
-          <p:cNvSpPr/>
-          <p:nvPr/>
-        </p:nvSpPr>
-        <p:spPr>
-          <a:xfrm>
-            <a:off x="1763525" y="4151073"/>
-            <a:ext cx="3583443" cy="1797132"/>
-          </a:xfrm>
-          <a:prstGeom prst="rect">
-            <a:avLst/>
-          </a:prstGeom>
-          <a:solidFill>
-            <a:schemeClr val="tx2">
-              <a:lumMod val="50000"/>
-            </a:schemeClr>
-          </a:solidFill>
-          <a:ln>
-            <a:solidFill>
-              <a:schemeClr val="tx1">
-                <a:lumMod val="50000"/>
-                <a:lumOff val="50000"/>
-              </a:schemeClr>
-            </a:solidFill>
-          </a:ln>
-          <a:effectLst/>
-        </p:spPr>
-        <p:style>
-          <a:lnRef idx="2">
-            <a:schemeClr val="accent1">
-              <a:shade val="50000"/>
-            </a:schemeClr>
-          </a:lnRef>
-          <a:fillRef idx="1">
-            <a:schemeClr val="accent1"/>
-          </a:fillRef>
-          <a:effectRef idx="0">
-            <a:schemeClr val="accent1"/>
-          </a:effectRef>
-          <a:fontRef idx="minor">
-            <a:schemeClr val="lt1"/>
-          </a:fontRef>
-        </p:style>
-        <p:txBody>
-          <a:bodyPr rtlCol="0" anchor="ctr"/>
-          <a:lstStyle/>
-          <a:p>
-            <a:pPr algn="ctr"/>
-            <a:r>
-              <a:rPr lang="en-PH" sz="2400" b="1" spc="300" dirty="0">
-                <a:latin typeface="Open Sans" pitchFamily="2" charset="0"/>
-                <a:ea typeface="Open Sans" pitchFamily="2" charset="0"/>
-                <a:cs typeface="Open Sans" pitchFamily="2" charset="0"/>
-              </a:rPr>
-              <a:t>CSC 0324-2</a:t>
-            </a:r>
-          </a:p>
-        </p:txBody>
-      </p:sp>
-      <p:sp>
-        <p:nvSpPr>
-          <p:cNvPr id="35" name="Rectangle 34">
-            <a:extLst>
-              <a:ext uri="{FF2B5EF4-FFF2-40B4-BE49-F238E27FC236}">
-                <a16:creationId xmlns:a16="http://schemas.microsoft.com/office/drawing/2014/main" id="{BD8B7B6A-F041-B2D4-64E4-5177C621AC7E}"/>
-              </a:ext>
-            </a:extLst>
-          </p:cNvPr>
-          <p:cNvSpPr/>
-          <p:nvPr/>
-        </p:nvSpPr>
-        <p:spPr>
-          <a:xfrm>
-            <a:off x="7552946" y="4151073"/>
-            <a:ext cx="3583443" cy="1797132"/>
-          </a:xfrm>
-          <a:prstGeom prst="rect">
-            <a:avLst/>
-          </a:prstGeom>
-          <a:solidFill>
-            <a:schemeClr val="accent4"/>
-          </a:solidFill>
-          <a:ln>
-            <a:solidFill>
-              <a:schemeClr val="tx1">
-                <a:lumMod val="50000"/>
-                <a:lumOff val="50000"/>
-              </a:schemeClr>
-            </a:solidFill>
-          </a:ln>
-          <a:effectLst/>
-        </p:spPr>
-        <p:style>
-          <a:lnRef idx="2">
-            <a:schemeClr val="accent1">
-              <a:shade val="50000"/>
-            </a:schemeClr>
-          </a:lnRef>
-          <a:fillRef idx="1">
-            <a:schemeClr val="accent1"/>
-          </a:fillRef>
-          <a:effectRef idx="0">
-            <a:schemeClr val="accent1"/>
-          </a:effectRef>
-          <a:fontRef idx="minor">
-            <a:schemeClr val="lt1"/>
-          </a:fontRef>
-        </p:style>
-        <p:txBody>
-          <a:bodyPr rtlCol="0" anchor="ctr"/>
-          <a:lstStyle/>
-          <a:p>
-            <a:pPr algn="ctr"/>
-            <a:r>
-              <a:rPr lang="en-PH" sz="2400" b="1" spc="300" dirty="0">
-                <a:latin typeface="Open Sans" pitchFamily="2" charset="0"/>
-                <a:ea typeface="Open Sans" pitchFamily="2" charset="0"/>
-                <a:cs typeface="Open Sans" pitchFamily="2" charset="0"/>
-              </a:rPr>
-              <a:t>ABC 0123-4</a:t>
-            </a:r>
-          </a:p>
-        </p:txBody>
-      </p:sp>
-      <p:sp>
-        <p:nvSpPr>
-          <p:cNvPr id="36" name="Rectangle: Top Corners Rounded 35">
-            <a:extLst>
-              <a:ext uri="{FF2B5EF4-FFF2-40B4-BE49-F238E27FC236}">
-                <a16:creationId xmlns:a16="http://schemas.microsoft.com/office/drawing/2014/main" id="{0E9547D3-327E-1FA8-ADB5-4366E26D41A8}"/>
-              </a:ext>
-            </a:extLst>
-          </p:cNvPr>
-          <p:cNvSpPr/>
-          <p:nvPr/>
-        </p:nvSpPr>
-        <p:spPr>
-          <a:xfrm flipV="1">
-            <a:off x="1763523" y="5948205"/>
-            <a:ext cx="3583445" cy="1059424"/>
-          </a:xfrm>
-          <a:prstGeom prst="round2SameRect">
-            <a:avLst/>
-          </a:prstGeom>
-          <a:solidFill>
-            <a:schemeClr val="bg1"/>
-          </a:solidFill>
-          <a:ln>
-            <a:solidFill>
-              <a:schemeClr val="tx1">
-                <a:lumMod val="50000"/>
-                <a:lumOff val="50000"/>
-              </a:schemeClr>
-            </a:solidFill>
-          </a:ln>
-          <a:effectLst>
-            <a:outerShdw blurRad="63500" sx="102000" sy="102000" algn="ctr" rotWithShape="0">
-              <a:prstClr val="black">
-                <a:alpha val="40000"/>
-              </a:prstClr>
-            </a:outerShdw>
-          </a:effectLst>
-        </p:spPr>
-        <p:style>
-          <a:lnRef idx="2">
-            <a:schemeClr val="accent1">
-              <a:shade val="50000"/>
-            </a:schemeClr>
-          </a:lnRef>
-          <a:fillRef idx="1">
-            <a:schemeClr val="accent1"/>
-          </a:fillRef>
-          <a:effectRef idx="0">
-            <a:schemeClr val="accent1"/>
-          </a:effectRef>
-          <a:fontRef idx="minor">
-            <a:schemeClr val="lt1"/>
-          </a:fontRef>
-        </p:style>
-        <p:txBody>
-          <a:bodyPr rtlCol="0" anchor="ctr"/>
-          <a:lstStyle/>
-          <a:p>
-            <a:pPr algn="ctr"/>
-            <a:endParaRPr lang="en-PH" dirty="0"/>
-          </a:p>
-        </p:txBody>
-      </p:sp>
-      <p:sp>
-        <p:nvSpPr>
-          <p:cNvPr id="37" name="Rectangle: Top Corners Rounded 36">
-            <a:extLst>
-              <a:ext uri="{FF2B5EF4-FFF2-40B4-BE49-F238E27FC236}">
-                <a16:creationId xmlns:a16="http://schemas.microsoft.com/office/drawing/2014/main" id="{F91B95A1-E76F-0A38-7FC8-9F20B8EC6663}"/>
-              </a:ext>
-            </a:extLst>
-          </p:cNvPr>
-          <p:cNvSpPr/>
-          <p:nvPr/>
-        </p:nvSpPr>
-        <p:spPr>
-          <a:xfrm flipV="1">
-            <a:off x="7552946" y="5948205"/>
-            <a:ext cx="3583445" cy="1059424"/>
-          </a:xfrm>
-          <a:prstGeom prst="round2SameRect">
-            <a:avLst/>
-          </a:prstGeom>
-          <a:solidFill>
-            <a:schemeClr val="bg1"/>
-          </a:solidFill>
-          <a:ln>
-            <a:solidFill>
-              <a:schemeClr val="tx1">
-                <a:lumMod val="50000"/>
-                <a:lumOff val="50000"/>
-              </a:schemeClr>
-            </a:solidFill>
-          </a:ln>
-          <a:effectLst>
-            <a:outerShdw blurRad="63500" sx="102000" sy="102000" algn="ctr" rotWithShape="0">
-              <a:prstClr val="black">
-                <a:alpha val="40000"/>
-              </a:prstClr>
-            </a:outerShdw>
-          </a:effectLst>
-        </p:spPr>
-        <p:style>
-          <a:lnRef idx="2">
-            <a:schemeClr val="accent1">
-              <a:shade val="50000"/>
-            </a:schemeClr>
-          </a:lnRef>
-          <a:fillRef idx="1">
-            <a:schemeClr val="accent1"/>
-          </a:fillRef>
-          <a:effectRef idx="0">
-            <a:schemeClr val="accent1"/>
-          </a:effectRef>
-          <a:fontRef idx="minor">
-            <a:schemeClr val="lt1"/>
-          </a:fontRef>
-        </p:style>
-        <p:txBody>
-          <a:bodyPr rtlCol="0" anchor="ctr"/>
-          <a:lstStyle/>
-          <a:p>
-            <a:pPr algn="ctr"/>
-            <a:endParaRPr lang="en-PH"/>
-          </a:p>
-        </p:txBody>
-      </p:sp>
-      <p:sp>
-        <p:nvSpPr>
-          <p:cNvPr id="38" name="TextBox 37">
-            <a:extLst>
-              <a:ext uri="{FF2B5EF4-FFF2-40B4-BE49-F238E27FC236}">
-                <a16:creationId xmlns:a16="http://schemas.microsoft.com/office/drawing/2014/main" id="{19DDCC11-270E-D839-C76A-1019EF9ED04F}"/>
-              </a:ext>
-            </a:extLst>
-          </p:cNvPr>
-          <p:cNvSpPr txBox="1"/>
-          <p:nvPr/>
-        </p:nvSpPr>
-        <p:spPr>
-          <a:xfrm>
-            <a:off x="1912101" y="1964221"/>
-            <a:ext cx="3286287" cy="369332"/>
-          </a:xfrm>
-          <a:prstGeom prst="rect">
-            <a:avLst/>
-          </a:prstGeom>
-          <a:noFill/>
         </p:spPr>
         <p:txBody>
           <a:bodyPr wrap="square" rtlCol="0">
@@ -7149,26 +7490,30 @@
           </a:bodyPr>
           <a:lstStyle/>
           <a:p>
-            <a:r>
-              <a:rPr lang="en-PH" b="1" dirty="0">
+            <a:pPr algn="ctr"/>
+            <a:r>
+              <a:rPr lang="en-PH" b="1" spc="300" dirty="0">
                 <a:solidFill>
-                  <a:schemeClr val="bg1"/>
+                  <a:schemeClr val="tx1">
+                    <a:lumMod val="50000"/>
+                    <a:lumOff val="50000"/>
+                  </a:schemeClr>
                 </a:solidFill>
                 <a:latin typeface="Open Sans" pitchFamily="2" charset="0"/>
                 <a:ea typeface="Open Sans" pitchFamily="2" charset="0"/>
                 <a:cs typeface="Open Sans" pitchFamily="2" charset="0"/>
               </a:rPr>
-              <a:t>SOFTWARE ENGINEERING 2</a:t>
-            </a:r>
-          </a:p>
-        </p:txBody>
-      </p:sp>
-      <p:sp>
-        <p:nvSpPr>
-          <p:cNvPr id="39" name="TextBox 38">
-            <a:extLst>
-              <a:ext uri="{FF2B5EF4-FFF2-40B4-BE49-F238E27FC236}">
-                <a16:creationId xmlns:a16="http://schemas.microsoft.com/office/drawing/2014/main" id="{7A356FB0-525C-0CC2-AD00-40CDEDAC1771}"/>
+              <a:t>0:00</a:t>
+            </a:r>
+          </a:p>
+        </p:txBody>
+      </p:sp>
+      <p:sp>
+        <p:nvSpPr>
+          <p:cNvPr id="19" name="TextBox 18">
+            <a:extLst>
+              <a:ext uri="{FF2B5EF4-FFF2-40B4-BE49-F238E27FC236}">
+                <a16:creationId xmlns:a16="http://schemas.microsoft.com/office/drawing/2014/main" id="{7CB39D97-5607-CFF0-92AE-65F20F0C3279}"/>
               </a:ext>
             </a:extLst>
           </p:cNvPr>
@@ -7177,13 +7522,16 @@
         </p:nvSpPr>
         <p:spPr>
           <a:xfrm>
-            <a:off x="1763523" y="2447946"/>
-            <a:ext cx="3583443" cy="893834"/>
+            <a:off x="5075835" y="5925248"/>
+            <a:ext cx="1000120" cy="369332"/>
           </a:xfrm>
           <a:prstGeom prst="rect">
             <a:avLst/>
           </a:prstGeom>
           <a:noFill/>
+          <a:ln>
+            <a:noFill/>
+          </a:ln>
         </p:spPr>
         <p:txBody>
           <a:bodyPr wrap="square" rtlCol="0">
@@ -7191,398 +7539,13 @@
           </a:bodyPr>
           <a:lstStyle/>
           <a:p>
-            <a:pPr>
-              <a:lnSpc>
-                <a:spcPct val="150000"/>
-              </a:lnSpc>
-            </a:pPr>
-            <a:r>
-              <a:rPr lang="en-PH" sz="1200" b="1" dirty="0">
+            <a:r>
+              <a:rPr lang="en-PH" b="1" spc="300" dirty="0">
                 <a:latin typeface="Open Sans" pitchFamily="2" charset="0"/>
                 <a:ea typeface="Open Sans" pitchFamily="2" charset="0"/>
                 <a:cs typeface="Open Sans" pitchFamily="2" charset="0"/>
               </a:rPr>
-              <a:t>Course: BSCS</a:t>
-            </a:r>
-          </a:p>
-          <a:p>
-            <a:pPr>
-              <a:lnSpc>
-                <a:spcPct val="150000"/>
-              </a:lnSpc>
-            </a:pPr>
-            <a:r>
-              <a:rPr lang="en-PH" sz="1200" b="1" dirty="0">
-                <a:latin typeface="Open Sans" pitchFamily="2" charset="0"/>
-                <a:ea typeface="Open Sans" pitchFamily="2" charset="0"/>
-                <a:cs typeface="Open Sans" pitchFamily="2" charset="0"/>
-              </a:rPr>
-              <a:t>Year/Block: 3-2</a:t>
-            </a:r>
-          </a:p>
-          <a:p>
-            <a:pPr>
-              <a:lnSpc>
-                <a:spcPct val="150000"/>
-              </a:lnSpc>
-            </a:pPr>
-            <a:r>
-              <a:rPr lang="en-PH" sz="1200" b="1" dirty="0">
-                <a:latin typeface="Open Sans" pitchFamily="2" charset="0"/>
-                <a:ea typeface="Open Sans" pitchFamily="2" charset="0"/>
-                <a:cs typeface="Open Sans" pitchFamily="2" charset="0"/>
-              </a:rPr>
-              <a:t>Day/Time: T/Th 7:00pm – 8:00pm</a:t>
-            </a:r>
-          </a:p>
-        </p:txBody>
-      </p:sp>
-      <p:sp>
-        <p:nvSpPr>
-          <p:cNvPr id="40" name="TextBox 39">
-            <a:extLst>
-              <a:ext uri="{FF2B5EF4-FFF2-40B4-BE49-F238E27FC236}">
-                <a16:creationId xmlns:a16="http://schemas.microsoft.com/office/drawing/2014/main" id="{DF671A24-8953-FE49-0114-4232CBF32529}"/>
-              </a:ext>
-            </a:extLst>
-          </p:cNvPr>
-          <p:cNvSpPr txBox="1"/>
-          <p:nvPr/>
-        </p:nvSpPr>
-        <p:spPr>
-          <a:xfrm>
-            <a:off x="7701523" y="2012067"/>
-            <a:ext cx="3286287" cy="369332"/>
-          </a:xfrm>
-          <a:prstGeom prst="rect">
-            <a:avLst/>
-          </a:prstGeom>
-          <a:noFill/>
-        </p:spPr>
-        <p:txBody>
-          <a:bodyPr wrap="square" rtlCol="0">
-            <a:spAutoFit/>
-          </a:bodyPr>
-          <a:lstStyle/>
-          <a:p>
-            <a:r>
-              <a:rPr lang="en-PH" b="1" dirty="0">
-                <a:solidFill>
-                  <a:schemeClr val="bg1"/>
-                </a:solidFill>
-                <a:latin typeface="Open Sans" pitchFamily="2" charset="0"/>
-                <a:ea typeface="Open Sans" pitchFamily="2" charset="0"/>
-                <a:cs typeface="Open Sans" pitchFamily="2" charset="0"/>
-              </a:rPr>
-              <a:t>COMPUTATIONAL SCIENCE</a:t>
-            </a:r>
-          </a:p>
-        </p:txBody>
-      </p:sp>
-      <p:sp>
-        <p:nvSpPr>
-          <p:cNvPr id="41" name="TextBox 40">
-            <a:extLst>
-              <a:ext uri="{FF2B5EF4-FFF2-40B4-BE49-F238E27FC236}">
-                <a16:creationId xmlns:a16="http://schemas.microsoft.com/office/drawing/2014/main" id="{0A19B25C-0BFF-5C56-22BA-8F28B39BB738}"/>
-              </a:ext>
-            </a:extLst>
-          </p:cNvPr>
-          <p:cNvSpPr txBox="1"/>
-          <p:nvPr/>
-        </p:nvSpPr>
-        <p:spPr>
-          <a:xfrm>
-            <a:off x="7552946" y="2447946"/>
-            <a:ext cx="3583443" cy="893834"/>
-          </a:xfrm>
-          <a:prstGeom prst="rect">
-            <a:avLst/>
-          </a:prstGeom>
-          <a:noFill/>
-        </p:spPr>
-        <p:txBody>
-          <a:bodyPr wrap="square" rtlCol="0">
-            <a:spAutoFit/>
-          </a:bodyPr>
-          <a:lstStyle/>
-          <a:p>
-            <a:pPr>
-              <a:lnSpc>
-                <a:spcPct val="150000"/>
-              </a:lnSpc>
-            </a:pPr>
-            <a:r>
-              <a:rPr lang="en-PH" sz="1200" b="1" dirty="0">
-                <a:latin typeface="Open Sans" pitchFamily="2" charset="0"/>
-                <a:ea typeface="Open Sans" pitchFamily="2" charset="0"/>
-                <a:cs typeface="Open Sans" pitchFamily="2" charset="0"/>
-              </a:rPr>
-              <a:t>Course: BSCS</a:t>
-            </a:r>
-          </a:p>
-          <a:p>
-            <a:pPr>
-              <a:lnSpc>
-                <a:spcPct val="150000"/>
-              </a:lnSpc>
-            </a:pPr>
-            <a:r>
-              <a:rPr lang="en-PH" sz="1200" b="1" dirty="0">
-                <a:latin typeface="Open Sans" pitchFamily="2" charset="0"/>
-                <a:ea typeface="Open Sans" pitchFamily="2" charset="0"/>
-                <a:cs typeface="Open Sans" pitchFamily="2" charset="0"/>
-              </a:rPr>
-              <a:t>Year/Block: 3-2</a:t>
-            </a:r>
-          </a:p>
-          <a:p>
-            <a:pPr>
-              <a:lnSpc>
-                <a:spcPct val="150000"/>
-              </a:lnSpc>
-            </a:pPr>
-            <a:r>
-              <a:rPr lang="en-PH" sz="1200" b="1" dirty="0">
-                <a:latin typeface="Open Sans" pitchFamily="2" charset="0"/>
-                <a:ea typeface="Open Sans" pitchFamily="2" charset="0"/>
-                <a:cs typeface="Open Sans" pitchFamily="2" charset="0"/>
-              </a:rPr>
-              <a:t>Day/Time: S 12:00pm – 2:00pm</a:t>
-            </a:r>
-          </a:p>
-        </p:txBody>
-      </p:sp>
-      <p:sp>
-        <p:nvSpPr>
-          <p:cNvPr id="42" name="TextBox 41">
-            <a:extLst>
-              <a:ext uri="{FF2B5EF4-FFF2-40B4-BE49-F238E27FC236}">
-                <a16:creationId xmlns:a16="http://schemas.microsoft.com/office/drawing/2014/main" id="{7F5CACD0-AD2B-4AE6-B914-CE8409EA7326}"/>
-              </a:ext>
-            </a:extLst>
-          </p:cNvPr>
-          <p:cNvSpPr txBox="1"/>
-          <p:nvPr/>
-        </p:nvSpPr>
-        <p:spPr>
-          <a:xfrm>
-            <a:off x="1912101" y="5584176"/>
-            <a:ext cx="3286287" cy="369332"/>
-          </a:xfrm>
-          <a:prstGeom prst="rect">
-            <a:avLst/>
-          </a:prstGeom>
-          <a:noFill/>
-        </p:spPr>
-        <p:txBody>
-          <a:bodyPr wrap="square" rtlCol="0">
-            <a:spAutoFit/>
-          </a:bodyPr>
-          <a:lstStyle/>
-          <a:p>
-            <a:pPr algn="ctr"/>
-            <a:r>
-              <a:rPr lang="en-PH" b="1" dirty="0">
-                <a:solidFill>
-                  <a:schemeClr val="bg1"/>
-                </a:solidFill>
-                <a:latin typeface="Open Sans" pitchFamily="2" charset="0"/>
-                <a:ea typeface="Open Sans" pitchFamily="2" charset="0"/>
-                <a:cs typeface="Open Sans" pitchFamily="2" charset="0"/>
-              </a:rPr>
-              <a:t>CS ELECTIVE 1 (LEC)</a:t>
-            </a:r>
-          </a:p>
-        </p:txBody>
-      </p:sp>
-      <p:sp>
-        <p:nvSpPr>
-          <p:cNvPr id="43" name="TextBox 42">
-            <a:extLst>
-              <a:ext uri="{FF2B5EF4-FFF2-40B4-BE49-F238E27FC236}">
-                <a16:creationId xmlns:a16="http://schemas.microsoft.com/office/drawing/2014/main" id="{1555DE82-3FC1-8924-8095-8D4216B1E755}"/>
-              </a:ext>
-            </a:extLst>
-          </p:cNvPr>
-          <p:cNvSpPr txBox="1"/>
-          <p:nvPr/>
-        </p:nvSpPr>
-        <p:spPr>
-          <a:xfrm>
-            <a:off x="1763523" y="6041755"/>
-            <a:ext cx="3583443" cy="893834"/>
-          </a:xfrm>
-          <a:prstGeom prst="rect">
-            <a:avLst/>
-          </a:prstGeom>
-          <a:noFill/>
-        </p:spPr>
-        <p:txBody>
-          <a:bodyPr wrap="square" rtlCol="0">
-            <a:spAutoFit/>
-          </a:bodyPr>
-          <a:lstStyle/>
-          <a:p>
-            <a:pPr>
-              <a:lnSpc>
-                <a:spcPct val="150000"/>
-              </a:lnSpc>
-            </a:pPr>
-            <a:r>
-              <a:rPr lang="en-PH" sz="1200" b="1" dirty="0">
-                <a:latin typeface="Open Sans" pitchFamily="2" charset="0"/>
-                <a:ea typeface="Open Sans" pitchFamily="2" charset="0"/>
-                <a:cs typeface="Open Sans" pitchFamily="2" charset="0"/>
-              </a:rPr>
-              <a:t>Course: BSCS</a:t>
-            </a:r>
-          </a:p>
-          <a:p>
-            <a:pPr>
-              <a:lnSpc>
-                <a:spcPct val="150000"/>
-              </a:lnSpc>
-            </a:pPr>
-            <a:r>
-              <a:rPr lang="en-PH" sz="1200" b="1" dirty="0">
-                <a:latin typeface="Open Sans" pitchFamily="2" charset="0"/>
-                <a:ea typeface="Open Sans" pitchFamily="2" charset="0"/>
-                <a:cs typeface="Open Sans" pitchFamily="2" charset="0"/>
-              </a:rPr>
-              <a:t>Year/Block: 3-2</a:t>
-            </a:r>
-          </a:p>
-          <a:p>
-            <a:pPr>
-              <a:lnSpc>
-                <a:spcPct val="150000"/>
-              </a:lnSpc>
-            </a:pPr>
-            <a:r>
-              <a:rPr lang="en-PH" sz="1200" b="1" dirty="0">
-                <a:latin typeface="Open Sans" pitchFamily="2" charset="0"/>
-                <a:ea typeface="Open Sans" pitchFamily="2" charset="0"/>
-                <a:cs typeface="Open Sans" pitchFamily="2" charset="0"/>
-              </a:rPr>
-              <a:t>Day/Time: T/Th 8:00pm – 9:00pm</a:t>
-            </a:r>
-          </a:p>
-        </p:txBody>
-      </p:sp>
-      <p:sp>
-        <p:nvSpPr>
-          <p:cNvPr id="44" name="TextBox 43">
-            <a:extLst>
-              <a:ext uri="{FF2B5EF4-FFF2-40B4-BE49-F238E27FC236}">
-                <a16:creationId xmlns:a16="http://schemas.microsoft.com/office/drawing/2014/main" id="{B22ECE36-8140-C323-20CF-746E8589208B}"/>
-              </a:ext>
-            </a:extLst>
-          </p:cNvPr>
-          <p:cNvSpPr txBox="1"/>
-          <p:nvPr/>
-        </p:nvSpPr>
-        <p:spPr>
-          <a:xfrm>
-            <a:off x="7552946" y="6032683"/>
-            <a:ext cx="3583443" cy="893834"/>
-          </a:xfrm>
-          <a:prstGeom prst="rect">
-            <a:avLst/>
-          </a:prstGeom>
-          <a:noFill/>
-        </p:spPr>
-        <p:txBody>
-          <a:bodyPr wrap="square" rtlCol="0">
-            <a:spAutoFit/>
-          </a:bodyPr>
-          <a:lstStyle/>
-          <a:p>
-            <a:pPr>
-              <a:lnSpc>
-                <a:spcPct val="150000"/>
-              </a:lnSpc>
-            </a:pPr>
-            <a:r>
-              <a:rPr lang="en-PH" sz="1200" b="1" dirty="0">
-                <a:latin typeface="Open Sans" pitchFamily="2" charset="0"/>
-                <a:ea typeface="Open Sans" pitchFamily="2" charset="0"/>
-                <a:cs typeface="Open Sans" pitchFamily="2" charset="0"/>
-              </a:rPr>
-              <a:t>Course: BSIT</a:t>
-            </a:r>
-          </a:p>
-          <a:p>
-            <a:pPr>
-              <a:lnSpc>
-                <a:spcPct val="150000"/>
-              </a:lnSpc>
-            </a:pPr>
-            <a:r>
-              <a:rPr lang="en-PH" sz="1200" b="1" dirty="0">
-                <a:latin typeface="Open Sans" pitchFamily="2" charset="0"/>
-                <a:ea typeface="Open Sans" pitchFamily="2" charset="0"/>
-                <a:cs typeface="Open Sans" pitchFamily="2" charset="0"/>
-              </a:rPr>
-              <a:t>Year/Block: 2-4</a:t>
-            </a:r>
-          </a:p>
-          <a:p>
-            <a:pPr>
-              <a:lnSpc>
-                <a:spcPct val="150000"/>
-              </a:lnSpc>
-            </a:pPr>
-            <a:r>
-              <a:rPr lang="en-PH" sz="1200" b="1" dirty="0">
-                <a:latin typeface="Open Sans" pitchFamily="2" charset="0"/>
-                <a:ea typeface="Open Sans" pitchFamily="2" charset="0"/>
-                <a:cs typeface="Open Sans" pitchFamily="2" charset="0"/>
-              </a:rPr>
-              <a:t>Day/Time: T/Th 8:00pm – 9:00pm</a:t>
-            </a:r>
-          </a:p>
-        </p:txBody>
-      </p:sp>
-      <p:sp>
-        <p:nvSpPr>
-          <p:cNvPr id="45" name="TextBox 44">
-            <a:extLst>
-              <a:ext uri="{FF2B5EF4-FFF2-40B4-BE49-F238E27FC236}">
-                <a16:creationId xmlns:a16="http://schemas.microsoft.com/office/drawing/2014/main" id="{D7E21D6C-EFFE-F364-1E0D-337D16BFAE25}"/>
-              </a:ext>
-            </a:extLst>
-          </p:cNvPr>
-          <p:cNvSpPr txBox="1"/>
-          <p:nvPr/>
-        </p:nvSpPr>
-        <p:spPr>
-          <a:xfrm>
-            <a:off x="7701522" y="5578873"/>
-            <a:ext cx="3286287" cy="369332"/>
-          </a:xfrm>
-          <a:prstGeom prst="rect">
-            <a:avLst/>
-          </a:prstGeom>
-          <a:noFill/>
-        </p:spPr>
-        <p:txBody>
-          <a:bodyPr wrap="square" rtlCol="0">
-            <a:spAutoFit/>
-          </a:bodyPr>
-          <a:lstStyle/>
-          <a:p>
-            <a:pPr algn="ctr"/>
-            <a:r>
-              <a:rPr lang="en-PH" b="1" dirty="0">
-                <a:solidFill>
-                  <a:schemeClr val="bg1"/>
-                </a:solidFill>
-                <a:latin typeface="Open Sans" pitchFamily="2" charset="0"/>
-                <a:ea typeface="Open Sans" pitchFamily="2" charset="0"/>
-                <a:cs typeface="Open Sans" pitchFamily="2" charset="0"/>
-              </a:rPr>
-              <a:t>DATABASE MANAGEMENT</a:t>
+              <a:t>mins.</a:t>
             </a:r>
           </a:p>
         </p:txBody>
@@ -7590,7 +7553,7 @@
     </p:spTree>
     <p:extLst>
       <p:ext uri="{BB962C8B-B14F-4D97-AF65-F5344CB8AC3E}">
-        <p14:creationId xmlns:p14="http://schemas.microsoft.com/office/powerpoint/2010/main" val="2801735180"/>
+        <p14:creationId xmlns:p14="http://schemas.microsoft.com/office/powerpoint/2010/main" val="1624662057"/>
       </p:ext>
     </p:extLst>
   </p:cSld>
@@ -7920,10 +7883,10 @@
       </p:pic>
       <p:sp>
         <p:nvSpPr>
-          <p:cNvPr id="2" name="Rectangle 1">
-            <a:extLst>
-              <a:ext uri="{FF2B5EF4-FFF2-40B4-BE49-F238E27FC236}">
-                <a16:creationId xmlns:a16="http://schemas.microsoft.com/office/drawing/2014/main" id="{42960F22-AD6F-16E6-AA21-C2D320AF1B66}"/>
+          <p:cNvPr id="23" name="Rectangle 22">
+            <a:extLst>
+              <a:ext uri="{FF2B5EF4-FFF2-40B4-BE49-F238E27FC236}">
+                <a16:creationId xmlns:a16="http://schemas.microsoft.com/office/drawing/2014/main" id="{7E6939E1-CCBC-342B-4708-136846DD11F9}"/>
               </a:ext>
             </a:extLst>
           </p:cNvPr>
@@ -7932,18 +7895,30 @@
         </p:nvSpPr>
         <p:spPr>
           <a:xfrm>
-            <a:off x="8934108" y="5825636"/>
-            <a:ext cx="2202280" cy="599440"/>
+            <a:off x="1763527" y="572441"/>
+            <a:ext cx="3583445" cy="1797132"/>
           </a:xfrm>
           <a:prstGeom prst="rect">
             <a:avLst/>
           </a:prstGeom>
           <a:solidFill>
-            <a:srgbClr val="2D2A4C"/>
+            <a:schemeClr val="bg1"/>
           </a:solidFill>
           <a:ln>
-            <a:noFill/>
+            <a:solidFill>
+              <a:schemeClr val="tx1">
+                <a:lumMod val="50000"/>
+                <a:lumOff val="50000"/>
+              </a:schemeClr>
+            </a:solidFill>
           </a:ln>
+          <a:effectLst>
+            <a:outerShdw blurRad="63500" sx="102000" sy="102000" algn="ctr" rotWithShape="0">
+              <a:prstClr val="black">
+                <a:alpha val="40000"/>
+              </a:prstClr>
+            </a:outerShdw>
+          </a:effectLst>
         </p:spPr>
         <p:style>
           <a:lnRef idx="2">
@@ -7966,144 +7941,16 @@
           <a:lstStyle/>
           <a:p>
             <a:pPr algn="ctr"/>
-            <a:r>
-              <a:rPr lang="en-PH" sz="1600" b="1" spc="600" dirty="0">
-                <a:latin typeface="Lato" panose="020F0502020204030203" pitchFamily="34" charset="0"/>
-              </a:rPr>
-              <a:t>PROCEED</a:t>
-            </a:r>
-          </a:p>
-        </p:txBody>
-      </p:sp>
-      <p:pic>
-        <p:nvPicPr>
-          <p:cNvPr id="4" name="Graphic 3" descr="Line arrow: Horizontal U-turn with solid fill">
-            <a:extLst>
-              <a:ext uri="{FF2B5EF4-FFF2-40B4-BE49-F238E27FC236}">
-                <a16:creationId xmlns:a16="http://schemas.microsoft.com/office/drawing/2014/main" id="{E3A5649E-813E-6979-28BC-E3CE8940CFDC}"/>
-              </a:ext>
-            </a:extLst>
-          </p:cNvPr>
-          <p:cNvPicPr>
-            <a:picLocks noChangeAspect="1"/>
-          </p:cNvPicPr>
-          <p:nvPr/>
-        </p:nvPicPr>
-        <p:blipFill>
-          <a:blip r:embed="rId10">
-            <a:extLst>
-              <a:ext uri="{28A0092B-C50C-407E-A947-70E740481C1C}">
-                <a14:useLocalDpi xmlns:a14="http://schemas.microsoft.com/office/drawing/2010/main" val="0"/>
-              </a:ext>
-              <a:ext uri="{96DAC541-7B7A-43D3-8B79-37D633B846F1}">
-                <asvg:svgBlip xmlns:asvg="http://schemas.microsoft.com/office/drawing/2016/SVG/main" r:embed="rId11"/>
-              </a:ext>
-            </a:extLst>
-          </a:blip>
-          <a:stretch>
-            <a:fillRect/>
-          </a:stretch>
-        </p:blipFill>
-        <p:spPr>
-          <a:xfrm>
-            <a:off x="1353720" y="248524"/>
-            <a:ext cx="540000" cy="540000"/>
-          </a:xfrm>
-          <a:prstGeom prst="rect">
-            <a:avLst/>
-          </a:prstGeom>
-        </p:spPr>
-      </p:pic>
-      <p:sp>
-        <p:nvSpPr>
-          <p:cNvPr id="5" name="TextBox 4">
-            <a:extLst>
-              <a:ext uri="{FF2B5EF4-FFF2-40B4-BE49-F238E27FC236}">
-                <a16:creationId xmlns:a16="http://schemas.microsoft.com/office/drawing/2014/main" id="{5CBC9DA3-A390-2F01-3D09-4097ADEE247A}"/>
-              </a:ext>
-            </a:extLst>
-          </p:cNvPr>
-          <p:cNvSpPr txBox="1"/>
-          <p:nvPr/>
-        </p:nvSpPr>
-        <p:spPr>
-          <a:xfrm>
-            <a:off x="1914040" y="394818"/>
-            <a:ext cx="1749197" cy="369332"/>
-          </a:xfrm>
-          <a:prstGeom prst="rect">
-            <a:avLst/>
-          </a:prstGeom>
-          <a:noFill/>
-        </p:spPr>
-        <p:txBody>
-          <a:bodyPr wrap="none" rtlCol="0">
-            <a:spAutoFit/>
-          </a:bodyPr>
-          <a:lstStyle/>
-          <a:p>
-            <a:r>
-              <a:rPr lang="en-PH" b="1" spc="600" dirty="0">
-                <a:solidFill>
-                  <a:srgbClr val="1D1B31"/>
-                </a:solidFill>
-                <a:latin typeface="Open Sans" pitchFamily="2" charset="0"/>
-                <a:ea typeface="Open Sans" pitchFamily="2" charset="0"/>
-                <a:cs typeface="Open Sans" pitchFamily="2" charset="0"/>
-              </a:rPr>
-              <a:t>GO BACK</a:t>
-            </a:r>
-          </a:p>
-        </p:txBody>
-      </p:sp>
-      <p:sp>
-        <p:nvSpPr>
-          <p:cNvPr id="7" name="TextBox 6">
-            <a:extLst>
-              <a:ext uri="{FF2B5EF4-FFF2-40B4-BE49-F238E27FC236}">
-                <a16:creationId xmlns:a16="http://schemas.microsoft.com/office/drawing/2014/main" id="{CABF923E-A53D-1EC3-6708-FCB8ADE79BC2}"/>
-              </a:ext>
-            </a:extLst>
-          </p:cNvPr>
-          <p:cNvSpPr txBox="1"/>
-          <p:nvPr/>
-        </p:nvSpPr>
-        <p:spPr>
-          <a:xfrm>
-            <a:off x="1702855" y="1246319"/>
-            <a:ext cx="2191626" cy="461665"/>
-          </a:xfrm>
-          <a:prstGeom prst="rect">
-            <a:avLst/>
-          </a:prstGeom>
-          <a:noFill/>
-        </p:spPr>
-        <p:txBody>
-          <a:bodyPr wrap="none" rtlCol="0">
-            <a:spAutoFit/>
-          </a:bodyPr>
-          <a:lstStyle/>
-          <a:p>
-            <a:r>
-              <a:rPr lang="en-PH" sz="2400" b="1" spc="300" dirty="0">
-                <a:solidFill>
-                  <a:srgbClr val="1D1B31"/>
-                </a:solidFill>
-                <a:latin typeface="Open Sans" pitchFamily="2" charset="0"/>
-                <a:ea typeface="Open Sans" pitchFamily="2" charset="0"/>
-                <a:cs typeface="Open Sans" pitchFamily="2" charset="0"/>
-              </a:rPr>
-              <a:t>CSC 0321-2</a:t>
-            </a:r>
-          </a:p>
-        </p:txBody>
-      </p:sp>
-      <p:sp>
-        <p:nvSpPr>
-          <p:cNvPr id="9" name="Rectangle 8">
-            <a:extLst>
-              <a:ext uri="{FF2B5EF4-FFF2-40B4-BE49-F238E27FC236}">
-                <a16:creationId xmlns:a16="http://schemas.microsoft.com/office/drawing/2014/main" id="{949B5164-B233-3BE2-D82D-D771B5A904E0}"/>
+            <a:endParaRPr lang="en-PH"/>
+          </a:p>
+        </p:txBody>
+      </p:sp>
+      <p:sp>
+        <p:nvSpPr>
+          <p:cNvPr id="27" name="Rectangle: Top Corners Rounded 26">
+            <a:extLst>
+              <a:ext uri="{FF2B5EF4-FFF2-40B4-BE49-F238E27FC236}">
+                <a16:creationId xmlns:a16="http://schemas.microsoft.com/office/drawing/2014/main" id="{440A0633-84A9-1361-534D-9B874E9C122C}"/>
               </a:ext>
             </a:extLst>
           </p:cNvPr>
@@ -8111,19 +7958,31 @@
           <p:nvPr/>
         </p:nvSpPr>
         <p:spPr>
-          <a:xfrm>
-            <a:off x="1702857" y="1884054"/>
-            <a:ext cx="9433532" cy="482169"/>
-          </a:xfrm>
-          <a:prstGeom prst="rect">
+          <a:xfrm flipV="1">
+            <a:off x="1763527" y="2369573"/>
+            <a:ext cx="3583445" cy="1059424"/>
+          </a:xfrm>
+          <a:prstGeom prst="round2SameRect">
             <a:avLst/>
           </a:prstGeom>
           <a:solidFill>
-            <a:schemeClr val="accent4"/>
+            <a:schemeClr val="bg1"/>
           </a:solidFill>
           <a:ln>
-            <a:noFill/>
+            <a:solidFill>
+              <a:schemeClr val="tx1">
+                <a:lumMod val="50000"/>
+                <a:lumOff val="50000"/>
+              </a:schemeClr>
+            </a:solidFill>
           </a:ln>
+          <a:effectLst>
+            <a:outerShdw blurRad="63500" sx="102000" sy="102000" algn="ctr" rotWithShape="0">
+              <a:prstClr val="black">
+                <a:alpha val="40000"/>
+              </a:prstClr>
+            </a:outerShdw>
+          </a:effectLst>
         </p:spPr>
         <p:style>
           <a:lnRef idx="2">
@@ -8146,16 +8005,16 @@
           <a:lstStyle/>
           <a:p>
             <a:pPr algn="ctr"/>
-            <a:endParaRPr lang="en-PH" dirty="0"/>
-          </a:p>
-        </p:txBody>
-      </p:sp>
-      <p:sp>
-        <p:nvSpPr>
-          <p:cNvPr id="11" name="Rectangle 10">
-            <a:extLst>
-              <a:ext uri="{FF2B5EF4-FFF2-40B4-BE49-F238E27FC236}">
-                <a16:creationId xmlns:a16="http://schemas.microsoft.com/office/drawing/2014/main" id="{49CA8E0B-40D3-4482-EDC7-25E4DF20AAD4}"/>
+            <a:endParaRPr lang="en-PH"/>
+          </a:p>
+        </p:txBody>
+      </p:sp>
+      <p:sp>
+        <p:nvSpPr>
+          <p:cNvPr id="30" name="Rectangle 29">
+            <a:extLst>
+              <a:ext uri="{FF2B5EF4-FFF2-40B4-BE49-F238E27FC236}">
+                <a16:creationId xmlns:a16="http://schemas.microsoft.com/office/drawing/2014/main" id="{944C3DC4-A81E-C5EB-BB74-876DDB253D4E}"/>
               </a:ext>
             </a:extLst>
           </p:cNvPr>
@@ -8164,8 +8023,8 @@
         </p:nvSpPr>
         <p:spPr>
           <a:xfrm>
-            <a:off x="1702856" y="2366223"/>
-            <a:ext cx="9433532" cy="2977244"/>
+            <a:off x="7552950" y="584267"/>
+            <a:ext cx="3583445" cy="1797132"/>
           </a:xfrm>
           <a:prstGeom prst="rect">
             <a:avLst/>
@@ -8174,8 +8033,20 @@
             <a:schemeClr val="bg1"/>
           </a:solidFill>
           <a:ln>
-            <a:noFill/>
+            <a:solidFill>
+              <a:schemeClr val="tx1">
+                <a:lumMod val="50000"/>
+                <a:lumOff val="50000"/>
+              </a:schemeClr>
+            </a:solidFill>
           </a:ln>
+          <a:effectLst>
+            <a:outerShdw blurRad="63500" sx="102000" sy="102000" algn="ctr" rotWithShape="0">
+              <a:prstClr val="black">
+                <a:alpha val="40000"/>
+              </a:prstClr>
+            </a:outerShdw>
+          </a:effectLst>
         </p:spPr>
         <p:style>
           <a:lnRef idx="2">
@@ -8204,220 +8075,22 @@
       </p:sp>
       <p:sp>
         <p:nvSpPr>
-          <p:cNvPr id="12" name="TextBox 11">
-            <a:extLst>
-              <a:ext uri="{FF2B5EF4-FFF2-40B4-BE49-F238E27FC236}">
-                <a16:creationId xmlns:a16="http://schemas.microsoft.com/office/drawing/2014/main" id="{4120A6B4-DA01-EFD7-E501-8A3F455A9775}"/>
-              </a:ext>
-            </a:extLst>
-          </p:cNvPr>
-          <p:cNvSpPr txBox="1"/>
-          <p:nvPr/>
-        </p:nvSpPr>
-        <p:spPr>
-          <a:xfrm>
-            <a:off x="1788160" y="1986025"/>
-            <a:ext cx="1635760" cy="338554"/>
-          </a:xfrm>
-          <a:prstGeom prst="rect">
-            <a:avLst/>
-          </a:prstGeom>
-          <a:noFill/>
-        </p:spPr>
-        <p:txBody>
-          <a:bodyPr wrap="square" rtlCol="0">
-            <a:spAutoFit/>
-          </a:bodyPr>
-          <a:lstStyle/>
-          <a:p>
-            <a:r>
-              <a:rPr lang="en-PH" sz="1600" b="1" dirty="0">
-                <a:latin typeface="Open Sans" pitchFamily="2" charset="0"/>
-                <a:ea typeface="Open Sans" pitchFamily="2" charset="0"/>
-                <a:cs typeface="Open Sans" pitchFamily="2" charset="0"/>
-              </a:rPr>
-              <a:t>Student No.</a:t>
-            </a:r>
-          </a:p>
-        </p:txBody>
-      </p:sp>
-      <p:sp>
-        <p:nvSpPr>
-          <p:cNvPr id="13" name="TextBox 12">
-            <a:extLst>
-              <a:ext uri="{FF2B5EF4-FFF2-40B4-BE49-F238E27FC236}">
-                <a16:creationId xmlns:a16="http://schemas.microsoft.com/office/drawing/2014/main" id="{AD8363E1-11A5-5A6D-F595-7EC7E7BBFB19}"/>
-              </a:ext>
-            </a:extLst>
-          </p:cNvPr>
-          <p:cNvSpPr txBox="1"/>
-          <p:nvPr/>
-        </p:nvSpPr>
-        <p:spPr>
-          <a:xfrm>
-            <a:off x="4283625" y="1986024"/>
-            <a:ext cx="1435138" cy="338554"/>
-          </a:xfrm>
-          <a:prstGeom prst="rect">
-            <a:avLst/>
-          </a:prstGeom>
-          <a:noFill/>
-        </p:spPr>
-        <p:txBody>
-          <a:bodyPr wrap="square" rtlCol="0">
-            <a:spAutoFit/>
-          </a:bodyPr>
-          <a:lstStyle/>
-          <a:p>
-            <a:r>
-              <a:rPr lang="en-PH" sz="1600" b="1" dirty="0">
-                <a:latin typeface="Open Sans" pitchFamily="2" charset="0"/>
-                <a:ea typeface="Open Sans" pitchFamily="2" charset="0"/>
-                <a:cs typeface="Open Sans" pitchFamily="2" charset="0"/>
-              </a:rPr>
-              <a:t>Last Name</a:t>
-            </a:r>
-          </a:p>
-        </p:txBody>
-      </p:sp>
-      <p:sp>
-        <p:nvSpPr>
-          <p:cNvPr id="15" name="TextBox 14">
-            <a:extLst>
-              <a:ext uri="{FF2B5EF4-FFF2-40B4-BE49-F238E27FC236}">
-                <a16:creationId xmlns:a16="http://schemas.microsoft.com/office/drawing/2014/main" id="{9E517E2A-02EE-29A4-E9F6-08C07BC9100F}"/>
-              </a:ext>
-            </a:extLst>
-          </p:cNvPr>
-          <p:cNvSpPr txBox="1"/>
-          <p:nvPr/>
-        </p:nvSpPr>
-        <p:spPr>
-          <a:xfrm>
-            <a:off x="6900421" y="1986024"/>
-            <a:ext cx="1435138" cy="338554"/>
-          </a:xfrm>
-          <a:prstGeom prst="rect">
-            <a:avLst/>
-          </a:prstGeom>
-          <a:noFill/>
-        </p:spPr>
-        <p:txBody>
-          <a:bodyPr wrap="square" rtlCol="0">
-            <a:spAutoFit/>
-          </a:bodyPr>
-          <a:lstStyle/>
-          <a:p>
-            <a:r>
-              <a:rPr lang="en-PH" sz="1600" b="1" dirty="0">
-                <a:latin typeface="Open Sans" pitchFamily="2" charset="0"/>
-                <a:ea typeface="Open Sans" pitchFamily="2" charset="0"/>
-                <a:cs typeface="Open Sans" pitchFamily="2" charset="0"/>
-              </a:rPr>
-              <a:t>First Name</a:t>
-            </a:r>
-          </a:p>
-        </p:txBody>
-      </p:sp>
-      <p:sp>
-        <p:nvSpPr>
-          <p:cNvPr id="17" name="TextBox 16">
-            <a:extLst>
-              <a:ext uri="{FF2B5EF4-FFF2-40B4-BE49-F238E27FC236}">
-                <a16:creationId xmlns:a16="http://schemas.microsoft.com/office/drawing/2014/main" id="{7E86F86B-6CBF-E60E-80CE-9BA942B78D39}"/>
-              </a:ext>
-            </a:extLst>
-          </p:cNvPr>
-          <p:cNvSpPr txBox="1"/>
-          <p:nvPr/>
-        </p:nvSpPr>
-        <p:spPr>
-          <a:xfrm>
-            <a:off x="9100528" y="1986024"/>
-            <a:ext cx="2149856" cy="338554"/>
-          </a:xfrm>
-          <a:prstGeom prst="rect">
-            <a:avLst/>
-          </a:prstGeom>
-          <a:noFill/>
-        </p:spPr>
-        <p:txBody>
-          <a:bodyPr wrap="square" rtlCol="0">
-            <a:spAutoFit/>
-          </a:bodyPr>
-          <a:lstStyle/>
-          <a:p>
-            <a:r>
-              <a:rPr lang="en-PH" sz="1600" b="1" dirty="0">
-                <a:latin typeface="Open Sans" pitchFamily="2" charset="0"/>
-                <a:ea typeface="Open Sans" pitchFamily="2" charset="0"/>
-                <a:cs typeface="Open Sans" pitchFamily="2" charset="0"/>
-              </a:rPr>
-              <a:t>Regular/Irregular</a:t>
-            </a:r>
-          </a:p>
-        </p:txBody>
-      </p:sp>
-      <p:sp>
-        <p:nvSpPr>
-          <p:cNvPr id="3" name="TextBox 2">
-            <a:extLst>
-              <a:ext uri="{FF2B5EF4-FFF2-40B4-BE49-F238E27FC236}">
-                <a16:creationId xmlns:a16="http://schemas.microsoft.com/office/drawing/2014/main" id="{2E4CE765-E722-998E-1C6F-D20C7DA5312C}"/>
-              </a:ext>
-            </a:extLst>
-          </p:cNvPr>
-          <p:cNvSpPr txBox="1"/>
-          <p:nvPr/>
-        </p:nvSpPr>
-        <p:spPr>
-          <a:xfrm>
-            <a:off x="1914040" y="5925248"/>
-            <a:ext cx="2202281" cy="377908"/>
-          </a:xfrm>
-          <a:prstGeom prst="rect">
-            <a:avLst/>
-          </a:prstGeom>
-          <a:noFill/>
-          <a:ln>
-            <a:noFill/>
-          </a:ln>
-        </p:spPr>
-        <p:txBody>
-          <a:bodyPr wrap="square" rtlCol="0">
-            <a:spAutoFit/>
-          </a:bodyPr>
-          <a:lstStyle/>
-          <a:p>
-            <a:r>
-              <a:rPr lang="en-PH" b="1" spc="300" dirty="0">
-                <a:latin typeface="Open Sans" pitchFamily="2" charset="0"/>
-                <a:ea typeface="Open Sans" pitchFamily="2" charset="0"/>
-                <a:cs typeface="Open Sans" pitchFamily="2" charset="0"/>
-              </a:rPr>
-              <a:t>Grace Period:</a:t>
-            </a:r>
-          </a:p>
-        </p:txBody>
-      </p:sp>
-      <p:sp>
-        <p:nvSpPr>
-          <p:cNvPr id="18" name="TextBox 17">
-            <a:extLst>
-              <a:ext uri="{FF2B5EF4-FFF2-40B4-BE49-F238E27FC236}">
-                <a16:creationId xmlns:a16="http://schemas.microsoft.com/office/drawing/2014/main" id="{89E86A82-4FC6-2F90-4724-C19D3E15E8F6}"/>
-              </a:ext>
-            </a:extLst>
-          </p:cNvPr>
-          <p:cNvSpPr txBox="1"/>
-          <p:nvPr/>
-        </p:nvSpPr>
-        <p:spPr>
-          <a:xfrm>
-            <a:off x="4116321" y="5925248"/>
-            <a:ext cx="983999" cy="377908"/>
-          </a:xfrm>
-          <a:prstGeom prst="rect">
+          <p:cNvPr id="31" name="Rectangle: Top Corners Rounded 30">
+            <a:extLst>
+              <a:ext uri="{FF2B5EF4-FFF2-40B4-BE49-F238E27FC236}">
+                <a16:creationId xmlns:a16="http://schemas.microsoft.com/office/drawing/2014/main" id="{8D77310F-BE34-89CF-3776-40453162FEC9}"/>
+              </a:ext>
+            </a:extLst>
+          </p:cNvPr>
+          <p:cNvSpPr/>
+          <p:nvPr/>
+        </p:nvSpPr>
+        <p:spPr>
+          <a:xfrm flipV="1">
+            <a:off x="7552950" y="2381399"/>
+            <a:ext cx="3583445" cy="1059424"/>
+          </a:xfrm>
+          <a:prstGeom prst="round2SameRect">
             <a:avLst/>
           </a:prstGeom>
           <a:solidFill>
@@ -8425,9 +8098,198 @@
           </a:solidFill>
           <a:ln>
             <a:solidFill>
-              <a:srgbClr val="2D2A4C"/>
+              <a:schemeClr val="tx1">
+                <a:lumMod val="50000"/>
+                <a:lumOff val="50000"/>
+              </a:schemeClr>
             </a:solidFill>
           </a:ln>
+          <a:effectLst>
+            <a:outerShdw blurRad="63500" sx="102000" sy="102000" algn="ctr" rotWithShape="0">
+              <a:prstClr val="black">
+                <a:alpha val="40000"/>
+              </a:prstClr>
+            </a:outerShdw>
+          </a:effectLst>
+        </p:spPr>
+        <p:style>
+          <a:lnRef idx="2">
+            <a:schemeClr val="accent1">
+              <a:shade val="50000"/>
+            </a:schemeClr>
+          </a:lnRef>
+          <a:fillRef idx="1">
+            <a:schemeClr val="accent1"/>
+          </a:fillRef>
+          <a:effectRef idx="0">
+            <a:schemeClr val="accent1"/>
+          </a:effectRef>
+          <a:fontRef idx="minor">
+            <a:schemeClr val="lt1"/>
+          </a:fontRef>
+        </p:style>
+        <p:txBody>
+          <a:bodyPr rtlCol="0" anchor="ctr"/>
+          <a:lstStyle/>
+          <a:p>
+            <a:pPr algn="ctr"/>
+            <a:endParaRPr lang="en-PH"/>
+          </a:p>
+        </p:txBody>
+      </p:sp>
+      <p:sp>
+        <p:nvSpPr>
+          <p:cNvPr id="32" name="Rectangle 31">
+            <a:extLst>
+              <a:ext uri="{FF2B5EF4-FFF2-40B4-BE49-F238E27FC236}">
+                <a16:creationId xmlns:a16="http://schemas.microsoft.com/office/drawing/2014/main" id="{DDC18A6C-728E-4BB1-1595-9EA691669882}"/>
+              </a:ext>
+            </a:extLst>
+          </p:cNvPr>
+          <p:cNvSpPr/>
+          <p:nvPr/>
+        </p:nvSpPr>
+        <p:spPr>
+          <a:xfrm>
+            <a:off x="1763526" y="565593"/>
+            <a:ext cx="3583443" cy="1797132"/>
+          </a:xfrm>
+          <a:prstGeom prst="rect">
+            <a:avLst/>
+          </a:prstGeom>
+          <a:solidFill>
+            <a:srgbClr val="01264E"/>
+          </a:solidFill>
+          <a:ln>
+            <a:solidFill>
+              <a:schemeClr val="tx1">
+                <a:lumMod val="50000"/>
+                <a:lumOff val="50000"/>
+              </a:schemeClr>
+            </a:solidFill>
+          </a:ln>
+          <a:effectLst/>
+        </p:spPr>
+        <p:style>
+          <a:lnRef idx="2">
+            <a:schemeClr val="accent1">
+              <a:shade val="50000"/>
+            </a:schemeClr>
+          </a:lnRef>
+          <a:fillRef idx="1">
+            <a:schemeClr val="accent1"/>
+          </a:fillRef>
+          <a:effectRef idx="0">
+            <a:schemeClr val="accent1"/>
+          </a:effectRef>
+          <a:fontRef idx="minor">
+            <a:schemeClr val="lt1"/>
+          </a:fontRef>
+        </p:style>
+        <p:txBody>
+          <a:bodyPr rtlCol="0" anchor="ctr"/>
+          <a:lstStyle/>
+          <a:p>
+            <a:pPr algn="ctr"/>
+            <a:r>
+              <a:rPr lang="en-PH" sz="2400" b="1" spc="300" dirty="0">
+                <a:latin typeface="Open Sans" pitchFamily="2" charset="0"/>
+                <a:ea typeface="Open Sans" pitchFamily="2" charset="0"/>
+                <a:cs typeface="Open Sans" pitchFamily="2" charset="0"/>
+              </a:rPr>
+              <a:t>CSC 0321-2</a:t>
+            </a:r>
+          </a:p>
+        </p:txBody>
+      </p:sp>
+      <p:sp>
+        <p:nvSpPr>
+          <p:cNvPr id="33" name="Rectangle 32">
+            <a:extLst>
+              <a:ext uri="{FF2B5EF4-FFF2-40B4-BE49-F238E27FC236}">
+                <a16:creationId xmlns:a16="http://schemas.microsoft.com/office/drawing/2014/main" id="{8CB4D2B6-3388-A7EC-8D1A-B981F4D09E89}"/>
+              </a:ext>
+            </a:extLst>
+          </p:cNvPr>
+          <p:cNvSpPr/>
+          <p:nvPr/>
+        </p:nvSpPr>
+        <p:spPr>
+          <a:xfrm>
+            <a:off x="7552947" y="572441"/>
+            <a:ext cx="3583443" cy="1797132"/>
+          </a:xfrm>
+          <a:prstGeom prst="rect">
+            <a:avLst/>
+          </a:prstGeom>
+          <a:solidFill>
+            <a:schemeClr val="accent6">
+              <a:lumMod val="75000"/>
+            </a:schemeClr>
+          </a:solidFill>
+          <a:ln>
+            <a:solidFill>
+              <a:schemeClr val="tx1">
+                <a:lumMod val="50000"/>
+                <a:lumOff val="50000"/>
+              </a:schemeClr>
+            </a:solidFill>
+          </a:ln>
+          <a:effectLst/>
+        </p:spPr>
+        <p:style>
+          <a:lnRef idx="2">
+            <a:schemeClr val="accent1">
+              <a:shade val="50000"/>
+            </a:schemeClr>
+          </a:lnRef>
+          <a:fillRef idx="1">
+            <a:schemeClr val="accent1"/>
+          </a:fillRef>
+          <a:effectRef idx="0">
+            <a:schemeClr val="accent1"/>
+          </a:effectRef>
+          <a:fontRef idx="minor">
+            <a:schemeClr val="lt1"/>
+          </a:fontRef>
+        </p:style>
+        <p:txBody>
+          <a:bodyPr rtlCol="0" anchor="ctr"/>
+          <a:lstStyle/>
+          <a:p>
+            <a:pPr algn="ctr"/>
+            <a:r>
+              <a:rPr lang="en-PH" sz="2400" b="1" spc="300" dirty="0">
+                <a:latin typeface="Open Sans" pitchFamily="2" charset="0"/>
+                <a:ea typeface="Open Sans" pitchFamily="2" charset="0"/>
+                <a:cs typeface="Open Sans" pitchFamily="2" charset="0"/>
+              </a:rPr>
+              <a:t>CSC 0323-2</a:t>
+            </a:r>
+          </a:p>
+        </p:txBody>
+      </p:sp>
+      <p:sp>
+        <p:nvSpPr>
+          <p:cNvPr id="38" name="TextBox 37">
+            <a:extLst>
+              <a:ext uri="{FF2B5EF4-FFF2-40B4-BE49-F238E27FC236}">
+                <a16:creationId xmlns:a16="http://schemas.microsoft.com/office/drawing/2014/main" id="{19DDCC11-270E-D839-C76A-1019EF9ED04F}"/>
+              </a:ext>
+            </a:extLst>
+          </p:cNvPr>
+          <p:cNvSpPr txBox="1"/>
+          <p:nvPr/>
+        </p:nvSpPr>
+        <p:spPr>
+          <a:xfrm>
+            <a:off x="1912101" y="1964221"/>
+            <a:ext cx="3286287" cy="369332"/>
+          </a:xfrm>
+          <a:prstGeom prst="rect">
+            <a:avLst/>
+          </a:prstGeom>
+          <a:noFill/>
         </p:spPr>
         <p:txBody>
           <a:bodyPr wrap="square" rtlCol="0">
@@ -8435,30 +8297,26 @@
           </a:bodyPr>
           <a:lstStyle/>
           <a:p>
-            <a:pPr algn="ctr"/>
-            <a:r>
-              <a:rPr lang="en-PH" b="1" spc="300" dirty="0">
+            <a:r>
+              <a:rPr lang="en-PH" b="1" dirty="0">
                 <a:solidFill>
-                  <a:schemeClr val="tx1">
-                    <a:lumMod val="50000"/>
-                    <a:lumOff val="50000"/>
-                  </a:schemeClr>
+                  <a:schemeClr val="bg1"/>
                 </a:solidFill>
                 <a:latin typeface="Open Sans" pitchFamily="2" charset="0"/>
                 <a:ea typeface="Open Sans" pitchFamily="2" charset="0"/>
                 <a:cs typeface="Open Sans" pitchFamily="2" charset="0"/>
               </a:rPr>
-              <a:t>0:00</a:t>
-            </a:r>
-          </a:p>
-        </p:txBody>
-      </p:sp>
-      <p:sp>
-        <p:nvSpPr>
-          <p:cNvPr id="19" name="TextBox 18">
-            <a:extLst>
-              <a:ext uri="{FF2B5EF4-FFF2-40B4-BE49-F238E27FC236}">
-                <a16:creationId xmlns:a16="http://schemas.microsoft.com/office/drawing/2014/main" id="{7CB39D97-5607-CFF0-92AE-65F20F0C3279}"/>
+              <a:t>SOFTWARE ENGINEERING 2</a:t>
+            </a:r>
+          </a:p>
+        </p:txBody>
+      </p:sp>
+      <p:sp>
+        <p:nvSpPr>
+          <p:cNvPr id="39" name="TextBox 38">
+            <a:extLst>
+              <a:ext uri="{FF2B5EF4-FFF2-40B4-BE49-F238E27FC236}">
+                <a16:creationId xmlns:a16="http://schemas.microsoft.com/office/drawing/2014/main" id="{7A356FB0-525C-0CC2-AD00-40CDEDAC1771}"/>
               </a:ext>
             </a:extLst>
           </p:cNvPr>
@@ -8467,16 +8325,13 @@
         </p:nvSpPr>
         <p:spPr>
           <a:xfrm>
-            <a:off x="5075835" y="5925248"/>
-            <a:ext cx="1000120" cy="369332"/>
+            <a:off x="1763523" y="2447946"/>
+            <a:ext cx="3583443" cy="893834"/>
           </a:xfrm>
           <a:prstGeom prst="rect">
             <a:avLst/>
           </a:prstGeom>
           <a:noFill/>
-          <a:ln>
-            <a:noFill/>
-          </a:ln>
         </p:spPr>
         <p:txBody>
           <a:bodyPr wrap="square" rtlCol="0">
@@ -8484,13 +8339,221 @@
           </a:bodyPr>
           <a:lstStyle/>
           <a:p>
-            <a:r>
-              <a:rPr lang="en-PH" b="1" spc="300" dirty="0">
+            <a:pPr>
+              <a:lnSpc>
+                <a:spcPct val="150000"/>
+              </a:lnSpc>
+            </a:pPr>
+            <a:r>
+              <a:rPr lang="en-PH" sz="1200" b="1" dirty="0">
                 <a:latin typeface="Open Sans" pitchFamily="2" charset="0"/>
                 <a:ea typeface="Open Sans" pitchFamily="2" charset="0"/>
                 <a:cs typeface="Open Sans" pitchFamily="2" charset="0"/>
               </a:rPr>
-              <a:t>mins.</a:t>
+              <a:t>Course: BSCS</a:t>
+            </a:r>
+          </a:p>
+          <a:p>
+            <a:pPr>
+              <a:lnSpc>
+                <a:spcPct val="150000"/>
+              </a:lnSpc>
+            </a:pPr>
+            <a:r>
+              <a:rPr lang="en-PH" sz="1200" b="1" dirty="0">
+                <a:latin typeface="Open Sans" pitchFamily="2" charset="0"/>
+                <a:ea typeface="Open Sans" pitchFamily="2" charset="0"/>
+                <a:cs typeface="Open Sans" pitchFamily="2" charset="0"/>
+              </a:rPr>
+              <a:t>Year/Block: 3-2</a:t>
+            </a:r>
+          </a:p>
+          <a:p>
+            <a:pPr>
+              <a:lnSpc>
+                <a:spcPct val="150000"/>
+              </a:lnSpc>
+            </a:pPr>
+            <a:r>
+              <a:rPr lang="en-PH" sz="1200" b="1" dirty="0">
+                <a:latin typeface="Open Sans" pitchFamily="2" charset="0"/>
+                <a:ea typeface="Open Sans" pitchFamily="2" charset="0"/>
+                <a:cs typeface="Open Sans" pitchFamily="2" charset="0"/>
+              </a:rPr>
+              <a:t>Day/Time: T/Th 7:00pm – 8:00pm</a:t>
+            </a:r>
+          </a:p>
+        </p:txBody>
+      </p:sp>
+      <p:sp>
+        <p:nvSpPr>
+          <p:cNvPr id="40" name="TextBox 39">
+            <a:extLst>
+              <a:ext uri="{FF2B5EF4-FFF2-40B4-BE49-F238E27FC236}">
+                <a16:creationId xmlns:a16="http://schemas.microsoft.com/office/drawing/2014/main" id="{DF671A24-8953-FE49-0114-4232CBF32529}"/>
+              </a:ext>
+            </a:extLst>
+          </p:cNvPr>
+          <p:cNvSpPr txBox="1"/>
+          <p:nvPr/>
+        </p:nvSpPr>
+        <p:spPr>
+          <a:xfrm>
+            <a:off x="7701523" y="2012067"/>
+            <a:ext cx="3286287" cy="369332"/>
+          </a:xfrm>
+          <a:prstGeom prst="rect">
+            <a:avLst/>
+          </a:prstGeom>
+          <a:noFill/>
+        </p:spPr>
+        <p:txBody>
+          <a:bodyPr wrap="square" rtlCol="0">
+            <a:spAutoFit/>
+          </a:bodyPr>
+          <a:lstStyle/>
+          <a:p>
+            <a:r>
+              <a:rPr lang="en-PH" b="1" dirty="0">
+                <a:solidFill>
+                  <a:schemeClr val="bg1"/>
+                </a:solidFill>
+                <a:latin typeface="Open Sans" pitchFamily="2" charset="0"/>
+                <a:ea typeface="Open Sans" pitchFamily="2" charset="0"/>
+                <a:cs typeface="Open Sans" pitchFamily="2" charset="0"/>
+              </a:rPr>
+              <a:t>COMPUTATIONAL SCIENCE</a:t>
+            </a:r>
+          </a:p>
+        </p:txBody>
+      </p:sp>
+      <p:sp>
+        <p:nvSpPr>
+          <p:cNvPr id="41" name="TextBox 40">
+            <a:extLst>
+              <a:ext uri="{FF2B5EF4-FFF2-40B4-BE49-F238E27FC236}">
+                <a16:creationId xmlns:a16="http://schemas.microsoft.com/office/drawing/2014/main" id="{0A19B25C-0BFF-5C56-22BA-8F28B39BB738}"/>
+              </a:ext>
+            </a:extLst>
+          </p:cNvPr>
+          <p:cNvSpPr txBox="1"/>
+          <p:nvPr/>
+        </p:nvSpPr>
+        <p:spPr>
+          <a:xfrm>
+            <a:off x="7552946" y="2447946"/>
+            <a:ext cx="3583443" cy="893834"/>
+          </a:xfrm>
+          <a:prstGeom prst="rect">
+            <a:avLst/>
+          </a:prstGeom>
+          <a:noFill/>
+        </p:spPr>
+        <p:txBody>
+          <a:bodyPr wrap="square" rtlCol="0">
+            <a:spAutoFit/>
+          </a:bodyPr>
+          <a:lstStyle/>
+          <a:p>
+            <a:pPr>
+              <a:lnSpc>
+                <a:spcPct val="150000"/>
+              </a:lnSpc>
+            </a:pPr>
+            <a:r>
+              <a:rPr lang="en-PH" sz="1200" b="1" dirty="0">
+                <a:latin typeface="Open Sans" pitchFamily="2" charset="0"/>
+                <a:ea typeface="Open Sans" pitchFamily="2" charset="0"/>
+                <a:cs typeface="Open Sans" pitchFamily="2" charset="0"/>
+              </a:rPr>
+              <a:t>Course: BSCS</a:t>
+            </a:r>
+          </a:p>
+          <a:p>
+            <a:pPr>
+              <a:lnSpc>
+                <a:spcPct val="150000"/>
+              </a:lnSpc>
+            </a:pPr>
+            <a:r>
+              <a:rPr lang="en-PH" sz="1200" b="1" dirty="0">
+                <a:latin typeface="Open Sans" pitchFamily="2" charset="0"/>
+                <a:ea typeface="Open Sans" pitchFamily="2" charset="0"/>
+                <a:cs typeface="Open Sans" pitchFamily="2" charset="0"/>
+              </a:rPr>
+              <a:t>Year/Block: 3-2</a:t>
+            </a:r>
+          </a:p>
+          <a:p>
+            <a:pPr>
+              <a:lnSpc>
+                <a:spcPct val="150000"/>
+              </a:lnSpc>
+            </a:pPr>
+            <a:r>
+              <a:rPr lang="en-PH" sz="1200" b="1" dirty="0">
+                <a:latin typeface="Open Sans" pitchFamily="2" charset="0"/>
+                <a:ea typeface="Open Sans" pitchFamily="2" charset="0"/>
+                <a:cs typeface="Open Sans" pitchFamily="2" charset="0"/>
+              </a:rPr>
+              <a:t>Day/Time: S 12:00pm – 2:00pm</a:t>
+            </a:r>
+          </a:p>
+        </p:txBody>
+      </p:sp>
+      <p:sp>
+        <p:nvSpPr>
+          <p:cNvPr id="2" name="Rectangle 1">
+            <a:extLst>
+              <a:ext uri="{FF2B5EF4-FFF2-40B4-BE49-F238E27FC236}">
+                <a16:creationId xmlns:a16="http://schemas.microsoft.com/office/drawing/2014/main" id="{42960F22-AD6F-16E6-AA21-C2D320AF1B66}"/>
+              </a:ext>
+            </a:extLst>
+          </p:cNvPr>
+          <p:cNvSpPr/>
+          <p:nvPr/>
+        </p:nvSpPr>
+        <p:spPr>
+          <a:xfrm>
+            <a:off x="8934109" y="5674293"/>
+            <a:ext cx="2202280" cy="599440"/>
+          </a:xfrm>
+          <a:prstGeom prst="rect">
+            <a:avLst/>
+          </a:prstGeom>
+          <a:solidFill>
+            <a:srgbClr val="2D2A4C"/>
+          </a:solidFill>
+          <a:ln>
+            <a:noFill/>
+          </a:ln>
+        </p:spPr>
+        <p:style>
+          <a:lnRef idx="2">
+            <a:schemeClr val="accent1">
+              <a:shade val="50000"/>
+            </a:schemeClr>
+          </a:lnRef>
+          <a:fillRef idx="1">
+            <a:schemeClr val="accent1"/>
+          </a:fillRef>
+          <a:effectRef idx="0">
+            <a:schemeClr val="accent1"/>
+          </a:effectRef>
+          <a:fontRef idx="minor">
+            <a:schemeClr val="lt1"/>
+          </a:fontRef>
+        </p:style>
+        <p:txBody>
+          <a:bodyPr rtlCol="0" anchor="ctr"/>
+          <a:lstStyle/>
+          <a:p>
+            <a:pPr algn="ctr"/>
+            <a:r>
+              <a:rPr lang="en-PH" b="1" spc="600" dirty="0">
+                <a:latin typeface="Lato" panose="020F0502020204030203" pitchFamily="34" charset="0"/>
+              </a:rPr>
+              <a:t>NEXT</a:t>
             </a:r>
           </a:p>
         </p:txBody>
@@ -8498,7 +8561,7 @@
     </p:spTree>
     <p:extLst>
       <p:ext uri="{BB962C8B-B14F-4D97-AF65-F5344CB8AC3E}">
-        <p14:creationId xmlns:p14="http://schemas.microsoft.com/office/powerpoint/2010/main" val="1624662057"/>
+        <p14:creationId xmlns:p14="http://schemas.microsoft.com/office/powerpoint/2010/main" val="1836754780"/>
       </p:ext>
     </p:extLst>
   </p:cSld>
@@ -8828,10 +8891,10 @@
       </p:pic>
       <p:sp>
         <p:nvSpPr>
-          <p:cNvPr id="23" name="Rectangle 22">
-            <a:extLst>
-              <a:ext uri="{FF2B5EF4-FFF2-40B4-BE49-F238E27FC236}">
-                <a16:creationId xmlns:a16="http://schemas.microsoft.com/office/drawing/2014/main" id="{7E6939E1-CCBC-342B-4708-136846DD11F9}"/>
+          <p:cNvPr id="2" name="Rectangle 1">
+            <a:extLst>
+              <a:ext uri="{FF2B5EF4-FFF2-40B4-BE49-F238E27FC236}">
+                <a16:creationId xmlns:a16="http://schemas.microsoft.com/office/drawing/2014/main" id="{42960F22-AD6F-16E6-AA21-C2D320AF1B66}"/>
               </a:ext>
             </a:extLst>
           </p:cNvPr>
@@ -8840,30 +8903,18 @@
         </p:nvSpPr>
         <p:spPr>
           <a:xfrm>
-            <a:off x="1763527" y="572441"/>
-            <a:ext cx="3583445" cy="1797132"/>
+            <a:off x="9542680" y="5841728"/>
+            <a:ext cx="2202280" cy="599440"/>
           </a:xfrm>
           <a:prstGeom prst="rect">
             <a:avLst/>
           </a:prstGeom>
           <a:solidFill>
-            <a:schemeClr val="bg1"/>
+            <a:srgbClr val="2D2A4C"/>
           </a:solidFill>
           <a:ln>
-            <a:solidFill>
-              <a:schemeClr val="tx1">
-                <a:lumMod val="50000"/>
-                <a:lumOff val="50000"/>
-              </a:schemeClr>
-            </a:solidFill>
+            <a:noFill/>
           </a:ln>
-          <a:effectLst>
-            <a:outerShdw blurRad="63500" sx="102000" sy="102000" algn="ctr" rotWithShape="0">
-              <a:prstClr val="black">
-                <a:alpha val="40000"/>
-              </a:prstClr>
-            </a:outerShdw>
-          </a:effectLst>
         </p:spPr>
         <p:style>
           <a:lnRef idx="2">
@@ -8886,16 +8937,144 @@
           <a:lstStyle/>
           <a:p>
             <a:pPr algn="ctr"/>
-            <a:endParaRPr lang="en-PH"/>
-          </a:p>
-        </p:txBody>
-      </p:sp>
-      <p:sp>
-        <p:nvSpPr>
-          <p:cNvPr id="27" name="Rectangle: Top Corners Rounded 26">
-            <a:extLst>
-              <a:ext uri="{FF2B5EF4-FFF2-40B4-BE49-F238E27FC236}">
-                <a16:creationId xmlns:a16="http://schemas.microsoft.com/office/drawing/2014/main" id="{440A0633-84A9-1361-534D-9B874E9C122C}"/>
+            <a:r>
+              <a:rPr lang="en-PH" sz="1600" b="1" spc="600" dirty="0">
+                <a:latin typeface="Lato" panose="020F0502020204030203" pitchFamily="34" charset="0"/>
+              </a:rPr>
+              <a:t>END</a:t>
+            </a:r>
+          </a:p>
+        </p:txBody>
+      </p:sp>
+      <p:pic>
+        <p:nvPicPr>
+          <p:cNvPr id="4" name="Graphic 3" descr="Line arrow: Horizontal U-turn with solid fill">
+            <a:extLst>
+              <a:ext uri="{FF2B5EF4-FFF2-40B4-BE49-F238E27FC236}">
+                <a16:creationId xmlns:a16="http://schemas.microsoft.com/office/drawing/2014/main" id="{E3A5649E-813E-6979-28BC-E3CE8940CFDC}"/>
+              </a:ext>
+            </a:extLst>
+          </p:cNvPr>
+          <p:cNvPicPr>
+            <a:picLocks noChangeAspect="1"/>
+          </p:cNvPicPr>
+          <p:nvPr/>
+        </p:nvPicPr>
+        <p:blipFill>
+          <a:blip r:embed="rId10">
+            <a:extLst>
+              <a:ext uri="{28A0092B-C50C-407E-A947-70E740481C1C}">
+                <a14:useLocalDpi xmlns:a14="http://schemas.microsoft.com/office/drawing/2010/main" val="0"/>
+              </a:ext>
+              <a:ext uri="{96DAC541-7B7A-43D3-8B79-37D633B846F1}">
+                <asvg:svgBlip xmlns:asvg="http://schemas.microsoft.com/office/drawing/2016/SVG/main" r:embed="rId11"/>
+              </a:ext>
+            </a:extLst>
+          </a:blip>
+          <a:stretch>
+            <a:fillRect/>
+          </a:stretch>
+        </p:blipFill>
+        <p:spPr>
+          <a:xfrm>
+            <a:off x="1353720" y="248524"/>
+            <a:ext cx="540000" cy="540000"/>
+          </a:xfrm>
+          <a:prstGeom prst="rect">
+            <a:avLst/>
+          </a:prstGeom>
+        </p:spPr>
+      </p:pic>
+      <p:sp>
+        <p:nvSpPr>
+          <p:cNvPr id="5" name="TextBox 4">
+            <a:extLst>
+              <a:ext uri="{FF2B5EF4-FFF2-40B4-BE49-F238E27FC236}">
+                <a16:creationId xmlns:a16="http://schemas.microsoft.com/office/drawing/2014/main" id="{5CBC9DA3-A390-2F01-3D09-4097ADEE247A}"/>
+              </a:ext>
+            </a:extLst>
+          </p:cNvPr>
+          <p:cNvSpPr txBox="1"/>
+          <p:nvPr/>
+        </p:nvSpPr>
+        <p:spPr>
+          <a:xfrm>
+            <a:off x="1914040" y="394818"/>
+            <a:ext cx="1749197" cy="369332"/>
+          </a:xfrm>
+          <a:prstGeom prst="rect">
+            <a:avLst/>
+          </a:prstGeom>
+          <a:noFill/>
+        </p:spPr>
+        <p:txBody>
+          <a:bodyPr wrap="none" rtlCol="0">
+            <a:spAutoFit/>
+          </a:bodyPr>
+          <a:lstStyle/>
+          <a:p>
+            <a:r>
+              <a:rPr lang="en-PH" b="1" spc="600" dirty="0">
+                <a:solidFill>
+                  <a:srgbClr val="1D1B31"/>
+                </a:solidFill>
+                <a:latin typeface="Open Sans" pitchFamily="2" charset="0"/>
+                <a:ea typeface="Open Sans" pitchFamily="2" charset="0"/>
+                <a:cs typeface="Open Sans" pitchFamily="2" charset="0"/>
+              </a:rPr>
+              <a:t>GO BACK</a:t>
+            </a:r>
+          </a:p>
+        </p:txBody>
+      </p:sp>
+      <p:sp>
+        <p:nvSpPr>
+          <p:cNvPr id="7" name="TextBox 6">
+            <a:extLst>
+              <a:ext uri="{FF2B5EF4-FFF2-40B4-BE49-F238E27FC236}">
+                <a16:creationId xmlns:a16="http://schemas.microsoft.com/office/drawing/2014/main" id="{CABF923E-A53D-1EC3-6708-FCB8ADE79BC2}"/>
+              </a:ext>
+            </a:extLst>
+          </p:cNvPr>
+          <p:cNvSpPr txBox="1"/>
+          <p:nvPr/>
+        </p:nvSpPr>
+        <p:spPr>
+          <a:xfrm>
+            <a:off x="1702855" y="1246319"/>
+            <a:ext cx="2191626" cy="461665"/>
+          </a:xfrm>
+          <a:prstGeom prst="rect">
+            <a:avLst/>
+          </a:prstGeom>
+          <a:noFill/>
+        </p:spPr>
+        <p:txBody>
+          <a:bodyPr wrap="none" rtlCol="0">
+            <a:spAutoFit/>
+          </a:bodyPr>
+          <a:lstStyle/>
+          <a:p>
+            <a:r>
+              <a:rPr lang="en-PH" sz="2400" b="1" spc="300" dirty="0">
+                <a:solidFill>
+                  <a:srgbClr val="1D1B31"/>
+                </a:solidFill>
+                <a:latin typeface="Open Sans" pitchFamily="2" charset="0"/>
+                <a:ea typeface="Open Sans" pitchFamily="2" charset="0"/>
+                <a:cs typeface="Open Sans" pitchFamily="2" charset="0"/>
+              </a:rPr>
+              <a:t>CSC 0321-2</a:t>
+            </a:r>
+          </a:p>
+        </p:txBody>
+      </p:sp>
+      <p:sp>
+        <p:nvSpPr>
+          <p:cNvPr id="11" name="Rectangle 10">
+            <a:extLst>
+              <a:ext uri="{FF2B5EF4-FFF2-40B4-BE49-F238E27FC236}">
+                <a16:creationId xmlns:a16="http://schemas.microsoft.com/office/drawing/2014/main" id="{49CA8E0B-40D3-4482-EDC7-25E4DF20AAD4}"/>
               </a:ext>
             </a:extLst>
           </p:cNvPr>
@@ -8903,11 +9082,11 @@
           <p:nvPr/>
         </p:nvSpPr>
         <p:spPr>
-          <a:xfrm flipV="1">
-            <a:off x="1763527" y="2369573"/>
-            <a:ext cx="3583445" cy="1059424"/>
-          </a:xfrm>
-          <a:prstGeom prst="round2SameRect">
+          <a:xfrm>
+            <a:off x="1702854" y="1953079"/>
+            <a:ext cx="6414984" cy="3658601"/>
+          </a:xfrm>
+          <a:prstGeom prst="rect">
             <a:avLst/>
           </a:prstGeom>
           <a:solidFill>
@@ -8915,19 +9094,11 @@
           </a:solidFill>
           <a:ln>
             <a:solidFill>
-              <a:schemeClr val="tx1">
-                <a:lumMod val="50000"/>
-                <a:lumOff val="50000"/>
+              <a:schemeClr val="bg2">
+                <a:lumMod val="10000"/>
               </a:schemeClr>
             </a:solidFill>
           </a:ln>
-          <a:effectLst>
-            <a:outerShdw blurRad="63500" sx="102000" sy="102000" algn="ctr" rotWithShape="0">
-              <a:prstClr val="black">
-                <a:alpha val="40000"/>
-              </a:prstClr>
-            </a:outerShdw>
-          </a:effectLst>
         </p:spPr>
         <p:style>
           <a:lnRef idx="2">
@@ -8956,10 +9127,10 @@
       </p:sp>
       <p:sp>
         <p:nvSpPr>
-          <p:cNvPr id="30" name="Rectangle 29">
-            <a:extLst>
-              <a:ext uri="{FF2B5EF4-FFF2-40B4-BE49-F238E27FC236}">
-                <a16:creationId xmlns:a16="http://schemas.microsoft.com/office/drawing/2014/main" id="{944C3DC4-A81E-C5EB-BB74-876DDB253D4E}"/>
+          <p:cNvPr id="20" name="Rectangle 19">
+            <a:extLst>
+              <a:ext uri="{FF2B5EF4-FFF2-40B4-BE49-F238E27FC236}">
+                <a16:creationId xmlns:a16="http://schemas.microsoft.com/office/drawing/2014/main" id="{350F8AE9-A5B3-1E67-106C-1FE204B6F507}"/>
               </a:ext>
             </a:extLst>
           </p:cNvPr>
@@ -8968,30 +9139,18 @@
         </p:nvSpPr>
         <p:spPr>
           <a:xfrm>
-            <a:off x="7552950" y="584267"/>
-            <a:ext cx="3583445" cy="1797132"/>
+            <a:off x="8377976" y="1953080"/>
+            <a:ext cx="3377144" cy="501656"/>
           </a:xfrm>
           <a:prstGeom prst="rect">
             <a:avLst/>
           </a:prstGeom>
           <a:solidFill>
-            <a:schemeClr val="bg1"/>
+            <a:schemeClr val="accent4"/>
           </a:solidFill>
           <a:ln>
-            <a:solidFill>
-              <a:schemeClr val="tx1">
-                <a:lumMod val="50000"/>
-                <a:lumOff val="50000"/>
-              </a:schemeClr>
-            </a:solidFill>
+            <a:noFill/>
           </a:ln>
-          <a:effectLst>
-            <a:outerShdw blurRad="63500" sx="102000" sy="102000" algn="ctr" rotWithShape="0">
-              <a:prstClr val="black">
-                <a:alpha val="40000"/>
-              </a:prstClr>
-            </a:outerShdw>
-          </a:effectLst>
         </p:spPr>
         <p:style>
           <a:lnRef idx="2">
@@ -9014,16 +9173,16 @@
           <a:lstStyle/>
           <a:p>
             <a:pPr algn="ctr"/>
-            <a:endParaRPr lang="en-PH"/>
-          </a:p>
-        </p:txBody>
-      </p:sp>
-      <p:sp>
-        <p:nvSpPr>
-          <p:cNvPr id="31" name="Rectangle: Top Corners Rounded 30">
-            <a:extLst>
-              <a:ext uri="{FF2B5EF4-FFF2-40B4-BE49-F238E27FC236}">
-                <a16:creationId xmlns:a16="http://schemas.microsoft.com/office/drawing/2014/main" id="{8D77310F-BE34-89CF-3776-40453162FEC9}"/>
+            <a:endParaRPr lang="en-PH" dirty="0"/>
+          </a:p>
+        </p:txBody>
+      </p:sp>
+      <p:sp>
+        <p:nvSpPr>
+          <p:cNvPr id="23" name="Rectangle 22">
+            <a:extLst>
+              <a:ext uri="{FF2B5EF4-FFF2-40B4-BE49-F238E27FC236}">
+                <a16:creationId xmlns:a16="http://schemas.microsoft.com/office/drawing/2014/main" id="{B79E406D-2304-F627-5DEF-0FD34A9B8FAB}"/>
               </a:ext>
             </a:extLst>
           </p:cNvPr>
@@ -9031,31 +9190,19 @@
           <p:nvPr/>
         </p:nvSpPr>
         <p:spPr>
-          <a:xfrm flipV="1">
-            <a:off x="7552950" y="2381399"/>
-            <a:ext cx="3583445" cy="1059424"/>
-          </a:xfrm>
-          <a:prstGeom prst="round2SameRect">
+          <a:xfrm>
+            <a:off x="8377976" y="2439495"/>
+            <a:ext cx="3377144" cy="3172185"/>
+          </a:xfrm>
+          <a:prstGeom prst="rect">
             <a:avLst/>
           </a:prstGeom>
           <a:solidFill>
             <a:schemeClr val="bg1"/>
           </a:solidFill>
           <a:ln>
-            <a:solidFill>
-              <a:schemeClr val="tx1">
-                <a:lumMod val="50000"/>
-                <a:lumOff val="50000"/>
-              </a:schemeClr>
-            </a:solidFill>
+            <a:noFill/>
           </a:ln>
-          <a:effectLst>
-            <a:outerShdw blurRad="63500" sx="102000" sy="102000" algn="ctr" rotWithShape="0">
-              <a:prstClr val="black">
-                <a:alpha val="40000"/>
-              </a:prstClr>
-            </a:outerShdw>
-          </a:effectLst>
         </p:spPr>
         <p:style>
           <a:lnRef idx="2">
@@ -9084,10 +9231,88 @@
       </p:sp>
       <p:sp>
         <p:nvSpPr>
-          <p:cNvPr id="32" name="Rectangle 31">
-            <a:extLst>
-              <a:ext uri="{FF2B5EF4-FFF2-40B4-BE49-F238E27FC236}">
-                <a16:creationId xmlns:a16="http://schemas.microsoft.com/office/drawing/2014/main" id="{DDC18A6C-728E-4BB1-1595-9EA691669882}"/>
+          <p:cNvPr id="24" name="TextBox 23">
+            <a:extLst>
+              <a:ext uri="{FF2B5EF4-FFF2-40B4-BE49-F238E27FC236}">
+                <a16:creationId xmlns:a16="http://schemas.microsoft.com/office/drawing/2014/main" id="{7BC2F0F1-8F67-9EC4-8199-C9954604D09B}"/>
+              </a:ext>
+            </a:extLst>
+          </p:cNvPr>
+          <p:cNvSpPr txBox="1"/>
+          <p:nvPr/>
+        </p:nvSpPr>
+        <p:spPr>
+          <a:xfrm>
+            <a:off x="8614958" y="2056262"/>
+            <a:ext cx="821179" cy="338554"/>
+          </a:xfrm>
+          <a:prstGeom prst="rect">
+            <a:avLst/>
+          </a:prstGeom>
+          <a:noFill/>
+        </p:spPr>
+        <p:txBody>
+          <a:bodyPr wrap="square" rtlCol="0">
+            <a:spAutoFit/>
+          </a:bodyPr>
+          <a:lstStyle/>
+          <a:p>
+            <a:r>
+              <a:rPr lang="en-PH" sz="1600" b="1" dirty="0">
+                <a:latin typeface="Open Sans" pitchFamily="2" charset="0"/>
+                <a:ea typeface="Open Sans" pitchFamily="2" charset="0"/>
+                <a:cs typeface="Open Sans" pitchFamily="2" charset="0"/>
+              </a:rPr>
+              <a:t>Name</a:t>
+            </a:r>
+          </a:p>
+        </p:txBody>
+      </p:sp>
+      <p:sp>
+        <p:nvSpPr>
+          <p:cNvPr id="25" name="TextBox 24">
+            <a:extLst>
+              <a:ext uri="{FF2B5EF4-FFF2-40B4-BE49-F238E27FC236}">
+                <a16:creationId xmlns:a16="http://schemas.microsoft.com/office/drawing/2014/main" id="{BA38B224-C731-A83E-85AD-E68FC62965C3}"/>
+              </a:ext>
+            </a:extLst>
+          </p:cNvPr>
+          <p:cNvSpPr txBox="1"/>
+          <p:nvPr/>
+        </p:nvSpPr>
+        <p:spPr>
+          <a:xfrm>
+            <a:off x="10653427" y="2056262"/>
+            <a:ext cx="965922" cy="338554"/>
+          </a:xfrm>
+          <a:prstGeom prst="rect">
+            <a:avLst/>
+          </a:prstGeom>
+          <a:noFill/>
+        </p:spPr>
+        <p:txBody>
+          <a:bodyPr wrap="square" rtlCol="0">
+            <a:spAutoFit/>
+          </a:bodyPr>
+          <a:lstStyle/>
+          <a:p>
+            <a:r>
+              <a:rPr lang="en-PH" sz="1600" b="1" dirty="0">
+                <a:latin typeface="Open Sans" pitchFamily="2" charset="0"/>
+                <a:ea typeface="Open Sans" pitchFamily="2" charset="0"/>
+                <a:cs typeface="Open Sans" pitchFamily="2" charset="0"/>
+              </a:rPr>
+              <a:t>Status</a:t>
+            </a:r>
+          </a:p>
+        </p:txBody>
+      </p:sp>
+      <p:sp>
+        <p:nvSpPr>
+          <p:cNvPr id="26" name="Rectangle 25">
+            <a:extLst>
+              <a:ext uri="{FF2B5EF4-FFF2-40B4-BE49-F238E27FC236}">
+                <a16:creationId xmlns:a16="http://schemas.microsoft.com/office/drawing/2014/main" id="{62DDD1FB-8288-4C7B-6663-00A9CDE49567}"/>
               </a:ext>
             </a:extLst>
           </p:cNvPr>
@@ -9096,24 +9321,18 @@
         </p:nvSpPr>
         <p:spPr>
           <a:xfrm>
-            <a:off x="1763526" y="565593"/>
-            <a:ext cx="3583443" cy="1797132"/>
+            <a:off x="1702854" y="5841728"/>
+            <a:ext cx="2970745" cy="599440"/>
           </a:xfrm>
           <a:prstGeom prst="rect">
             <a:avLst/>
           </a:prstGeom>
           <a:solidFill>
-            <a:srgbClr val="01264E"/>
+            <a:srgbClr val="2D2A4C"/>
           </a:solidFill>
           <a:ln>
-            <a:solidFill>
-              <a:schemeClr val="tx1">
-                <a:lumMod val="50000"/>
-                <a:lumOff val="50000"/>
-              </a:schemeClr>
-            </a:solidFill>
+            <a:noFill/>
           </a:ln>
-          <a:effectLst/>
         </p:spPr>
         <p:style>
           <a:lnRef idx="2">
@@ -9137,368 +9356,10 @@
           <a:p>
             <a:pPr algn="ctr"/>
             <a:r>
-              <a:rPr lang="en-PH" sz="2400" b="1" spc="300" dirty="0">
-                <a:latin typeface="Open Sans" pitchFamily="2" charset="0"/>
-                <a:ea typeface="Open Sans" pitchFamily="2" charset="0"/>
-                <a:cs typeface="Open Sans" pitchFamily="2" charset="0"/>
-              </a:rPr>
-              <a:t>CSC 0321-2</a:t>
-            </a:r>
-          </a:p>
-        </p:txBody>
-      </p:sp>
-      <p:sp>
-        <p:nvSpPr>
-          <p:cNvPr id="33" name="Rectangle 32">
-            <a:extLst>
-              <a:ext uri="{FF2B5EF4-FFF2-40B4-BE49-F238E27FC236}">
-                <a16:creationId xmlns:a16="http://schemas.microsoft.com/office/drawing/2014/main" id="{8CB4D2B6-3388-A7EC-8D1A-B981F4D09E89}"/>
-              </a:ext>
-            </a:extLst>
-          </p:cNvPr>
-          <p:cNvSpPr/>
-          <p:nvPr/>
-        </p:nvSpPr>
-        <p:spPr>
-          <a:xfrm>
-            <a:off x="7552947" y="572441"/>
-            <a:ext cx="3583443" cy="1797132"/>
-          </a:xfrm>
-          <a:prstGeom prst="rect">
-            <a:avLst/>
-          </a:prstGeom>
-          <a:solidFill>
-            <a:schemeClr val="accent6">
-              <a:lumMod val="75000"/>
-            </a:schemeClr>
-          </a:solidFill>
-          <a:ln>
-            <a:solidFill>
-              <a:schemeClr val="tx1">
-                <a:lumMod val="50000"/>
-                <a:lumOff val="50000"/>
-              </a:schemeClr>
-            </a:solidFill>
-          </a:ln>
-          <a:effectLst/>
-        </p:spPr>
-        <p:style>
-          <a:lnRef idx="2">
-            <a:schemeClr val="accent1">
-              <a:shade val="50000"/>
-            </a:schemeClr>
-          </a:lnRef>
-          <a:fillRef idx="1">
-            <a:schemeClr val="accent1"/>
-          </a:fillRef>
-          <a:effectRef idx="0">
-            <a:schemeClr val="accent1"/>
-          </a:effectRef>
-          <a:fontRef idx="minor">
-            <a:schemeClr val="lt1"/>
-          </a:fontRef>
-        </p:style>
-        <p:txBody>
-          <a:bodyPr rtlCol="0" anchor="ctr"/>
-          <a:lstStyle/>
-          <a:p>
-            <a:pPr algn="ctr"/>
-            <a:r>
-              <a:rPr lang="en-PH" sz="2400" b="1" spc="300" dirty="0">
-                <a:latin typeface="Open Sans" pitchFamily="2" charset="0"/>
-                <a:ea typeface="Open Sans" pitchFamily="2" charset="0"/>
-                <a:cs typeface="Open Sans" pitchFamily="2" charset="0"/>
-              </a:rPr>
-              <a:t>CSC 0323-2</a:t>
-            </a:r>
-          </a:p>
-        </p:txBody>
-      </p:sp>
-      <p:sp>
-        <p:nvSpPr>
-          <p:cNvPr id="38" name="TextBox 37">
-            <a:extLst>
-              <a:ext uri="{FF2B5EF4-FFF2-40B4-BE49-F238E27FC236}">
-                <a16:creationId xmlns:a16="http://schemas.microsoft.com/office/drawing/2014/main" id="{19DDCC11-270E-D839-C76A-1019EF9ED04F}"/>
-              </a:ext>
-            </a:extLst>
-          </p:cNvPr>
-          <p:cNvSpPr txBox="1"/>
-          <p:nvPr/>
-        </p:nvSpPr>
-        <p:spPr>
-          <a:xfrm>
-            <a:off x="1912101" y="1964221"/>
-            <a:ext cx="3286287" cy="369332"/>
-          </a:xfrm>
-          <a:prstGeom prst="rect">
-            <a:avLst/>
-          </a:prstGeom>
-          <a:noFill/>
-        </p:spPr>
-        <p:txBody>
-          <a:bodyPr wrap="square" rtlCol="0">
-            <a:spAutoFit/>
-          </a:bodyPr>
-          <a:lstStyle/>
-          <a:p>
-            <a:r>
-              <a:rPr lang="en-PH" b="1" dirty="0">
-                <a:solidFill>
-                  <a:schemeClr val="bg1"/>
-                </a:solidFill>
-                <a:latin typeface="Open Sans" pitchFamily="2" charset="0"/>
-                <a:ea typeface="Open Sans" pitchFamily="2" charset="0"/>
-                <a:cs typeface="Open Sans" pitchFamily="2" charset="0"/>
-              </a:rPr>
-              <a:t>SOFTWARE ENGINEERING 2</a:t>
-            </a:r>
-          </a:p>
-        </p:txBody>
-      </p:sp>
-      <p:sp>
-        <p:nvSpPr>
-          <p:cNvPr id="39" name="TextBox 38">
-            <a:extLst>
-              <a:ext uri="{FF2B5EF4-FFF2-40B4-BE49-F238E27FC236}">
-                <a16:creationId xmlns:a16="http://schemas.microsoft.com/office/drawing/2014/main" id="{7A356FB0-525C-0CC2-AD00-40CDEDAC1771}"/>
-              </a:ext>
-            </a:extLst>
-          </p:cNvPr>
-          <p:cNvSpPr txBox="1"/>
-          <p:nvPr/>
-        </p:nvSpPr>
-        <p:spPr>
-          <a:xfrm>
-            <a:off x="1763523" y="2447946"/>
-            <a:ext cx="3583443" cy="893834"/>
-          </a:xfrm>
-          <a:prstGeom prst="rect">
-            <a:avLst/>
-          </a:prstGeom>
-          <a:noFill/>
-        </p:spPr>
-        <p:txBody>
-          <a:bodyPr wrap="square" rtlCol="0">
-            <a:spAutoFit/>
-          </a:bodyPr>
-          <a:lstStyle/>
-          <a:p>
-            <a:pPr>
-              <a:lnSpc>
-                <a:spcPct val="150000"/>
-              </a:lnSpc>
-            </a:pPr>
-            <a:r>
-              <a:rPr lang="en-PH" sz="1200" b="1" dirty="0">
-                <a:latin typeface="Open Sans" pitchFamily="2" charset="0"/>
-                <a:ea typeface="Open Sans" pitchFamily="2" charset="0"/>
-                <a:cs typeface="Open Sans" pitchFamily="2" charset="0"/>
-              </a:rPr>
-              <a:t>Course: BSCS</a:t>
-            </a:r>
-          </a:p>
-          <a:p>
-            <a:pPr>
-              <a:lnSpc>
-                <a:spcPct val="150000"/>
-              </a:lnSpc>
-            </a:pPr>
-            <a:r>
-              <a:rPr lang="en-PH" sz="1200" b="1" dirty="0">
-                <a:latin typeface="Open Sans" pitchFamily="2" charset="0"/>
-                <a:ea typeface="Open Sans" pitchFamily="2" charset="0"/>
-                <a:cs typeface="Open Sans" pitchFamily="2" charset="0"/>
-              </a:rPr>
-              <a:t>Year/Block: 3-2</a:t>
-            </a:r>
-          </a:p>
-          <a:p>
-            <a:pPr>
-              <a:lnSpc>
-                <a:spcPct val="150000"/>
-              </a:lnSpc>
-            </a:pPr>
-            <a:r>
-              <a:rPr lang="en-PH" sz="1200" b="1" dirty="0">
-                <a:latin typeface="Open Sans" pitchFamily="2" charset="0"/>
-                <a:ea typeface="Open Sans" pitchFamily="2" charset="0"/>
-                <a:cs typeface="Open Sans" pitchFamily="2" charset="0"/>
-              </a:rPr>
-              <a:t>Day/Time: T/Th 7:00pm – 8:00pm</a:t>
-            </a:r>
-          </a:p>
-        </p:txBody>
-      </p:sp>
-      <p:sp>
-        <p:nvSpPr>
-          <p:cNvPr id="40" name="TextBox 39">
-            <a:extLst>
-              <a:ext uri="{FF2B5EF4-FFF2-40B4-BE49-F238E27FC236}">
-                <a16:creationId xmlns:a16="http://schemas.microsoft.com/office/drawing/2014/main" id="{DF671A24-8953-FE49-0114-4232CBF32529}"/>
-              </a:ext>
-            </a:extLst>
-          </p:cNvPr>
-          <p:cNvSpPr txBox="1"/>
-          <p:nvPr/>
-        </p:nvSpPr>
-        <p:spPr>
-          <a:xfrm>
-            <a:off x="7701523" y="2012067"/>
-            <a:ext cx="3286287" cy="369332"/>
-          </a:xfrm>
-          <a:prstGeom prst="rect">
-            <a:avLst/>
-          </a:prstGeom>
-          <a:noFill/>
-        </p:spPr>
-        <p:txBody>
-          <a:bodyPr wrap="square" rtlCol="0">
-            <a:spAutoFit/>
-          </a:bodyPr>
-          <a:lstStyle/>
-          <a:p>
-            <a:r>
-              <a:rPr lang="en-PH" b="1" dirty="0">
-                <a:solidFill>
-                  <a:schemeClr val="bg1"/>
-                </a:solidFill>
-                <a:latin typeface="Open Sans" pitchFamily="2" charset="0"/>
-                <a:ea typeface="Open Sans" pitchFamily="2" charset="0"/>
-                <a:cs typeface="Open Sans" pitchFamily="2" charset="0"/>
-              </a:rPr>
-              <a:t>COMPUTATIONAL SCIENCE</a:t>
-            </a:r>
-          </a:p>
-        </p:txBody>
-      </p:sp>
-      <p:sp>
-        <p:nvSpPr>
-          <p:cNvPr id="41" name="TextBox 40">
-            <a:extLst>
-              <a:ext uri="{FF2B5EF4-FFF2-40B4-BE49-F238E27FC236}">
-                <a16:creationId xmlns:a16="http://schemas.microsoft.com/office/drawing/2014/main" id="{0A19B25C-0BFF-5C56-22BA-8F28B39BB738}"/>
-              </a:ext>
-            </a:extLst>
-          </p:cNvPr>
-          <p:cNvSpPr txBox="1"/>
-          <p:nvPr/>
-        </p:nvSpPr>
-        <p:spPr>
-          <a:xfrm>
-            <a:off x="7552946" y="2447946"/>
-            <a:ext cx="3583443" cy="893834"/>
-          </a:xfrm>
-          <a:prstGeom prst="rect">
-            <a:avLst/>
-          </a:prstGeom>
-          <a:noFill/>
-        </p:spPr>
-        <p:txBody>
-          <a:bodyPr wrap="square" rtlCol="0">
-            <a:spAutoFit/>
-          </a:bodyPr>
-          <a:lstStyle/>
-          <a:p>
-            <a:pPr>
-              <a:lnSpc>
-                <a:spcPct val="150000"/>
-              </a:lnSpc>
-            </a:pPr>
-            <a:r>
-              <a:rPr lang="en-PH" sz="1200" b="1" dirty="0">
-                <a:latin typeface="Open Sans" pitchFamily="2" charset="0"/>
-                <a:ea typeface="Open Sans" pitchFamily="2" charset="0"/>
-                <a:cs typeface="Open Sans" pitchFamily="2" charset="0"/>
-              </a:rPr>
-              <a:t>Course: BSCS</a:t>
-            </a:r>
-          </a:p>
-          <a:p>
-            <a:pPr>
-              <a:lnSpc>
-                <a:spcPct val="150000"/>
-              </a:lnSpc>
-            </a:pPr>
-            <a:r>
-              <a:rPr lang="en-PH" sz="1200" b="1" dirty="0">
-                <a:latin typeface="Open Sans" pitchFamily="2" charset="0"/>
-                <a:ea typeface="Open Sans" pitchFamily="2" charset="0"/>
-                <a:cs typeface="Open Sans" pitchFamily="2" charset="0"/>
-              </a:rPr>
-              <a:t>Year/Block: 3-2</a:t>
-            </a:r>
-          </a:p>
-          <a:p>
-            <a:pPr>
-              <a:lnSpc>
-                <a:spcPct val="150000"/>
-              </a:lnSpc>
-            </a:pPr>
-            <a:r>
-              <a:rPr lang="en-PH" sz="1200" b="1" dirty="0">
-                <a:latin typeface="Open Sans" pitchFamily="2" charset="0"/>
-                <a:ea typeface="Open Sans" pitchFamily="2" charset="0"/>
-                <a:cs typeface="Open Sans" pitchFamily="2" charset="0"/>
-              </a:rPr>
-              <a:t>Day/Time: S 12:00pm – 2:00pm</a:t>
-            </a:r>
-          </a:p>
-        </p:txBody>
-      </p:sp>
-      <p:sp>
-        <p:nvSpPr>
-          <p:cNvPr id="2" name="Rectangle 1">
-            <a:extLst>
-              <a:ext uri="{FF2B5EF4-FFF2-40B4-BE49-F238E27FC236}">
-                <a16:creationId xmlns:a16="http://schemas.microsoft.com/office/drawing/2014/main" id="{42960F22-AD6F-16E6-AA21-C2D320AF1B66}"/>
-              </a:ext>
-            </a:extLst>
-          </p:cNvPr>
-          <p:cNvSpPr/>
-          <p:nvPr/>
-        </p:nvSpPr>
-        <p:spPr>
-          <a:xfrm>
-            <a:off x="8934109" y="5674293"/>
-            <a:ext cx="2202280" cy="599440"/>
-          </a:xfrm>
-          <a:prstGeom prst="rect">
-            <a:avLst/>
-          </a:prstGeom>
-          <a:solidFill>
-            <a:srgbClr val="2D2A4C"/>
-          </a:solidFill>
-          <a:ln>
-            <a:noFill/>
-          </a:ln>
-        </p:spPr>
-        <p:style>
-          <a:lnRef idx="2">
-            <a:schemeClr val="accent1">
-              <a:shade val="50000"/>
-            </a:schemeClr>
-          </a:lnRef>
-          <a:fillRef idx="1">
-            <a:schemeClr val="accent1"/>
-          </a:fillRef>
-          <a:effectRef idx="0">
-            <a:schemeClr val="accent1"/>
-          </a:effectRef>
-          <a:fontRef idx="minor">
-            <a:schemeClr val="lt1"/>
-          </a:fontRef>
-        </p:style>
-        <p:txBody>
-          <a:bodyPr rtlCol="0" anchor="ctr"/>
-          <a:lstStyle/>
-          <a:p>
-            <a:pPr algn="ctr"/>
-            <a:r>
-              <a:rPr lang="en-PH" b="1" spc="600" dirty="0">
+              <a:rPr lang="en-PH" sz="1400" b="1" spc="600" dirty="0">
                 <a:latin typeface="Lato" panose="020F0502020204030203" pitchFamily="34" charset="0"/>
               </a:rPr>
-              <a:t>NEXT</a:t>
+              <a:t>VIEW SUMMARY</a:t>
             </a:r>
           </a:p>
         </p:txBody>
@@ -9506,7 +9367,7 @@
     </p:spTree>
     <p:extLst>
       <p:ext uri="{BB962C8B-B14F-4D97-AF65-F5344CB8AC3E}">
-        <p14:creationId xmlns:p14="http://schemas.microsoft.com/office/powerpoint/2010/main" val="1836754780"/>
+        <p14:creationId xmlns:p14="http://schemas.microsoft.com/office/powerpoint/2010/main" val="4011547277"/>
       </p:ext>
     </p:extLst>
   </p:cSld>
@@ -9671,81 +9532,6 @@
           </a:prstGeom>
         </p:spPr>
       </p:pic>
-      <p:pic>
-        <p:nvPicPr>
-          <p:cNvPr id="14" name="Graphic 13" descr="Books on shelf with solid fill">
-            <a:extLst>
-              <a:ext uri="{FF2B5EF4-FFF2-40B4-BE49-F238E27FC236}">
-                <a16:creationId xmlns:a16="http://schemas.microsoft.com/office/drawing/2014/main" id="{93FB210C-BE5C-3640-8913-9A79263F8F24}"/>
-              </a:ext>
-            </a:extLst>
-          </p:cNvPr>
-          <p:cNvPicPr>
-            <a:picLocks noChangeAspect="1"/>
-          </p:cNvPicPr>
-          <p:nvPr/>
-        </p:nvPicPr>
-        <p:blipFill>
-          <a:blip r:embed="rId6">
-            <a:extLst>
-              <a:ext uri="{28A0092B-C50C-407E-A947-70E740481C1C}">
-                <a14:useLocalDpi xmlns:a14="http://schemas.microsoft.com/office/drawing/2010/main" val="0"/>
-              </a:ext>
-              <a:ext uri="{96DAC541-7B7A-43D3-8B79-37D633B846F1}">
-                <asvg:svgBlip xmlns:asvg="http://schemas.microsoft.com/office/drawing/2016/SVG/main" r:embed="rId7"/>
-              </a:ext>
-            </a:extLst>
-          </a:blip>
-          <a:stretch>
-            <a:fillRect/>
-          </a:stretch>
-        </p:blipFill>
-        <p:spPr>
-          <a:xfrm>
-            <a:off x="307240" y="2964426"/>
-            <a:ext cx="432000" cy="432000"/>
-          </a:xfrm>
-          <a:prstGeom prst="rect">
-            <a:avLst/>
-          </a:prstGeom>
-        </p:spPr>
-      </p:pic>
-      <p:pic>
-        <p:nvPicPr>
-          <p:cNvPr id="16" name="Picture 15" descr="Icon&#10;&#10;Description automatically generated">
-            <a:extLst>
-              <a:ext uri="{FF2B5EF4-FFF2-40B4-BE49-F238E27FC236}">
-                <a16:creationId xmlns:a16="http://schemas.microsoft.com/office/drawing/2014/main" id="{92BAA0B8-9AA3-0757-889B-A6548E1244FC}"/>
-              </a:ext>
-            </a:extLst>
-          </p:cNvPr>
-          <p:cNvPicPr>
-            <a:picLocks noChangeAspect="1"/>
-          </p:cNvPicPr>
-          <p:nvPr/>
-        </p:nvPicPr>
-        <p:blipFill>
-          <a:blip r:embed="rId8">
-            <a:extLst>
-              <a:ext uri="{28A0092B-C50C-407E-A947-70E740481C1C}">
-                <a14:useLocalDpi xmlns:a14="http://schemas.microsoft.com/office/drawing/2010/main" val="0"/>
-              </a:ext>
-            </a:extLst>
-          </a:blip>
-          <a:stretch>
-            <a:fillRect/>
-          </a:stretch>
-        </p:blipFill>
-        <p:spPr>
-          <a:xfrm>
-            <a:off x="307240" y="6066504"/>
-            <a:ext cx="432000" cy="432000"/>
-          </a:xfrm>
-          <a:prstGeom prst="rect">
-            <a:avLst/>
-          </a:prstGeom>
-        </p:spPr>
-      </p:pic>
       <p:sp>
         <p:nvSpPr>
           <p:cNvPr id="22" name="Rectangle: Rounded Corners 21">
@@ -9760,7 +9546,7 @@
         </p:nvSpPr>
         <p:spPr>
           <a:xfrm>
-            <a:off x="227686" y="1377080"/>
+            <a:off x="227686" y="2911240"/>
             <a:ext cx="576000" cy="576000"/>
           </a:xfrm>
           <a:prstGeom prst="roundRect">
@@ -9800,10 +9586,10 @@
       </p:sp>
       <p:pic>
         <p:nvPicPr>
-          <p:cNvPr id="21" name="Picture 20" descr="A picture containing icon&#10;&#10;Description automatically generated">
-            <a:extLst>
-              <a:ext uri="{FF2B5EF4-FFF2-40B4-BE49-F238E27FC236}">
-                <a16:creationId xmlns:a16="http://schemas.microsoft.com/office/drawing/2014/main" id="{47805D52-E03C-78B5-A65B-7C69A177FAE8}"/>
+          <p:cNvPr id="14" name="Graphic 13" descr="Books on shelf with solid fill">
+            <a:extLst>
+              <a:ext uri="{FF2B5EF4-FFF2-40B4-BE49-F238E27FC236}">
+                <a16:creationId xmlns:a16="http://schemas.microsoft.com/office/drawing/2014/main" id="{93FB210C-BE5C-3640-8913-9A79263F8F24}"/>
               </a:ext>
             </a:extLst>
           </p:cNvPr>
@@ -9813,10 +9599,13 @@
           <p:nvPr/>
         </p:nvPicPr>
         <p:blipFill>
-          <a:blip r:embed="rId9">
+          <a:blip r:embed="rId6">
             <a:extLst>
               <a:ext uri="{28A0092B-C50C-407E-A947-70E740481C1C}">
                 <a14:useLocalDpi xmlns:a14="http://schemas.microsoft.com/office/drawing/2010/main" val="0"/>
+              </a:ext>
+              <a:ext uri="{96DAC541-7B7A-43D3-8B79-37D633B846F1}">
+                <asvg:svgBlip xmlns:asvg="http://schemas.microsoft.com/office/drawing/2016/SVG/main" r:embed="rId7"/>
               </a:ext>
             </a:extLst>
           </a:blip>
@@ -9826,6 +9615,78 @@
         </p:blipFill>
         <p:spPr>
           <a:xfrm>
+            <a:off x="307240" y="2964426"/>
+            <a:ext cx="432000" cy="432000"/>
+          </a:xfrm>
+          <a:prstGeom prst="rect">
+            <a:avLst/>
+          </a:prstGeom>
+        </p:spPr>
+      </p:pic>
+      <p:pic>
+        <p:nvPicPr>
+          <p:cNvPr id="16" name="Picture 15" descr="Icon&#10;&#10;Description automatically generated">
+            <a:extLst>
+              <a:ext uri="{FF2B5EF4-FFF2-40B4-BE49-F238E27FC236}">
+                <a16:creationId xmlns:a16="http://schemas.microsoft.com/office/drawing/2014/main" id="{92BAA0B8-9AA3-0757-889B-A6548E1244FC}"/>
+              </a:ext>
+            </a:extLst>
+          </p:cNvPr>
+          <p:cNvPicPr>
+            <a:picLocks noChangeAspect="1"/>
+          </p:cNvPicPr>
+          <p:nvPr/>
+        </p:nvPicPr>
+        <p:blipFill>
+          <a:blip r:embed="rId8">
+            <a:extLst>
+              <a:ext uri="{28A0092B-C50C-407E-A947-70E740481C1C}">
+                <a14:useLocalDpi xmlns:a14="http://schemas.microsoft.com/office/drawing/2010/main" val="0"/>
+              </a:ext>
+            </a:extLst>
+          </a:blip>
+          <a:stretch>
+            <a:fillRect/>
+          </a:stretch>
+        </p:blipFill>
+        <p:spPr>
+          <a:xfrm>
+            <a:off x="307240" y="6066504"/>
+            <a:ext cx="432000" cy="432000"/>
+          </a:xfrm>
+          <a:prstGeom prst="rect">
+            <a:avLst/>
+          </a:prstGeom>
+        </p:spPr>
+      </p:pic>
+      <p:pic>
+        <p:nvPicPr>
+          <p:cNvPr id="21" name="Picture 20" descr="A picture containing icon&#10;&#10;Description automatically generated">
+            <a:extLst>
+              <a:ext uri="{FF2B5EF4-FFF2-40B4-BE49-F238E27FC236}">
+                <a16:creationId xmlns:a16="http://schemas.microsoft.com/office/drawing/2014/main" id="{47805D52-E03C-78B5-A65B-7C69A177FAE8}"/>
+              </a:ext>
+            </a:extLst>
+          </p:cNvPr>
+          <p:cNvPicPr>
+            <a:picLocks noChangeAspect="1"/>
+          </p:cNvPicPr>
+          <p:nvPr/>
+        </p:nvPicPr>
+        <p:blipFill>
+          <a:blip r:embed="rId9">
+            <a:extLst>
+              <a:ext uri="{28A0092B-C50C-407E-A947-70E740481C1C}">
+                <a14:useLocalDpi xmlns:a14="http://schemas.microsoft.com/office/drawing/2010/main" val="0"/>
+              </a:ext>
+            </a:extLst>
+          </a:blip>
+          <a:stretch>
+            <a:fillRect/>
+          </a:stretch>
+        </p:blipFill>
+        <p:spPr>
+          <a:xfrm>
             <a:off x="306190" y="1440912"/>
             <a:ext cx="432000" cy="432000"/>
           </a:xfrm>
@@ -9848,14 +9709,14 @@
         </p:nvSpPr>
         <p:spPr>
           <a:xfrm>
-            <a:off x="9542680" y="5841728"/>
+            <a:off x="8934108" y="5825636"/>
             <a:ext cx="2202280" cy="599440"/>
           </a:xfrm>
           <a:prstGeom prst="rect">
             <a:avLst/>
           </a:prstGeom>
           <a:solidFill>
-            <a:srgbClr val="2D2A4C"/>
+            <a:srgbClr val="01264E"/>
           </a:solidFill>
           <a:ln>
             <a:noFill/>
@@ -9883,133 +9744,10 @@
           <a:p>
             <a:pPr algn="ctr"/>
             <a:r>
-              <a:rPr lang="en-PH" sz="1600" b="1" spc="600" dirty="0">
+              <a:rPr lang="en-PH" sz="1500" b="1" spc="600" dirty="0">
                 <a:latin typeface="Lato" panose="020F0502020204030203" pitchFamily="34" charset="0"/>
               </a:rPr>
-              <a:t>END</a:t>
-            </a:r>
-          </a:p>
-        </p:txBody>
-      </p:sp>
-      <p:pic>
-        <p:nvPicPr>
-          <p:cNvPr id="4" name="Graphic 3" descr="Line arrow: Horizontal U-turn with solid fill">
-            <a:extLst>
-              <a:ext uri="{FF2B5EF4-FFF2-40B4-BE49-F238E27FC236}">
-                <a16:creationId xmlns:a16="http://schemas.microsoft.com/office/drawing/2014/main" id="{E3A5649E-813E-6979-28BC-E3CE8940CFDC}"/>
-              </a:ext>
-            </a:extLst>
-          </p:cNvPr>
-          <p:cNvPicPr>
-            <a:picLocks noChangeAspect="1"/>
-          </p:cNvPicPr>
-          <p:nvPr/>
-        </p:nvPicPr>
-        <p:blipFill>
-          <a:blip r:embed="rId10">
-            <a:extLst>
-              <a:ext uri="{28A0092B-C50C-407E-A947-70E740481C1C}">
-                <a14:useLocalDpi xmlns:a14="http://schemas.microsoft.com/office/drawing/2010/main" val="0"/>
-              </a:ext>
-              <a:ext uri="{96DAC541-7B7A-43D3-8B79-37D633B846F1}">
-                <asvg:svgBlip xmlns:asvg="http://schemas.microsoft.com/office/drawing/2016/SVG/main" r:embed="rId11"/>
-              </a:ext>
-            </a:extLst>
-          </a:blip>
-          <a:stretch>
-            <a:fillRect/>
-          </a:stretch>
-        </p:blipFill>
-        <p:spPr>
-          <a:xfrm>
-            <a:off x="1353720" y="248524"/>
-            <a:ext cx="540000" cy="540000"/>
-          </a:xfrm>
-          <a:prstGeom prst="rect">
-            <a:avLst/>
-          </a:prstGeom>
-        </p:spPr>
-      </p:pic>
-      <p:sp>
-        <p:nvSpPr>
-          <p:cNvPr id="5" name="TextBox 4">
-            <a:extLst>
-              <a:ext uri="{FF2B5EF4-FFF2-40B4-BE49-F238E27FC236}">
-                <a16:creationId xmlns:a16="http://schemas.microsoft.com/office/drawing/2014/main" id="{5CBC9DA3-A390-2F01-3D09-4097ADEE247A}"/>
-              </a:ext>
-            </a:extLst>
-          </p:cNvPr>
-          <p:cNvSpPr txBox="1"/>
-          <p:nvPr/>
-        </p:nvSpPr>
-        <p:spPr>
-          <a:xfrm>
-            <a:off x="1914040" y="394818"/>
-            <a:ext cx="1749197" cy="369332"/>
-          </a:xfrm>
-          <a:prstGeom prst="rect">
-            <a:avLst/>
-          </a:prstGeom>
-          <a:noFill/>
-        </p:spPr>
-        <p:txBody>
-          <a:bodyPr wrap="none" rtlCol="0">
-            <a:spAutoFit/>
-          </a:bodyPr>
-          <a:lstStyle/>
-          <a:p>
-            <a:r>
-              <a:rPr lang="en-PH" b="1" spc="600" dirty="0">
-                <a:solidFill>
-                  <a:srgbClr val="1D1B31"/>
-                </a:solidFill>
-                <a:latin typeface="Open Sans" pitchFamily="2" charset="0"/>
-                <a:ea typeface="Open Sans" pitchFamily="2" charset="0"/>
-                <a:cs typeface="Open Sans" pitchFamily="2" charset="0"/>
-              </a:rPr>
-              <a:t>GO BACK</a:t>
-            </a:r>
-          </a:p>
-        </p:txBody>
-      </p:sp>
-      <p:sp>
-        <p:nvSpPr>
-          <p:cNvPr id="7" name="TextBox 6">
-            <a:extLst>
-              <a:ext uri="{FF2B5EF4-FFF2-40B4-BE49-F238E27FC236}">
-                <a16:creationId xmlns:a16="http://schemas.microsoft.com/office/drawing/2014/main" id="{CABF923E-A53D-1EC3-6708-FCB8ADE79BC2}"/>
-              </a:ext>
-            </a:extLst>
-          </p:cNvPr>
-          <p:cNvSpPr txBox="1"/>
-          <p:nvPr/>
-        </p:nvSpPr>
-        <p:spPr>
-          <a:xfrm>
-            <a:off x="1702855" y="1246319"/>
-            <a:ext cx="2191626" cy="461665"/>
-          </a:xfrm>
-          <a:prstGeom prst="rect">
-            <a:avLst/>
-          </a:prstGeom>
-          <a:noFill/>
-        </p:spPr>
-        <p:txBody>
-          <a:bodyPr wrap="none" rtlCol="0">
-            <a:spAutoFit/>
-          </a:bodyPr>
-          <a:lstStyle/>
-          <a:p>
-            <a:r>
-              <a:rPr lang="en-PH" sz="2400" b="1" spc="300" dirty="0">
-                <a:solidFill>
-                  <a:srgbClr val="1D1B31"/>
-                </a:solidFill>
-                <a:latin typeface="Open Sans" pitchFamily="2" charset="0"/>
-                <a:ea typeface="Open Sans" pitchFamily="2" charset="0"/>
-                <a:cs typeface="Open Sans" pitchFamily="2" charset="0"/>
-              </a:rPr>
-              <a:t>CSC 0321-2</a:t>
+              <a:t>NEXT</a:t>
             </a:r>
           </a:p>
         </p:txBody>
@@ -10019,7 +9757,7 @@
           <p:cNvPr id="11" name="Rectangle 10">
             <a:extLst>
               <a:ext uri="{FF2B5EF4-FFF2-40B4-BE49-F238E27FC236}">
-                <a16:creationId xmlns:a16="http://schemas.microsoft.com/office/drawing/2014/main" id="{49CA8E0B-40D3-4482-EDC7-25E4DF20AAD4}"/>
+                <a16:creationId xmlns:a16="http://schemas.microsoft.com/office/drawing/2014/main" id="{17926617-C981-EF06-543E-AC1A078CAACD}"/>
               </a:ext>
             </a:extLst>
           </p:cNvPr>
@@ -10028,21 +9766,17 @@
         </p:nvSpPr>
         <p:spPr>
           <a:xfrm>
-            <a:off x="1702854" y="1953079"/>
-            <a:ext cx="6414984" cy="3658601"/>
+            <a:off x="1702857" y="1152534"/>
+            <a:ext cx="9433532" cy="643533"/>
           </a:xfrm>
           <a:prstGeom prst="rect">
             <a:avLst/>
           </a:prstGeom>
           <a:solidFill>
-            <a:schemeClr val="bg1"/>
+            <a:schemeClr val="accent4"/>
           </a:solidFill>
           <a:ln>
-            <a:solidFill>
-              <a:schemeClr val="bg2">
-                <a:lumMod val="10000"/>
-              </a:schemeClr>
-            </a:solidFill>
+            <a:noFill/>
           </a:ln>
         </p:spPr>
         <p:style>
@@ -10066,16 +9800,16 @@
           <a:lstStyle/>
           <a:p>
             <a:pPr algn="ctr"/>
-            <a:endParaRPr lang="en-PH"/>
-          </a:p>
-        </p:txBody>
-      </p:sp>
-      <p:sp>
-        <p:nvSpPr>
-          <p:cNvPr id="20" name="Rectangle 19">
-            <a:extLst>
-              <a:ext uri="{FF2B5EF4-FFF2-40B4-BE49-F238E27FC236}">
-                <a16:creationId xmlns:a16="http://schemas.microsoft.com/office/drawing/2014/main" id="{350F8AE9-A5B3-1E67-106C-1FE204B6F507}"/>
+            <a:endParaRPr lang="en-PH" dirty="0"/>
+          </a:p>
+        </p:txBody>
+      </p:sp>
+      <p:sp>
+        <p:nvSpPr>
+          <p:cNvPr id="18" name="Rectangle 17">
+            <a:extLst>
+              <a:ext uri="{FF2B5EF4-FFF2-40B4-BE49-F238E27FC236}">
+                <a16:creationId xmlns:a16="http://schemas.microsoft.com/office/drawing/2014/main" id="{532714EF-A75F-0012-EE79-CF2023873FFF}"/>
               </a:ext>
             </a:extLst>
           </p:cNvPr>
@@ -10084,14 +9818,14 @@
         </p:nvSpPr>
         <p:spPr>
           <a:xfrm>
-            <a:off x="8377976" y="1953080"/>
-            <a:ext cx="3377144" cy="501656"/>
+            <a:off x="1702856" y="1634702"/>
+            <a:ext cx="9433532" cy="3973617"/>
           </a:xfrm>
           <a:prstGeom prst="rect">
             <a:avLst/>
           </a:prstGeom>
           <a:solidFill>
-            <a:schemeClr val="accent4"/>
+            <a:schemeClr val="bg1"/>
           </a:solidFill>
           <a:ln>
             <a:noFill/>
@@ -10118,68 +9852,16 @@
           <a:lstStyle/>
           <a:p>
             <a:pPr algn="ctr"/>
-            <a:endParaRPr lang="en-PH" dirty="0"/>
-          </a:p>
-        </p:txBody>
-      </p:sp>
-      <p:sp>
-        <p:nvSpPr>
-          <p:cNvPr id="23" name="Rectangle 22">
-            <a:extLst>
-              <a:ext uri="{FF2B5EF4-FFF2-40B4-BE49-F238E27FC236}">
-                <a16:creationId xmlns:a16="http://schemas.microsoft.com/office/drawing/2014/main" id="{B79E406D-2304-F627-5DEF-0FD34A9B8FAB}"/>
-              </a:ext>
-            </a:extLst>
-          </p:cNvPr>
-          <p:cNvSpPr/>
-          <p:nvPr/>
-        </p:nvSpPr>
-        <p:spPr>
-          <a:xfrm>
-            <a:off x="8377976" y="2439495"/>
-            <a:ext cx="3377144" cy="3172185"/>
-          </a:xfrm>
-          <a:prstGeom prst="rect">
-            <a:avLst/>
-          </a:prstGeom>
-          <a:solidFill>
-            <a:schemeClr val="bg1"/>
-          </a:solidFill>
-          <a:ln>
-            <a:noFill/>
-          </a:ln>
-        </p:spPr>
-        <p:style>
-          <a:lnRef idx="2">
-            <a:schemeClr val="accent1">
-              <a:shade val="50000"/>
-            </a:schemeClr>
-          </a:lnRef>
-          <a:fillRef idx="1">
-            <a:schemeClr val="accent1"/>
-          </a:fillRef>
-          <a:effectRef idx="0">
-            <a:schemeClr val="accent1"/>
-          </a:effectRef>
-          <a:fontRef idx="minor">
-            <a:schemeClr val="lt1"/>
-          </a:fontRef>
-        </p:style>
-        <p:txBody>
-          <a:bodyPr rtlCol="0" anchor="ctr"/>
-          <a:lstStyle/>
-          <a:p>
-            <a:pPr algn="ctr"/>
             <a:endParaRPr lang="en-PH"/>
           </a:p>
         </p:txBody>
       </p:sp>
       <p:sp>
         <p:nvSpPr>
-          <p:cNvPr id="24" name="TextBox 23">
-            <a:extLst>
-              <a:ext uri="{FF2B5EF4-FFF2-40B4-BE49-F238E27FC236}">
-                <a16:creationId xmlns:a16="http://schemas.microsoft.com/office/drawing/2014/main" id="{7BC2F0F1-8F67-9EC4-8199-C9954604D09B}"/>
+          <p:cNvPr id="19" name="TextBox 18">
+            <a:extLst>
+              <a:ext uri="{FF2B5EF4-FFF2-40B4-BE49-F238E27FC236}">
+                <a16:creationId xmlns:a16="http://schemas.microsoft.com/office/drawing/2014/main" id="{FAC60E80-9592-8C73-02B2-43B0A1977454}"/>
               </a:ext>
             </a:extLst>
           </p:cNvPr>
@@ -10188,8 +9870,8 @@
         </p:nvSpPr>
         <p:spPr>
           <a:xfrm>
-            <a:off x="8614958" y="2056262"/>
-            <a:ext cx="821179" cy="338554"/>
+            <a:off x="1788160" y="1254505"/>
+            <a:ext cx="1635760" cy="338554"/>
           </a:xfrm>
           <a:prstGeom prst="rect">
             <a:avLst/>
@@ -10208,17 +9890,17 @@
                 <a:ea typeface="Open Sans" pitchFamily="2" charset="0"/>
                 <a:cs typeface="Open Sans" pitchFamily="2" charset="0"/>
               </a:rPr>
-              <a:t>Name</a:t>
-            </a:r>
-          </a:p>
-        </p:txBody>
-      </p:sp>
-      <p:sp>
-        <p:nvSpPr>
-          <p:cNvPr id="25" name="TextBox 24">
-            <a:extLst>
-              <a:ext uri="{FF2B5EF4-FFF2-40B4-BE49-F238E27FC236}">
-                <a16:creationId xmlns:a16="http://schemas.microsoft.com/office/drawing/2014/main" id="{BA38B224-C731-A83E-85AD-E68FC62965C3}"/>
+              <a:t>Subject Code</a:t>
+            </a:r>
+          </a:p>
+        </p:txBody>
+      </p:sp>
+      <p:sp>
+        <p:nvSpPr>
+          <p:cNvPr id="20" name="TextBox 19">
+            <a:extLst>
+              <a:ext uri="{FF2B5EF4-FFF2-40B4-BE49-F238E27FC236}">
+                <a16:creationId xmlns:a16="http://schemas.microsoft.com/office/drawing/2014/main" id="{17CC0DF1-92E7-ABD6-5905-4A63FDAAB359}"/>
               </a:ext>
             </a:extLst>
           </p:cNvPr>
@@ -10227,8 +9909,8 @@
         </p:nvSpPr>
         <p:spPr>
           <a:xfrm>
-            <a:off x="10653427" y="2056262"/>
-            <a:ext cx="965922" cy="338554"/>
+            <a:off x="3840480" y="1254504"/>
+            <a:ext cx="1635760" cy="338554"/>
           </a:xfrm>
           <a:prstGeom prst="rect">
             <a:avLst/>
@@ -10247,64 +9929,124 @@
                 <a:ea typeface="Open Sans" pitchFamily="2" charset="0"/>
                 <a:cs typeface="Open Sans" pitchFamily="2" charset="0"/>
               </a:rPr>
-              <a:t>Status</a:t>
-            </a:r>
-          </a:p>
-        </p:txBody>
-      </p:sp>
-      <p:sp>
-        <p:nvSpPr>
-          <p:cNvPr id="26" name="Rectangle 25">
-            <a:extLst>
-              <a:ext uri="{FF2B5EF4-FFF2-40B4-BE49-F238E27FC236}">
-                <a16:creationId xmlns:a16="http://schemas.microsoft.com/office/drawing/2014/main" id="{62DDD1FB-8288-4C7B-6663-00A9CDE49567}"/>
-              </a:ext>
-            </a:extLst>
-          </p:cNvPr>
-          <p:cNvSpPr/>
-          <p:nvPr/>
-        </p:nvSpPr>
-        <p:spPr>
-          <a:xfrm>
-            <a:off x="1702854" y="5841728"/>
-            <a:ext cx="2970745" cy="599440"/>
-          </a:xfrm>
-          <a:prstGeom prst="rect">
-            <a:avLst/>
-          </a:prstGeom>
-          <a:solidFill>
-            <a:srgbClr val="2D2A4C"/>
-          </a:solidFill>
-          <a:ln>
-            <a:noFill/>
-          </a:ln>
-        </p:spPr>
-        <p:style>
-          <a:lnRef idx="2">
-            <a:schemeClr val="accent1">
-              <a:shade val="50000"/>
-            </a:schemeClr>
-          </a:lnRef>
-          <a:fillRef idx="1">
-            <a:schemeClr val="accent1"/>
-          </a:fillRef>
-          <a:effectRef idx="0">
-            <a:schemeClr val="accent1"/>
-          </a:effectRef>
-          <a:fontRef idx="minor">
-            <a:schemeClr val="lt1"/>
-          </a:fontRef>
-        </p:style>
-        <p:txBody>
-          <a:bodyPr rtlCol="0" anchor="ctr"/>
-          <a:lstStyle/>
-          <a:p>
-            <a:pPr algn="ctr"/>
-            <a:r>
-              <a:rPr lang="en-PH" sz="1400" b="1" spc="600" dirty="0">
-                <a:latin typeface="Lato" panose="020F0502020204030203" pitchFamily="34" charset="0"/>
+              <a:t>Subject Name</a:t>
+            </a:r>
+          </a:p>
+        </p:txBody>
+      </p:sp>
+      <p:sp>
+        <p:nvSpPr>
+          <p:cNvPr id="23" name="TextBox 22">
+            <a:extLst>
+              <a:ext uri="{FF2B5EF4-FFF2-40B4-BE49-F238E27FC236}">
+                <a16:creationId xmlns:a16="http://schemas.microsoft.com/office/drawing/2014/main" id="{E7E9A07F-DBD2-9F85-6592-2135A7400408}"/>
+              </a:ext>
+            </a:extLst>
+          </p:cNvPr>
+          <p:cNvSpPr txBox="1"/>
+          <p:nvPr/>
+        </p:nvSpPr>
+        <p:spPr>
+          <a:xfrm>
+            <a:off x="6006341" y="1254504"/>
+            <a:ext cx="922779" cy="338554"/>
+          </a:xfrm>
+          <a:prstGeom prst="rect">
+            <a:avLst/>
+          </a:prstGeom>
+          <a:noFill/>
+        </p:spPr>
+        <p:txBody>
+          <a:bodyPr wrap="square" rtlCol="0">
+            <a:spAutoFit/>
+          </a:bodyPr>
+          <a:lstStyle/>
+          <a:p>
+            <a:r>
+              <a:rPr lang="en-PH" sz="1600" b="1" dirty="0">
+                <a:latin typeface="Open Sans" pitchFamily="2" charset="0"/>
+                <a:ea typeface="Open Sans" pitchFamily="2" charset="0"/>
+                <a:cs typeface="Open Sans" pitchFamily="2" charset="0"/>
               </a:rPr>
-              <a:t>VIEW SUMMARY</a:t>
+              <a:t>Course</a:t>
+            </a:r>
+          </a:p>
+        </p:txBody>
+      </p:sp>
+      <p:sp>
+        <p:nvSpPr>
+          <p:cNvPr id="24" name="TextBox 23">
+            <a:extLst>
+              <a:ext uri="{FF2B5EF4-FFF2-40B4-BE49-F238E27FC236}">
+                <a16:creationId xmlns:a16="http://schemas.microsoft.com/office/drawing/2014/main" id="{687A0945-7B16-596A-0F9F-03B0F209FDE1}"/>
+              </a:ext>
+            </a:extLst>
+          </p:cNvPr>
+          <p:cNvSpPr txBox="1"/>
+          <p:nvPr/>
+        </p:nvSpPr>
+        <p:spPr>
+          <a:xfrm>
+            <a:off x="9131008" y="1254504"/>
+            <a:ext cx="1252512" cy="338554"/>
+          </a:xfrm>
+          <a:prstGeom prst="rect">
+            <a:avLst/>
+          </a:prstGeom>
+          <a:noFill/>
+        </p:spPr>
+        <p:txBody>
+          <a:bodyPr wrap="square" rtlCol="0">
+            <a:spAutoFit/>
+          </a:bodyPr>
+          <a:lstStyle/>
+          <a:p>
+            <a:r>
+              <a:rPr lang="en-PH" sz="1600" b="1" dirty="0">
+                <a:latin typeface="Open Sans" pitchFamily="2" charset="0"/>
+                <a:ea typeface="Open Sans" pitchFamily="2" charset="0"/>
+                <a:cs typeface="Open Sans" pitchFamily="2" charset="0"/>
+              </a:rPr>
+              <a:t>Day/Time</a:t>
+            </a:r>
+          </a:p>
+        </p:txBody>
+      </p:sp>
+      <p:sp>
+        <p:nvSpPr>
+          <p:cNvPr id="25" name="TextBox 24">
+            <a:extLst>
+              <a:ext uri="{FF2B5EF4-FFF2-40B4-BE49-F238E27FC236}">
+                <a16:creationId xmlns:a16="http://schemas.microsoft.com/office/drawing/2014/main" id="{D3363410-BC1B-CDE5-D522-B0A82C111FBA}"/>
+              </a:ext>
+            </a:extLst>
+          </p:cNvPr>
+          <p:cNvSpPr txBox="1"/>
+          <p:nvPr/>
+        </p:nvSpPr>
+        <p:spPr>
+          <a:xfrm>
+            <a:off x="7337301" y="1254504"/>
+            <a:ext cx="1339339" cy="338554"/>
+          </a:xfrm>
+          <a:prstGeom prst="rect">
+            <a:avLst/>
+          </a:prstGeom>
+          <a:noFill/>
+        </p:spPr>
+        <p:txBody>
+          <a:bodyPr wrap="square" rtlCol="0">
+            <a:spAutoFit/>
+          </a:bodyPr>
+          <a:lstStyle/>
+          <a:p>
+            <a:r>
+              <a:rPr lang="en-PH" sz="1600" b="1" dirty="0">
+                <a:latin typeface="Open Sans" pitchFamily="2" charset="0"/>
+                <a:ea typeface="Open Sans" pitchFamily="2" charset="0"/>
+                <a:cs typeface="Open Sans" pitchFamily="2" charset="0"/>
+              </a:rPr>
+              <a:t>Year/Block</a:t>
             </a:r>
           </a:p>
         </p:txBody>
@@ -10312,7 +10054,7 @@
     </p:spTree>
     <p:extLst>
       <p:ext uri="{BB962C8B-B14F-4D97-AF65-F5344CB8AC3E}">
-        <p14:creationId xmlns:p14="http://schemas.microsoft.com/office/powerpoint/2010/main" val="4011547277"/>
+        <p14:creationId xmlns:p14="http://schemas.microsoft.com/office/powerpoint/2010/main" val="3589122615"/>
       </p:ext>
     </p:extLst>
   </p:cSld>
@@ -10661,693 +10403,6 @@
             <a:avLst/>
           </a:prstGeom>
           <a:solidFill>
-            <a:srgbClr val="01264E"/>
-          </a:solidFill>
-          <a:ln>
-            <a:noFill/>
-          </a:ln>
-        </p:spPr>
-        <p:style>
-          <a:lnRef idx="2">
-            <a:schemeClr val="accent1">
-              <a:shade val="50000"/>
-            </a:schemeClr>
-          </a:lnRef>
-          <a:fillRef idx="1">
-            <a:schemeClr val="accent1"/>
-          </a:fillRef>
-          <a:effectRef idx="0">
-            <a:schemeClr val="accent1"/>
-          </a:effectRef>
-          <a:fontRef idx="minor">
-            <a:schemeClr val="lt1"/>
-          </a:fontRef>
-        </p:style>
-        <p:txBody>
-          <a:bodyPr rtlCol="0" anchor="ctr"/>
-          <a:lstStyle/>
-          <a:p>
-            <a:pPr algn="ctr"/>
-            <a:r>
-              <a:rPr lang="en-PH" sz="1500" b="1" spc="600" dirty="0">
-                <a:latin typeface="Lato" panose="020F0502020204030203" pitchFamily="34" charset="0"/>
-              </a:rPr>
-              <a:t>NEXT</a:t>
-            </a:r>
-          </a:p>
-        </p:txBody>
-      </p:sp>
-      <p:sp>
-        <p:nvSpPr>
-          <p:cNvPr id="11" name="Rectangle 10">
-            <a:extLst>
-              <a:ext uri="{FF2B5EF4-FFF2-40B4-BE49-F238E27FC236}">
-                <a16:creationId xmlns:a16="http://schemas.microsoft.com/office/drawing/2014/main" id="{17926617-C981-EF06-543E-AC1A078CAACD}"/>
-              </a:ext>
-            </a:extLst>
-          </p:cNvPr>
-          <p:cNvSpPr/>
-          <p:nvPr/>
-        </p:nvSpPr>
-        <p:spPr>
-          <a:xfrm>
-            <a:off x="1702857" y="1152534"/>
-            <a:ext cx="9433532" cy="643533"/>
-          </a:xfrm>
-          <a:prstGeom prst="rect">
-            <a:avLst/>
-          </a:prstGeom>
-          <a:solidFill>
-            <a:schemeClr val="accent4"/>
-          </a:solidFill>
-          <a:ln>
-            <a:noFill/>
-          </a:ln>
-        </p:spPr>
-        <p:style>
-          <a:lnRef idx="2">
-            <a:schemeClr val="accent1">
-              <a:shade val="50000"/>
-            </a:schemeClr>
-          </a:lnRef>
-          <a:fillRef idx="1">
-            <a:schemeClr val="accent1"/>
-          </a:fillRef>
-          <a:effectRef idx="0">
-            <a:schemeClr val="accent1"/>
-          </a:effectRef>
-          <a:fontRef idx="minor">
-            <a:schemeClr val="lt1"/>
-          </a:fontRef>
-        </p:style>
-        <p:txBody>
-          <a:bodyPr rtlCol="0" anchor="ctr"/>
-          <a:lstStyle/>
-          <a:p>
-            <a:pPr algn="ctr"/>
-            <a:endParaRPr lang="en-PH" dirty="0"/>
-          </a:p>
-        </p:txBody>
-      </p:sp>
-      <p:sp>
-        <p:nvSpPr>
-          <p:cNvPr id="18" name="Rectangle 17">
-            <a:extLst>
-              <a:ext uri="{FF2B5EF4-FFF2-40B4-BE49-F238E27FC236}">
-                <a16:creationId xmlns:a16="http://schemas.microsoft.com/office/drawing/2014/main" id="{532714EF-A75F-0012-EE79-CF2023873FFF}"/>
-              </a:ext>
-            </a:extLst>
-          </p:cNvPr>
-          <p:cNvSpPr/>
-          <p:nvPr/>
-        </p:nvSpPr>
-        <p:spPr>
-          <a:xfrm>
-            <a:off x="1702856" y="1634702"/>
-            <a:ext cx="9433532" cy="3973617"/>
-          </a:xfrm>
-          <a:prstGeom prst="rect">
-            <a:avLst/>
-          </a:prstGeom>
-          <a:solidFill>
-            <a:schemeClr val="bg1"/>
-          </a:solidFill>
-          <a:ln>
-            <a:noFill/>
-          </a:ln>
-        </p:spPr>
-        <p:style>
-          <a:lnRef idx="2">
-            <a:schemeClr val="accent1">
-              <a:shade val="50000"/>
-            </a:schemeClr>
-          </a:lnRef>
-          <a:fillRef idx="1">
-            <a:schemeClr val="accent1"/>
-          </a:fillRef>
-          <a:effectRef idx="0">
-            <a:schemeClr val="accent1"/>
-          </a:effectRef>
-          <a:fontRef idx="minor">
-            <a:schemeClr val="lt1"/>
-          </a:fontRef>
-        </p:style>
-        <p:txBody>
-          <a:bodyPr rtlCol="0" anchor="ctr"/>
-          <a:lstStyle/>
-          <a:p>
-            <a:pPr algn="ctr"/>
-            <a:endParaRPr lang="en-PH"/>
-          </a:p>
-        </p:txBody>
-      </p:sp>
-      <p:sp>
-        <p:nvSpPr>
-          <p:cNvPr id="19" name="TextBox 18">
-            <a:extLst>
-              <a:ext uri="{FF2B5EF4-FFF2-40B4-BE49-F238E27FC236}">
-                <a16:creationId xmlns:a16="http://schemas.microsoft.com/office/drawing/2014/main" id="{FAC60E80-9592-8C73-02B2-43B0A1977454}"/>
-              </a:ext>
-            </a:extLst>
-          </p:cNvPr>
-          <p:cNvSpPr txBox="1"/>
-          <p:nvPr/>
-        </p:nvSpPr>
-        <p:spPr>
-          <a:xfrm>
-            <a:off x="1788160" y="1254505"/>
-            <a:ext cx="1635760" cy="338554"/>
-          </a:xfrm>
-          <a:prstGeom prst="rect">
-            <a:avLst/>
-          </a:prstGeom>
-          <a:noFill/>
-        </p:spPr>
-        <p:txBody>
-          <a:bodyPr wrap="square" rtlCol="0">
-            <a:spAutoFit/>
-          </a:bodyPr>
-          <a:lstStyle/>
-          <a:p>
-            <a:r>
-              <a:rPr lang="en-PH" sz="1600" b="1" dirty="0">
-                <a:latin typeface="Open Sans" pitchFamily="2" charset="0"/>
-                <a:ea typeface="Open Sans" pitchFamily="2" charset="0"/>
-                <a:cs typeface="Open Sans" pitchFamily="2" charset="0"/>
-              </a:rPr>
-              <a:t>Subject Code</a:t>
-            </a:r>
-          </a:p>
-        </p:txBody>
-      </p:sp>
-      <p:sp>
-        <p:nvSpPr>
-          <p:cNvPr id="20" name="TextBox 19">
-            <a:extLst>
-              <a:ext uri="{FF2B5EF4-FFF2-40B4-BE49-F238E27FC236}">
-                <a16:creationId xmlns:a16="http://schemas.microsoft.com/office/drawing/2014/main" id="{17CC0DF1-92E7-ABD6-5905-4A63FDAAB359}"/>
-              </a:ext>
-            </a:extLst>
-          </p:cNvPr>
-          <p:cNvSpPr txBox="1"/>
-          <p:nvPr/>
-        </p:nvSpPr>
-        <p:spPr>
-          <a:xfrm>
-            <a:off x="3840480" y="1254504"/>
-            <a:ext cx="1635760" cy="338554"/>
-          </a:xfrm>
-          <a:prstGeom prst="rect">
-            <a:avLst/>
-          </a:prstGeom>
-          <a:noFill/>
-        </p:spPr>
-        <p:txBody>
-          <a:bodyPr wrap="square" rtlCol="0">
-            <a:spAutoFit/>
-          </a:bodyPr>
-          <a:lstStyle/>
-          <a:p>
-            <a:r>
-              <a:rPr lang="en-PH" sz="1600" b="1" dirty="0">
-                <a:latin typeface="Open Sans" pitchFamily="2" charset="0"/>
-                <a:ea typeface="Open Sans" pitchFamily="2" charset="0"/>
-                <a:cs typeface="Open Sans" pitchFamily="2" charset="0"/>
-              </a:rPr>
-              <a:t>Subject Name</a:t>
-            </a:r>
-          </a:p>
-        </p:txBody>
-      </p:sp>
-      <p:sp>
-        <p:nvSpPr>
-          <p:cNvPr id="23" name="TextBox 22">
-            <a:extLst>
-              <a:ext uri="{FF2B5EF4-FFF2-40B4-BE49-F238E27FC236}">
-                <a16:creationId xmlns:a16="http://schemas.microsoft.com/office/drawing/2014/main" id="{E7E9A07F-DBD2-9F85-6592-2135A7400408}"/>
-              </a:ext>
-            </a:extLst>
-          </p:cNvPr>
-          <p:cNvSpPr txBox="1"/>
-          <p:nvPr/>
-        </p:nvSpPr>
-        <p:spPr>
-          <a:xfrm>
-            <a:off x="6006341" y="1254504"/>
-            <a:ext cx="922779" cy="338554"/>
-          </a:xfrm>
-          <a:prstGeom prst="rect">
-            <a:avLst/>
-          </a:prstGeom>
-          <a:noFill/>
-        </p:spPr>
-        <p:txBody>
-          <a:bodyPr wrap="square" rtlCol="0">
-            <a:spAutoFit/>
-          </a:bodyPr>
-          <a:lstStyle/>
-          <a:p>
-            <a:r>
-              <a:rPr lang="en-PH" sz="1600" b="1" dirty="0">
-                <a:latin typeface="Open Sans" pitchFamily="2" charset="0"/>
-                <a:ea typeface="Open Sans" pitchFamily="2" charset="0"/>
-                <a:cs typeface="Open Sans" pitchFamily="2" charset="0"/>
-              </a:rPr>
-              <a:t>Course</a:t>
-            </a:r>
-          </a:p>
-        </p:txBody>
-      </p:sp>
-      <p:sp>
-        <p:nvSpPr>
-          <p:cNvPr id="24" name="TextBox 23">
-            <a:extLst>
-              <a:ext uri="{FF2B5EF4-FFF2-40B4-BE49-F238E27FC236}">
-                <a16:creationId xmlns:a16="http://schemas.microsoft.com/office/drawing/2014/main" id="{687A0945-7B16-596A-0F9F-03B0F209FDE1}"/>
-              </a:ext>
-            </a:extLst>
-          </p:cNvPr>
-          <p:cNvSpPr txBox="1"/>
-          <p:nvPr/>
-        </p:nvSpPr>
-        <p:spPr>
-          <a:xfrm>
-            <a:off x="9131008" y="1254504"/>
-            <a:ext cx="1252512" cy="338554"/>
-          </a:xfrm>
-          <a:prstGeom prst="rect">
-            <a:avLst/>
-          </a:prstGeom>
-          <a:noFill/>
-        </p:spPr>
-        <p:txBody>
-          <a:bodyPr wrap="square" rtlCol="0">
-            <a:spAutoFit/>
-          </a:bodyPr>
-          <a:lstStyle/>
-          <a:p>
-            <a:r>
-              <a:rPr lang="en-PH" sz="1600" b="1" dirty="0">
-                <a:latin typeface="Open Sans" pitchFamily="2" charset="0"/>
-                <a:ea typeface="Open Sans" pitchFamily="2" charset="0"/>
-                <a:cs typeface="Open Sans" pitchFamily="2" charset="0"/>
-              </a:rPr>
-              <a:t>Day/Time</a:t>
-            </a:r>
-          </a:p>
-        </p:txBody>
-      </p:sp>
-      <p:sp>
-        <p:nvSpPr>
-          <p:cNvPr id="25" name="TextBox 24">
-            <a:extLst>
-              <a:ext uri="{FF2B5EF4-FFF2-40B4-BE49-F238E27FC236}">
-                <a16:creationId xmlns:a16="http://schemas.microsoft.com/office/drawing/2014/main" id="{D3363410-BC1B-CDE5-D522-B0A82C111FBA}"/>
-              </a:ext>
-            </a:extLst>
-          </p:cNvPr>
-          <p:cNvSpPr txBox="1"/>
-          <p:nvPr/>
-        </p:nvSpPr>
-        <p:spPr>
-          <a:xfrm>
-            <a:off x="7337301" y="1254504"/>
-            <a:ext cx="1339339" cy="338554"/>
-          </a:xfrm>
-          <a:prstGeom prst="rect">
-            <a:avLst/>
-          </a:prstGeom>
-          <a:noFill/>
-        </p:spPr>
-        <p:txBody>
-          <a:bodyPr wrap="square" rtlCol="0">
-            <a:spAutoFit/>
-          </a:bodyPr>
-          <a:lstStyle/>
-          <a:p>
-            <a:r>
-              <a:rPr lang="en-PH" sz="1600" b="1" dirty="0">
-                <a:latin typeface="Open Sans" pitchFamily="2" charset="0"/>
-                <a:ea typeface="Open Sans" pitchFamily="2" charset="0"/>
-                <a:cs typeface="Open Sans" pitchFamily="2" charset="0"/>
-              </a:rPr>
-              <a:t>Year/Block</a:t>
-            </a:r>
-          </a:p>
-        </p:txBody>
-      </p:sp>
-    </p:spTree>
-    <p:extLst>
-      <p:ext uri="{BB962C8B-B14F-4D97-AF65-F5344CB8AC3E}">
-        <p14:creationId xmlns:p14="http://schemas.microsoft.com/office/powerpoint/2010/main" val="3589122615"/>
-      </p:ext>
-    </p:extLst>
-  </p:cSld>
-  <p:clrMapOvr>
-    <a:masterClrMapping/>
-  </p:clrMapOvr>
-</p:sld>
-</file>
-
-<file path=ppt/slides/slide8.xml><?xml version="1.0" encoding="utf-8"?>
-<p:sld xmlns:a="http://schemas.openxmlformats.org/drawingml/2006/main" xmlns:r="http://schemas.openxmlformats.org/officeDocument/2006/relationships" xmlns:p="http://schemas.openxmlformats.org/presentationml/2006/main">
-  <p:cSld>
-    <p:bg>
-      <p:bgPr>
-        <a:solidFill>
-          <a:srgbClr val="E4E9F7"/>
-        </a:solidFill>
-        <a:effectLst/>
-      </p:bgPr>
-    </p:bg>
-    <p:spTree>
-      <p:nvGrpSpPr>
-        <p:cNvPr id="1" name=""/>
-        <p:cNvGrpSpPr/>
-        <p:nvPr/>
-      </p:nvGrpSpPr>
-      <p:grpSpPr>
-        <a:xfrm>
-          <a:off x="0" y="0"/>
-          <a:ext cx="0" cy="0"/>
-          <a:chOff x="0" y="0"/>
-          <a:chExt cx="0" cy="0"/>
-        </a:xfrm>
-      </p:grpSpPr>
-      <p:sp>
-        <p:nvSpPr>
-          <p:cNvPr id="6" name="Rectangle 5">
-            <a:extLst>
-              <a:ext uri="{FF2B5EF4-FFF2-40B4-BE49-F238E27FC236}">
-                <a16:creationId xmlns:a16="http://schemas.microsoft.com/office/drawing/2014/main" id="{3F08A171-B639-2D30-BA43-7C13347043A3}"/>
-              </a:ext>
-            </a:extLst>
-          </p:cNvPr>
-          <p:cNvSpPr/>
-          <p:nvPr/>
-        </p:nvSpPr>
-        <p:spPr>
-          <a:xfrm>
-            <a:off x="0" y="0"/>
-            <a:ext cx="1046480" cy="6858000"/>
-          </a:xfrm>
-          <a:prstGeom prst="rect">
-            <a:avLst/>
-          </a:prstGeom>
-          <a:solidFill>
-            <a:srgbClr val="11101D"/>
-          </a:solidFill>
-          <a:ln>
-            <a:noFill/>
-          </a:ln>
-        </p:spPr>
-        <p:style>
-          <a:lnRef idx="2">
-            <a:schemeClr val="accent1">
-              <a:shade val="50000"/>
-            </a:schemeClr>
-          </a:lnRef>
-          <a:fillRef idx="1">
-            <a:schemeClr val="accent1"/>
-          </a:fillRef>
-          <a:effectRef idx="0">
-            <a:schemeClr val="accent1"/>
-          </a:effectRef>
-          <a:fontRef idx="minor">
-            <a:schemeClr val="lt1"/>
-          </a:fontRef>
-        </p:style>
-        <p:txBody>
-          <a:bodyPr rtlCol="0" anchor="ctr"/>
-          <a:lstStyle/>
-          <a:p>
-            <a:pPr algn="ctr"/>
-            <a:endParaRPr lang="en-PH"/>
-          </a:p>
-        </p:txBody>
-      </p:sp>
-      <p:pic>
-        <p:nvPicPr>
-          <p:cNvPr id="8" name="Graphic 7" descr="Hamburger Menu Icon with solid fill">
-            <a:extLst>
-              <a:ext uri="{FF2B5EF4-FFF2-40B4-BE49-F238E27FC236}">
-                <a16:creationId xmlns:a16="http://schemas.microsoft.com/office/drawing/2014/main" id="{125D96E9-7513-36C2-75F8-9CCA050F58B1}"/>
-              </a:ext>
-            </a:extLst>
-          </p:cNvPr>
-          <p:cNvPicPr>
-            <a:picLocks noChangeAspect="1"/>
-          </p:cNvPicPr>
-          <p:nvPr/>
-        </p:nvPicPr>
-        <p:blipFill>
-          <a:blip r:embed="rId2">
-            <a:extLst>
-              <a:ext uri="{28A0092B-C50C-407E-A947-70E740481C1C}">
-                <a14:useLocalDpi xmlns:a14="http://schemas.microsoft.com/office/drawing/2010/main" val="0"/>
-              </a:ext>
-              <a:ext uri="{96DAC541-7B7A-43D3-8B79-37D633B846F1}">
-                <asvg:svgBlip xmlns:asvg="http://schemas.microsoft.com/office/drawing/2016/SVG/main" r:embed="rId3"/>
-              </a:ext>
-            </a:extLst>
-          </a:blip>
-          <a:stretch>
-            <a:fillRect/>
-          </a:stretch>
-        </p:blipFill>
-        <p:spPr>
-          <a:xfrm>
-            <a:off x="307240" y="147484"/>
-            <a:ext cx="432000" cy="432000"/>
-          </a:xfrm>
-          <a:prstGeom prst="rect">
-            <a:avLst/>
-          </a:prstGeom>
-        </p:spPr>
-      </p:pic>
-      <p:pic>
-        <p:nvPicPr>
-          <p:cNvPr id="10" name="Graphic 9" descr="Bar chart with solid fill">
-            <a:extLst>
-              <a:ext uri="{FF2B5EF4-FFF2-40B4-BE49-F238E27FC236}">
-                <a16:creationId xmlns:a16="http://schemas.microsoft.com/office/drawing/2014/main" id="{8F364BD9-4D34-9378-2539-4FECD2456419}"/>
-              </a:ext>
-            </a:extLst>
-          </p:cNvPr>
-          <p:cNvPicPr>
-            <a:picLocks noChangeAspect="1"/>
-          </p:cNvPicPr>
-          <p:nvPr/>
-        </p:nvPicPr>
-        <p:blipFill>
-          <a:blip r:embed="rId4">
-            <a:extLst>
-              <a:ext uri="{28A0092B-C50C-407E-A947-70E740481C1C}">
-                <a14:useLocalDpi xmlns:a14="http://schemas.microsoft.com/office/drawing/2010/main" val="0"/>
-              </a:ext>
-              <a:ext uri="{96DAC541-7B7A-43D3-8B79-37D633B846F1}">
-                <asvg:svgBlip xmlns:asvg="http://schemas.microsoft.com/office/drawing/2016/SVG/main" r:embed="rId5"/>
-              </a:ext>
-            </a:extLst>
-          </a:blip>
-          <a:stretch>
-            <a:fillRect/>
-          </a:stretch>
-        </p:blipFill>
-        <p:spPr>
-          <a:xfrm>
-            <a:off x="307240" y="4372897"/>
-            <a:ext cx="432000" cy="432000"/>
-          </a:xfrm>
-          <a:prstGeom prst="rect">
-            <a:avLst/>
-          </a:prstGeom>
-        </p:spPr>
-      </p:pic>
-      <p:sp>
-        <p:nvSpPr>
-          <p:cNvPr id="22" name="Rectangle: Rounded Corners 21">
-            <a:extLst>
-              <a:ext uri="{FF2B5EF4-FFF2-40B4-BE49-F238E27FC236}">
-                <a16:creationId xmlns:a16="http://schemas.microsoft.com/office/drawing/2014/main" id="{E80E028C-9018-A074-769F-05777C1DCF3F}"/>
-              </a:ext>
-            </a:extLst>
-          </p:cNvPr>
-          <p:cNvSpPr/>
-          <p:nvPr/>
-        </p:nvSpPr>
-        <p:spPr>
-          <a:xfrm>
-            <a:off x="227686" y="2911240"/>
-            <a:ext cx="576000" cy="576000"/>
-          </a:xfrm>
-          <a:prstGeom prst="roundRect">
-            <a:avLst/>
-          </a:prstGeom>
-          <a:solidFill>
-            <a:srgbClr val="2D2A4C"/>
-          </a:solidFill>
-          <a:ln>
-            <a:noFill/>
-          </a:ln>
-        </p:spPr>
-        <p:style>
-          <a:lnRef idx="2">
-            <a:schemeClr val="accent1">
-              <a:shade val="50000"/>
-            </a:schemeClr>
-          </a:lnRef>
-          <a:fillRef idx="1">
-            <a:schemeClr val="accent1"/>
-          </a:fillRef>
-          <a:effectRef idx="0">
-            <a:schemeClr val="accent1"/>
-          </a:effectRef>
-          <a:fontRef idx="minor">
-            <a:schemeClr val="lt1"/>
-          </a:fontRef>
-        </p:style>
-        <p:txBody>
-          <a:bodyPr rtlCol="0" anchor="ctr"/>
-          <a:lstStyle/>
-          <a:p>
-            <a:pPr algn="ctr"/>
-            <a:endParaRPr lang="en-PH"/>
-          </a:p>
-        </p:txBody>
-      </p:sp>
-      <p:pic>
-        <p:nvPicPr>
-          <p:cNvPr id="14" name="Graphic 13" descr="Books on shelf with solid fill">
-            <a:extLst>
-              <a:ext uri="{FF2B5EF4-FFF2-40B4-BE49-F238E27FC236}">
-                <a16:creationId xmlns:a16="http://schemas.microsoft.com/office/drawing/2014/main" id="{93FB210C-BE5C-3640-8913-9A79263F8F24}"/>
-              </a:ext>
-            </a:extLst>
-          </p:cNvPr>
-          <p:cNvPicPr>
-            <a:picLocks noChangeAspect="1"/>
-          </p:cNvPicPr>
-          <p:nvPr/>
-        </p:nvPicPr>
-        <p:blipFill>
-          <a:blip r:embed="rId6">
-            <a:extLst>
-              <a:ext uri="{28A0092B-C50C-407E-A947-70E740481C1C}">
-                <a14:useLocalDpi xmlns:a14="http://schemas.microsoft.com/office/drawing/2010/main" val="0"/>
-              </a:ext>
-              <a:ext uri="{96DAC541-7B7A-43D3-8B79-37D633B846F1}">
-                <asvg:svgBlip xmlns:asvg="http://schemas.microsoft.com/office/drawing/2016/SVG/main" r:embed="rId7"/>
-              </a:ext>
-            </a:extLst>
-          </a:blip>
-          <a:stretch>
-            <a:fillRect/>
-          </a:stretch>
-        </p:blipFill>
-        <p:spPr>
-          <a:xfrm>
-            <a:off x="307240" y="2964426"/>
-            <a:ext cx="432000" cy="432000"/>
-          </a:xfrm>
-          <a:prstGeom prst="rect">
-            <a:avLst/>
-          </a:prstGeom>
-        </p:spPr>
-      </p:pic>
-      <p:pic>
-        <p:nvPicPr>
-          <p:cNvPr id="16" name="Picture 15" descr="Icon&#10;&#10;Description automatically generated">
-            <a:extLst>
-              <a:ext uri="{FF2B5EF4-FFF2-40B4-BE49-F238E27FC236}">
-                <a16:creationId xmlns:a16="http://schemas.microsoft.com/office/drawing/2014/main" id="{92BAA0B8-9AA3-0757-889B-A6548E1244FC}"/>
-              </a:ext>
-            </a:extLst>
-          </p:cNvPr>
-          <p:cNvPicPr>
-            <a:picLocks noChangeAspect="1"/>
-          </p:cNvPicPr>
-          <p:nvPr/>
-        </p:nvPicPr>
-        <p:blipFill>
-          <a:blip r:embed="rId8">
-            <a:extLst>
-              <a:ext uri="{28A0092B-C50C-407E-A947-70E740481C1C}">
-                <a14:useLocalDpi xmlns:a14="http://schemas.microsoft.com/office/drawing/2010/main" val="0"/>
-              </a:ext>
-            </a:extLst>
-          </a:blip>
-          <a:stretch>
-            <a:fillRect/>
-          </a:stretch>
-        </p:blipFill>
-        <p:spPr>
-          <a:xfrm>
-            <a:off x="307240" y="6066504"/>
-            <a:ext cx="432000" cy="432000"/>
-          </a:xfrm>
-          <a:prstGeom prst="rect">
-            <a:avLst/>
-          </a:prstGeom>
-        </p:spPr>
-      </p:pic>
-      <p:pic>
-        <p:nvPicPr>
-          <p:cNvPr id="21" name="Picture 20" descr="A picture containing icon&#10;&#10;Description automatically generated">
-            <a:extLst>
-              <a:ext uri="{FF2B5EF4-FFF2-40B4-BE49-F238E27FC236}">
-                <a16:creationId xmlns:a16="http://schemas.microsoft.com/office/drawing/2014/main" id="{47805D52-E03C-78B5-A65B-7C69A177FAE8}"/>
-              </a:ext>
-            </a:extLst>
-          </p:cNvPr>
-          <p:cNvPicPr>
-            <a:picLocks noChangeAspect="1"/>
-          </p:cNvPicPr>
-          <p:nvPr/>
-        </p:nvPicPr>
-        <p:blipFill>
-          <a:blip r:embed="rId9">
-            <a:extLst>
-              <a:ext uri="{28A0092B-C50C-407E-A947-70E740481C1C}">
-                <a14:useLocalDpi xmlns:a14="http://schemas.microsoft.com/office/drawing/2010/main" val="0"/>
-              </a:ext>
-            </a:extLst>
-          </a:blip>
-          <a:stretch>
-            <a:fillRect/>
-          </a:stretch>
-        </p:blipFill>
-        <p:spPr>
-          <a:xfrm>
-            <a:off x="306190" y="1440912"/>
-            <a:ext cx="432000" cy="432000"/>
-          </a:xfrm>
-          <a:prstGeom prst="rect">
-            <a:avLst/>
-          </a:prstGeom>
-        </p:spPr>
-      </p:pic>
-      <p:sp>
-        <p:nvSpPr>
-          <p:cNvPr id="2" name="Rectangle 1">
-            <a:extLst>
-              <a:ext uri="{FF2B5EF4-FFF2-40B4-BE49-F238E27FC236}">
-                <a16:creationId xmlns:a16="http://schemas.microsoft.com/office/drawing/2014/main" id="{42960F22-AD6F-16E6-AA21-C2D320AF1B66}"/>
-              </a:ext>
-            </a:extLst>
-          </p:cNvPr>
-          <p:cNvSpPr/>
-          <p:nvPr/>
-        </p:nvSpPr>
-        <p:spPr>
-          <a:xfrm>
-            <a:off x="8934108" y="5825636"/>
-            <a:ext cx="2202280" cy="599440"/>
-          </a:xfrm>
-          <a:prstGeom prst="rect">
-            <a:avLst/>
-          </a:prstGeom>
-          <a:solidFill>
             <a:srgbClr val="2D2A4C"/>
           </a:solidFill>
           <a:ln>
@@ -11780,7 +10835,7 @@
 </p:sld>
 </file>
 
-<file path=ppt/slides/slide9.xml><?xml version="1.0" encoding="utf-8"?>
+<file path=ppt/slides/slide8.xml><?xml version="1.0" encoding="utf-8"?>
 <p:sld xmlns:a="http://schemas.openxmlformats.org/drawingml/2006/main" xmlns:r="http://schemas.openxmlformats.org/officeDocument/2006/relationships" xmlns:p="http://schemas.openxmlformats.org/presentationml/2006/main">
   <p:cSld>
     <p:bg>
